--- a/presentations/Supervisor Review (week 9).pptx
+++ b/presentations/Supervisor Review (week 9).pptx
@@ -5,7 +5,7 @@
     <p:sldMasterId id="2147483768" r:id="rId1"/>
   </p:sldMasterIdLst>
   <p:notesMasterIdLst>
-    <p:notesMasterId r:id="rId42"/>
+    <p:notesMasterId r:id="rId44"/>
   </p:notesMasterIdLst>
   <p:sldIdLst>
     <p:sldId id="256" r:id="rId2"/>
@@ -34,20 +34,22 @@
     <p:sldId id="296" r:id="rId25"/>
     <p:sldId id="301" r:id="rId26"/>
     <p:sldId id="302" r:id="rId27"/>
-    <p:sldId id="293" r:id="rId28"/>
-    <p:sldId id="294" r:id="rId29"/>
-    <p:sldId id="295" r:id="rId30"/>
-    <p:sldId id="304" r:id="rId31"/>
-    <p:sldId id="306" r:id="rId32"/>
-    <p:sldId id="309" r:id="rId33"/>
-    <p:sldId id="308" r:id="rId34"/>
-    <p:sldId id="312" r:id="rId35"/>
-    <p:sldId id="311" r:id="rId36"/>
-    <p:sldId id="307" r:id="rId37"/>
-    <p:sldId id="272" r:id="rId38"/>
-    <p:sldId id="315" r:id="rId39"/>
-    <p:sldId id="314" r:id="rId40"/>
-    <p:sldId id="313" r:id="rId41"/>
+    <p:sldId id="320" r:id="rId28"/>
+    <p:sldId id="321" r:id="rId29"/>
+    <p:sldId id="293" r:id="rId30"/>
+    <p:sldId id="294" r:id="rId31"/>
+    <p:sldId id="295" r:id="rId32"/>
+    <p:sldId id="304" r:id="rId33"/>
+    <p:sldId id="306" r:id="rId34"/>
+    <p:sldId id="309" r:id="rId35"/>
+    <p:sldId id="308" r:id="rId36"/>
+    <p:sldId id="312" r:id="rId37"/>
+    <p:sldId id="311" r:id="rId38"/>
+    <p:sldId id="307" r:id="rId39"/>
+    <p:sldId id="272" r:id="rId40"/>
+    <p:sldId id="315" r:id="rId41"/>
+    <p:sldId id="314" r:id="rId42"/>
+    <p:sldId id="313" r:id="rId43"/>
   </p:sldIdLst>
   <p:sldSz cx="9144000" cy="6858000" type="screen4x3"/>
   <p:notesSz cx="6858000" cy="9144000"/>
@@ -1214,6 +1216,13 @@
         </dgm:presLayoutVars>
       </dgm:prSet>
       <dgm:spPr/>
+      <dgm:t>
+        <a:bodyPr/>
+        <a:lstStyle/>
+        <a:p>
+          <a:endParaRPr lang="en-GB"/>
+        </a:p>
+      </dgm:t>
     </dgm:pt>
     <dgm:pt modelId="{BA3D828B-C66B-415F-9F53-CAA25FD797ED}" type="pres">
       <dgm:prSet presAssocID="{192B2F2A-773B-4136-8D1D-B9FD8D0948D9}" presName="linNode" presStyleCnt="0"/>
@@ -3108,7 +3117,7 @@
           <a:p>
             <a:fld id="{20EF8592-C8A0-4FF8-B5CC-1AE3E715D011}" type="datetimeFigureOut">
               <a:rPr lang="en-GB" smtClean="0"/>
-              <a:t>2015-10-12</a:t>
+              <a:t>2015-10-14</a:t>
             </a:fld>
             <a:endParaRPr lang="en-GB"/>
           </a:p>
@@ -3792,7 +3801,7 @@
           <a:p>
             <a:fld id="{2BC3F5C0-4B33-42A0-A9D8-91B00B64DFB0}" type="datetimeFigureOut">
               <a:rPr lang="en-GB" smtClean="0"/>
-              <a:t>2015-10-12</a:t>
+              <a:t>2015-10-14</a:t>
             </a:fld>
             <a:endParaRPr lang="en-GB"/>
           </a:p>
@@ -4096,7 +4105,7 @@
           <a:p>
             <a:fld id="{2BC3F5C0-4B33-42A0-A9D8-91B00B64DFB0}" type="datetimeFigureOut">
               <a:rPr lang="en-GB" smtClean="0"/>
-              <a:t>2015-10-12</a:t>
+              <a:t>2015-10-14</a:t>
             </a:fld>
             <a:endParaRPr lang="en-GB"/>
           </a:p>
@@ -4374,7 +4383,7 @@
           <a:p>
             <a:fld id="{2BC3F5C0-4B33-42A0-A9D8-91B00B64DFB0}" type="datetimeFigureOut">
               <a:rPr lang="en-GB" smtClean="0"/>
-              <a:t>2015-10-12</a:t>
+              <a:t>2015-10-14</a:t>
             </a:fld>
             <a:endParaRPr lang="en-GB"/>
           </a:p>
@@ -4944,7 +4953,7 @@
           <a:p>
             <a:fld id="{2BC3F5C0-4B33-42A0-A9D8-91B00B64DFB0}" type="datetimeFigureOut">
               <a:rPr lang="en-GB" smtClean="0"/>
-              <a:t>2015-10-12</a:t>
+              <a:t>2015-10-14</a:t>
             </a:fld>
             <a:endParaRPr lang="en-GB"/>
           </a:p>
@@ -5222,7 +5231,7 @@
           <a:p>
             <a:fld id="{2BC3F5C0-4B33-42A0-A9D8-91B00B64DFB0}" type="datetimeFigureOut">
               <a:rPr lang="en-GB" smtClean="0"/>
-              <a:t>2015-10-12</a:t>
+              <a:t>2015-10-14</a:t>
             </a:fld>
             <a:endParaRPr lang="en-GB"/>
           </a:p>
@@ -5784,7 +5793,7 @@
           <a:p>
             <a:fld id="{2BC3F5C0-4B33-42A0-A9D8-91B00B64DFB0}" type="datetimeFigureOut">
               <a:rPr lang="en-GB" smtClean="0"/>
-              <a:t>2015-10-12</a:t>
+              <a:t>2015-10-14</a:t>
             </a:fld>
             <a:endParaRPr lang="en-GB"/>
           </a:p>
@@ -6111,7 +6120,7 @@
           <a:p>
             <a:fld id="{2BC3F5C0-4B33-42A0-A9D8-91B00B64DFB0}" type="datetimeFigureOut">
               <a:rPr lang="en-GB" smtClean="0"/>
-              <a:t>2015-10-12</a:t>
+              <a:t>2015-10-14</a:t>
             </a:fld>
             <a:endParaRPr lang="en-GB"/>
           </a:p>
@@ -6322,7 +6331,7 @@
           <a:p>
             <a:fld id="{2BC3F5C0-4B33-42A0-A9D8-91B00B64DFB0}" type="datetimeFigureOut">
               <a:rPr lang="en-GB" smtClean="0"/>
-              <a:t>2015-10-12</a:t>
+              <a:t>2015-10-14</a:t>
             </a:fld>
             <a:endParaRPr lang="en-GB"/>
           </a:p>
@@ -6538,7 +6547,7 @@
           <a:p>
             <a:fld id="{2BC3F5C0-4B33-42A0-A9D8-91B00B64DFB0}" type="datetimeFigureOut">
               <a:rPr lang="en-GB" smtClean="0"/>
-              <a:t>2015-10-12</a:t>
+              <a:t>2015-10-14</a:t>
             </a:fld>
             <a:endParaRPr lang="en-GB"/>
           </a:p>
@@ -6744,7 +6753,7 @@
           <a:p>
             <a:fld id="{2BC3F5C0-4B33-42A0-A9D8-91B00B64DFB0}" type="datetimeFigureOut">
               <a:rPr lang="en-GB" smtClean="0"/>
-              <a:t>2015-10-12</a:t>
+              <a:t>2015-10-14</a:t>
             </a:fld>
             <a:endParaRPr lang="en-GB"/>
           </a:p>
@@ -7022,7 +7031,7 @@
           <a:p>
             <a:fld id="{2BC3F5C0-4B33-42A0-A9D8-91B00B64DFB0}" type="datetimeFigureOut">
               <a:rPr lang="en-GB" smtClean="0"/>
-              <a:t>2015-10-12</a:t>
+              <a:t>2015-10-14</a:t>
             </a:fld>
             <a:endParaRPr lang="en-GB"/>
           </a:p>
@@ -7288,7 +7297,7 @@
           <a:p>
             <a:fld id="{2BC3F5C0-4B33-42A0-A9D8-91B00B64DFB0}" type="datetimeFigureOut">
               <a:rPr lang="en-GB" smtClean="0"/>
-              <a:t>2015-10-12</a:t>
+              <a:t>2015-10-14</a:t>
             </a:fld>
             <a:endParaRPr lang="en-GB"/>
           </a:p>
@@ -7694,7 +7703,7 @@
           <a:p>
             <a:fld id="{2BC3F5C0-4B33-42A0-A9D8-91B00B64DFB0}" type="datetimeFigureOut">
               <a:rPr lang="en-GB" smtClean="0"/>
-              <a:t>2015-10-12</a:t>
+              <a:t>2015-10-14</a:t>
             </a:fld>
             <a:endParaRPr lang="en-GB"/>
           </a:p>
@@ -7853,7 +7862,7 @@
           <a:p>
             <a:fld id="{2BC3F5C0-4B33-42A0-A9D8-91B00B64DFB0}" type="datetimeFigureOut">
               <a:rPr lang="en-GB" smtClean="0"/>
-              <a:t>2015-10-12</a:t>
+              <a:t>2015-10-14</a:t>
             </a:fld>
             <a:endParaRPr lang="en-GB"/>
           </a:p>
@@ -7978,7 +7987,7 @@
           <a:p>
             <a:fld id="{2BC3F5C0-4B33-42A0-A9D8-91B00B64DFB0}" type="datetimeFigureOut">
               <a:rPr lang="en-GB" smtClean="0"/>
-              <a:t>2015-10-12</a:t>
+              <a:t>2015-10-14</a:t>
             </a:fld>
             <a:endParaRPr lang="en-GB"/>
           </a:p>
@@ -8263,7 +8272,7 @@
           <a:p>
             <a:fld id="{2BC3F5C0-4B33-42A0-A9D8-91B00B64DFB0}" type="datetimeFigureOut">
               <a:rPr lang="en-GB" smtClean="0"/>
-              <a:t>2015-10-12</a:t>
+              <a:t>2015-10-14</a:t>
             </a:fld>
             <a:endParaRPr lang="en-GB"/>
           </a:p>
@@ -8557,7 +8566,7 @@
           <a:p>
             <a:fld id="{2BC3F5C0-4B33-42A0-A9D8-91B00B64DFB0}" type="datetimeFigureOut">
               <a:rPr lang="en-GB" smtClean="0"/>
-              <a:t>2015-10-12</a:t>
+              <a:t>2015-10-14</a:t>
             </a:fld>
             <a:endParaRPr lang="en-GB"/>
           </a:p>
@@ -8771,7 +8780,7 @@
           <a:p>
             <a:fld id="{2BC3F5C0-4B33-42A0-A9D8-91B00B64DFB0}" type="datetimeFigureOut">
               <a:rPr lang="en-GB" smtClean="0"/>
-              <a:t>2015-10-12</a:t>
+              <a:t>2015-10-14</a:t>
             </a:fld>
             <a:endParaRPr lang="en-GB"/>
           </a:p>
@@ -15216,15 +15225,7 @@
           <a:p>
             <a:r>
               <a:rPr lang="en-GB" dirty="0" smtClean="0"/>
-              <a:t>Critical path (Iteration 4</a:t>
-            </a:r>
-            <a:r>
-              <a:rPr lang="en-GB" dirty="0" smtClean="0"/>
-              <a:t>) – Part 1</a:t>
-            </a:r>
-            <a:r>
-              <a:rPr lang="en-GB" dirty="0" smtClean="0"/>
-              <a:t/>
+              <a:t>Critical path (Iteration 4) – Part 1</a:t>
             </a:r>
             <a:br>
               <a:rPr lang="en-GB" dirty="0" smtClean="0"/>
@@ -17660,15 +17661,7 @@
           <a:p>
             <a:r>
               <a:rPr lang="en-GB" dirty="0" smtClean="0"/>
-              <a:t>Critical path (Iteration 4</a:t>
-            </a:r>
-            <a:r>
-              <a:rPr lang="en-GB" dirty="0" smtClean="0"/>
-              <a:t>)- Part 2</a:t>
-            </a:r>
-            <a:r>
-              <a:rPr lang="en-GB" dirty="0" smtClean="0"/>
-              <a:t/>
+              <a:t>Critical path (Iteration 4)- Part 2</a:t>
             </a:r>
             <a:br>
               <a:rPr lang="en-GB" dirty="0" smtClean="0"/>
@@ -18976,27 +18969,7 @@
             </a:br>
             <a:r>
               <a:rPr lang="en-GB" sz="2000" dirty="0" smtClean="0"/>
-              <a:t>23/10 </a:t>
-            </a:r>
-            <a:r>
-              <a:rPr lang="en-GB" sz="2000" dirty="0" smtClean="0"/>
-              <a:t>– </a:t>
-            </a:r>
-            <a:r>
-              <a:rPr lang="en-GB" sz="2000" dirty="0" smtClean="0"/>
-              <a:t>06/11 </a:t>
-            </a:r>
-            <a:r>
-              <a:rPr lang="en-GB" sz="2000" dirty="0" smtClean="0"/>
-              <a:t>(</a:t>
-            </a:r>
-            <a:r>
-              <a:rPr lang="en-GB" sz="2000" dirty="0" smtClean="0"/>
-              <a:t>15 </a:t>
-            </a:r>
-            <a:r>
-              <a:rPr lang="en-GB" sz="2000" dirty="0" smtClean="0"/>
-              <a:t>Days)</a:t>
+              <a:t>23/10 – 06/11 (15 Days)</a:t>
             </a:r>
             <a:endParaRPr lang="en-GB" sz="2000" dirty="0"/>
           </a:p>
@@ -19508,15 +19481,7 @@
                   <a:schemeClr val="tx1"/>
                 </a:solidFill>
               </a:rPr>
-              <a:t> </a:t>
-            </a:r>
-            <a:r>
-              <a:rPr lang="en-GB" sz="1400" dirty="0" smtClean="0">
-                <a:solidFill>
-                  <a:schemeClr val="tx1"/>
-                </a:solidFill>
-              </a:rPr>
-              <a:t>Days</a:t>
+              <a:t> Days</a:t>
             </a:r>
             <a:endParaRPr lang="en-GB" sz="1400" dirty="0">
               <a:solidFill>
@@ -20179,15 +20144,7 @@
                   <a:schemeClr val="tx1"/>
                 </a:solidFill>
               </a:rPr>
-              <a:t>Integrate </a:t>
-            </a:r>
-            <a:r>
-              <a:rPr lang="en-GB" sz="1400" dirty="0" smtClean="0">
-                <a:solidFill>
-                  <a:schemeClr val="tx1"/>
-                </a:solidFill>
-              </a:rPr>
-              <a:t>Functionalities</a:t>
+              <a:t>Integrate Functionalities</a:t>
             </a:r>
           </a:p>
           <a:p>
@@ -21018,50 +20975,14 @@
           <a:p>
             <a:r>
               <a:rPr lang="en-GB" dirty="0" smtClean="0"/>
-              <a:t>Critical path (Iteration </a:t>
-            </a:r>
-            <a:r>
-              <a:rPr lang="en-GB" dirty="0" smtClean="0"/>
-              <a:t>6)</a:t>
-            </a:r>
-            <a:r>
-              <a:rPr lang="en-GB" dirty="0" smtClean="0"/>
-              <a:t/>
+              <a:t>Critical path (Iteration 6)</a:t>
             </a:r>
             <a:br>
               <a:rPr lang="en-GB" dirty="0" smtClean="0"/>
             </a:br>
             <a:r>
               <a:rPr lang="en-GB" sz="2000" dirty="0" smtClean="0"/>
-              <a:t>06</a:t>
-            </a:r>
-            <a:r>
-              <a:rPr lang="en-GB" sz="2000" dirty="0" smtClean="0"/>
-              <a:t>/11 </a:t>
-            </a:r>
-            <a:r>
-              <a:rPr lang="en-GB" sz="2000" dirty="0" smtClean="0"/>
-              <a:t>– </a:t>
-            </a:r>
-            <a:r>
-              <a:rPr lang="en-GB" sz="2000" dirty="0" smtClean="0"/>
-              <a:t>20</a:t>
-            </a:r>
-            <a:r>
-              <a:rPr lang="en-GB" sz="2000" dirty="0" smtClean="0"/>
-              <a:t>/11 </a:t>
-            </a:r>
-            <a:r>
-              <a:rPr lang="en-GB" sz="2000" dirty="0" smtClean="0"/>
-              <a:t>(</a:t>
-            </a:r>
-            <a:r>
-              <a:rPr lang="en-GB" sz="2000" dirty="0" smtClean="0"/>
-              <a:t>15 </a:t>
-            </a:r>
-            <a:r>
-              <a:rPr lang="en-GB" sz="2000" dirty="0" smtClean="0"/>
-              <a:t>Days)</a:t>
+              <a:t>06/11 – 20/11 (15 Days)</a:t>
             </a:r>
             <a:endParaRPr lang="en-GB" sz="2000" dirty="0"/>
           </a:p>
@@ -21814,15 +21735,7 @@
                   <a:schemeClr val="tx1"/>
                 </a:solidFill>
               </a:rPr>
-              <a:t>4</a:t>
-            </a:r>
-            <a:r>
-              <a:rPr lang="en-GB" sz="1400" dirty="0" smtClean="0">
-                <a:solidFill>
-                  <a:schemeClr val="tx1"/>
-                </a:solidFill>
-              </a:rPr>
-              <a:t> Days</a:t>
+              <a:t>4 Days</a:t>
             </a:r>
             <a:endParaRPr lang="en-GB" sz="1400" dirty="0">
               <a:solidFill>
@@ -22626,59 +22539,7 @@
                   <a:srgbClr val="212121"/>
                 </a:solidFill>
               </a:rPr>
-              <a:t> </a:t>
-            </a:r>
-            <a:r>
-              <a:rPr lang="en-SG" sz="2800" dirty="0" smtClean="0">
-                <a:ln>
-                  <a:solidFill>
-                    <a:schemeClr val="bg1"/>
-                  </a:solidFill>
-                </a:ln>
-                <a:solidFill>
-                  <a:srgbClr val="212121"/>
-                </a:solidFill>
-              </a:rPr>
-              <a:t>tasks/ </a:t>
-            </a:r>
-            <a:r>
-              <a:rPr lang="en-SG" sz="2800" dirty="0" smtClean="0">
-                <a:ln>
-                  <a:solidFill>
-                    <a:schemeClr val="bg1"/>
-                  </a:solidFill>
-                </a:ln>
-                <a:solidFill>
-                  <a:srgbClr val="212121"/>
-                </a:solidFill>
-              </a:rPr>
-              <a:t>42</a:t>
-            </a:r>
-            <a:r>
-              <a:rPr lang="en-SG" sz="2800" dirty="0" smtClean="0">
-                <a:ln>
-                  <a:solidFill>
-                    <a:schemeClr val="bg1"/>
-                  </a:solidFill>
-                </a:ln>
-                <a:solidFill>
-                  <a:srgbClr val="212121"/>
-                </a:solidFill>
-              </a:rPr>
-              <a:t> </a:t>
-            </a:r>
-            <a:r>
-              <a:rPr lang="en-SG" sz="2800" dirty="0" smtClean="0">
-                <a:ln>
-                  <a:solidFill>
-                    <a:schemeClr val="bg1"/>
-                  </a:solidFill>
-                </a:ln>
-                <a:solidFill>
-                  <a:srgbClr val="212121"/>
-                </a:solidFill>
-              </a:rPr>
-              <a:t>tasks</a:t>
+              <a:t> tasks/ 42 tasks</a:t>
             </a:r>
             <a:endParaRPr lang="en-SG" sz="2800" dirty="0">
               <a:ln>
@@ -22928,20 +22789,7 @@
                   <a:srgbClr val="212121"/>
                 </a:solidFill>
               </a:rPr>
-              <a:t>35 tasks/42 </a:t>
-            </a:r>
-            <a:r>
-              <a:rPr lang="en-SG" sz="2800" dirty="0" smtClean="0">
-                <a:ln>
-                  <a:solidFill>
-                    <a:schemeClr val="bg1"/>
-                  </a:solidFill>
-                </a:ln>
-                <a:solidFill>
-                  <a:srgbClr val="212121"/>
-                </a:solidFill>
-              </a:rPr>
-              <a:t>tasks</a:t>
+              <a:t>35 tasks/42 tasks</a:t>
             </a:r>
             <a:endParaRPr lang="en-SG" sz="2800" dirty="0">
               <a:ln>
@@ -24238,15 +24086,7 @@
                   <a:schemeClr val="bg2"/>
                 </a:solidFill>
               </a:rPr>
-              <a:t>+ </a:t>
-            </a:r>
-            <a:r>
-              <a:rPr lang="en-SG" sz="2400" dirty="0" smtClean="0">
-                <a:solidFill>
-                  <a:schemeClr val="bg2"/>
-                </a:solidFill>
-              </a:rPr>
-              <a:t>5 </a:t>
+              <a:t>+ 5 </a:t>
             </a:r>
             <a:r>
               <a:rPr lang="en-SG" sz="2400" dirty="0">
@@ -24272,23 +24112,7 @@
                   <a:schemeClr val="bg2"/>
                 </a:solidFill>
               </a:rPr>
-              <a:t>	</a:t>
-            </a:r>
-            <a:r>
-              <a:rPr lang="en-SG" sz="2400" dirty="0" smtClean="0">
-                <a:solidFill>
-                  <a:schemeClr val="bg2"/>
-                </a:solidFill>
-              </a:rPr>
-              <a:t>+</a:t>
-            </a:r>
-            <a:r>
-              <a:rPr lang="en-SG" sz="2400" dirty="0" smtClean="0">
-                <a:solidFill>
-                  <a:schemeClr val="bg2"/>
-                </a:solidFill>
-              </a:rPr>
-              <a:t>10 </a:t>
+              <a:t>	+10 </a:t>
             </a:r>
             <a:r>
               <a:rPr lang="en-SG" sz="2400" dirty="0">
@@ -24953,7 +24777,7 @@
       </p:pic>
       <p:graphicFrame>
         <p:nvGraphicFramePr>
-          <p:cNvPr id="15" name="Content Placeholder 14"/>
+          <p:cNvPr id="7" name="Content Placeholder 6"/>
           <p:cNvGraphicFramePr>
             <a:graphicFrameLocks noGrp="1"/>
           </p:cNvGraphicFramePr>
@@ -24961,14 +24785,14 @@
             <p:ph idx="1"/>
             <p:extLst>
               <p:ext uri="{D42A27DB-BD31-4B8C-83A1-F6EECF244321}">
-                <p14:modId xmlns:p14="http://schemas.microsoft.com/office/powerpoint/2010/main" val="4099547083"/>
+                <p14:modId xmlns:p14="http://schemas.microsoft.com/office/powerpoint/2010/main" val="2232116320"/>
               </p:ext>
             </p:extLst>
           </p:nvPr>
         </p:nvGraphicFramePr>
         <p:xfrm>
-          <a:off x="736600" y="1226817"/>
-          <a:ext cx="7772402" cy="4657470"/>
+          <a:off x="590378" y="1090383"/>
+          <a:ext cx="7796281" cy="5387978"/>
         </p:xfrm>
         <a:graphic>
           <a:graphicData uri="http://schemas.openxmlformats.org/drawingml/2006/table">
@@ -24977,15 +24801,15 @@
                 <a:tableStyleId>{5C22544A-7EE6-4342-B048-85BDC9FD1C3A}</a:tableStyleId>
               </a:tblPr>
               <a:tblGrid>
-                <a:gridCol w="866133"/>
-                <a:gridCol w="866133"/>
-                <a:gridCol w="638203"/>
-                <a:gridCol w="866133"/>
-                <a:gridCol w="866133"/>
-                <a:gridCol w="2803534"/>
-                <a:gridCol w="866133"/>
+                <a:gridCol w="868794"/>
+                <a:gridCol w="868794"/>
+                <a:gridCol w="640164"/>
+                <a:gridCol w="868794"/>
+                <a:gridCol w="868794"/>
+                <a:gridCol w="2812147"/>
+                <a:gridCol w="868794"/>
               </a:tblGrid>
-              <a:tr h="179495">
+              <a:tr h="188886">
                 <a:tc>
                   <a:txBody>
                     <a:bodyPr/>
@@ -24993,12 +24817,12 @@
                     <a:p>
                       <a:pPr algn="l" fontAlgn="b"/>
                       <a:r>
-                        <a:rPr lang="en-GB" sz="1200" u="none" strike="noStrike" dirty="0">
+                        <a:rPr lang="en-GB" sz="1200" u="none" strike="noStrike">
                           <a:effectLst/>
                         </a:rPr>
                         <a:t>Issue</a:t>
                       </a:r>
-                      <a:endParaRPr lang="en-GB" sz="1200" b="1" i="0" u="none" strike="noStrike" dirty="0">
+                      <a:endParaRPr lang="en-GB" sz="1200" b="1" i="0" u="none" strike="noStrike">
                         <a:solidFill>
                           <a:srgbClr val="000000"/>
                         </a:solidFill>
@@ -25007,7 +24831,7 @@
                       </a:endParaRPr>
                     </a:p>
                   </a:txBody>
-                  <a:tcPr marL="8547" marR="8547" marT="8547" marB="0" anchor="b"/>
+                  <a:tcPr marL="7678" marR="7678" marT="7678" marB="0" anchor="b"/>
                 </a:tc>
                 <a:tc>
                   <a:txBody>
@@ -25030,7 +24854,7 @@
                       </a:endParaRPr>
                     </a:p>
                   </a:txBody>
-                  <a:tcPr marL="8547" marR="8547" marT="8547" marB="0" anchor="b"/>
+                  <a:tcPr marL="7678" marR="7678" marT="7678" marB="0" anchor="b"/>
                 </a:tc>
                 <a:tc>
                   <a:txBody>
@@ -25053,7 +24877,7 @@
                       </a:endParaRPr>
                     </a:p>
                   </a:txBody>
-                  <a:tcPr marL="8547" marR="8547" marT="8547" marB="0" anchor="b"/>
+                  <a:tcPr marL="7678" marR="7678" marT="7678" marB="0" anchor="b"/>
                 </a:tc>
                 <a:tc>
                   <a:txBody>
@@ -25076,7 +24900,7 @@
                       </a:endParaRPr>
                     </a:p>
                   </a:txBody>
-                  <a:tcPr marL="8547" marR="8547" marT="8547" marB="0" anchor="b"/>
+                  <a:tcPr marL="7678" marR="7678" marT="7678" marB="0" anchor="b"/>
                 </a:tc>
                 <a:tc>
                   <a:txBody>
@@ -25099,7 +24923,7 @@
                       </a:endParaRPr>
                     </a:p>
                   </a:txBody>
-                  <a:tcPr marL="8547" marR="8547" marT="8547" marB="0" anchor="b"/>
+                  <a:tcPr marL="7678" marR="7678" marT="7678" marB="0" anchor="b"/>
                 </a:tc>
                 <a:tc>
                   <a:txBody>
@@ -25122,7 +24946,7 @@
                       </a:endParaRPr>
                     </a:p>
                   </a:txBody>
-                  <a:tcPr marL="8547" marR="8547" marT="8547" marB="0" anchor="b"/>
+                  <a:tcPr marL="7678" marR="7678" marT="7678" marB="0" anchor="b"/>
                 </a:tc>
                 <a:tc>
                   <a:txBody>
@@ -25145,10 +24969,10 @@
                       </a:endParaRPr>
                     </a:p>
                   </a:txBody>
-                  <a:tcPr marL="8547" marR="8547" marT="8547" marB="0" anchor="b"/>
+                  <a:tcPr marL="7678" marR="7678" marT="7678" marB="0" anchor="b"/>
                 </a:tc>
               </a:tr>
-              <a:tr h="179495">
+              <a:tr h="386769">
                 <a:tc>
                   <a:txBody>
                     <a:bodyPr/>
@@ -25170,7 +24994,496 @@
                       </a:endParaRPr>
                     </a:p>
                   </a:txBody>
-                  <a:tcPr marL="8547" marR="8547" marT="8547" marB="0" anchor="b"/>
+                  <a:tcPr marL="7678" marR="7678" marT="7678" marB="0" anchor="b"/>
+                </a:tc>
+                <a:tc>
+                  <a:txBody>
+                    <a:bodyPr/>
+                    <a:lstStyle/>
+                    <a:p>
+                      <a:pPr algn="l" fontAlgn="b"/>
+                      <a:r>
+                        <a:rPr lang="en-GB" sz="1200" u="none" strike="noStrike">
+                          <a:effectLst/>
+                        </a:rPr>
+                        <a:t>Bootstrap - Main Function</a:t>
+                      </a:r>
+                      <a:endParaRPr lang="en-GB" sz="1200" b="0" i="0" u="none" strike="noStrike">
+                        <a:solidFill>
+                          <a:srgbClr val="000000"/>
+                        </a:solidFill>
+                        <a:effectLst/>
+                        <a:latin typeface="Arial" panose="020B0604020202020204" pitchFamily="34" charset="0"/>
+                      </a:endParaRPr>
+                    </a:p>
+                  </a:txBody>
+                  <a:tcPr marL="7678" marR="7678" marT="7678" marB="0" anchor="b"/>
+                </a:tc>
+                <a:tc>
+                  <a:txBody>
+                    <a:bodyPr/>
+                    <a:lstStyle/>
+                    <a:p>
+                      <a:pPr algn="l" fontAlgn="b"/>
+                      <a:r>
+                        <a:rPr lang="en-GB" sz="1200" u="none" strike="noStrike">
+                          <a:effectLst/>
+                        </a:rPr>
+                        <a:t>C</a:t>
+                      </a:r>
+                      <a:endParaRPr lang="en-GB" sz="1200" b="0" i="0" u="none" strike="noStrike">
+                        <a:solidFill>
+                          <a:srgbClr val="999999"/>
+                        </a:solidFill>
+                        <a:effectLst/>
+                        <a:latin typeface="Arial" panose="020B0604020202020204" pitchFamily="34" charset="0"/>
+                      </a:endParaRPr>
+                    </a:p>
+                  </a:txBody>
+                  <a:tcPr marL="7678" marR="7678" marT="7678" marB="0" anchor="b"/>
+                </a:tc>
+                <a:tc>
+                  <a:txBody>
+                    <a:bodyPr/>
+                    <a:lstStyle/>
+                    <a:p>
+                      <a:pPr algn="l" fontAlgn="b"/>
+                      <a:r>
+                        <a:rPr lang="en-GB" sz="1200" u="none" strike="noStrike">
+                          <a:effectLst/>
+                        </a:rPr>
+                        <a:t>10</a:t>
+                      </a:r>
+                      <a:endParaRPr lang="en-GB" sz="1200" b="0" i="0" u="none" strike="noStrike">
+                        <a:solidFill>
+                          <a:srgbClr val="999999"/>
+                        </a:solidFill>
+                        <a:effectLst/>
+                        <a:latin typeface="Arial" panose="020B0604020202020204" pitchFamily="34" charset="0"/>
+                      </a:endParaRPr>
+                    </a:p>
+                  </a:txBody>
+                  <a:tcPr marL="7678" marR="7678" marT="7678" marB="0" anchor="b"/>
+                </a:tc>
+                <a:tc>
+                  <a:txBody>
+                    <a:bodyPr/>
+                    <a:lstStyle/>
+                    <a:p>
+                      <a:pPr algn="r" fontAlgn="b"/>
+                      <a:r>
+                        <a:rPr lang="en-GB" sz="1200" u="none" strike="noStrike">
+                          <a:effectLst/>
+                        </a:rPr>
+                        <a:t>0</a:t>
+                      </a:r>
+                      <a:endParaRPr lang="en-GB" sz="1200" b="0" i="0" u="none" strike="noStrike">
+                        <a:solidFill>
+                          <a:srgbClr val="999999"/>
+                        </a:solidFill>
+                        <a:effectLst/>
+                        <a:latin typeface="Arial" panose="020B0604020202020204" pitchFamily="34" charset="0"/>
+                      </a:endParaRPr>
+                    </a:p>
+                  </a:txBody>
+                  <a:tcPr marL="7678" marR="7678" marT="7678" marB="0" anchor="b"/>
+                </a:tc>
+                <a:tc>
+                  <a:txBody>
+                    <a:bodyPr/>
+                    <a:lstStyle/>
+                    <a:p>
+                      <a:pPr algn="l" fontAlgn="b"/>
+                      <a:r>
+                        <a:rPr lang="en-GB" sz="1200" u="none" strike="noStrike">
+                          <a:effectLst/>
+                        </a:rPr>
+                        <a:t>test</a:t>
+                      </a:r>
+                      <a:endParaRPr lang="en-GB" sz="1200" b="0" i="0" u="none" strike="noStrike">
+                        <a:solidFill>
+                          <a:srgbClr val="999999"/>
+                        </a:solidFill>
+                        <a:effectLst/>
+                        <a:latin typeface="Arial" panose="020B0604020202020204" pitchFamily="34" charset="0"/>
+                      </a:endParaRPr>
+                    </a:p>
+                  </a:txBody>
+                  <a:tcPr marL="7678" marR="7678" marT="7678" marB="0" anchor="b"/>
+                </a:tc>
+                <a:tc>
+                  <a:txBody>
+                    <a:bodyPr/>
+                    <a:lstStyle/>
+                    <a:p>
+                      <a:pPr algn="l" fontAlgn="b"/>
+                      <a:r>
+                        <a:rPr lang="en-GB" sz="1200" u="none" strike="noStrike">
+                          <a:effectLst/>
+                        </a:rPr>
+                        <a:t>Y</a:t>
+                      </a:r>
+                      <a:endParaRPr lang="en-GB" sz="1200" b="0" i="0" u="none" strike="noStrike">
+                        <a:solidFill>
+                          <a:srgbClr val="999999"/>
+                        </a:solidFill>
+                        <a:effectLst/>
+                        <a:latin typeface="Arial" panose="020B0604020202020204" pitchFamily="34" charset="0"/>
+                      </a:endParaRPr>
+                    </a:p>
+                  </a:txBody>
+                  <a:tcPr marL="7678" marR="7678" marT="7678" marB="0" anchor="b"/>
+                </a:tc>
+              </a:tr>
+              <a:tr h="188886">
+                <a:tc>
+                  <a:txBody>
+                    <a:bodyPr/>
+                    <a:lstStyle/>
+                    <a:p>
+                      <a:pPr algn="r" fontAlgn="b"/>
+                      <a:r>
+                        <a:rPr lang="en-GB" sz="1200" u="none" strike="noStrike">
+                          <a:effectLst/>
+                        </a:rPr>
+                        <a:t>2</a:t>
+                      </a:r>
+                      <a:endParaRPr lang="en-GB" sz="1200" b="0" i="0" u="none" strike="noStrike">
+                        <a:solidFill>
+                          <a:srgbClr val="000000"/>
+                        </a:solidFill>
+                        <a:effectLst/>
+                        <a:latin typeface="Arial" panose="020B0604020202020204" pitchFamily="34" charset="0"/>
+                      </a:endParaRPr>
+                    </a:p>
+                  </a:txBody>
+                  <a:tcPr marL="7678" marR="7678" marT="7678" marB="0" anchor="b"/>
+                </a:tc>
+                <a:tc>
+                  <a:txBody>
+                    <a:bodyPr/>
+                    <a:lstStyle/>
+                    <a:p>
+                      <a:pPr algn="l" fontAlgn="b"/>
+                      <a:r>
+                        <a:rPr lang="en-GB" sz="1200" u="none" strike="noStrike">
+                          <a:effectLst/>
+                        </a:rPr>
+                        <a:t>Heatmap</a:t>
+                      </a:r>
+                      <a:endParaRPr lang="en-GB" sz="1200" b="0" i="0" u="none" strike="noStrike">
+                        <a:solidFill>
+                          <a:srgbClr val="000000"/>
+                        </a:solidFill>
+                        <a:effectLst/>
+                        <a:latin typeface="Arial" panose="020B0604020202020204" pitchFamily="34" charset="0"/>
+                      </a:endParaRPr>
+                    </a:p>
+                  </a:txBody>
+                  <a:tcPr marL="7678" marR="7678" marT="7678" marB="0" anchor="b"/>
+                </a:tc>
+                <a:tc>
+                  <a:txBody>
+                    <a:bodyPr/>
+                    <a:lstStyle/>
+                    <a:p>
+                      <a:pPr algn="l" fontAlgn="b"/>
+                      <a:r>
+                        <a:rPr lang="en-GB" sz="1200" u="none" strike="noStrike">
+                          <a:effectLst/>
+                        </a:rPr>
+                        <a:t>L</a:t>
+                      </a:r>
+                      <a:endParaRPr lang="en-GB" sz="1200" b="0" i="0" u="none" strike="noStrike">
+                        <a:solidFill>
+                          <a:srgbClr val="999999"/>
+                        </a:solidFill>
+                        <a:effectLst/>
+                        <a:latin typeface="Arial" panose="020B0604020202020204" pitchFamily="34" charset="0"/>
+                      </a:endParaRPr>
+                    </a:p>
+                  </a:txBody>
+                  <a:tcPr marL="7678" marR="7678" marT="7678" marB="0" anchor="b"/>
+                </a:tc>
+                <a:tc>
+                  <a:txBody>
+                    <a:bodyPr/>
+                    <a:lstStyle/>
+                    <a:p>
+                      <a:pPr algn="l" fontAlgn="b"/>
+                      <a:r>
+                        <a:rPr lang="en-GB" sz="1200" u="none" strike="noStrike">
+                          <a:effectLst/>
+                        </a:rPr>
+                        <a:t>1</a:t>
+                      </a:r>
+                      <a:endParaRPr lang="en-GB" sz="1200" b="0" i="0" u="none" strike="noStrike">
+                        <a:solidFill>
+                          <a:srgbClr val="999999"/>
+                        </a:solidFill>
+                        <a:effectLst/>
+                        <a:latin typeface="Arial" panose="020B0604020202020204" pitchFamily="34" charset="0"/>
+                      </a:endParaRPr>
+                    </a:p>
+                  </a:txBody>
+                  <a:tcPr marL="7678" marR="7678" marT="7678" marB="0" anchor="b"/>
+                </a:tc>
+                <a:tc>
+                  <a:txBody>
+                    <a:bodyPr/>
+                    <a:lstStyle/>
+                    <a:p>
+                      <a:pPr algn="r" fontAlgn="b"/>
+                      <a:r>
+                        <a:rPr lang="en-GB" sz="1200" u="none" strike="noStrike">
+                          <a:effectLst/>
+                        </a:rPr>
+                        <a:t>0</a:t>
+                      </a:r>
+                      <a:endParaRPr lang="en-GB" sz="1200" b="0" i="0" u="none" strike="noStrike">
+                        <a:solidFill>
+                          <a:srgbClr val="999999"/>
+                        </a:solidFill>
+                        <a:effectLst/>
+                        <a:latin typeface="Arial" panose="020B0604020202020204" pitchFamily="34" charset="0"/>
+                      </a:endParaRPr>
+                    </a:p>
+                  </a:txBody>
+                  <a:tcPr marL="7678" marR="7678" marT="7678" marB="0" anchor="b"/>
+                </a:tc>
+                <a:tc>
+                  <a:txBody>
+                    <a:bodyPr/>
+                    <a:lstStyle/>
+                    <a:p>
+                      <a:pPr algn="l" fontAlgn="b"/>
+                      <a:r>
+                        <a:rPr lang="en-GB" sz="1200" u="none" strike="noStrike">
+                          <a:effectLst/>
+                        </a:rPr>
+                        <a:t>semanticplace in json output not sorted</a:t>
+                      </a:r>
+                      <a:endParaRPr lang="en-GB" sz="1200" b="0" i="0" u="none" strike="noStrike">
+                        <a:solidFill>
+                          <a:srgbClr val="999999"/>
+                        </a:solidFill>
+                        <a:effectLst/>
+                        <a:latin typeface="Arial" panose="020B0604020202020204" pitchFamily="34" charset="0"/>
+                      </a:endParaRPr>
+                    </a:p>
+                  </a:txBody>
+                  <a:tcPr marL="7678" marR="7678" marT="7678" marB="0" anchor="b"/>
+                </a:tc>
+                <a:tc>
+                  <a:txBody>
+                    <a:bodyPr/>
+                    <a:lstStyle/>
+                    <a:p>
+                      <a:pPr algn="l" fontAlgn="b"/>
+                      <a:r>
+                        <a:rPr lang="en-GB" sz="1200" u="none" strike="noStrike">
+                          <a:effectLst/>
+                        </a:rPr>
+                        <a:t>Y</a:t>
+                      </a:r>
+                      <a:endParaRPr lang="en-GB" sz="1200" b="0" i="0" u="none" strike="noStrike">
+                        <a:solidFill>
+                          <a:srgbClr val="999999"/>
+                        </a:solidFill>
+                        <a:effectLst/>
+                        <a:latin typeface="Arial" panose="020B0604020202020204" pitchFamily="34" charset="0"/>
+                      </a:endParaRPr>
+                    </a:p>
+                  </a:txBody>
+                  <a:tcPr marL="7678" marR="7678" marT="7678" marB="0" anchor="b"/>
+                </a:tc>
+              </a:tr>
+              <a:tr h="188886">
+                <a:tc>
+                  <a:txBody>
+                    <a:bodyPr/>
+                    <a:lstStyle/>
+                    <a:p>
+                      <a:pPr algn="r" fontAlgn="b"/>
+                      <a:r>
+                        <a:rPr lang="en-GB" sz="1200" u="none" strike="noStrike">
+                          <a:effectLst/>
+                        </a:rPr>
+                        <a:t>3</a:t>
+                      </a:r>
+                      <a:endParaRPr lang="en-GB" sz="1200" b="0" i="0" u="none" strike="noStrike">
+                        <a:solidFill>
+                          <a:srgbClr val="000000"/>
+                        </a:solidFill>
+                        <a:effectLst/>
+                        <a:latin typeface="Arial" panose="020B0604020202020204" pitchFamily="34" charset="0"/>
+                      </a:endParaRPr>
+                    </a:p>
+                  </a:txBody>
+                  <a:tcPr marL="7678" marR="7678" marT="7678" marB="0" anchor="b"/>
+                </a:tc>
+                <a:tc>
+                  <a:txBody>
+                    <a:bodyPr/>
+                    <a:lstStyle/>
+                    <a:p>
+                      <a:pPr algn="l" fontAlgn="b"/>
+                      <a:r>
+                        <a:rPr lang="en-GB" sz="1200" u="none" strike="noStrike">
+                          <a:effectLst/>
+                        </a:rPr>
+                        <a:t>JSONs</a:t>
+                      </a:r>
+                      <a:endParaRPr lang="en-GB" sz="1200" b="0" i="0" u="none" strike="noStrike">
+                        <a:solidFill>
+                          <a:srgbClr val="000000"/>
+                        </a:solidFill>
+                        <a:effectLst/>
+                        <a:latin typeface="Arial" panose="020B0604020202020204" pitchFamily="34" charset="0"/>
+                      </a:endParaRPr>
+                    </a:p>
+                  </a:txBody>
+                  <a:tcPr marL="7678" marR="7678" marT="7678" marB="0" anchor="b"/>
+                </a:tc>
+                <a:tc>
+                  <a:txBody>
+                    <a:bodyPr/>
+                    <a:lstStyle/>
+                    <a:p>
+                      <a:pPr algn="l" fontAlgn="b"/>
+                      <a:r>
+                        <a:rPr lang="en-GB" sz="1200" u="none" strike="noStrike">
+                          <a:effectLst/>
+                        </a:rPr>
+                        <a:t>L</a:t>
+                      </a:r>
+                      <a:endParaRPr lang="en-GB" sz="1200" b="0" i="0" u="none" strike="noStrike">
+                        <a:solidFill>
+                          <a:srgbClr val="999999"/>
+                        </a:solidFill>
+                        <a:effectLst/>
+                        <a:latin typeface="Arial" panose="020B0604020202020204" pitchFamily="34" charset="0"/>
+                      </a:endParaRPr>
+                    </a:p>
+                  </a:txBody>
+                  <a:tcPr marL="7678" marR="7678" marT="7678" marB="0" anchor="b"/>
+                </a:tc>
+                <a:tc>
+                  <a:txBody>
+                    <a:bodyPr/>
+                    <a:lstStyle/>
+                    <a:p>
+                      <a:pPr algn="l" fontAlgn="b"/>
+                      <a:r>
+                        <a:rPr lang="en-GB" sz="1200" u="none" strike="noStrike">
+                          <a:effectLst/>
+                        </a:rPr>
+                        <a:t>1</a:t>
+                      </a:r>
+                      <a:endParaRPr lang="en-GB" sz="1200" b="0" i="0" u="none" strike="noStrike">
+                        <a:solidFill>
+                          <a:srgbClr val="999999"/>
+                        </a:solidFill>
+                        <a:effectLst/>
+                        <a:latin typeface="Arial" panose="020B0604020202020204" pitchFamily="34" charset="0"/>
+                      </a:endParaRPr>
+                    </a:p>
+                  </a:txBody>
+                  <a:tcPr marL="7678" marR="7678" marT="7678" marB="0" anchor="b"/>
+                </a:tc>
+                <a:tc>
+                  <a:txBody>
+                    <a:bodyPr/>
+                    <a:lstStyle/>
+                    <a:p>
+                      <a:pPr algn="r" fontAlgn="b"/>
+                      <a:r>
+                        <a:rPr lang="en-GB" sz="1200" u="none" strike="noStrike">
+                          <a:effectLst/>
+                        </a:rPr>
+                        <a:t>0</a:t>
+                      </a:r>
+                      <a:endParaRPr lang="en-GB" sz="1200" b="0" i="0" u="none" strike="noStrike">
+                        <a:solidFill>
+                          <a:srgbClr val="999999"/>
+                        </a:solidFill>
+                        <a:effectLst/>
+                        <a:latin typeface="Arial" panose="020B0604020202020204" pitchFamily="34" charset="0"/>
+                      </a:endParaRPr>
+                    </a:p>
+                  </a:txBody>
+                  <a:tcPr marL="7678" marR="7678" marT="7678" marB="0" anchor="b"/>
+                </a:tc>
+                <a:tc>
+                  <a:txBody>
+                    <a:bodyPr/>
+                    <a:lstStyle/>
+                    <a:p>
+                      <a:pPr algn="l" fontAlgn="b"/>
+                      <a:r>
+                        <a:rPr lang="en-GB" sz="1200" u="none" strike="noStrike">
+                          <a:effectLst/>
+                        </a:rPr>
+                        <a:t>Jsons ordering unable to suit to wiki's requirements</a:t>
+                      </a:r>
+                      <a:endParaRPr lang="en-GB" sz="1200" b="0" i="0" u="none" strike="noStrike">
+                        <a:solidFill>
+                          <a:srgbClr val="999999"/>
+                        </a:solidFill>
+                        <a:effectLst/>
+                        <a:latin typeface="Arial" panose="020B0604020202020204" pitchFamily="34" charset="0"/>
+                      </a:endParaRPr>
+                    </a:p>
+                  </a:txBody>
+                  <a:tcPr marL="7678" marR="7678" marT="7678" marB="0" anchor="b"/>
+                </a:tc>
+                <a:tc>
+                  <a:txBody>
+                    <a:bodyPr/>
+                    <a:lstStyle/>
+                    <a:p>
+                      <a:pPr algn="l" fontAlgn="b"/>
+                      <a:r>
+                        <a:rPr lang="en-GB" sz="1200" u="none" strike="noStrike">
+                          <a:effectLst/>
+                        </a:rPr>
+                        <a:t>Y</a:t>
+                      </a:r>
+                      <a:endParaRPr lang="en-GB" sz="1200" b="0" i="0" u="none" strike="noStrike">
+                        <a:solidFill>
+                          <a:srgbClr val="999999"/>
+                        </a:solidFill>
+                        <a:effectLst/>
+                        <a:latin typeface="Arial" panose="020B0604020202020204" pitchFamily="34" charset="0"/>
+                      </a:endParaRPr>
+                    </a:p>
+                  </a:txBody>
+                  <a:tcPr marL="7678" marR="7678" marT="7678" marB="0" anchor="b"/>
+                </a:tc>
+              </a:tr>
+              <a:tr h="188886">
+                <a:tc>
+                  <a:txBody>
+                    <a:bodyPr/>
+                    <a:lstStyle/>
+                    <a:p>
+                      <a:pPr algn="r" fontAlgn="b"/>
+                      <a:r>
+                        <a:rPr lang="en-GB" sz="1200" u="none" strike="noStrike">
+                          <a:effectLst/>
+                        </a:rPr>
+                        <a:t>4</a:t>
+                      </a:r>
+                      <a:endParaRPr lang="en-GB" sz="1200" b="0" i="0" u="none" strike="noStrike">
+                        <a:solidFill>
+                          <a:srgbClr val="000000"/>
+                        </a:solidFill>
+                        <a:effectLst/>
+                        <a:latin typeface="Arial" panose="020B0604020202020204" pitchFamily="34" charset="0"/>
+                      </a:endParaRPr>
+                    </a:p>
+                  </a:txBody>
+                  <a:tcPr marL="7678" marR="7678" marT="7678" marB="0" anchor="b"/>
                 </a:tc>
                 <a:tc>
                   <a:txBody>
@@ -25193,7 +25506,7 @@
                       </a:endParaRPr>
                     </a:p>
                   </a:txBody>
-                  <a:tcPr marL="8547" marR="8547" marT="8547" marB="0" anchor="b"/>
+                  <a:tcPr marL="7678" marR="7678" marT="7678" marB="0" anchor="b"/>
                 </a:tc>
                 <a:tc>
                   <a:txBody>
@@ -25205,18 +25518,18 @@
                         <a:rPr lang="en-GB" sz="1200" u="none" strike="noStrike">
                           <a:effectLst/>
                         </a:rPr>
-                        <a:t>C</a:t>
+                        <a:t>L</a:t>
                       </a:r>
                       <a:endParaRPr lang="en-GB" sz="1200" b="0" i="0" u="none" strike="noStrike">
                         <a:solidFill>
-                          <a:srgbClr val="999999"/>
+                          <a:srgbClr val="000000"/>
                         </a:solidFill>
                         <a:effectLst/>
                         <a:latin typeface="Arial" panose="020B0604020202020204" pitchFamily="34" charset="0"/>
                       </a:endParaRPr>
                     </a:p>
                   </a:txBody>
-                  <a:tcPr marL="8547" marR="8547" marT="8547" marB="0" anchor="b"/>
+                  <a:tcPr marL="7678" marR="7678" marT="7678" marB="0" anchor="b"/>
                 </a:tc>
                 <a:tc>
                   <a:txBody>
@@ -25228,7 +25541,7 @@
                         <a:rPr lang="en-GB" sz="1200" u="none" strike="noStrike">
                           <a:effectLst/>
                         </a:rPr>
-                        <a:t>10</a:t>
+                        <a:t>1</a:t>
                       </a:r>
                       <a:endParaRPr lang="en-GB" sz="1200" b="0" i="0" u="none" strike="noStrike">
                         <a:solidFill>
@@ -25239,7 +25552,7 @@
                       </a:endParaRPr>
                     </a:p>
                   </a:txBody>
-                  <a:tcPr marL="8547" marR="8547" marT="8547" marB="0" anchor="b"/>
+                  <a:tcPr marL="7678" marR="7678" marT="7678" marB="0" anchor="b"/>
                 </a:tc>
                 <a:tc>
                   <a:txBody>
@@ -25262,7 +25575,7 @@
                       </a:endParaRPr>
                     </a:p>
                   </a:txBody>
-                  <a:tcPr marL="8547" marR="8547" marT="8547" marB="0" anchor="b"/>
+                  <a:tcPr marL="7678" marR="7678" marT="7678" marB="0" anchor="b"/>
                 </a:tc>
                 <a:tc>
                   <a:txBody>
@@ -25274,18 +25587,18 @@
                         <a:rPr lang="en-GB" sz="1200" u="none" strike="noStrike">
                           <a:effectLst/>
                         </a:rPr>
-                        <a:t>test</a:t>
+                        <a:t>Bootstrap is unable to insert special characters</a:t>
                       </a:r>
                       <a:endParaRPr lang="en-GB" sz="1200" b="0" i="0" u="none" strike="noStrike">
                         <a:solidFill>
-                          <a:srgbClr val="999999"/>
+                          <a:srgbClr val="000000"/>
                         </a:solidFill>
                         <a:effectLst/>
                         <a:latin typeface="Arial" panose="020B0604020202020204" pitchFamily="34" charset="0"/>
                       </a:endParaRPr>
                     </a:p>
                   </a:txBody>
-                  <a:tcPr marL="8547" marR="8547" marT="8547" marB="0" anchor="b"/>
+                  <a:tcPr marL="7678" marR="7678" marT="7678" marB="0" anchor="b"/>
                 </a:tc>
                 <a:tc>
                   <a:txBody>
@@ -25301,17 +25614,17 @@
                       </a:r>
                       <a:endParaRPr lang="en-GB" sz="1200" b="0" i="0" u="none" strike="noStrike">
                         <a:solidFill>
-                          <a:srgbClr val="999999"/>
+                          <a:srgbClr val="000000"/>
                         </a:solidFill>
                         <a:effectLst/>
                         <a:latin typeface="Arial" panose="020B0604020202020204" pitchFamily="34" charset="0"/>
                       </a:endParaRPr>
                     </a:p>
                   </a:txBody>
-                  <a:tcPr marL="8547" marR="8547" marT="8547" marB="0" anchor="b"/>
+                  <a:tcPr marL="7678" marR="7678" marT="7678" marB="0" anchor="b"/>
                 </a:tc>
               </a:tr>
-              <a:tr h="179495">
+              <a:tr h="188886">
                 <a:tc>
                   <a:txBody>
                     <a:bodyPr/>
@@ -25322,7 +25635,7 @@
                         <a:rPr lang="en-GB" sz="1200" u="none" strike="noStrike">
                           <a:effectLst/>
                         </a:rPr>
-                        <a:t>2</a:t>
+                        <a:t>5</a:t>
                       </a:r>
                       <a:endParaRPr lang="en-GB" sz="1200" b="0" i="0" u="none" strike="noStrike">
                         <a:solidFill>
@@ -25333,7 +25646,7 @@
                       </a:endParaRPr>
                     </a:p>
                   </a:txBody>
-                  <a:tcPr marL="8547" marR="8547" marT="8547" marB="0" anchor="b"/>
+                  <a:tcPr marL="7678" marR="7678" marT="7678" marB="0" anchor="b"/>
                 </a:tc>
                 <a:tc>
                   <a:txBody>
@@ -25345,7 +25658,7 @@
                         <a:rPr lang="en-GB" sz="1200" u="none" strike="noStrike">
                           <a:effectLst/>
                         </a:rPr>
-                        <a:t>Heatmap</a:t>
+                        <a:t>UI - Links</a:t>
                       </a:r>
                       <a:endParaRPr lang="en-GB" sz="1200" b="0" i="0" u="none" strike="noStrike">
                         <a:solidFill>
@@ -25356,7 +25669,7 @@
                       </a:endParaRPr>
                     </a:p>
                   </a:txBody>
-                  <a:tcPr marL="8547" marR="8547" marT="8547" marB="0" anchor="b"/>
+                  <a:tcPr marL="7678" marR="7678" marT="7678" marB="0" anchor="b"/>
                 </a:tc>
                 <a:tc>
                   <a:txBody>
@@ -25368,18 +25681,18 @@
                         <a:rPr lang="en-GB" sz="1200" u="none" strike="noStrike">
                           <a:effectLst/>
                         </a:rPr>
-                        <a:t>L</a:t>
+                        <a:t>H</a:t>
                       </a:r>
                       <a:endParaRPr lang="en-GB" sz="1200" b="0" i="0" u="none" strike="noStrike">
                         <a:solidFill>
-                          <a:srgbClr val="999999"/>
+                          <a:srgbClr val="000000"/>
                         </a:solidFill>
                         <a:effectLst/>
                         <a:latin typeface="Arial" panose="020B0604020202020204" pitchFamily="34" charset="0"/>
                       </a:endParaRPr>
                     </a:p>
                   </a:txBody>
-                  <a:tcPr marL="8547" marR="8547" marT="8547" marB="0" anchor="b"/>
+                  <a:tcPr marL="7678" marR="7678" marT="7678" marB="0" anchor="b"/>
                 </a:tc>
                 <a:tc>
                   <a:txBody>
@@ -25391,7 +25704,7 @@
                         <a:rPr lang="en-GB" sz="1200" u="none" strike="noStrike">
                           <a:effectLst/>
                         </a:rPr>
-                        <a:t>1</a:t>
+                        <a:t>5</a:t>
                       </a:r>
                       <a:endParaRPr lang="en-GB" sz="1200" b="0" i="0" u="none" strike="noStrike">
                         <a:solidFill>
@@ -25402,7 +25715,7 @@
                       </a:endParaRPr>
                     </a:p>
                   </a:txBody>
-                  <a:tcPr marL="8547" marR="8547" marT="8547" marB="0" anchor="b"/>
+                  <a:tcPr marL="7678" marR="7678" marT="7678" marB="0" anchor="b"/>
                 </a:tc>
                 <a:tc>
                   <a:txBody>
@@ -25425,7 +25738,7 @@
                       </a:endParaRPr>
                     </a:p>
                   </a:txBody>
-                  <a:tcPr marL="8547" marR="8547" marT="8547" marB="0" anchor="b"/>
+                  <a:tcPr marL="7678" marR="7678" marT="7678" marB="0" anchor="b"/>
                 </a:tc>
                 <a:tc>
                   <a:txBody>
@@ -25437,18 +25750,18 @@
                         <a:rPr lang="en-GB" sz="1200" u="none" strike="noStrike">
                           <a:effectLst/>
                         </a:rPr>
-                        <a:t>semanticplacein json output  not sorted</a:t>
+                        <a:t>Broken links</a:t>
                       </a:r>
                       <a:endParaRPr lang="en-GB" sz="1200" b="0" i="0" u="none" strike="noStrike">
                         <a:solidFill>
-                          <a:srgbClr val="999999"/>
+                          <a:srgbClr val="000000"/>
                         </a:solidFill>
                         <a:effectLst/>
                         <a:latin typeface="Arial" panose="020B0604020202020204" pitchFamily="34" charset="0"/>
                       </a:endParaRPr>
                     </a:p>
                   </a:txBody>
-                  <a:tcPr marL="8547" marR="8547" marT="8547" marB="0" anchor="b"/>
+                  <a:tcPr marL="7678" marR="7678" marT="7678" marB="0" anchor="b"/>
                 </a:tc>
                 <a:tc>
                   <a:txBody>
@@ -25464,17 +25777,17 @@
                       </a:r>
                       <a:endParaRPr lang="en-GB" sz="1200" b="0" i="0" u="none" strike="noStrike">
                         <a:solidFill>
-                          <a:srgbClr val="999999"/>
+                          <a:srgbClr val="000000"/>
                         </a:solidFill>
                         <a:effectLst/>
                         <a:latin typeface="Arial" panose="020B0604020202020204" pitchFamily="34" charset="0"/>
                       </a:endParaRPr>
                     </a:p>
                   </a:txBody>
-                  <a:tcPr marL="8547" marR="8547" marT="8547" marB="0" anchor="b"/>
+                  <a:tcPr marL="7678" marR="7678" marT="7678" marB="0" anchor="b"/>
                 </a:tc>
               </a:tr>
-              <a:tr h="179495">
+              <a:tr h="730962">
                 <a:tc>
                   <a:txBody>
                     <a:bodyPr/>
@@ -25485,7 +25798,7 @@
                         <a:rPr lang="en-GB" sz="1200" u="none" strike="noStrike">
                           <a:effectLst/>
                         </a:rPr>
-                        <a:t>3</a:t>
+                        <a:t>6</a:t>
                       </a:r>
                       <a:endParaRPr lang="en-GB" sz="1200" b="0" i="0" u="none" strike="noStrike">
                         <a:solidFill>
@@ -25496,7 +25809,7 @@
                       </a:endParaRPr>
                     </a:p>
                   </a:txBody>
-                  <a:tcPr marL="8547" marR="8547" marT="8547" marB="0" anchor="b"/>
+                  <a:tcPr marL="7678" marR="7678" marT="7678" marB="0" anchor="b"/>
                 </a:tc>
                 <a:tc>
                   <a:txBody>
@@ -25508,7 +25821,7 @@
                         <a:rPr lang="en-GB" sz="1200" u="none" strike="noStrike">
                           <a:effectLst/>
                         </a:rPr>
-                        <a:t>Jsons</a:t>
+                        <a:t>OpenShift-Bootstrap</a:t>
                       </a:r>
                       <a:endParaRPr lang="en-GB" sz="1200" b="0" i="0" u="none" strike="noStrike">
                         <a:solidFill>
@@ -25519,7 +25832,7 @@
                       </a:endParaRPr>
                     </a:p>
                   </a:txBody>
-                  <a:tcPr marL="8547" marR="8547" marT="8547" marB="0" anchor="b"/>
+                  <a:tcPr marL="7678" marR="7678" marT="7678" marB="0" anchor="b"/>
                 </a:tc>
                 <a:tc>
                   <a:txBody>
@@ -25531,18 +25844,18 @@
                         <a:rPr lang="en-GB" sz="1200" u="none" strike="noStrike">
                           <a:effectLst/>
                         </a:rPr>
-                        <a:t>L</a:t>
+                        <a:t>H</a:t>
                       </a:r>
                       <a:endParaRPr lang="en-GB" sz="1200" b="0" i="0" u="none" strike="noStrike">
                         <a:solidFill>
-                          <a:srgbClr val="999999"/>
+                          <a:srgbClr val="000000"/>
                         </a:solidFill>
                         <a:effectLst/>
                         <a:latin typeface="Arial" panose="020B0604020202020204" pitchFamily="34" charset="0"/>
                       </a:endParaRPr>
                     </a:p>
                   </a:txBody>
-                  <a:tcPr marL="8547" marR="8547" marT="8547" marB="0" anchor="b"/>
+                  <a:tcPr marL="7678" marR="7678" marT="7678" marB="0" anchor="b"/>
                 </a:tc>
                 <a:tc>
                   <a:txBody>
@@ -25554,7 +25867,7 @@
                         <a:rPr lang="en-GB" sz="1200" u="none" strike="noStrike">
                           <a:effectLst/>
                         </a:rPr>
-                        <a:t>1</a:t>
+                        <a:t>5</a:t>
                       </a:r>
                       <a:endParaRPr lang="en-GB" sz="1200" b="0" i="0" u="none" strike="noStrike">
                         <a:solidFill>
@@ -25565,7 +25878,7 @@
                       </a:endParaRPr>
                     </a:p>
                   </a:txBody>
-                  <a:tcPr marL="8547" marR="8547" marT="8547" marB="0" anchor="b"/>
+                  <a:tcPr marL="7678" marR="7678" marT="7678" marB="0" anchor="b"/>
                 </a:tc>
                 <a:tc>
                   <a:txBody>
@@ -25588,7 +25901,7 @@
                       </a:endParaRPr>
                     </a:p>
                   </a:txBody>
-                  <a:tcPr marL="8547" marR="8547" marT="8547" marB="0" anchor="b"/>
+                  <a:tcPr marL="7678" marR="7678" marT="7678" marB="0" anchor="b"/>
                 </a:tc>
                 <a:tc>
                   <a:txBody>
@@ -25600,18 +25913,18 @@
                         <a:rPr lang="en-GB" sz="1200" u="none" strike="noStrike">
                           <a:effectLst/>
                         </a:rPr>
-                        <a:t>Jsons ordering unable to suit to wiki's requirements</a:t>
+                        <a:t>appusage table and locationusage table not found; causes system to crash when initializing bootstrap. table name is caps Sensitive. need to rename in IDE.</a:t>
                       </a:r>
                       <a:endParaRPr lang="en-GB" sz="1200" b="0" i="0" u="none" strike="noStrike">
                         <a:solidFill>
-                          <a:srgbClr val="999999"/>
+                          <a:srgbClr val="000000"/>
                         </a:solidFill>
                         <a:effectLst/>
                         <a:latin typeface="Arial" panose="020B0604020202020204" pitchFamily="34" charset="0"/>
                       </a:endParaRPr>
                     </a:p>
                   </a:txBody>
-                  <a:tcPr marL="8547" marR="8547" marT="8547" marB="0" anchor="b"/>
+                  <a:tcPr marL="7678" marR="7678" marT="7678" marB="0" anchor="b"/>
                 </a:tc>
                 <a:tc>
                   <a:txBody>
@@ -25627,17 +25940,17 @@
                       </a:r>
                       <a:endParaRPr lang="en-GB" sz="1200" b="0" i="0" u="none" strike="noStrike">
                         <a:solidFill>
-                          <a:srgbClr val="999999"/>
+                          <a:srgbClr val="000000"/>
                         </a:solidFill>
                         <a:effectLst/>
                         <a:latin typeface="Arial" panose="020B0604020202020204" pitchFamily="34" charset="0"/>
                       </a:endParaRPr>
                     </a:p>
                   </a:txBody>
-                  <a:tcPr marL="8547" marR="8547" marT="8547" marB="0" anchor="b"/>
+                  <a:tcPr marL="7678" marR="7678" marT="7678" marB="0" anchor="b"/>
                 </a:tc>
               </a:tr>
-              <a:tr h="179495">
+              <a:tr h="557666">
                 <a:tc>
                   <a:txBody>
                     <a:bodyPr/>
@@ -25648,7 +25961,7 @@
                         <a:rPr lang="en-GB" sz="1200" u="none" strike="noStrike">
                           <a:effectLst/>
                         </a:rPr>
-                        <a:t>4</a:t>
+                        <a:t>7</a:t>
                       </a:r>
                       <a:endParaRPr lang="en-GB" sz="1200" b="0" i="0" u="none" strike="noStrike">
                         <a:solidFill>
@@ -25659,7 +25972,7 @@
                       </a:endParaRPr>
                     </a:p>
                   </a:txBody>
-                  <a:tcPr marL="8547" marR="8547" marT="8547" marB="0" anchor="b"/>
+                  <a:tcPr marL="7678" marR="7678" marT="7678" marB="0" anchor="b"/>
                 </a:tc>
                 <a:tc>
                   <a:txBody>
@@ -25671,7 +25984,7 @@
                         <a:rPr lang="en-GB" sz="1200" u="none" strike="noStrike">
                           <a:effectLst/>
                         </a:rPr>
-                        <a:t>Bootstrap</a:t>
+                        <a:t>OpenShift-Heatmap</a:t>
                       </a:r>
                       <a:endParaRPr lang="en-GB" sz="1200" b="0" i="0" u="none" strike="noStrike">
                         <a:solidFill>
@@ -25682,7 +25995,7 @@
                       </a:endParaRPr>
                     </a:p>
                   </a:txBody>
-                  <a:tcPr marL="8547" marR="8547" marT="8547" marB="0" anchor="b"/>
+                  <a:tcPr marL="7678" marR="7678" marT="7678" marB="0" anchor="b"/>
                 </a:tc>
                 <a:tc>
                   <a:txBody>
@@ -25694,7 +26007,7 @@
                         <a:rPr lang="en-GB" sz="1200" u="none" strike="noStrike">
                           <a:effectLst/>
                         </a:rPr>
-                        <a:t>L</a:t>
+                        <a:t>H</a:t>
                       </a:r>
                       <a:endParaRPr lang="en-GB" sz="1200" b="0" i="0" u="none" strike="noStrike">
                         <a:solidFill>
@@ -25705,7 +26018,7 @@
                       </a:endParaRPr>
                     </a:p>
                   </a:txBody>
-                  <a:tcPr marL="8547" marR="8547" marT="8547" marB="0" anchor="b"/>
+                  <a:tcPr marL="7678" marR="7678" marT="7678" marB="0" anchor="b"/>
                 </a:tc>
                 <a:tc>
                   <a:txBody>
@@ -25717,7 +26030,7 @@
                         <a:rPr lang="en-GB" sz="1200" u="none" strike="noStrike">
                           <a:effectLst/>
                         </a:rPr>
-                        <a:t>1</a:t>
+                        <a:t>5</a:t>
                       </a:r>
                       <a:endParaRPr lang="en-GB" sz="1200" b="0" i="0" u="none" strike="noStrike">
                         <a:solidFill>
@@ -25728,7 +26041,7 @@
                       </a:endParaRPr>
                     </a:p>
                   </a:txBody>
-                  <a:tcPr marL="8547" marR="8547" marT="8547" marB="0" anchor="b"/>
+                  <a:tcPr marL="7678" marR="7678" marT="7678" marB="0" anchor="b"/>
                 </a:tc>
                 <a:tc>
                   <a:txBody>
@@ -25740,7 +26053,7 @@
                         <a:rPr lang="en-GB" sz="1200" u="none" strike="noStrike">
                           <a:effectLst/>
                         </a:rPr>
-                        <a:t>1</a:t>
+                        <a:t>0</a:t>
                       </a:r>
                       <a:endParaRPr lang="en-GB" sz="1200" b="0" i="0" u="none" strike="noStrike">
                         <a:solidFill>
@@ -25751,7 +26064,7 @@
                       </a:endParaRPr>
                     </a:p>
                   </a:txBody>
-                  <a:tcPr marL="8547" marR="8547" marT="8547" marB="0" anchor="b"/>
+                  <a:tcPr marL="7678" marR="7678" marT="7678" marB="0" anchor="b"/>
                 </a:tc>
                 <a:tc>
                   <a:txBody>
@@ -25763,7 +26076,7 @@
                         <a:rPr lang="en-GB" sz="1200" u="none" strike="noStrike">
                           <a:effectLst/>
                         </a:rPr>
-                        <a:t>Bootstrap is unable to insert special characters</a:t>
+                        <a:t>System crashes when heatmap request was sent. Possibly table name (appusage and locationusage) needs to be renamed (case sensitive)</a:t>
                       </a:r>
                       <a:endParaRPr lang="en-GB" sz="1200" b="0" i="0" u="none" strike="noStrike">
                         <a:solidFill>
@@ -25774,7 +26087,355 @@
                       </a:endParaRPr>
                     </a:p>
                   </a:txBody>
-                  <a:tcPr marL="8547" marR="8547" marT="8547" marB="0" anchor="b"/>
+                  <a:tcPr marL="7678" marR="7678" marT="7678" marB="0" anchor="b"/>
+                </a:tc>
+                <a:tc>
+                  <a:txBody>
+                    <a:bodyPr/>
+                    <a:lstStyle/>
+                    <a:p>
+                      <a:pPr algn="l" fontAlgn="b"/>
+                      <a:r>
+                        <a:rPr lang="en-GB" sz="1200" u="none" strike="noStrike">
+                          <a:effectLst/>
+                        </a:rPr>
+                        <a:t>Y</a:t>
+                      </a:r>
+                      <a:endParaRPr lang="en-GB" sz="1200" b="0" i="0" u="none" strike="noStrike">
+                        <a:solidFill>
+                          <a:srgbClr val="000000"/>
+                        </a:solidFill>
+                        <a:effectLst/>
+                        <a:latin typeface="Arial" panose="020B0604020202020204" pitchFamily="34" charset="0"/>
+                      </a:endParaRPr>
+                    </a:p>
+                  </a:txBody>
+                  <a:tcPr marL="7678" marR="7678" marT="7678" marB="0" anchor="b"/>
+                </a:tc>
+              </a:tr>
+              <a:tr h="510894">
+                <a:tc>
+                  <a:txBody>
+                    <a:bodyPr/>
+                    <a:lstStyle/>
+                    <a:p>
+                      <a:pPr algn="r" fontAlgn="b"/>
+                      <a:r>
+                        <a:rPr lang="en-GB" sz="1200" u="none" strike="noStrike">
+                          <a:effectLst/>
+                        </a:rPr>
+                        <a:t>8</a:t>
+                      </a:r>
+                      <a:endParaRPr lang="en-GB" sz="1200" b="0" i="0" u="none" strike="noStrike">
+                        <a:solidFill>
+                          <a:srgbClr val="000000"/>
+                        </a:solidFill>
+                        <a:effectLst/>
+                        <a:latin typeface="Arial" panose="020B0604020202020204" pitchFamily="34" charset="0"/>
+                      </a:endParaRPr>
+                    </a:p>
+                  </a:txBody>
+                  <a:tcPr marL="7678" marR="7678" marT="7678" marB="0" anchor="b"/>
+                </a:tc>
+                <a:tc>
+                  <a:txBody>
+                    <a:bodyPr/>
+                    <a:lstStyle/>
+                    <a:p>
+                      <a:pPr algn="l" fontAlgn="b"/>
+                      <a:r>
+                        <a:rPr lang="da-DK" sz="1200" u="none" strike="noStrike">
+                          <a:effectLst/>
+                        </a:rPr>
+                        <a:t>Smartphone usage heatmap (via UI)</a:t>
+                      </a:r>
+                      <a:endParaRPr lang="da-DK" sz="1200" b="0" i="0" u="none" strike="noStrike">
+                        <a:solidFill>
+                          <a:srgbClr val="000000"/>
+                        </a:solidFill>
+                        <a:effectLst/>
+                        <a:latin typeface="Arial" panose="020B0604020202020204" pitchFamily="34" charset="0"/>
+                      </a:endParaRPr>
+                    </a:p>
+                  </a:txBody>
+                  <a:tcPr marL="7678" marR="7678" marT="7678" marB="0" anchor="b"/>
+                </a:tc>
+                <a:tc>
+                  <a:txBody>
+                    <a:bodyPr/>
+                    <a:lstStyle/>
+                    <a:p>
+                      <a:pPr algn="l" fontAlgn="b"/>
+                      <a:r>
+                        <a:rPr lang="en-GB" sz="1200" u="none" strike="noStrike">
+                          <a:effectLst/>
+                        </a:rPr>
+                        <a:t>H</a:t>
+                      </a:r>
+                      <a:endParaRPr lang="en-GB" sz="1200" b="0" i="0" u="none" strike="noStrike">
+                        <a:solidFill>
+                          <a:srgbClr val="000000"/>
+                        </a:solidFill>
+                        <a:effectLst/>
+                        <a:latin typeface="Arial" panose="020B0604020202020204" pitchFamily="34" charset="0"/>
+                      </a:endParaRPr>
+                    </a:p>
+                  </a:txBody>
+                  <a:tcPr marL="7678" marR="7678" marT="7678" marB="0" anchor="b"/>
+                </a:tc>
+                <a:tc>
+                  <a:txBody>
+                    <a:bodyPr/>
+                    <a:lstStyle/>
+                    <a:p>
+                      <a:pPr algn="l" fontAlgn="b"/>
+                      <a:r>
+                        <a:rPr lang="en-GB" sz="1200" u="none" strike="noStrike">
+                          <a:effectLst/>
+                        </a:rPr>
+                        <a:t>5</a:t>
+                      </a:r>
+                      <a:endParaRPr lang="en-GB" sz="1200" b="0" i="0" u="none" strike="noStrike">
+                        <a:solidFill>
+                          <a:srgbClr val="999999"/>
+                        </a:solidFill>
+                        <a:effectLst/>
+                        <a:latin typeface="Arial" panose="020B0604020202020204" pitchFamily="34" charset="0"/>
+                      </a:endParaRPr>
+                    </a:p>
+                  </a:txBody>
+                  <a:tcPr marL="7678" marR="7678" marT="7678" marB="0" anchor="b"/>
+                </a:tc>
+                <a:tc>
+                  <a:txBody>
+                    <a:bodyPr/>
+                    <a:lstStyle/>
+                    <a:p>
+                      <a:pPr algn="r" fontAlgn="b"/>
+                      <a:r>
+                        <a:rPr lang="en-GB" sz="1200" u="none" strike="noStrike">
+                          <a:effectLst/>
+                        </a:rPr>
+                        <a:t>0</a:t>
+                      </a:r>
+                      <a:endParaRPr lang="en-GB" sz="1200" b="0" i="0" u="none" strike="noStrike">
+                        <a:solidFill>
+                          <a:srgbClr val="999999"/>
+                        </a:solidFill>
+                        <a:effectLst/>
+                        <a:latin typeface="Arial" panose="020B0604020202020204" pitchFamily="34" charset="0"/>
+                      </a:endParaRPr>
+                    </a:p>
+                  </a:txBody>
+                  <a:tcPr marL="7678" marR="7678" marT="7678" marB="0" anchor="b"/>
+                </a:tc>
+                <a:tc>
+                  <a:txBody>
+                    <a:bodyPr/>
+                    <a:lstStyle/>
+                    <a:p>
+                      <a:pPr algn="l" fontAlgn="b"/>
+                      <a:r>
+                        <a:rPr lang="en-GB" sz="1200" u="none" strike="noStrike">
+                          <a:effectLst/>
+                        </a:rPr>
+                        <a:t>Crashes when input is: 6/04/2015 13:00:00 B1</a:t>
+                      </a:r>
+                      <a:endParaRPr lang="en-GB" sz="1200" b="0" i="0" u="none" strike="noStrike">
+                        <a:solidFill>
+                          <a:srgbClr val="000000"/>
+                        </a:solidFill>
+                        <a:effectLst/>
+                        <a:latin typeface="Arial" panose="020B0604020202020204" pitchFamily="34" charset="0"/>
+                      </a:endParaRPr>
+                    </a:p>
+                  </a:txBody>
+                  <a:tcPr marL="7678" marR="7678" marT="7678" marB="0" anchor="b"/>
+                </a:tc>
+                <a:tc>
+                  <a:txBody>
+                    <a:bodyPr/>
+                    <a:lstStyle/>
+                    <a:p>
+                      <a:pPr algn="l" fontAlgn="b"/>
+                      <a:r>
+                        <a:rPr lang="en-GB" sz="1200" u="none" strike="noStrike">
+                          <a:effectLst/>
+                        </a:rPr>
+                        <a:t>Y</a:t>
+                      </a:r>
+                      <a:endParaRPr lang="en-GB" sz="1200" b="0" i="0" u="none" strike="noStrike">
+                        <a:solidFill>
+                          <a:srgbClr val="000000"/>
+                        </a:solidFill>
+                        <a:effectLst/>
+                        <a:latin typeface="Arial" panose="020B0604020202020204" pitchFamily="34" charset="0"/>
+                      </a:endParaRPr>
+                    </a:p>
+                  </a:txBody>
+                  <a:tcPr marL="7678" marR="7678" marT="7678" marB="0" anchor="b"/>
+                </a:tc>
+              </a:tr>
+              <a:tr h="784930">
+                <a:tc>
+                  <a:txBody>
+                    <a:bodyPr/>
+                    <a:lstStyle/>
+                    <a:p>
+                      <a:pPr algn="r" fontAlgn="b"/>
+                      <a:r>
+                        <a:rPr lang="en-GB" sz="1200" u="none" strike="noStrike">
+                          <a:effectLst/>
+                        </a:rPr>
+                        <a:t>9</a:t>
+                      </a:r>
+                      <a:endParaRPr lang="en-GB" sz="1200" b="0" i="0" u="none" strike="noStrike">
+                        <a:solidFill>
+                          <a:srgbClr val="000000"/>
+                        </a:solidFill>
+                        <a:effectLst/>
+                        <a:latin typeface="Arial" panose="020B0604020202020204" pitchFamily="34" charset="0"/>
+                      </a:endParaRPr>
+                    </a:p>
+                  </a:txBody>
+                  <a:tcPr marL="7678" marR="7678" marT="7678" marB="0" anchor="b"/>
+                </a:tc>
+                <a:tc>
+                  <a:txBody>
+                    <a:bodyPr/>
+                    <a:lstStyle/>
+                    <a:p>
+                      <a:pPr algn="l" fontAlgn="b"/>
+                      <a:r>
+                        <a:rPr lang="en-GB" sz="1200" u="none" strike="noStrike">
+                          <a:effectLst/>
+                        </a:rPr>
+                        <a:t>OpenShift-Initial Bootstrap</a:t>
+                      </a:r>
+                      <a:endParaRPr lang="en-GB" sz="1200" b="0" i="0" u="none" strike="noStrike">
+                        <a:solidFill>
+                          <a:srgbClr val="000000"/>
+                        </a:solidFill>
+                        <a:effectLst/>
+                        <a:latin typeface="Arial" panose="020B0604020202020204" pitchFamily="34" charset="0"/>
+                      </a:endParaRPr>
+                    </a:p>
+                  </a:txBody>
+                  <a:tcPr marL="7678" marR="7678" marT="7678" marB="0" anchor="b"/>
+                </a:tc>
+                <a:tc>
+                  <a:txBody>
+                    <a:bodyPr/>
+                    <a:lstStyle/>
+                    <a:p>
+                      <a:pPr algn="l" fontAlgn="b"/>
+                      <a:r>
+                        <a:rPr lang="en-GB" sz="1200" u="none" strike="noStrike">
+                          <a:effectLst/>
+                        </a:rPr>
+                        <a:t>H</a:t>
+                      </a:r>
+                      <a:endParaRPr lang="en-GB" sz="1200" b="0" i="0" u="none" strike="noStrike">
+                        <a:solidFill>
+                          <a:srgbClr val="000000"/>
+                        </a:solidFill>
+                        <a:effectLst/>
+                        <a:latin typeface="Arial" panose="020B0604020202020204" pitchFamily="34" charset="0"/>
+                      </a:endParaRPr>
+                    </a:p>
+                  </a:txBody>
+                  <a:tcPr marL="7678" marR="7678" marT="7678" marB="0" anchor="b"/>
+                </a:tc>
+                <a:tc>
+                  <a:txBody>
+                    <a:bodyPr/>
+                    <a:lstStyle/>
+                    <a:p>
+                      <a:pPr algn="l" fontAlgn="b"/>
+                      <a:r>
+                        <a:rPr lang="en-GB" sz="1200" u="none" strike="noStrike">
+                          <a:effectLst/>
+                        </a:rPr>
+                        <a:t>5</a:t>
+                      </a:r>
+                      <a:endParaRPr lang="en-GB" sz="1200" b="0" i="0" u="none" strike="noStrike">
+                        <a:solidFill>
+                          <a:srgbClr val="999999"/>
+                        </a:solidFill>
+                        <a:effectLst/>
+                        <a:latin typeface="Arial" panose="020B0604020202020204" pitchFamily="34" charset="0"/>
+                      </a:endParaRPr>
+                    </a:p>
+                  </a:txBody>
+                  <a:tcPr marL="7678" marR="7678" marT="7678" marB="0" anchor="b"/>
+                </a:tc>
+                <a:tc>
+                  <a:txBody>
+                    <a:bodyPr/>
+                    <a:lstStyle/>
+                    <a:p>
+                      <a:pPr algn="r" fontAlgn="b"/>
+                      <a:r>
+                        <a:rPr lang="en-GB" sz="1200" u="none" strike="noStrike">
+                          <a:effectLst/>
+                        </a:rPr>
+                        <a:t>5</a:t>
+                      </a:r>
+                      <a:endParaRPr lang="en-GB" sz="1200" b="0" i="0" u="none" strike="noStrike">
+                        <a:solidFill>
+                          <a:srgbClr val="999999"/>
+                        </a:solidFill>
+                        <a:effectLst/>
+                        <a:latin typeface="Arial" panose="020B0604020202020204" pitchFamily="34" charset="0"/>
+                      </a:endParaRPr>
+                    </a:p>
+                  </a:txBody>
+                  <a:tcPr marL="7678" marR="7678" marT="7678" marB="0" anchor="b"/>
+                </a:tc>
+                <a:tc>
+                  <a:txBody>
+                    <a:bodyPr/>
+                    <a:lstStyle/>
+                    <a:p>
+                      <a:pPr algn="l" fontAlgn="b"/>
+                      <a:r>
+                        <a:rPr lang="en-GB" sz="1200" u="none" strike="noStrike">
+                          <a:effectLst/>
+                        </a:rPr>
+                        <a:t>Bad Gateway:The proxy server received an invalid response from an upstream server.</a:t>
+                      </a:r>
+                      <a:br>
+                        <a:rPr lang="en-GB" sz="1200" u="none" strike="noStrike">
+                          <a:effectLst/>
+                        </a:rPr>
+                      </a:br>
+                      <a:r>
+                        <a:rPr lang="en-GB" sz="1200" u="none" strike="noStrike">
+                          <a:effectLst/>
+                        </a:rPr>
+                        <a:t/>
+                      </a:r>
+                      <a:br>
+                        <a:rPr lang="en-GB" sz="1200" u="none" strike="noStrike">
+                          <a:effectLst/>
+                        </a:rPr>
+                      </a:br>
+                      <a:r>
+                        <a:rPr lang="en-GB" sz="1200" u="none" strike="noStrike">
+                          <a:effectLst/>
+                        </a:rPr>
+                        <a:t>System unable to load a big zip file. (Might need to increase session time.)</a:t>
+                      </a:r>
+                      <a:endParaRPr lang="en-GB" sz="1200" b="0" i="0" u="none" strike="noStrike">
+                        <a:solidFill>
+                          <a:srgbClr val="000000"/>
+                        </a:solidFill>
+                        <a:effectLst/>
+                        <a:latin typeface="Arial" panose="020B0604020202020204" pitchFamily="34" charset="0"/>
+                      </a:endParaRPr>
+                    </a:p>
+                  </a:txBody>
+                  <a:tcPr marL="7678" marR="7678" marT="7678" marB="0" anchor="b"/>
                 </a:tc>
                 <a:tc>
                   <a:txBody>
@@ -25797,10 +26458,10 @@
                       </a:endParaRPr>
                     </a:p>
                   </a:txBody>
-                  <a:tcPr marL="8547" marR="8547" marT="8547" marB="0" anchor="b"/>
+                  <a:tcPr marL="7678" marR="7678" marT="7678" marB="0" anchor="b"/>
                 </a:tc>
               </a:tr>
-              <a:tr h="179495">
+              <a:tr h="359784">
                 <a:tc>
                   <a:txBody>
                     <a:bodyPr/>
@@ -25811,7 +26472,7 @@
                         <a:rPr lang="en-GB" sz="1200" u="none" strike="noStrike">
                           <a:effectLst/>
                         </a:rPr>
-                        <a:t>5</a:t>
+                        <a:t>10</a:t>
                       </a:r>
                       <a:endParaRPr lang="en-GB" sz="1200" b="0" i="0" u="none" strike="noStrike">
                         <a:solidFill>
@@ -25822,7 +26483,7 @@
                       </a:endParaRPr>
                     </a:p>
                   </a:txBody>
-                  <a:tcPr marL="8547" marR="8547" marT="8547" marB="0" anchor="b"/>
+                  <a:tcPr marL="7678" marR="7678" marT="7678" marB="0" anchor="b"/>
                 </a:tc>
                 <a:tc>
                   <a:txBody>
@@ -25834,7 +26495,7 @@
                         <a:rPr lang="en-GB" sz="1200" u="none" strike="noStrike">
                           <a:effectLst/>
                         </a:rPr>
-                        <a:t>UI - Links</a:t>
+                        <a:t>Openshift - Test case Fail</a:t>
                       </a:r>
                       <a:endParaRPr lang="en-GB" sz="1200" b="0" i="0" u="none" strike="noStrike">
                         <a:solidFill>
@@ -25845,7 +26506,7 @@
                       </a:endParaRPr>
                     </a:p>
                   </a:txBody>
-                  <a:tcPr marL="8547" marR="8547" marT="8547" marB="0" anchor="b"/>
+                  <a:tcPr marL="7678" marR="7678" marT="7678" marB="0" anchor="b"/>
                 </a:tc>
                 <a:tc>
                   <a:txBody>
@@ -25868,7 +26529,7 @@
                       </a:endParaRPr>
                     </a:p>
                   </a:txBody>
-                  <a:tcPr marL="8547" marR="8547" marT="8547" marB="0" anchor="b"/>
+                  <a:tcPr marL="7678" marR="7678" marT="7678" marB="0" anchor="b"/>
                 </a:tc>
                 <a:tc>
                   <a:txBody>
@@ -25884,14 +26545,14 @@
                       </a:r>
                       <a:endParaRPr lang="en-GB" sz="1200" b="0" i="0" u="none" strike="noStrike">
                         <a:solidFill>
-                          <a:srgbClr val="999999"/>
+                          <a:srgbClr val="000000"/>
                         </a:solidFill>
                         <a:effectLst/>
                         <a:latin typeface="Arial" panose="020B0604020202020204" pitchFamily="34" charset="0"/>
                       </a:endParaRPr>
                     </a:p>
                   </a:txBody>
-                  <a:tcPr marL="8547" marR="8547" marT="8547" marB="0" anchor="b"/>
+                  <a:tcPr marL="7678" marR="7678" marT="7678" marB="0" anchor="b"/>
                 </a:tc>
                 <a:tc>
                   <a:txBody>
@@ -25907,29 +26568,6 @@
                       </a:r>
                       <a:endParaRPr lang="en-GB" sz="1200" b="0" i="0" u="none" strike="noStrike">
                         <a:solidFill>
-                          <a:srgbClr val="999999"/>
-                        </a:solidFill>
-                        <a:effectLst/>
-                        <a:latin typeface="Arial" panose="020B0604020202020204" pitchFamily="34" charset="0"/>
-                      </a:endParaRPr>
-                    </a:p>
-                  </a:txBody>
-                  <a:tcPr marL="8547" marR="8547" marT="8547" marB="0" anchor="b"/>
-                </a:tc>
-                <a:tc>
-                  <a:txBody>
-                    <a:bodyPr/>
-                    <a:lstStyle/>
-                    <a:p>
-                      <a:pPr algn="l" fontAlgn="b"/>
-                      <a:r>
-                        <a:rPr lang="en-GB" sz="1200" u="none" strike="noStrike">
-                          <a:effectLst/>
-                        </a:rPr>
-                        <a:t>Broken links</a:t>
-                      </a:r>
-                      <a:endParaRPr lang="en-GB" sz="1200" b="0" i="0" u="none" strike="noStrike">
-                        <a:solidFill>
                           <a:srgbClr val="000000"/>
                         </a:solidFill>
                         <a:effectLst/>
@@ -25937,310 +26575,30 @@
                       </a:endParaRPr>
                     </a:p>
                   </a:txBody>
-                  <a:tcPr marL="8547" marR="8547" marT="8547" marB="0" anchor="b"/>
+                  <a:tcPr marL="7678" marR="7678" marT="7678" marB="0" anchor="b"/>
                 </a:tc>
                 <a:tc>
                   <a:txBody>
                     <a:bodyPr/>
                     <a:lstStyle/>
                     <a:p>
-                      <a:pPr algn="l" fontAlgn="b"/>
+                      <a:pPr algn="l" fontAlgn="ctr"/>
                       <a:r>
                         <a:rPr lang="en-GB" sz="1200" u="none" strike="noStrike">
                           <a:effectLst/>
                         </a:rPr>
-                        <a:t>Y</a:t>
+                        <a:t>Error Messages for Location.csv and Location-Lookup don't tally</a:t>
                       </a:r>
                       <a:endParaRPr lang="en-GB" sz="1200" b="0" i="0" u="none" strike="noStrike">
                         <a:solidFill>
-                          <a:srgbClr val="000000"/>
+                          <a:srgbClr val="222222"/>
                         </a:solidFill>
                         <a:effectLst/>
                         <a:latin typeface="Arial" panose="020B0604020202020204" pitchFamily="34" charset="0"/>
                       </a:endParaRPr>
                     </a:p>
                   </a:txBody>
-                  <a:tcPr marL="8547" marR="8547" marT="8547" marB="0" anchor="b"/>
-                </a:tc>
-              </a:tr>
-              <a:tr h="694616">
-                <a:tc>
-                  <a:txBody>
-                    <a:bodyPr/>
-                    <a:lstStyle/>
-                    <a:p>
-                      <a:pPr algn="r" fontAlgn="b"/>
-                      <a:r>
-                        <a:rPr lang="en-GB" sz="1200" u="none" strike="noStrike">
-                          <a:effectLst/>
-                        </a:rPr>
-                        <a:t>6</a:t>
-                      </a:r>
-                      <a:endParaRPr lang="en-GB" sz="1200" b="0" i="0" u="none" strike="noStrike">
-                        <a:solidFill>
-                          <a:srgbClr val="000000"/>
-                        </a:solidFill>
-                        <a:effectLst/>
-                        <a:latin typeface="Arial" panose="020B0604020202020204" pitchFamily="34" charset="0"/>
-                      </a:endParaRPr>
-                    </a:p>
-                  </a:txBody>
-                  <a:tcPr marL="8547" marR="8547" marT="8547" marB="0" anchor="b"/>
-                </a:tc>
-                <a:tc>
-                  <a:txBody>
-                    <a:bodyPr/>
-                    <a:lstStyle/>
-                    <a:p>
-                      <a:pPr algn="l" fontAlgn="b"/>
-                      <a:r>
-                        <a:rPr lang="en-GB" sz="1200" u="none" strike="noStrike">
-                          <a:effectLst/>
-                        </a:rPr>
-                        <a:t>OpenShift-Bootstrap</a:t>
-                      </a:r>
-                      <a:endParaRPr lang="en-GB" sz="1200" b="0" i="0" u="none" strike="noStrike">
-                        <a:solidFill>
-                          <a:srgbClr val="000000"/>
-                        </a:solidFill>
-                        <a:effectLst/>
-                        <a:latin typeface="Arial" panose="020B0604020202020204" pitchFamily="34" charset="0"/>
-                      </a:endParaRPr>
-                    </a:p>
-                  </a:txBody>
-                  <a:tcPr marL="8547" marR="8547" marT="8547" marB="0" anchor="b"/>
-                </a:tc>
-                <a:tc>
-                  <a:txBody>
-                    <a:bodyPr/>
-                    <a:lstStyle/>
-                    <a:p>
-                      <a:pPr algn="l" fontAlgn="b"/>
-                      <a:r>
-                        <a:rPr lang="en-GB" sz="1200" u="none" strike="noStrike">
-                          <a:effectLst/>
-                        </a:rPr>
-                        <a:t>H</a:t>
-                      </a:r>
-                      <a:endParaRPr lang="en-GB" sz="1200" b="0" i="0" u="none" strike="noStrike">
-                        <a:solidFill>
-                          <a:srgbClr val="000000"/>
-                        </a:solidFill>
-                        <a:effectLst/>
-                        <a:latin typeface="Arial" panose="020B0604020202020204" pitchFamily="34" charset="0"/>
-                      </a:endParaRPr>
-                    </a:p>
-                  </a:txBody>
-                  <a:tcPr marL="8547" marR="8547" marT="8547" marB="0" anchor="b"/>
-                </a:tc>
-                <a:tc>
-                  <a:txBody>
-                    <a:bodyPr/>
-                    <a:lstStyle/>
-                    <a:p>
-                      <a:pPr algn="l" fontAlgn="b"/>
-                      <a:r>
-                        <a:rPr lang="en-GB" sz="1200" u="none" strike="noStrike">
-                          <a:effectLst/>
-                        </a:rPr>
-                        <a:t>5</a:t>
-                      </a:r>
-                      <a:endParaRPr lang="en-GB" sz="1200" b="0" i="0" u="none" strike="noStrike">
-                        <a:solidFill>
-                          <a:srgbClr val="999999"/>
-                        </a:solidFill>
-                        <a:effectLst/>
-                        <a:latin typeface="Arial" panose="020B0604020202020204" pitchFamily="34" charset="0"/>
-                      </a:endParaRPr>
-                    </a:p>
-                  </a:txBody>
-                  <a:tcPr marL="8547" marR="8547" marT="8547" marB="0" anchor="b"/>
-                </a:tc>
-                <a:tc>
-                  <a:txBody>
-                    <a:bodyPr/>
-                    <a:lstStyle/>
-                    <a:p>
-                      <a:pPr algn="r" fontAlgn="b"/>
-                      <a:r>
-                        <a:rPr lang="en-GB" sz="1200" u="none" strike="noStrike">
-                          <a:effectLst/>
-                        </a:rPr>
-                        <a:t>5</a:t>
-                      </a:r>
-                      <a:endParaRPr lang="en-GB" sz="1200" b="0" i="0" u="none" strike="noStrike">
-                        <a:solidFill>
-                          <a:srgbClr val="999999"/>
-                        </a:solidFill>
-                        <a:effectLst/>
-                        <a:latin typeface="Arial" panose="020B0604020202020204" pitchFamily="34" charset="0"/>
-                      </a:endParaRPr>
-                    </a:p>
-                  </a:txBody>
-                  <a:tcPr marL="8547" marR="8547" marT="8547" marB="0" anchor="b"/>
-                </a:tc>
-                <a:tc>
-                  <a:txBody>
-                    <a:bodyPr/>
-                    <a:lstStyle/>
-                    <a:p>
-                      <a:pPr algn="l" fontAlgn="b"/>
-                      <a:r>
-                        <a:rPr lang="en-GB" sz="1200" u="none" strike="noStrike">
-                          <a:effectLst/>
-                        </a:rPr>
-                        <a:t>appusage table and locationusage table not found; causes system to crash when initializing bootstrap. table name is caps Sensitive. need to rename in IDE.</a:t>
-                      </a:r>
-                      <a:endParaRPr lang="en-GB" sz="1200" b="0" i="0" u="none" strike="noStrike">
-                        <a:solidFill>
-                          <a:srgbClr val="000000"/>
-                        </a:solidFill>
-                        <a:effectLst/>
-                        <a:latin typeface="Arial" panose="020B0604020202020204" pitchFamily="34" charset="0"/>
-                      </a:endParaRPr>
-                    </a:p>
-                  </a:txBody>
-                  <a:tcPr marL="8547" marR="8547" marT="8547" marB="0" anchor="b"/>
-                </a:tc>
-                <a:tc>
-                  <a:txBody>
-                    <a:bodyPr/>
-                    <a:lstStyle/>
-                    <a:p>
-                      <a:pPr algn="l" fontAlgn="b"/>
-                      <a:r>
-                        <a:rPr lang="en-GB" sz="1200" u="none" strike="noStrike">
-                          <a:effectLst/>
-                        </a:rPr>
-                        <a:t>N</a:t>
-                      </a:r>
-                      <a:endParaRPr lang="en-GB" sz="1200" b="0" i="0" u="none" strike="noStrike">
-                        <a:solidFill>
-                          <a:srgbClr val="000000"/>
-                        </a:solidFill>
-                        <a:effectLst/>
-                        <a:latin typeface="Arial" panose="020B0604020202020204" pitchFamily="34" charset="0"/>
-                      </a:endParaRPr>
-                    </a:p>
-                  </a:txBody>
-                  <a:tcPr marL="8547" marR="8547" marT="8547" marB="0" anchor="b"/>
-                </a:tc>
-              </a:tr>
-              <a:tr h="529936">
-                <a:tc>
-                  <a:txBody>
-                    <a:bodyPr/>
-                    <a:lstStyle/>
-                    <a:p>
-                      <a:pPr algn="r" fontAlgn="b"/>
-                      <a:r>
-                        <a:rPr lang="en-GB" sz="1200" u="none" strike="noStrike">
-                          <a:effectLst/>
-                        </a:rPr>
-                        <a:t>7</a:t>
-                      </a:r>
-                      <a:endParaRPr lang="en-GB" sz="1200" b="0" i="0" u="none" strike="noStrike">
-                        <a:solidFill>
-                          <a:srgbClr val="000000"/>
-                        </a:solidFill>
-                        <a:effectLst/>
-                        <a:latin typeface="Arial" panose="020B0604020202020204" pitchFamily="34" charset="0"/>
-                      </a:endParaRPr>
-                    </a:p>
-                  </a:txBody>
-                  <a:tcPr marL="8547" marR="8547" marT="8547" marB="0" anchor="b"/>
-                </a:tc>
-                <a:tc>
-                  <a:txBody>
-                    <a:bodyPr/>
-                    <a:lstStyle/>
-                    <a:p>
-                      <a:pPr algn="l" fontAlgn="b"/>
-                      <a:r>
-                        <a:rPr lang="en-GB" sz="1200" u="none" strike="noStrike">
-                          <a:effectLst/>
-                        </a:rPr>
-                        <a:t>OpenShift-Heatmap</a:t>
-                      </a:r>
-                      <a:endParaRPr lang="en-GB" sz="1200" b="0" i="0" u="none" strike="noStrike">
-                        <a:solidFill>
-                          <a:srgbClr val="000000"/>
-                        </a:solidFill>
-                        <a:effectLst/>
-                        <a:latin typeface="Arial" panose="020B0604020202020204" pitchFamily="34" charset="0"/>
-                      </a:endParaRPr>
-                    </a:p>
-                  </a:txBody>
-                  <a:tcPr marL="8547" marR="8547" marT="8547" marB="0" anchor="b"/>
-                </a:tc>
-                <a:tc>
-                  <a:txBody>
-                    <a:bodyPr/>
-                    <a:lstStyle/>
-                    <a:p>
-                      <a:pPr algn="l" fontAlgn="b"/>
-                      <a:r>
-                        <a:rPr lang="en-GB" sz="1200" u="none" strike="noStrike">
-                          <a:effectLst/>
-                        </a:rPr>
-                        <a:t>H</a:t>
-                      </a:r>
-                      <a:endParaRPr lang="en-GB" sz="1200" b="0" i="0" u="none" strike="noStrike">
-                        <a:solidFill>
-                          <a:srgbClr val="000000"/>
-                        </a:solidFill>
-                        <a:effectLst/>
-                        <a:latin typeface="Arial" panose="020B0604020202020204" pitchFamily="34" charset="0"/>
-                      </a:endParaRPr>
-                    </a:p>
-                  </a:txBody>
-                  <a:tcPr marL="8547" marR="8547" marT="8547" marB="0" anchor="b"/>
-                </a:tc>
-                <a:tc>
-                  <a:txBody>
-                    <a:bodyPr/>
-                    <a:lstStyle/>
-                    <a:p>
-                      <a:pPr algn="l" fontAlgn="b"/>
-                      <a:r>
-                        <a:rPr lang="en-GB" sz="1200" u="none" strike="noStrike">
-                          <a:effectLst/>
-                        </a:rPr>
-                        <a:t>5</a:t>
-                      </a:r>
-                      <a:endParaRPr lang="en-GB" sz="1200" b="0" i="0" u="none" strike="noStrike">
-                        <a:solidFill>
-                          <a:srgbClr val="999999"/>
-                        </a:solidFill>
-                        <a:effectLst/>
-                        <a:latin typeface="Arial" panose="020B0604020202020204" pitchFamily="34" charset="0"/>
-                      </a:endParaRPr>
-                    </a:p>
-                  </a:txBody>
-                  <a:tcPr marL="8547" marR="8547" marT="8547" marB="0" anchor="b"/>
-                </a:tc>
-                <a:tc>
-                  <a:txBody>
-                    <a:bodyPr/>
-                    <a:lstStyle/>
-                    <a:p>
-                      <a:pPr algn="r" fontAlgn="b"/>
-                      <a:r>
-                        <a:rPr lang="en-GB" sz="1200" u="none" strike="noStrike">
-                          <a:effectLst/>
-                        </a:rPr>
-                        <a:t>0</a:t>
-                      </a:r>
-                      <a:endParaRPr lang="en-GB" sz="1200" b="0" i="0" u="none" strike="noStrike">
-                        <a:solidFill>
-                          <a:srgbClr val="999999"/>
-                        </a:solidFill>
-                        <a:effectLst/>
-                        <a:latin typeface="Arial" panose="020B0604020202020204" pitchFamily="34" charset="0"/>
-                      </a:endParaRPr>
-                    </a:p>
-                  </a:txBody>
-                  <a:tcPr marL="8547" marR="8547" marT="8547" marB="0" anchor="b"/>
+                  <a:tcPr marL="7678" marR="7678" marT="7678" marB="0" anchor="ctr"/>
                 </a:tc>
                 <a:tc>
                   <a:txBody>
@@ -26252,43 +26610,7 @@
                         <a:rPr lang="en-GB" sz="1200" u="none" strike="noStrike" dirty="0">
                           <a:effectLst/>
                         </a:rPr>
-                        <a:t>System crashes when </a:t>
-                      </a:r>
-                      <a:r>
-                        <a:rPr lang="en-GB" sz="1200" u="none" strike="noStrike" dirty="0" err="1">
-                          <a:effectLst/>
-                        </a:rPr>
-                        <a:t>heatmap</a:t>
-                      </a:r>
-                      <a:r>
-                        <a:rPr lang="en-GB" sz="1200" u="none" strike="noStrike" dirty="0">
-                          <a:effectLst/>
-                        </a:rPr>
-                        <a:t> request was sent. Possibly table name (</a:t>
-                      </a:r>
-                      <a:r>
-                        <a:rPr lang="en-GB" sz="1200" u="none" strike="noStrike" dirty="0" err="1">
-                          <a:effectLst/>
-                        </a:rPr>
-                        <a:t>appusage</a:t>
-                      </a:r>
-                      <a:r>
-                        <a:rPr lang="en-GB" sz="1200" u="none" strike="noStrike" dirty="0">
-                          <a:effectLst/>
-                        </a:rPr>
-                        <a:t> and </a:t>
-                      </a:r>
-                      <a:r>
-                        <a:rPr lang="en-GB" sz="1200" u="none" strike="noStrike" dirty="0" err="1">
-                          <a:effectLst/>
-                        </a:rPr>
-                        <a:t>locationusage</a:t>
-                      </a:r>
-                      <a:r>
-                        <a:rPr lang="en-GB" sz="1200" u="none" strike="noStrike" dirty="0">
-                          <a:effectLst/>
-                        </a:rPr>
-                        <a:t>) needs to be renamed (case sensitive)</a:t>
+                        <a:t>Y</a:t>
                       </a:r>
                       <a:endParaRPr lang="en-GB" sz="1200" b="0" i="0" u="none" strike="noStrike" dirty="0">
                         <a:solidFill>
@@ -26299,432 +26621,13 @@
                       </a:endParaRPr>
                     </a:p>
                   </a:txBody>
-                  <a:tcPr marL="8547" marR="8547" marT="8547" marB="0" anchor="b"/>
-                </a:tc>
-                <a:tc>
-                  <a:txBody>
-                    <a:bodyPr/>
-                    <a:lstStyle/>
-                    <a:p>
-                      <a:pPr algn="l" fontAlgn="b"/>
-                      <a:r>
-                        <a:rPr lang="en-GB" sz="1200" u="none" strike="noStrike">
-                          <a:effectLst/>
-                        </a:rPr>
-                        <a:t>Y</a:t>
-                      </a:r>
-                      <a:endParaRPr lang="en-GB" sz="1200" b="0" i="0" u="none" strike="noStrike">
-                        <a:solidFill>
-                          <a:srgbClr val="000000"/>
-                        </a:solidFill>
-                        <a:effectLst/>
-                        <a:latin typeface="Arial" panose="020B0604020202020204" pitchFamily="34" charset="0"/>
-                      </a:endParaRPr>
-                    </a:p>
-                  </a:txBody>
-                  <a:tcPr marL="8547" marR="8547" marT="8547" marB="0" anchor="b"/>
-                </a:tc>
-              </a:tr>
-              <a:tr h="485490">
-                <a:tc>
-                  <a:txBody>
-                    <a:bodyPr/>
-                    <a:lstStyle/>
-                    <a:p>
-                      <a:pPr algn="r" fontAlgn="b"/>
-                      <a:r>
-                        <a:rPr lang="en-GB" sz="1200" u="none" strike="noStrike">
-                          <a:effectLst/>
-                        </a:rPr>
-                        <a:t>8</a:t>
-                      </a:r>
-                      <a:endParaRPr lang="en-GB" sz="1200" b="0" i="0" u="none" strike="noStrike">
-                        <a:solidFill>
-                          <a:srgbClr val="000000"/>
-                        </a:solidFill>
-                        <a:effectLst/>
-                        <a:latin typeface="Arial" panose="020B0604020202020204" pitchFamily="34" charset="0"/>
-                      </a:endParaRPr>
-                    </a:p>
-                  </a:txBody>
-                  <a:tcPr marL="8547" marR="8547" marT="8547" marB="0" anchor="b"/>
-                </a:tc>
-                <a:tc>
-                  <a:txBody>
-                    <a:bodyPr/>
-                    <a:lstStyle/>
-                    <a:p>
-                      <a:pPr algn="l" fontAlgn="b"/>
-                      <a:r>
-                        <a:rPr lang="da-DK" sz="1200" u="none" strike="noStrike">
-                          <a:effectLst/>
-                        </a:rPr>
-                        <a:t>Smartphone usage heatmap (via UI)</a:t>
-                      </a:r>
-                      <a:endParaRPr lang="da-DK" sz="1200" b="0" i="0" u="none" strike="noStrike">
-                        <a:solidFill>
-                          <a:srgbClr val="000000"/>
-                        </a:solidFill>
-                        <a:effectLst/>
-                        <a:latin typeface="Arial" panose="020B0604020202020204" pitchFamily="34" charset="0"/>
-                      </a:endParaRPr>
-                    </a:p>
-                  </a:txBody>
-                  <a:tcPr marL="8547" marR="8547" marT="8547" marB="0" anchor="b"/>
-                </a:tc>
-                <a:tc>
-                  <a:txBody>
-                    <a:bodyPr/>
-                    <a:lstStyle/>
-                    <a:p>
-                      <a:pPr algn="l" fontAlgn="b"/>
-                      <a:r>
-                        <a:rPr lang="en-GB" sz="1200" u="none" strike="noStrike">
-                          <a:effectLst/>
-                        </a:rPr>
-                        <a:t>H</a:t>
-                      </a:r>
-                      <a:endParaRPr lang="en-GB" sz="1200" b="0" i="0" u="none" strike="noStrike">
-                        <a:solidFill>
-                          <a:srgbClr val="000000"/>
-                        </a:solidFill>
-                        <a:effectLst/>
-                        <a:latin typeface="Arial" panose="020B0604020202020204" pitchFamily="34" charset="0"/>
-                      </a:endParaRPr>
-                    </a:p>
-                  </a:txBody>
-                  <a:tcPr marL="8547" marR="8547" marT="8547" marB="0" anchor="b"/>
-                </a:tc>
-                <a:tc>
-                  <a:txBody>
-                    <a:bodyPr/>
-                    <a:lstStyle/>
-                    <a:p>
-                      <a:pPr algn="l" fontAlgn="b"/>
-                      <a:r>
-                        <a:rPr lang="en-GB" sz="1200" u="none" strike="noStrike">
-                          <a:effectLst/>
-                        </a:rPr>
-                        <a:t>5</a:t>
-                      </a:r>
-                      <a:endParaRPr lang="en-GB" sz="1200" b="0" i="0" u="none" strike="noStrike">
-                        <a:solidFill>
-                          <a:srgbClr val="999999"/>
-                        </a:solidFill>
-                        <a:effectLst/>
-                        <a:latin typeface="Arial" panose="020B0604020202020204" pitchFamily="34" charset="0"/>
-                      </a:endParaRPr>
-                    </a:p>
-                  </a:txBody>
-                  <a:tcPr marL="8547" marR="8547" marT="8547" marB="0" anchor="b"/>
-                </a:tc>
-                <a:tc>
-                  <a:txBody>
-                    <a:bodyPr/>
-                    <a:lstStyle/>
-                    <a:p>
-                      <a:pPr algn="r" fontAlgn="b"/>
-                      <a:r>
-                        <a:rPr lang="en-GB" sz="1200" u="none" strike="noStrike">
-                          <a:effectLst/>
-                        </a:rPr>
-                        <a:t>0</a:t>
-                      </a:r>
-                      <a:endParaRPr lang="en-GB" sz="1200" b="0" i="0" u="none" strike="noStrike">
-                        <a:solidFill>
-                          <a:srgbClr val="999999"/>
-                        </a:solidFill>
-                        <a:effectLst/>
-                        <a:latin typeface="Arial" panose="020B0604020202020204" pitchFamily="34" charset="0"/>
-                      </a:endParaRPr>
-                    </a:p>
-                  </a:txBody>
-                  <a:tcPr marL="8547" marR="8547" marT="8547" marB="0" anchor="b"/>
-                </a:tc>
-                <a:tc>
-                  <a:txBody>
-                    <a:bodyPr/>
-                    <a:lstStyle/>
-                    <a:p>
-                      <a:pPr algn="l" fontAlgn="b"/>
-                      <a:r>
-                        <a:rPr lang="en-GB" sz="1200" u="none" strike="noStrike">
-                          <a:effectLst/>
-                        </a:rPr>
-                        <a:t>Crashes when input is: 6/04/2015 13:00:00 B1</a:t>
-                      </a:r>
-                      <a:endParaRPr lang="en-GB" sz="1200" b="0" i="0" u="none" strike="noStrike">
-                        <a:solidFill>
-                          <a:srgbClr val="000000"/>
-                        </a:solidFill>
-                        <a:effectLst/>
-                        <a:latin typeface="Arial" panose="020B0604020202020204" pitchFamily="34" charset="0"/>
-                      </a:endParaRPr>
-                    </a:p>
-                  </a:txBody>
-                  <a:tcPr marL="8547" marR="8547" marT="8547" marB="0" anchor="b"/>
-                </a:tc>
-                <a:tc>
-                  <a:txBody>
-                    <a:bodyPr/>
-                    <a:lstStyle/>
-                    <a:p>
-                      <a:pPr algn="l" fontAlgn="b"/>
-                      <a:r>
-                        <a:rPr lang="en-GB" sz="1200" u="none" strike="noStrike">
-                          <a:effectLst/>
-                        </a:rPr>
-                        <a:t>Y</a:t>
-                      </a:r>
-                      <a:endParaRPr lang="en-GB" sz="1200" b="0" i="0" u="none" strike="noStrike">
-                        <a:solidFill>
-                          <a:srgbClr val="000000"/>
-                        </a:solidFill>
-                        <a:effectLst/>
-                        <a:latin typeface="Arial" panose="020B0604020202020204" pitchFamily="34" charset="0"/>
-                      </a:endParaRPr>
-                    </a:p>
-                  </a:txBody>
-                  <a:tcPr marL="8547" marR="8547" marT="8547" marB="0" anchor="b"/>
-                </a:tc>
-              </a:tr>
-              <a:tr h="745900">
-                <a:tc>
-                  <a:txBody>
-                    <a:bodyPr/>
-                    <a:lstStyle/>
-                    <a:p>
-                      <a:pPr algn="r" fontAlgn="b"/>
-                      <a:r>
-                        <a:rPr lang="en-GB" sz="1200" u="none" strike="noStrike" dirty="0">
-                          <a:effectLst/>
-                        </a:rPr>
-                        <a:t>9</a:t>
-                      </a:r>
-                      <a:endParaRPr lang="en-GB" sz="1200" b="0" i="0" u="none" strike="noStrike" dirty="0">
-                        <a:solidFill>
-                          <a:srgbClr val="000000"/>
-                        </a:solidFill>
-                        <a:effectLst/>
-                        <a:latin typeface="Arial" panose="020B0604020202020204" pitchFamily="34" charset="0"/>
-                      </a:endParaRPr>
-                    </a:p>
-                  </a:txBody>
-                  <a:tcPr marL="8547" marR="8547" marT="8547" marB="0" anchor="b"/>
-                </a:tc>
-                <a:tc>
-                  <a:txBody>
-                    <a:bodyPr/>
-                    <a:lstStyle/>
-                    <a:p>
-                      <a:pPr algn="l" fontAlgn="b"/>
-                      <a:r>
-                        <a:rPr lang="en-GB" sz="1200" u="none" strike="noStrike" dirty="0" err="1">
-                          <a:effectLst/>
-                        </a:rPr>
-                        <a:t>OpenShift</a:t>
-                      </a:r>
-                      <a:r>
-                        <a:rPr lang="en-GB" sz="1200" u="none" strike="noStrike" dirty="0">
-                          <a:effectLst/>
-                        </a:rPr>
-                        <a:t>-Initial Bootstrap</a:t>
-                      </a:r>
-                      <a:endParaRPr lang="en-GB" sz="1200" b="0" i="0" u="none" strike="noStrike" dirty="0">
-                        <a:solidFill>
-                          <a:srgbClr val="000000"/>
-                        </a:solidFill>
-                        <a:effectLst/>
-                        <a:latin typeface="Arial" panose="020B0604020202020204" pitchFamily="34" charset="0"/>
-                      </a:endParaRPr>
-                    </a:p>
-                  </a:txBody>
-                  <a:tcPr marL="8547" marR="8547" marT="8547" marB="0" anchor="b"/>
-                </a:tc>
-                <a:tc>
-                  <a:txBody>
-                    <a:bodyPr/>
-                    <a:lstStyle/>
-                    <a:p>
-                      <a:pPr algn="l" fontAlgn="b"/>
-                      <a:r>
-                        <a:rPr lang="en-GB" sz="1200" u="none" strike="noStrike">
-                          <a:effectLst/>
-                        </a:rPr>
-                        <a:t>H</a:t>
-                      </a:r>
-                      <a:endParaRPr lang="en-GB" sz="1200" b="0" i="0" u="none" strike="noStrike">
-                        <a:solidFill>
-                          <a:srgbClr val="000000"/>
-                        </a:solidFill>
-                        <a:effectLst/>
-                        <a:latin typeface="Arial" panose="020B0604020202020204" pitchFamily="34" charset="0"/>
-                      </a:endParaRPr>
-                    </a:p>
-                  </a:txBody>
-                  <a:tcPr marL="8547" marR="8547" marT="8547" marB="0" anchor="b"/>
-                </a:tc>
-                <a:tc>
-                  <a:txBody>
-                    <a:bodyPr/>
-                    <a:lstStyle/>
-                    <a:p>
-                      <a:pPr algn="l" fontAlgn="b"/>
-                      <a:r>
-                        <a:rPr lang="en-GB" sz="1200" u="none" strike="noStrike">
-                          <a:effectLst/>
-                        </a:rPr>
-                        <a:t>5</a:t>
-                      </a:r>
-                      <a:endParaRPr lang="en-GB" sz="1200" b="0" i="0" u="none" strike="noStrike">
-                        <a:solidFill>
-                          <a:srgbClr val="999999"/>
-                        </a:solidFill>
-                        <a:effectLst/>
-                        <a:latin typeface="Arial" panose="020B0604020202020204" pitchFamily="34" charset="0"/>
-                      </a:endParaRPr>
-                    </a:p>
-                  </a:txBody>
-                  <a:tcPr marL="8547" marR="8547" marT="8547" marB="0" anchor="b"/>
-                </a:tc>
-                <a:tc>
-                  <a:txBody>
-                    <a:bodyPr/>
-                    <a:lstStyle/>
-                    <a:p>
-                      <a:pPr algn="r" fontAlgn="b"/>
-                      <a:r>
-                        <a:rPr lang="en-GB" sz="1200" u="none" strike="noStrike">
-                          <a:effectLst/>
-                        </a:rPr>
-                        <a:t>5</a:t>
-                      </a:r>
-                      <a:endParaRPr lang="en-GB" sz="1200" b="0" i="0" u="none" strike="noStrike">
-                        <a:solidFill>
-                          <a:srgbClr val="999999"/>
-                        </a:solidFill>
-                        <a:effectLst/>
-                        <a:latin typeface="Arial" panose="020B0604020202020204" pitchFamily="34" charset="0"/>
-                      </a:endParaRPr>
-                    </a:p>
-                  </a:txBody>
-                  <a:tcPr marL="8547" marR="8547" marT="8547" marB="0" anchor="b"/>
-                </a:tc>
-                <a:tc>
-                  <a:txBody>
-                    <a:bodyPr/>
-                    <a:lstStyle/>
-                    <a:p>
-                      <a:pPr algn="l" fontAlgn="b"/>
-                      <a:r>
-                        <a:rPr lang="en-GB" sz="1200" u="none" strike="noStrike" dirty="0">
-                          <a:effectLst/>
-                        </a:rPr>
-                        <a:t>Bad </a:t>
-                      </a:r>
-                      <a:r>
-                        <a:rPr lang="en-GB" sz="1200" u="none" strike="noStrike" dirty="0" err="1">
-                          <a:effectLst/>
-                        </a:rPr>
-                        <a:t>Gateway:The</a:t>
-                      </a:r>
-                      <a:r>
-                        <a:rPr lang="en-GB" sz="1200" u="none" strike="noStrike" dirty="0">
-                          <a:effectLst/>
-                        </a:rPr>
-                        <a:t> proxy server received an invalid response from an upstream server.</a:t>
-                      </a:r>
-                      <a:br>
-                        <a:rPr lang="en-GB" sz="1200" u="none" strike="noStrike" dirty="0">
-                          <a:effectLst/>
-                        </a:rPr>
-                      </a:br>
-                      <a:r>
-                        <a:rPr lang="en-GB" sz="1200" u="none" strike="noStrike" dirty="0">
-                          <a:effectLst/>
-                        </a:rPr>
-                        <a:t/>
-                      </a:r>
-                      <a:br>
-                        <a:rPr lang="en-GB" sz="1200" u="none" strike="noStrike" dirty="0">
-                          <a:effectLst/>
-                        </a:rPr>
-                      </a:br>
-                      <a:r>
-                        <a:rPr lang="en-GB" sz="1200" u="none" strike="noStrike" dirty="0">
-                          <a:effectLst/>
-                        </a:rPr>
-                        <a:t>System unable to load a big zip file. (Might need to increase session time.)</a:t>
-                      </a:r>
-                      <a:endParaRPr lang="en-GB" sz="1200" b="0" i="0" u="none" strike="noStrike" dirty="0">
-                        <a:solidFill>
-                          <a:srgbClr val="000000"/>
-                        </a:solidFill>
-                        <a:effectLst/>
-                        <a:latin typeface="Arial" panose="020B0604020202020204" pitchFamily="34" charset="0"/>
-                      </a:endParaRPr>
-                    </a:p>
-                  </a:txBody>
-                  <a:tcPr marL="8547" marR="8547" marT="8547" marB="0" anchor="b"/>
-                </a:tc>
-                <a:tc>
-                  <a:txBody>
-                    <a:bodyPr/>
-                    <a:lstStyle/>
-                    <a:p>
-                      <a:pPr algn="l" fontAlgn="b"/>
-                      <a:r>
-                        <a:rPr lang="en-GB" sz="1200" u="none" strike="noStrike" dirty="0">
-                          <a:effectLst/>
-                        </a:rPr>
-                        <a:t>N</a:t>
-                      </a:r>
-                      <a:endParaRPr lang="en-GB" sz="1200" b="0" i="0" u="none" strike="noStrike" dirty="0">
-                        <a:solidFill>
-                          <a:srgbClr val="000000"/>
-                        </a:solidFill>
-                        <a:effectLst/>
-                        <a:latin typeface="Arial" panose="020B0604020202020204" pitchFamily="34" charset="0"/>
-                      </a:endParaRPr>
-                    </a:p>
-                  </a:txBody>
-                  <a:tcPr marL="8547" marR="8547" marT="8547" marB="0" anchor="b"/>
+                  <a:tcPr marL="7678" marR="7678" marT="7678" marB="0" anchor="b"/>
                 </a:tc>
               </a:tr>
             </a:tbl>
           </a:graphicData>
         </a:graphic>
       </p:graphicFrame>
-      <p:sp>
-        <p:nvSpPr>
-          <p:cNvPr id="16" name="TextBox 15"/>
-          <p:cNvSpPr txBox="1"/>
-          <p:nvPr/>
-        </p:nvSpPr>
-        <p:spPr>
-          <a:xfrm>
-            <a:off x="6236043" y="6112476"/>
-            <a:ext cx="2529016" cy="369332"/>
-          </a:xfrm>
-          <a:prstGeom prst="rect">
-            <a:avLst/>
-          </a:prstGeom>
-          <a:noFill/>
-        </p:spPr>
-        <p:txBody>
-          <a:bodyPr wrap="square" rtlCol="0">
-            <a:spAutoFit/>
-          </a:bodyPr>
-          <a:lstStyle/>
-          <a:p>
-            <a:r>
-              <a:rPr lang="en-GB" dirty="0" smtClean="0"/>
-              <a:t>Current Raw Score: 11!</a:t>
-            </a:r>
-            <a:endParaRPr lang="en-GB" dirty="0"/>
-          </a:p>
-        </p:txBody>
-      </p:sp>
     </p:spTree>
     <p:extLst>
       <p:ext uri="{BB962C8B-B14F-4D97-AF65-F5344CB8AC3E}">
@@ -26772,84 +26675,1908 @@
             <p:ph type="title"/>
           </p:nvPr>
         </p:nvSpPr>
-        <p:spPr/>
+        <p:spPr>
+          <a:xfrm>
+            <a:off x="374821" y="0"/>
+            <a:ext cx="7772400" cy="1456267"/>
+          </a:xfrm>
+        </p:spPr>
         <p:txBody>
           <a:bodyPr/>
           <a:lstStyle/>
           <a:p>
             <a:r>
               <a:rPr lang="en-GB" dirty="0" smtClean="0"/>
-              <a:t>Sample Images of what we’ve done</a:t>
-            </a:r>
-            <a:br>
-              <a:rPr lang="en-GB" dirty="0" smtClean="0"/>
-            </a:br>
+              <a:t>Bug Metrics</a:t>
+            </a:r>
             <a:endParaRPr lang="en-GB" dirty="0"/>
+          </a:p>
+        </p:txBody>
+      </p:sp>
+      <p:sp>
+        <p:nvSpPr>
+          <p:cNvPr id="4" name="Rectangle 1"/>
+          <p:cNvSpPr>
+            <a:spLocks noChangeArrowheads="1"/>
+          </p:cNvSpPr>
+          <p:nvPr/>
+        </p:nvSpPr>
+        <p:spPr bwMode="auto">
+          <a:xfrm>
+            <a:off x="0" y="-84638"/>
+            <a:ext cx="65" cy="169277"/>
+          </a:xfrm>
+          <a:prstGeom prst="rect">
+            <a:avLst/>
+          </a:prstGeom>
+          <a:solidFill>
+            <a:srgbClr val="F9F9F9"/>
+          </a:solidFill>
+          <a:ln>
+            <a:noFill/>
+          </a:ln>
+          <a:effectLst/>
+          <a:extLst>
+            <a:ext uri="{91240B29-F687-4F45-9708-019B960494DF}">
+              <a14:hiddenLine xmlns:a14="http://schemas.microsoft.com/office/drawing/2010/main" w="9525">
+                <a:solidFill>
+                  <a:schemeClr val="tx1"/>
+                </a:solidFill>
+                <a:miter lim="800000"/>
+                <a:headEnd/>
+                <a:tailEnd/>
+              </a14:hiddenLine>
+            </a:ext>
+            <a:ext uri="{AF507438-7753-43E0-B8FC-AC1667EBCBE1}">
+              <a14:hiddenEffects xmlns:a14="http://schemas.microsoft.com/office/drawing/2010/main">
+                <a:effectLst>
+                  <a:outerShdw dist="35921" dir="2700000" algn="ctr" rotWithShape="0">
+                    <a:schemeClr val="bg2"/>
+                  </a:outerShdw>
+                </a:effectLst>
+              </a14:hiddenEffects>
+            </a:ext>
+          </a:extLst>
+        </p:spPr>
+        <p:txBody>
+          <a:bodyPr vert="horz" wrap="none" lIns="0" tIns="0" rIns="0" bIns="0" numCol="1" anchor="ctr" anchorCtr="0" compatLnSpc="1">
+            <a:prstTxWarp prst="textNoShape">
+              <a:avLst/>
+            </a:prstTxWarp>
+            <a:spAutoFit/>
+          </a:bodyPr>
+          <a:lstStyle/>
+          <a:p>
+            <a:pPr marL="0" marR="0" lvl="0" indent="0" algn="l" defTabSz="914400" rtl="0" eaLnBrk="0" fontAlgn="base" latinLnBrk="0" hangingPunct="0">
+              <a:lnSpc>
+                <a:spcPct val="100000"/>
+              </a:lnSpc>
+              <a:spcBef>
+                <a:spcPct val="0"/>
+              </a:spcBef>
+              <a:spcAft>
+                <a:spcPct val="0"/>
+              </a:spcAft>
+              <a:buClrTx/>
+              <a:buSzTx/>
+              <a:buFontTx/>
+              <a:buNone/>
+              <a:tabLst/>
+            </a:pPr>
+            <a:endParaRPr kumimoji="0" lang="en-US" altLang="en-US" sz="1100" b="1" i="0" u="none" strike="noStrike" cap="none" normalizeH="0" baseline="0" dirty="0" smtClean="0">
+              <a:ln>
+                <a:noFill/>
+              </a:ln>
+              <a:solidFill>
+                <a:srgbClr val="446E9B"/>
+              </a:solidFill>
+              <a:effectLst/>
+              <a:latin typeface="Helvetica Neue"/>
+            </a:endParaRPr>
           </a:p>
         </p:txBody>
       </p:sp>
       <p:pic>
         <p:nvPicPr>
-          <p:cNvPr id="6" name="Picture 5"/>
+          <p:cNvPr id="11267" name="Picture 3" descr="http://www.gravatar.com/avatar/383e4bbfd107ddfb1100ab5430b1958a?s=16&amp;d=identicon">
+            <a:hlinkClick r:id="rId2"/>
+          </p:cNvPr>
           <p:cNvPicPr>
-            <a:picLocks noChangeAspect="1"/>
+            <a:picLocks noChangeAspect="1" noChangeArrowheads="1"/>
           </p:cNvPicPr>
           <p:nvPr/>
         </p:nvPicPr>
-        <p:blipFill rotWithShape="1">
-          <a:blip r:embed="rId2">
+        <p:blipFill>
+          <a:blip r:embed="rId3">
             <a:extLst>
               <a:ext uri="{28A0092B-C50C-407E-A947-70E740481C1C}">
                 <a14:useLocalDpi xmlns:a14="http://schemas.microsoft.com/office/drawing/2010/main" val="0"/>
               </a:ext>
             </a:extLst>
           </a:blip>
-          <a:srcRect l="20901" t="2393" r="22973" b="7598"/>
-          <a:stretch/>
+          <a:srcRect/>
+          <a:stretch>
+            <a:fillRect/>
+          </a:stretch>
         </p:blipFill>
-        <p:spPr>
+        <p:spPr bwMode="auto">
           <a:xfrm>
-            <a:off x="457200" y="1764785"/>
-            <a:ext cx="5132173" cy="4629666"/>
-          </a:xfrm>
-          <a:prstGeom prst="rect">
-            <a:avLst/>
-          </a:prstGeom>
-        </p:spPr>
-      </p:pic>
-      <p:sp>
-        <p:nvSpPr>
-          <p:cNvPr id="7" name="TextBox 6"/>
-          <p:cNvSpPr txBox="1"/>
-          <p:nvPr/>
-        </p:nvSpPr>
-        <p:spPr>
-          <a:xfrm>
-            <a:off x="6021860" y="6071286"/>
-            <a:ext cx="3534032" cy="646331"/>
+            <a:off x="660400" y="-1800225"/>
+            <a:ext cx="152400" cy="152400"/>
           </a:xfrm>
           <a:prstGeom prst="rect">
             <a:avLst/>
           </a:prstGeom>
           <a:noFill/>
-        </p:spPr>
-        <p:txBody>
-          <a:bodyPr wrap="square" rtlCol="0">
-            <a:spAutoFit/>
-          </a:bodyPr>
-          <a:lstStyle/>
-          <a:p>
-            <a:r>
-              <a:rPr lang="en-GB" dirty="0"/>
-              <a:t>*Note: Just some idea of the execution</a:t>
-            </a:r>
-          </a:p>
-        </p:txBody>
-      </p:sp>
+          <a:extLst>
+            <a:ext uri="{909E8E84-426E-40DD-AFC4-6F175D3DCCD1}">
+              <a14:hiddenFill xmlns:a14="http://schemas.microsoft.com/office/drawing/2010/main">
+                <a:solidFill>
+                  <a:srgbClr val="FFFFFF"/>
+                </a:solidFill>
+              </a14:hiddenFill>
+            </a:ext>
+          </a:extLst>
+        </p:spPr>
+      </p:pic>
+      <p:pic>
+        <p:nvPicPr>
+          <p:cNvPr id="11269" name="Picture 5" descr="http://www.gravatar.com/avatar/383e4bbfd107ddfb1100ab5430b1958a?s=16&amp;d=identicon">
+            <a:hlinkClick r:id="rId2"/>
+          </p:cNvPr>
+          <p:cNvPicPr>
+            <a:picLocks noChangeAspect="1" noChangeArrowheads="1"/>
+          </p:cNvPicPr>
+          <p:nvPr/>
+        </p:nvPicPr>
+        <p:blipFill>
+          <a:blip r:embed="rId3">
+            <a:extLst>
+              <a:ext uri="{28A0092B-C50C-407E-A947-70E740481C1C}">
+                <a14:useLocalDpi xmlns:a14="http://schemas.microsoft.com/office/drawing/2010/main" val="0"/>
+              </a:ext>
+            </a:extLst>
+          </a:blip>
+          <a:srcRect/>
+          <a:stretch>
+            <a:fillRect/>
+          </a:stretch>
+        </p:blipFill>
+        <p:spPr bwMode="auto">
+          <a:xfrm>
+            <a:off x="38100" y="-1204913"/>
+            <a:ext cx="152400" cy="152400"/>
+          </a:xfrm>
+          <a:prstGeom prst="rect">
+            <a:avLst/>
+          </a:prstGeom>
+          <a:noFill/>
+          <a:extLst>
+            <a:ext uri="{909E8E84-426E-40DD-AFC4-6F175D3DCCD1}">
+              <a14:hiddenFill xmlns:a14="http://schemas.microsoft.com/office/drawing/2010/main">
+                <a:solidFill>
+                  <a:srgbClr val="FFFFFF"/>
+                </a:solidFill>
+              </a14:hiddenFill>
+            </a:ext>
+          </a:extLst>
+        </p:spPr>
+      </p:pic>
+      <p:pic>
+        <p:nvPicPr>
+          <p:cNvPr id="11271" name="Picture 7" descr="http://www.gravatar.com/avatar/1c145b1941208fdd5d6b3e8d0b00f9e7?s=16&amp;d=identicon">
+            <a:hlinkClick r:id="rId4"/>
+          </p:cNvPr>
+          <p:cNvPicPr>
+            <a:picLocks noChangeAspect="1" noChangeArrowheads="1"/>
+          </p:cNvPicPr>
+          <p:nvPr/>
+        </p:nvPicPr>
+        <p:blipFill>
+          <a:blip r:embed="rId5">
+            <a:extLst>
+              <a:ext uri="{28A0092B-C50C-407E-A947-70E740481C1C}">
+                <a14:useLocalDpi xmlns:a14="http://schemas.microsoft.com/office/drawing/2010/main" val="0"/>
+              </a:ext>
+            </a:extLst>
+          </a:blip>
+          <a:srcRect/>
+          <a:stretch>
+            <a:fillRect/>
+          </a:stretch>
+        </p:blipFill>
+        <p:spPr bwMode="auto">
+          <a:xfrm>
+            <a:off x="38100" y="-609600"/>
+            <a:ext cx="152400" cy="152400"/>
+          </a:xfrm>
+          <a:prstGeom prst="rect">
+            <a:avLst/>
+          </a:prstGeom>
+          <a:noFill/>
+          <a:extLst>
+            <a:ext uri="{909E8E84-426E-40DD-AFC4-6F175D3DCCD1}">
+              <a14:hiddenFill xmlns:a14="http://schemas.microsoft.com/office/drawing/2010/main">
+                <a:solidFill>
+                  <a:srgbClr val="FFFFFF"/>
+                </a:solidFill>
+              </a14:hiddenFill>
+            </a:ext>
+          </a:extLst>
+        </p:spPr>
+      </p:pic>
+      <p:graphicFrame>
+        <p:nvGraphicFramePr>
+          <p:cNvPr id="5" name="Content Placeholder 4"/>
+          <p:cNvGraphicFramePr>
+            <a:graphicFrameLocks noGrp="1"/>
+          </p:cNvGraphicFramePr>
+          <p:nvPr>
+            <p:ph idx="1"/>
+            <p:extLst>
+              <p:ext uri="{D42A27DB-BD31-4B8C-83A1-F6EECF244321}">
+                <p14:modId xmlns:p14="http://schemas.microsoft.com/office/powerpoint/2010/main" val="917184298"/>
+              </p:ext>
+            </p:extLst>
+          </p:nvPr>
+        </p:nvGraphicFramePr>
+        <p:xfrm>
+          <a:off x="317156" y="1291510"/>
+          <a:ext cx="8439720" cy="4895039"/>
+        </p:xfrm>
+        <a:graphic>
+          <a:graphicData uri="http://schemas.openxmlformats.org/drawingml/2006/table">
+            <a:tbl>
+              <a:tblPr>
+                <a:tableStyleId>{5C22544A-7EE6-4342-B048-85BDC9FD1C3A}</a:tableStyleId>
+              </a:tblPr>
+              <a:tblGrid>
+                <a:gridCol w="940497"/>
+                <a:gridCol w="940497"/>
+                <a:gridCol w="692997"/>
+                <a:gridCol w="940497"/>
+                <a:gridCol w="940497"/>
+                <a:gridCol w="3044238"/>
+                <a:gridCol w="940497"/>
+              </a:tblGrid>
+              <a:tr h="568190">
+                <a:tc>
+                  <a:txBody>
+                    <a:bodyPr/>
+                    <a:lstStyle/>
+                    <a:p>
+                      <a:pPr algn="r" fontAlgn="b"/>
+                      <a:r>
+                        <a:rPr lang="en-GB" sz="1000" u="none" strike="noStrike">
+                          <a:effectLst/>
+                        </a:rPr>
+                        <a:t>11</a:t>
+                      </a:r>
+                      <a:endParaRPr lang="en-GB" sz="1000" b="0" i="0" u="none" strike="noStrike">
+                        <a:solidFill>
+                          <a:srgbClr val="000000"/>
+                        </a:solidFill>
+                        <a:effectLst/>
+                        <a:latin typeface="Arial" panose="020B0604020202020204" pitchFamily="34" charset="0"/>
+                      </a:endParaRPr>
+                    </a:p>
+                  </a:txBody>
+                  <a:tcPr marL="6600" marR="6600" marT="6600" marB="0" anchor="b"/>
+                </a:tc>
+                <a:tc>
+                  <a:txBody>
+                    <a:bodyPr/>
+                    <a:lstStyle/>
+                    <a:p>
+                      <a:pPr algn="l" fontAlgn="b"/>
+                      <a:r>
+                        <a:rPr lang="en-GB" sz="1000" u="none" strike="noStrike">
+                          <a:effectLst/>
+                        </a:rPr>
+                        <a:t>Openshift - Error messages not in sequence</a:t>
+                      </a:r>
+                      <a:endParaRPr lang="en-GB" sz="1000" b="0" i="0" u="none" strike="noStrike">
+                        <a:solidFill>
+                          <a:srgbClr val="000000"/>
+                        </a:solidFill>
+                        <a:effectLst/>
+                        <a:latin typeface="Arial" panose="020B0604020202020204" pitchFamily="34" charset="0"/>
+                      </a:endParaRPr>
+                    </a:p>
+                  </a:txBody>
+                  <a:tcPr marL="6600" marR="6600" marT="6600" marB="0" anchor="b"/>
+                </a:tc>
+                <a:tc>
+                  <a:txBody>
+                    <a:bodyPr/>
+                    <a:lstStyle/>
+                    <a:p>
+                      <a:pPr algn="l" fontAlgn="b"/>
+                      <a:r>
+                        <a:rPr lang="en-GB" sz="1000" u="none" strike="noStrike">
+                          <a:effectLst/>
+                        </a:rPr>
+                        <a:t>L</a:t>
+                      </a:r>
+                      <a:endParaRPr lang="en-GB" sz="1000" b="0" i="0" u="none" strike="noStrike">
+                        <a:solidFill>
+                          <a:srgbClr val="000000"/>
+                        </a:solidFill>
+                        <a:effectLst/>
+                        <a:latin typeface="Arial" panose="020B0604020202020204" pitchFamily="34" charset="0"/>
+                      </a:endParaRPr>
+                    </a:p>
+                  </a:txBody>
+                  <a:tcPr marL="6600" marR="6600" marT="6600" marB="0" anchor="b"/>
+                </a:tc>
+                <a:tc>
+                  <a:txBody>
+                    <a:bodyPr/>
+                    <a:lstStyle/>
+                    <a:p>
+                      <a:pPr algn="l" fontAlgn="b"/>
+                      <a:r>
+                        <a:rPr lang="en-GB" sz="1000" u="none" strike="noStrike">
+                          <a:effectLst/>
+                        </a:rPr>
+                        <a:t>1</a:t>
+                      </a:r>
+                      <a:endParaRPr lang="en-GB" sz="1000" b="0" i="0" u="none" strike="noStrike">
+                        <a:solidFill>
+                          <a:srgbClr val="000000"/>
+                        </a:solidFill>
+                        <a:effectLst/>
+                        <a:latin typeface="Arial" panose="020B0604020202020204" pitchFamily="34" charset="0"/>
+                      </a:endParaRPr>
+                    </a:p>
+                  </a:txBody>
+                  <a:tcPr marL="6600" marR="6600" marT="6600" marB="0" anchor="b"/>
+                </a:tc>
+                <a:tc>
+                  <a:txBody>
+                    <a:bodyPr/>
+                    <a:lstStyle/>
+                    <a:p>
+                      <a:pPr algn="r" fontAlgn="b"/>
+                      <a:r>
+                        <a:rPr lang="en-GB" sz="1000" u="none" strike="noStrike">
+                          <a:effectLst/>
+                        </a:rPr>
+                        <a:t>0</a:t>
+                      </a:r>
+                      <a:endParaRPr lang="en-GB" sz="1000" b="0" i="0" u="none" strike="noStrike">
+                        <a:solidFill>
+                          <a:srgbClr val="000000"/>
+                        </a:solidFill>
+                        <a:effectLst/>
+                        <a:latin typeface="Arial" panose="020B0604020202020204" pitchFamily="34" charset="0"/>
+                      </a:endParaRPr>
+                    </a:p>
+                  </a:txBody>
+                  <a:tcPr marL="6600" marR="6600" marT="6600" marB="0" anchor="b"/>
+                </a:tc>
+                <a:tc>
+                  <a:txBody>
+                    <a:bodyPr/>
+                    <a:lstStyle/>
+                    <a:p>
+                      <a:pPr algn="l" fontAlgn="ctr"/>
+                      <a:r>
+                        <a:rPr lang="en-GB" sz="1000" u="none" strike="noStrike">
+                          <a:effectLst/>
+                        </a:rPr>
+                        <a:t>The Error messages are not printed in the right order. Eg. Row 21 appears before row 10.</a:t>
+                      </a:r>
+                      <a:endParaRPr lang="en-GB" sz="1000" b="0" i="0" u="none" strike="noStrike">
+                        <a:solidFill>
+                          <a:srgbClr val="222222"/>
+                        </a:solidFill>
+                        <a:effectLst/>
+                        <a:latin typeface="Arial" panose="020B0604020202020204" pitchFamily="34" charset="0"/>
+                      </a:endParaRPr>
+                    </a:p>
+                  </a:txBody>
+                  <a:tcPr marL="6600" marR="6600" marT="6600" marB="0" anchor="ctr"/>
+                </a:tc>
+                <a:tc>
+                  <a:txBody>
+                    <a:bodyPr/>
+                    <a:lstStyle/>
+                    <a:p>
+                      <a:pPr algn="l" fontAlgn="b"/>
+                      <a:r>
+                        <a:rPr lang="en-GB" sz="1000" u="none" strike="noStrike">
+                          <a:effectLst/>
+                        </a:rPr>
+                        <a:t>Y</a:t>
+                      </a:r>
+                      <a:endParaRPr lang="en-GB" sz="1000" b="0" i="0" u="none" strike="noStrike">
+                        <a:solidFill>
+                          <a:srgbClr val="000000"/>
+                        </a:solidFill>
+                        <a:effectLst/>
+                        <a:latin typeface="Arial" panose="020B0604020202020204" pitchFamily="34" charset="0"/>
+                      </a:endParaRPr>
+                    </a:p>
+                  </a:txBody>
+                  <a:tcPr marL="6600" marR="6600" marT="6600" marB="0" anchor="b"/>
+                </a:tc>
+              </a:tr>
+              <a:tr h="629380">
+                <a:tc>
+                  <a:txBody>
+                    <a:bodyPr/>
+                    <a:lstStyle/>
+                    <a:p>
+                      <a:pPr algn="r" fontAlgn="b"/>
+                      <a:r>
+                        <a:rPr lang="en-GB" sz="1000" u="none" strike="noStrike">
+                          <a:effectLst/>
+                        </a:rPr>
+                        <a:t>12</a:t>
+                      </a:r>
+                      <a:endParaRPr lang="en-GB" sz="1000" b="0" i="0" u="none" strike="noStrike">
+                        <a:solidFill>
+                          <a:srgbClr val="000000"/>
+                        </a:solidFill>
+                        <a:effectLst/>
+                        <a:latin typeface="Arial" panose="020B0604020202020204" pitchFamily="34" charset="0"/>
+                      </a:endParaRPr>
+                    </a:p>
+                  </a:txBody>
+                  <a:tcPr marL="6600" marR="6600" marT="6600" marB="0" anchor="b"/>
+                </a:tc>
+                <a:tc>
+                  <a:txBody>
+                    <a:bodyPr/>
+                    <a:lstStyle/>
+                    <a:p>
+                      <a:pPr algn="l" fontAlgn="b"/>
+                      <a:r>
+                        <a:rPr lang="en-GB" sz="1000" u="none" strike="noStrike">
+                          <a:effectLst/>
+                        </a:rPr>
+                        <a:t>Bootstrap - Cannot load large data file (Data-zip 1)</a:t>
+                      </a:r>
+                      <a:endParaRPr lang="en-GB" sz="1000" b="0" i="0" u="none" strike="noStrike">
+                        <a:solidFill>
+                          <a:srgbClr val="000000"/>
+                        </a:solidFill>
+                        <a:effectLst/>
+                        <a:latin typeface="Arial" panose="020B0604020202020204" pitchFamily="34" charset="0"/>
+                      </a:endParaRPr>
+                    </a:p>
+                  </a:txBody>
+                  <a:tcPr marL="6600" marR="6600" marT="6600" marB="0" anchor="b"/>
+                </a:tc>
+                <a:tc>
+                  <a:txBody>
+                    <a:bodyPr/>
+                    <a:lstStyle/>
+                    <a:p>
+                      <a:pPr algn="l" fontAlgn="b"/>
+                      <a:r>
+                        <a:rPr lang="en-GB" sz="1000" u="none" strike="noStrike">
+                          <a:effectLst/>
+                        </a:rPr>
+                        <a:t>C</a:t>
+                      </a:r>
+                      <a:endParaRPr lang="en-GB" sz="1000" b="0" i="0" u="none" strike="noStrike">
+                        <a:solidFill>
+                          <a:srgbClr val="000000"/>
+                        </a:solidFill>
+                        <a:effectLst/>
+                        <a:latin typeface="Arial" panose="020B0604020202020204" pitchFamily="34" charset="0"/>
+                      </a:endParaRPr>
+                    </a:p>
+                  </a:txBody>
+                  <a:tcPr marL="6600" marR="6600" marT="6600" marB="0" anchor="b"/>
+                </a:tc>
+                <a:tc>
+                  <a:txBody>
+                    <a:bodyPr/>
+                    <a:lstStyle/>
+                    <a:p>
+                      <a:pPr algn="l" fontAlgn="b"/>
+                      <a:r>
+                        <a:rPr lang="en-GB" sz="1000" u="none" strike="noStrike">
+                          <a:effectLst/>
+                        </a:rPr>
+                        <a:t>10</a:t>
+                      </a:r>
+                      <a:endParaRPr lang="en-GB" sz="1000" b="0" i="0" u="none" strike="noStrike">
+                        <a:solidFill>
+                          <a:srgbClr val="000000"/>
+                        </a:solidFill>
+                        <a:effectLst/>
+                        <a:latin typeface="Arial" panose="020B0604020202020204" pitchFamily="34" charset="0"/>
+                      </a:endParaRPr>
+                    </a:p>
+                  </a:txBody>
+                  <a:tcPr marL="6600" marR="6600" marT="6600" marB="0" anchor="b"/>
+                </a:tc>
+                <a:tc>
+                  <a:txBody>
+                    <a:bodyPr/>
+                    <a:lstStyle/>
+                    <a:p>
+                      <a:pPr algn="r" fontAlgn="b"/>
+                      <a:r>
+                        <a:rPr lang="en-GB" sz="1000" u="none" strike="noStrike">
+                          <a:effectLst/>
+                        </a:rPr>
+                        <a:t>0</a:t>
+                      </a:r>
+                      <a:endParaRPr lang="en-GB" sz="1000" b="0" i="0" u="none" strike="noStrike">
+                        <a:solidFill>
+                          <a:srgbClr val="000000"/>
+                        </a:solidFill>
+                        <a:effectLst/>
+                        <a:latin typeface="Arial" panose="020B0604020202020204" pitchFamily="34" charset="0"/>
+                      </a:endParaRPr>
+                    </a:p>
+                  </a:txBody>
+                  <a:tcPr marL="6600" marR="6600" marT="6600" marB="0" anchor="b"/>
+                </a:tc>
+                <a:tc>
+                  <a:txBody>
+                    <a:bodyPr/>
+                    <a:lstStyle/>
+                    <a:p>
+                      <a:pPr algn="l" fontAlgn="b"/>
+                      <a:r>
+                        <a:rPr lang="en-GB" sz="1000" u="none" strike="noStrike">
+                          <a:effectLst/>
+                        </a:rPr>
+                        <a:t>The first data file of thousand entries cannot load finish before Java throws a Java Heap/Java out of memory error</a:t>
+                      </a:r>
+                      <a:endParaRPr lang="en-GB" sz="1000" b="0" i="0" u="none" strike="noStrike">
+                        <a:solidFill>
+                          <a:srgbClr val="000000"/>
+                        </a:solidFill>
+                        <a:effectLst/>
+                        <a:latin typeface="Arial" panose="020B0604020202020204" pitchFamily="34" charset="0"/>
+                      </a:endParaRPr>
+                    </a:p>
+                  </a:txBody>
+                  <a:tcPr marL="6600" marR="6600" marT="6600" marB="0" anchor="b"/>
+                </a:tc>
+                <a:tc>
+                  <a:txBody>
+                    <a:bodyPr/>
+                    <a:lstStyle/>
+                    <a:p>
+                      <a:pPr algn="l" fontAlgn="b"/>
+                      <a:r>
+                        <a:rPr lang="en-GB" sz="1000" u="none" strike="noStrike">
+                          <a:effectLst/>
+                        </a:rPr>
+                        <a:t>Y</a:t>
+                      </a:r>
+                      <a:endParaRPr lang="en-GB" sz="1000" b="0" i="0" u="none" strike="noStrike">
+                        <a:solidFill>
+                          <a:srgbClr val="000000"/>
+                        </a:solidFill>
+                        <a:effectLst/>
+                        <a:latin typeface="Arial" panose="020B0604020202020204" pitchFamily="34" charset="0"/>
+                      </a:endParaRPr>
+                    </a:p>
+                  </a:txBody>
+                  <a:tcPr marL="6600" marR="6600" marT="6600" marB="0" anchor="b"/>
+                </a:tc>
+              </a:tr>
+              <a:tr h="638121">
+                <a:tc>
+                  <a:txBody>
+                    <a:bodyPr/>
+                    <a:lstStyle/>
+                    <a:p>
+                      <a:pPr algn="r" fontAlgn="b"/>
+                      <a:r>
+                        <a:rPr lang="en-GB" sz="1000" u="none" strike="noStrike">
+                          <a:effectLst/>
+                        </a:rPr>
+                        <a:t>13</a:t>
+                      </a:r>
+                      <a:endParaRPr lang="en-GB" sz="1000" b="0" i="0" u="none" strike="noStrike">
+                        <a:solidFill>
+                          <a:srgbClr val="000000"/>
+                        </a:solidFill>
+                        <a:effectLst/>
+                        <a:latin typeface="Arial" panose="020B0604020202020204" pitchFamily="34" charset="0"/>
+                      </a:endParaRPr>
+                    </a:p>
+                  </a:txBody>
+                  <a:tcPr marL="6600" marR="6600" marT="6600" marB="0" anchor="b"/>
+                </a:tc>
+                <a:tc>
+                  <a:txBody>
+                    <a:bodyPr/>
+                    <a:lstStyle/>
+                    <a:p>
+                      <a:pPr algn="l" fontAlgn="b"/>
+                      <a:r>
+                        <a:rPr lang="en-GB" sz="1000" u="none" strike="noStrike">
+                          <a:effectLst/>
+                        </a:rPr>
+                        <a:t>Bootstrap - Cannot load large data file (Data-zip 3)</a:t>
+                      </a:r>
+                      <a:endParaRPr lang="en-GB" sz="1000" b="0" i="0" u="none" strike="noStrike">
+                        <a:solidFill>
+                          <a:srgbClr val="000000"/>
+                        </a:solidFill>
+                        <a:effectLst/>
+                        <a:latin typeface="Arial" panose="020B0604020202020204" pitchFamily="34" charset="0"/>
+                      </a:endParaRPr>
+                    </a:p>
+                  </a:txBody>
+                  <a:tcPr marL="6600" marR="6600" marT="6600" marB="0" anchor="b"/>
+                </a:tc>
+                <a:tc>
+                  <a:txBody>
+                    <a:bodyPr/>
+                    <a:lstStyle/>
+                    <a:p>
+                      <a:pPr algn="l" fontAlgn="b"/>
+                      <a:r>
+                        <a:rPr lang="en-GB" sz="1000" u="none" strike="noStrike">
+                          <a:effectLst/>
+                        </a:rPr>
+                        <a:t>C</a:t>
+                      </a:r>
+                      <a:endParaRPr lang="en-GB" sz="1000" b="0" i="0" u="none" strike="noStrike">
+                        <a:solidFill>
+                          <a:srgbClr val="000000"/>
+                        </a:solidFill>
+                        <a:effectLst/>
+                        <a:latin typeface="Arial" panose="020B0604020202020204" pitchFamily="34" charset="0"/>
+                      </a:endParaRPr>
+                    </a:p>
+                  </a:txBody>
+                  <a:tcPr marL="6600" marR="6600" marT="6600" marB="0" anchor="b"/>
+                </a:tc>
+                <a:tc>
+                  <a:txBody>
+                    <a:bodyPr/>
+                    <a:lstStyle/>
+                    <a:p>
+                      <a:pPr algn="l" fontAlgn="b"/>
+                      <a:r>
+                        <a:rPr lang="en-GB" sz="1000" u="none" strike="noStrike">
+                          <a:effectLst/>
+                        </a:rPr>
+                        <a:t>10</a:t>
+                      </a:r>
+                      <a:endParaRPr lang="en-GB" sz="1000" b="0" i="0" u="none" strike="noStrike">
+                        <a:solidFill>
+                          <a:srgbClr val="000000"/>
+                        </a:solidFill>
+                        <a:effectLst/>
+                        <a:latin typeface="Arial" panose="020B0604020202020204" pitchFamily="34" charset="0"/>
+                      </a:endParaRPr>
+                    </a:p>
+                  </a:txBody>
+                  <a:tcPr marL="6600" marR="6600" marT="6600" marB="0" anchor="b"/>
+                </a:tc>
+                <a:tc>
+                  <a:txBody>
+                    <a:bodyPr/>
+                    <a:lstStyle/>
+                    <a:p>
+                      <a:pPr algn="r" fontAlgn="b"/>
+                      <a:r>
+                        <a:rPr lang="en-GB" sz="1000" u="none" strike="noStrike">
+                          <a:effectLst/>
+                        </a:rPr>
+                        <a:t>0</a:t>
+                      </a:r>
+                      <a:endParaRPr lang="en-GB" sz="1000" b="0" i="0" u="none" strike="noStrike">
+                        <a:solidFill>
+                          <a:srgbClr val="000000"/>
+                        </a:solidFill>
+                        <a:effectLst/>
+                        <a:latin typeface="Arial" panose="020B0604020202020204" pitchFamily="34" charset="0"/>
+                      </a:endParaRPr>
+                    </a:p>
+                  </a:txBody>
+                  <a:tcPr marL="6600" marR="6600" marT="6600" marB="0" anchor="b"/>
+                </a:tc>
+                <a:tc>
+                  <a:txBody>
+                    <a:bodyPr/>
+                    <a:lstStyle/>
+                    <a:p>
+                      <a:pPr algn="l" fontAlgn="b"/>
+                      <a:r>
+                        <a:rPr lang="en-GB" sz="1000" u="none" strike="noStrike">
+                          <a:effectLst/>
+                        </a:rPr>
+                        <a:t>The third data file of a million entries cannot load finish before Java throws a Java Heap/Java out of memory error</a:t>
+                      </a:r>
+                      <a:endParaRPr lang="en-GB" sz="1000" b="0" i="0" u="none" strike="noStrike">
+                        <a:solidFill>
+                          <a:srgbClr val="000000"/>
+                        </a:solidFill>
+                        <a:effectLst/>
+                        <a:latin typeface="Arial" panose="020B0604020202020204" pitchFamily="34" charset="0"/>
+                      </a:endParaRPr>
+                    </a:p>
+                  </a:txBody>
+                  <a:tcPr marL="6600" marR="6600" marT="6600" marB="0" anchor="b"/>
+                </a:tc>
+                <a:tc>
+                  <a:txBody>
+                    <a:bodyPr/>
+                    <a:lstStyle/>
+                    <a:p>
+                      <a:pPr algn="l" fontAlgn="b"/>
+                      <a:r>
+                        <a:rPr lang="en-GB" sz="1000" u="none" strike="noStrike">
+                          <a:effectLst/>
+                        </a:rPr>
+                        <a:t>Y</a:t>
+                      </a:r>
+                      <a:endParaRPr lang="en-GB" sz="1000" b="0" i="0" u="none" strike="noStrike">
+                        <a:solidFill>
+                          <a:srgbClr val="000000"/>
+                        </a:solidFill>
+                        <a:effectLst/>
+                        <a:latin typeface="Arial" panose="020B0604020202020204" pitchFamily="34" charset="0"/>
+                      </a:endParaRPr>
+                    </a:p>
+                  </a:txBody>
+                  <a:tcPr marL="6600" marR="6600" marT="6600" marB="0" anchor="b"/>
+                </a:tc>
+              </a:tr>
+              <a:tr h="594414">
+                <a:tc>
+                  <a:txBody>
+                    <a:bodyPr/>
+                    <a:lstStyle/>
+                    <a:p>
+                      <a:pPr algn="r" fontAlgn="b"/>
+                      <a:r>
+                        <a:rPr lang="en-GB" sz="1000" u="none" strike="noStrike">
+                          <a:effectLst/>
+                        </a:rPr>
+                        <a:t>14</a:t>
+                      </a:r>
+                      <a:endParaRPr lang="en-GB" sz="1000" b="0" i="0" u="none" strike="noStrike">
+                        <a:solidFill>
+                          <a:srgbClr val="000000"/>
+                        </a:solidFill>
+                        <a:effectLst/>
+                        <a:latin typeface="Arial" panose="020B0604020202020204" pitchFamily="34" charset="0"/>
+                      </a:endParaRPr>
+                    </a:p>
+                  </a:txBody>
+                  <a:tcPr marL="6600" marR="6600" marT="6600" marB="0" anchor="b"/>
+                </a:tc>
+                <a:tc>
+                  <a:txBody>
+                    <a:bodyPr/>
+                    <a:lstStyle/>
+                    <a:p>
+                      <a:pPr algn="l" fontAlgn="b"/>
+                      <a:r>
+                        <a:rPr lang="en-GB" sz="1000" u="none" strike="noStrike">
+                          <a:effectLst/>
+                        </a:rPr>
+                        <a:t>Bootstrap - Duplicate entry rows are not returning</a:t>
+                      </a:r>
+                      <a:endParaRPr lang="en-GB" sz="1000" b="0" i="0" u="none" strike="noStrike">
+                        <a:solidFill>
+                          <a:srgbClr val="000000"/>
+                        </a:solidFill>
+                        <a:effectLst/>
+                        <a:latin typeface="Arial" panose="020B0604020202020204" pitchFamily="34" charset="0"/>
+                      </a:endParaRPr>
+                    </a:p>
+                  </a:txBody>
+                  <a:tcPr marL="6600" marR="6600" marT="6600" marB="0" anchor="b"/>
+                </a:tc>
+                <a:tc>
+                  <a:txBody>
+                    <a:bodyPr/>
+                    <a:lstStyle/>
+                    <a:p>
+                      <a:pPr algn="l" fontAlgn="b"/>
+                      <a:r>
+                        <a:rPr lang="en-GB" sz="1000" u="none" strike="noStrike">
+                          <a:effectLst/>
+                        </a:rPr>
+                        <a:t>H</a:t>
+                      </a:r>
+                      <a:endParaRPr lang="en-GB" sz="1000" b="0" i="0" u="none" strike="noStrike">
+                        <a:solidFill>
+                          <a:srgbClr val="000000"/>
+                        </a:solidFill>
+                        <a:effectLst/>
+                        <a:latin typeface="Arial" panose="020B0604020202020204" pitchFamily="34" charset="0"/>
+                      </a:endParaRPr>
+                    </a:p>
+                  </a:txBody>
+                  <a:tcPr marL="6600" marR="6600" marT="6600" marB="0" anchor="b"/>
+                </a:tc>
+                <a:tc>
+                  <a:txBody>
+                    <a:bodyPr/>
+                    <a:lstStyle/>
+                    <a:p>
+                      <a:pPr algn="l" fontAlgn="b"/>
+                      <a:r>
+                        <a:rPr lang="en-GB" sz="1000" u="none" strike="noStrike">
+                          <a:effectLst/>
+                        </a:rPr>
+                        <a:t>5</a:t>
+                      </a:r>
+                      <a:endParaRPr lang="en-GB" sz="1000" b="0" i="0" u="none" strike="noStrike">
+                        <a:solidFill>
+                          <a:srgbClr val="000000"/>
+                        </a:solidFill>
+                        <a:effectLst/>
+                        <a:latin typeface="Arial" panose="020B0604020202020204" pitchFamily="34" charset="0"/>
+                      </a:endParaRPr>
+                    </a:p>
+                  </a:txBody>
+                  <a:tcPr marL="6600" marR="6600" marT="6600" marB="0" anchor="b"/>
+                </a:tc>
+                <a:tc>
+                  <a:txBody>
+                    <a:bodyPr/>
+                    <a:lstStyle/>
+                    <a:p>
+                      <a:pPr algn="r" fontAlgn="b"/>
+                      <a:r>
+                        <a:rPr lang="en-GB" sz="1000" u="none" strike="noStrike">
+                          <a:effectLst/>
+                        </a:rPr>
+                        <a:t>0</a:t>
+                      </a:r>
+                      <a:endParaRPr lang="en-GB" sz="1000" b="0" i="0" u="none" strike="noStrike">
+                        <a:solidFill>
+                          <a:srgbClr val="000000"/>
+                        </a:solidFill>
+                        <a:effectLst/>
+                        <a:latin typeface="Arial" panose="020B0604020202020204" pitchFamily="34" charset="0"/>
+                      </a:endParaRPr>
+                    </a:p>
+                  </a:txBody>
+                  <a:tcPr marL="6600" marR="6600" marT="6600" marB="0" anchor="b"/>
+                </a:tc>
+                <a:tc>
+                  <a:txBody>
+                    <a:bodyPr/>
+                    <a:lstStyle/>
+                    <a:p>
+                      <a:pPr algn="l" fontAlgn="b"/>
+                      <a:r>
+                        <a:rPr lang="en-GB" sz="1000" u="none" strike="noStrike">
+                          <a:effectLst/>
+                        </a:rPr>
+                        <a:t>Duplicates in Bootstrap for the "most recent entry" have been solved, but then checking with the database for AddBatch are not displaying</a:t>
+                      </a:r>
+                      <a:endParaRPr lang="en-GB" sz="1000" b="0" i="0" u="none" strike="noStrike">
+                        <a:solidFill>
+                          <a:srgbClr val="000000"/>
+                        </a:solidFill>
+                        <a:effectLst/>
+                        <a:latin typeface="Arial" panose="020B0604020202020204" pitchFamily="34" charset="0"/>
+                      </a:endParaRPr>
+                    </a:p>
+                  </a:txBody>
+                  <a:tcPr marL="6600" marR="6600" marT="6600" marB="0" anchor="b"/>
+                </a:tc>
+                <a:tc>
+                  <a:txBody>
+                    <a:bodyPr/>
+                    <a:lstStyle/>
+                    <a:p>
+                      <a:pPr algn="l" fontAlgn="b"/>
+                      <a:r>
+                        <a:rPr lang="en-GB" sz="1000" u="none" strike="noStrike">
+                          <a:effectLst/>
+                        </a:rPr>
+                        <a:t>Y</a:t>
+                      </a:r>
+                      <a:endParaRPr lang="en-GB" sz="1000" b="0" i="0" u="none" strike="noStrike">
+                        <a:solidFill>
+                          <a:srgbClr val="000000"/>
+                        </a:solidFill>
+                        <a:effectLst/>
+                        <a:latin typeface="Arial" panose="020B0604020202020204" pitchFamily="34" charset="0"/>
+                      </a:endParaRPr>
+                    </a:p>
+                  </a:txBody>
+                  <a:tcPr marL="6600" marR="6600" marT="6600" marB="0" anchor="b"/>
+                </a:tc>
+              </a:tr>
+              <a:tr h="576932">
+                <a:tc>
+                  <a:txBody>
+                    <a:bodyPr/>
+                    <a:lstStyle/>
+                    <a:p>
+                      <a:pPr algn="r" fontAlgn="b"/>
+                      <a:r>
+                        <a:rPr lang="en-GB" sz="1000" u="none" strike="noStrike">
+                          <a:effectLst/>
+                        </a:rPr>
+                        <a:t>15</a:t>
+                      </a:r>
+                      <a:endParaRPr lang="en-GB" sz="1000" b="0" i="0" u="none" strike="noStrike">
+                        <a:solidFill>
+                          <a:srgbClr val="000000"/>
+                        </a:solidFill>
+                        <a:effectLst/>
+                        <a:latin typeface="Arial" panose="020B0604020202020204" pitchFamily="34" charset="0"/>
+                      </a:endParaRPr>
+                    </a:p>
+                  </a:txBody>
+                  <a:tcPr marL="6600" marR="6600" marT="6600" marB="0" anchor="b"/>
+                </a:tc>
+                <a:tc>
+                  <a:txBody>
+                    <a:bodyPr/>
+                    <a:lstStyle/>
+                    <a:p>
+                      <a:pPr algn="l" fontAlgn="b"/>
+                      <a:r>
+                        <a:rPr lang="en-GB" sz="1000" u="none" strike="noStrike">
+                          <a:effectLst/>
+                        </a:rPr>
+                        <a:t>Smartphone usage heatmap - misread instructions </a:t>
+                      </a:r>
+                      <a:endParaRPr lang="en-GB" sz="1000" b="0" i="0" u="none" strike="noStrike">
+                        <a:solidFill>
+                          <a:srgbClr val="000000"/>
+                        </a:solidFill>
+                        <a:effectLst/>
+                        <a:latin typeface="Arial" panose="020B0604020202020204" pitchFamily="34" charset="0"/>
+                      </a:endParaRPr>
+                    </a:p>
+                  </a:txBody>
+                  <a:tcPr marL="6600" marR="6600" marT="6600" marB="0" anchor="b"/>
+                </a:tc>
+                <a:tc>
+                  <a:txBody>
+                    <a:bodyPr/>
+                    <a:lstStyle/>
+                    <a:p>
+                      <a:pPr algn="l" fontAlgn="b"/>
+                      <a:r>
+                        <a:rPr lang="en-GB" sz="1000" u="none" strike="noStrike">
+                          <a:effectLst/>
+                        </a:rPr>
+                        <a:t>C</a:t>
+                      </a:r>
+                      <a:endParaRPr lang="en-GB" sz="1000" b="0" i="0" u="none" strike="noStrike">
+                        <a:solidFill>
+                          <a:srgbClr val="000000"/>
+                        </a:solidFill>
+                        <a:effectLst/>
+                        <a:latin typeface="Arial" panose="020B0604020202020204" pitchFamily="34" charset="0"/>
+                      </a:endParaRPr>
+                    </a:p>
+                  </a:txBody>
+                  <a:tcPr marL="6600" marR="6600" marT="6600" marB="0" anchor="b"/>
+                </a:tc>
+                <a:tc>
+                  <a:txBody>
+                    <a:bodyPr/>
+                    <a:lstStyle/>
+                    <a:p>
+                      <a:pPr algn="l" fontAlgn="b"/>
+                      <a:r>
+                        <a:rPr lang="en-GB" sz="1000" u="none" strike="noStrike">
+                          <a:effectLst/>
+                        </a:rPr>
+                        <a:t>10</a:t>
+                      </a:r>
+                      <a:endParaRPr lang="en-GB" sz="1000" b="0" i="0" u="none" strike="noStrike">
+                        <a:solidFill>
+                          <a:srgbClr val="000000"/>
+                        </a:solidFill>
+                        <a:effectLst/>
+                        <a:latin typeface="Arial" panose="020B0604020202020204" pitchFamily="34" charset="0"/>
+                      </a:endParaRPr>
+                    </a:p>
+                  </a:txBody>
+                  <a:tcPr marL="6600" marR="6600" marT="6600" marB="0" anchor="b"/>
+                </a:tc>
+                <a:tc>
+                  <a:txBody>
+                    <a:bodyPr/>
+                    <a:lstStyle/>
+                    <a:p>
+                      <a:pPr algn="r" fontAlgn="b"/>
+                      <a:r>
+                        <a:rPr lang="en-GB" sz="1000" u="none" strike="noStrike">
+                          <a:effectLst/>
+                        </a:rPr>
+                        <a:t>0</a:t>
+                      </a:r>
+                      <a:endParaRPr lang="en-GB" sz="1000" b="0" i="0" u="none" strike="noStrike">
+                        <a:solidFill>
+                          <a:srgbClr val="000000"/>
+                        </a:solidFill>
+                        <a:effectLst/>
+                        <a:latin typeface="Arial" panose="020B0604020202020204" pitchFamily="34" charset="0"/>
+                      </a:endParaRPr>
+                    </a:p>
+                  </a:txBody>
+                  <a:tcPr marL="6600" marR="6600" marT="6600" marB="0" anchor="b"/>
+                </a:tc>
+                <a:tc>
+                  <a:txBody>
+                    <a:bodyPr/>
+                    <a:lstStyle/>
+                    <a:p>
+                      <a:pPr algn="l" fontAlgn="b"/>
+                      <a:r>
+                        <a:rPr lang="en-GB" sz="1000" u="none" strike="noStrike">
+                          <a:effectLst/>
+                        </a:rPr>
+                        <a:t>Usage heatmap not supposed to take location data as "not there" after 5 minutes.</a:t>
+                      </a:r>
+                      <a:endParaRPr lang="en-GB" sz="1000" b="0" i="0" u="none" strike="noStrike">
+                        <a:solidFill>
+                          <a:srgbClr val="000000"/>
+                        </a:solidFill>
+                        <a:effectLst/>
+                        <a:latin typeface="Arial" panose="020B0604020202020204" pitchFamily="34" charset="0"/>
+                      </a:endParaRPr>
+                    </a:p>
+                  </a:txBody>
+                  <a:tcPr marL="6600" marR="6600" marT="6600" marB="0" anchor="b"/>
+                </a:tc>
+                <a:tc>
+                  <a:txBody>
+                    <a:bodyPr/>
+                    <a:lstStyle/>
+                    <a:p>
+                      <a:pPr algn="l" fontAlgn="b"/>
+                      <a:r>
+                        <a:rPr lang="en-GB" sz="1000" u="none" strike="noStrike">
+                          <a:effectLst/>
+                        </a:rPr>
+                        <a:t>Y</a:t>
+                      </a:r>
+                      <a:endParaRPr lang="en-GB" sz="1000" b="0" i="0" u="none" strike="noStrike">
+                        <a:solidFill>
+                          <a:srgbClr val="000000"/>
+                        </a:solidFill>
+                        <a:effectLst/>
+                        <a:latin typeface="Arial" panose="020B0604020202020204" pitchFamily="34" charset="0"/>
+                      </a:endParaRPr>
+                    </a:p>
+                  </a:txBody>
+                  <a:tcPr marL="6600" marR="6600" marT="6600" marB="0" anchor="b"/>
+                </a:tc>
+              </a:tr>
+              <a:tr h="349655">
+                <a:tc>
+                  <a:txBody>
+                    <a:bodyPr/>
+                    <a:lstStyle/>
+                    <a:p>
+                      <a:pPr algn="r" fontAlgn="b"/>
+                      <a:r>
+                        <a:rPr lang="en-GB" sz="1000" u="none" strike="noStrike">
+                          <a:effectLst/>
+                        </a:rPr>
+                        <a:t>16</a:t>
+                      </a:r>
+                      <a:endParaRPr lang="en-GB" sz="1000" b="0" i="0" u="none" strike="noStrike">
+                        <a:solidFill>
+                          <a:srgbClr val="000000"/>
+                        </a:solidFill>
+                        <a:effectLst/>
+                        <a:latin typeface="Arial" panose="020B0604020202020204" pitchFamily="34" charset="0"/>
+                      </a:endParaRPr>
+                    </a:p>
+                  </a:txBody>
+                  <a:tcPr marL="6600" marR="6600" marT="6600" marB="0" anchor="b"/>
+                </a:tc>
+                <a:tc>
+                  <a:txBody>
+                    <a:bodyPr/>
+                    <a:lstStyle/>
+                    <a:p>
+                      <a:pPr algn="l" fontAlgn="b"/>
+                      <a:r>
+                        <a:rPr lang="en-GB" sz="1000" u="none" strike="noStrike">
+                          <a:effectLst/>
+                        </a:rPr>
+                        <a:t>Bootstrap - Add Batch</a:t>
+                      </a:r>
+                      <a:endParaRPr lang="en-GB" sz="1000" b="0" i="0" u="none" strike="noStrike">
+                        <a:solidFill>
+                          <a:srgbClr val="000000"/>
+                        </a:solidFill>
+                        <a:effectLst/>
+                        <a:latin typeface="Arial" panose="020B0604020202020204" pitchFamily="34" charset="0"/>
+                      </a:endParaRPr>
+                    </a:p>
+                  </a:txBody>
+                  <a:tcPr marL="6600" marR="6600" marT="6600" marB="0" anchor="b"/>
+                </a:tc>
+                <a:tc>
+                  <a:txBody>
+                    <a:bodyPr/>
+                    <a:lstStyle/>
+                    <a:p>
+                      <a:pPr algn="l" fontAlgn="b"/>
+                      <a:r>
+                        <a:rPr lang="en-GB" sz="1000" u="none" strike="noStrike">
+                          <a:effectLst/>
+                        </a:rPr>
+                        <a:t>H</a:t>
+                      </a:r>
+                      <a:endParaRPr lang="en-GB" sz="1000" b="0" i="0" u="none" strike="noStrike">
+                        <a:solidFill>
+                          <a:srgbClr val="000000"/>
+                        </a:solidFill>
+                        <a:effectLst/>
+                        <a:latin typeface="Arial" panose="020B0604020202020204" pitchFamily="34" charset="0"/>
+                      </a:endParaRPr>
+                    </a:p>
+                  </a:txBody>
+                  <a:tcPr marL="6600" marR="6600" marT="6600" marB="0" anchor="b"/>
+                </a:tc>
+                <a:tc>
+                  <a:txBody>
+                    <a:bodyPr/>
+                    <a:lstStyle/>
+                    <a:p>
+                      <a:pPr algn="l" fontAlgn="b"/>
+                      <a:r>
+                        <a:rPr lang="en-GB" sz="1000" u="none" strike="noStrike">
+                          <a:effectLst/>
+                        </a:rPr>
+                        <a:t>5</a:t>
+                      </a:r>
+                      <a:endParaRPr lang="en-GB" sz="1000" b="0" i="0" u="none" strike="noStrike">
+                        <a:solidFill>
+                          <a:srgbClr val="000000"/>
+                        </a:solidFill>
+                        <a:effectLst/>
+                        <a:latin typeface="Arial" panose="020B0604020202020204" pitchFamily="34" charset="0"/>
+                      </a:endParaRPr>
+                    </a:p>
+                  </a:txBody>
+                  <a:tcPr marL="6600" marR="6600" marT="6600" marB="0" anchor="b"/>
+                </a:tc>
+                <a:tc>
+                  <a:txBody>
+                    <a:bodyPr/>
+                    <a:lstStyle/>
+                    <a:p>
+                      <a:pPr algn="r" fontAlgn="b"/>
+                      <a:r>
+                        <a:rPr lang="en-GB" sz="1000" u="none" strike="noStrike">
+                          <a:effectLst/>
+                        </a:rPr>
+                        <a:t>5</a:t>
+                      </a:r>
+                      <a:endParaRPr lang="en-GB" sz="1000" b="0" i="0" u="none" strike="noStrike">
+                        <a:solidFill>
+                          <a:srgbClr val="000000"/>
+                        </a:solidFill>
+                        <a:effectLst/>
+                        <a:latin typeface="Arial" panose="020B0604020202020204" pitchFamily="34" charset="0"/>
+                      </a:endParaRPr>
+                    </a:p>
+                  </a:txBody>
+                  <a:tcPr marL="6600" marR="6600" marT="6600" marB="0" anchor="b"/>
+                </a:tc>
+                <a:tc>
+                  <a:txBody>
+                    <a:bodyPr/>
+                    <a:lstStyle/>
+                    <a:p>
+                      <a:pPr algn="l" fontAlgn="b"/>
+                      <a:r>
+                        <a:rPr lang="en-GB" sz="1000" u="none" strike="noStrike">
+                          <a:effectLst/>
+                        </a:rPr>
+                        <a:t>Testing of Function</a:t>
+                      </a:r>
+                      <a:endParaRPr lang="en-GB" sz="1000" b="0" i="0" u="none" strike="noStrike">
+                        <a:solidFill>
+                          <a:srgbClr val="000000"/>
+                        </a:solidFill>
+                        <a:effectLst/>
+                        <a:latin typeface="Arial" panose="020B0604020202020204" pitchFamily="34" charset="0"/>
+                      </a:endParaRPr>
+                    </a:p>
+                  </a:txBody>
+                  <a:tcPr marL="6600" marR="6600" marT="6600" marB="0" anchor="b"/>
+                </a:tc>
+                <a:tc>
+                  <a:txBody>
+                    <a:bodyPr/>
+                    <a:lstStyle/>
+                    <a:p>
+                      <a:pPr algn="l" fontAlgn="b"/>
+                      <a:r>
+                        <a:rPr lang="en-GB" sz="1000" u="none" strike="noStrike">
+                          <a:effectLst/>
+                        </a:rPr>
+                        <a:t>N</a:t>
+                      </a:r>
+                      <a:endParaRPr lang="en-GB" sz="1000" b="0" i="0" u="none" strike="noStrike">
+                        <a:solidFill>
+                          <a:srgbClr val="000000"/>
+                        </a:solidFill>
+                        <a:effectLst/>
+                        <a:latin typeface="Arial" panose="020B0604020202020204" pitchFamily="34" charset="0"/>
+                      </a:endParaRPr>
+                    </a:p>
+                  </a:txBody>
+                  <a:tcPr marL="6600" marR="6600" marT="6600" marB="0" anchor="b"/>
+                </a:tc>
+              </a:tr>
+              <a:tr h="349655">
+                <a:tc>
+                  <a:txBody>
+                    <a:bodyPr/>
+                    <a:lstStyle/>
+                    <a:p>
+                      <a:pPr algn="r" fontAlgn="b"/>
+                      <a:r>
+                        <a:rPr lang="en-GB" sz="1000" u="none" strike="noStrike">
+                          <a:effectLst/>
+                        </a:rPr>
+                        <a:t>17</a:t>
+                      </a:r>
+                      <a:endParaRPr lang="en-GB" sz="1000" b="0" i="0" u="none" strike="noStrike">
+                        <a:solidFill>
+                          <a:srgbClr val="000000"/>
+                        </a:solidFill>
+                        <a:effectLst/>
+                        <a:latin typeface="Arial" panose="020B0604020202020204" pitchFamily="34" charset="0"/>
+                      </a:endParaRPr>
+                    </a:p>
+                  </a:txBody>
+                  <a:tcPr marL="6600" marR="6600" marT="6600" marB="0" anchor="b"/>
+                </a:tc>
+                <a:tc>
+                  <a:txBody>
+                    <a:bodyPr/>
+                    <a:lstStyle/>
+                    <a:p>
+                      <a:pPr algn="l" fontAlgn="b"/>
+                      <a:r>
+                        <a:rPr lang="en-GB" sz="1000" u="none" strike="noStrike">
+                          <a:effectLst/>
+                        </a:rPr>
+                        <a:t>Bootstrap - JSON Token</a:t>
+                      </a:r>
+                      <a:endParaRPr lang="en-GB" sz="1000" b="0" i="0" u="none" strike="noStrike">
+                        <a:solidFill>
+                          <a:srgbClr val="000000"/>
+                        </a:solidFill>
+                        <a:effectLst/>
+                        <a:latin typeface="Arial" panose="020B0604020202020204" pitchFamily="34" charset="0"/>
+                      </a:endParaRPr>
+                    </a:p>
+                  </a:txBody>
+                  <a:tcPr marL="6600" marR="6600" marT="6600" marB="0" anchor="b"/>
+                </a:tc>
+                <a:tc>
+                  <a:txBody>
+                    <a:bodyPr/>
+                    <a:lstStyle/>
+                    <a:p>
+                      <a:pPr algn="l" fontAlgn="b"/>
+                      <a:r>
+                        <a:rPr lang="en-GB" sz="1000" u="none" strike="noStrike">
+                          <a:effectLst/>
+                        </a:rPr>
+                        <a:t>H</a:t>
+                      </a:r>
+                      <a:endParaRPr lang="en-GB" sz="1000" b="0" i="0" u="none" strike="noStrike">
+                        <a:solidFill>
+                          <a:srgbClr val="000000"/>
+                        </a:solidFill>
+                        <a:effectLst/>
+                        <a:latin typeface="Arial" panose="020B0604020202020204" pitchFamily="34" charset="0"/>
+                      </a:endParaRPr>
+                    </a:p>
+                  </a:txBody>
+                  <a:tcPr marL="6600" marR="6600" marT="6600" marB="0" anchor="b"/>
+                </a:tc>
+                <a:tc>
+                  <a:txBody>
+                    <a:bodyPr/>
+                    <a:lstStyle/>
+                    <a:p>
+                      <a:pPr algn="l" fontAlgn="b"/>
+                      <a:r>
+                        <a:rPr lang="en-GB" sz="1000" u="none" strike="noStrike">
+                          <a:effectLst/>
+                        </a:rPr>
+                        <a:t>5</a:t>
+                      </a:r>
+                      <a:endParaRPr lang="en-GB" sz="1000" b="0" i="0" u="none" strike="noStrike">
+                        <a:solidFill>
+                          <a:srgbClr val="000000"/>
+                        </a:solidFill>
+                        <a:effectLst/>
+                        <a:latin typeface="Arial" panose="020B0604020202020204" pitchFamily="34" charset="0"/>
+                      </a:endParaRPr>
+                    </a:p>
+                  </a:txBody>
+                  <a:tcPr marL="6600" marR="6600" marT="6600" marB="0" anchor="b"/>
+                </a:tc>
+                <a:tc>
+                  <a:txBody>
+                    <a:bodyPr/>
+                    <a:lstStyle/>
+                    <a:p>
+                      <a:pPr algn="r" fontAlgn="b"/>
+                      <a:r>
+                        <a:rPr lang="en-GB" sz="1000" u="none" strike="noStrike">
+                          <a:effectLst/>
+                        </a:rPr>
+                        <a:t>0</a:t>
+                      </a:r>
+                      <a:endParaRPr lang="en-GB" sz="1000" b="0" i="0" u="none" strike="noStrike">
+                        <a:solidFill>
+                          <a:srgbClr val="000000"/>
+                        </a:solidFill>
+                        <a:effectLst/>
+                        <a:latin typeface="Arial" panose="020B0604020202020204" pitchFamily="34" charset="0"/>
+                      </a:endParaRPr>
+                    </a:p>
+                  </a:txBody>
+                  <a:tcPr marL="6600" marR="6600" marT="6600" marB="0" anchor="b"/>
+                </a:tc>
+                <a:tc>
+                  <a:txBody>
+                    <a:bodyPr/>
+                    <a:lstStyle/>
+                    <a:p>
+                      <a:pPr algn="l" fontAlgn="b"/>
+                      <a:r>
+                        <a:rPr lang="en-GB" sz="1000" u="none" strike="noStrike">
+                          <a:effectLst/>
+                        </a:rPr>
+                        <a:t>Bootstrap JSON does not load. Token is not passing through properly. Always returns error</a:t>
+                      </a:r>
+                      <a:endParaRPr lang="en-GB" sz="1000" b="0" i="0" u="none" strike="noStrike">
+                        <a:solidFill>
+                          <a:srgbClr val="000000"/>
+                        </a:solidFill>
+                        <a:effectLst/>
+                        <a:latin typeface="Arial" panose="020B0604020202020204" pitchFamily="34" charset="0"/>
+                      </a:endParaRPr>
+                    </a:p>
+                  </a:txBody>
+                  <a:tcPr marL="6600" marR="6600" marT="6600" marB="0" anchor="b"/>
+                </a:tc>
+                <a:tc>
+                  <a:txBody>
+                    <a:bodyPr/>
+                    <a:lstStyle/>
+                    <a:p>
+                      <a:pPr algn="l" fontAlgn="b"/>
+                      <a:r>
+                        <a:rPr lang="en-GB" sz="1000" u="none" strike="noStrike">
+                          <a:effectLst/>
+                        </a:rPr>
+                        <a:t>Y</a:t>
+                      </a:r>
+                      <a:endParaRPr lang="en-GB" sz="1000" b="0" i="0" u="none" strike="noStrike">
+                        <a:solidFill>
+                          <a:srgbClr val="000000"/>
+                        </a:solidFill>
+                        <a:effectLst/>
+                        <a:latin typeface="Arial" panose="020B0604020202020204" pitchFamily="34" charset="0"/>
+                      </a:endParaRPr>
+                    </a:p>
+                  </a:txBody>
+                  <a:tcPr marL="6600" marR="6600" marT="6600" marB="0" anchor="b"/>
+                </a:tc>
+              </a:tr>
+              <a:tr h="349655">
+                <a:tc>
+                  <a:txBody>
+                    <a:bodyPr/>
+                    <a:lstStyle/>
+                    <a:p>
+                      <a:pPr algn="r" fontAlgn="b"/>
+                      <a:r>
+                        <a:rPr lang="en-GB" sz="1000" u="none" strike="noStrike">
+                          <a:effectLst/>
+                        </a:rPr>
+                        <a:t>18</a:t>
+                      </a:r>
+                      <a:endParaRPr lang="en-GB" sz="1000" b="0" i="0" u="none" strike="noStrike">
+                        <a:solidFill>
+                          <a:srgbClr val="000000"/>
+                        </a:solidFill>
+                        <a:effectLst/>
+                        <a:latin typeface="Arial" panose="020B0604020202020204" pitchFamily="34" charset="0"/>
+                      </a:endParaRPr>
+                    </a:p>
+                  </a:txBody>
+                  <a:tcPr marL="6600" marR="6600" marT="6600" marB="0" anchor="b"/>
+                </a:tc>
+                <a:tc>
+                  <a:txBody>
+                    <a:bodyPr/>
+                    <a:lstStyle/>
+                    <a:p>
+                      <a:pPr algn="l" fontAlgn="b"/>
+                      <a:r>
+                        <a:rPr lang="en-GB" sz="1000" u="none" strike="noStrike">
+                          <a:effectLst/>
+                        </a:rPr>
+                        <a:t>Login - Database</a:t>
+                      </a:r>
+                      <a:endParaRPr lang="en-GB" sz="1000" b="0" i="0" u="none" strike="noStrike">
+                        <a:solidFill>
+                          <a:srgbClr val="000000"/>
+                        </a:solidFill>
+                        <a:effectLst/>
+                        <a:latin typeface="Arial" panose="020B0604020202020204" pitchFamily="34" charset="0"/>
+                      </a:endParaRPr>
+                    </a:p>
+                  </a:txBody>
+                  <a:tcPr marL="6600" marR="6600" marT="6600" marB="0" anchor="b"/>
+                </a:tc>
+                <a:tc>
+                  <a:txBody>
+                    <a:bodyPr/>
+                    <a:lstStyle/>
+                    <a:p>
+                      <a:pPr algn="l" fontAlgn="b"/>
+                      <a:r>
+                        <a:rPr lang="en-GB" sz="1000" u="none" strike="noStrike">
+                          <a:effectLst/>
+                        </a:rPr>
+                        <a:t>H</a:t>
+                      </a:r>
+                      <a:endParaRPr lang="en-GB" sz="1000" b="0" i="0" u="none" strike="noStrike">
+                        <a:solidFill>
+                          <a:srgbClr val="000000"/>
+                        </a:solidFill>
+                        <a:effectLst/>
+                        <a:latin typeface="Arial" panose="020B0604020202020204" pitchFamily="34" charset="0"/>
+                      </a:endParaRPr>
+                    </a:p>
+                  </a:txBody>
+                  <a:tcPr marL="6600" marR="6600" marT="6600" marB="0" anchor="b"/>
+                </a:tc>
+                <a:tc>
+                  <a:txBody>
+                    <a:bodyPr/>
+                    <a:lstStyle/>
+                    <a:p>
+                      <a:pPr algn="l" fontAlgn="b"/>
+                      <a:r>
+                        <a:rPr lang="en-GB" sz="1000" u="none" strike="noStrike">
+                          <a:effectLst/>
+                        </a:rPr>
+                        <a:t>5</a:t>
+                      </a:r>
+                      <a:endParaRPr lang="en-GB" sz="1000" b="0" i="0" u="none" strike="noStrike">
+                        <a:solidFill>
+                          <a:srgbClr val="000000"/>
+                        </a:solidFill>
+                        <a:effectLst/>
+                        <a:latin typeface="Arial" panose="020B0604020202020204" pitchFamily="34" charset="0"/>
+                      </a:endParaRPr>
+                    </a:p>
+                  </a:txBody>
+                  <a:tcPr marL="6600" marR="6600" marT="6600" marB="0" anchor="b"/>
+                </a:tc>
+                <a:tc>
+                  <a:txBody>
+                    <a:bodyPr/>
+                    <a:lstStyle/>
+                    <a:p>
+                      <a:pPr algn="r" fontAlgn="b"/>
+                      <a:r>
+                        <a:rPr lang="en-GB" sz="1000" u="none" strike="noStrike">
+                          <a:effectLst/>
+                        </a:rPr>
+                        <a:t>0</a:t>
+                      </a:r>
+                      <a:endParaRPr lang="en-GB" sz="1000" b="0" i="0" u="none" strike="noStrike">
+                        <a:solidFill>
+                          <a:srgbClr val="000000"/>
+                        </a:solidFill>
+                        <a:effectLst/>
+                        <a:latin typeface="Arial" panose="020B0604020202020204" pitchFamily="34" charset="0"/>
+                      </a:endParaRPr>
+                    </a:p>
+                  </a:txBody>
+                  <a:tcPr marL="6600" marR="6600" marT="6600" marB="0" anchor="b"/>
+                </a:tc>
+                <a:tc>
+                  <a:txBody>
+                    <a:bodyPr/>
+                    <a:lstStyle/>
+                    <a:p>
+                      <a:pPr algn="l" fontAlgn="b"/>
+                      <a:r>
+                        <a:rPr lang="en-GB" sz="1000" u="none" strike="noStrike">
+                          <a:effectLst/>
+                        </a:rPr>
+                        <a:t>After logging out, database refreshes</a:t>
+                      </a:r>
+                      <a:endParaRPr lang="en-GB" sz="1000" b="0" i="0" u="none" strike="noStrike">
+                        <a:solidFill>
+                          <a:srgbClr val="000000"/>
+                        </a:solidFill>
+                        <a:effectLst/>
+                        <a:latin typeface="Arial" panose="020B0604020202020204" pitchFamily="34" charset="0"/>
+                      </a:endParaRPr>
+                    </a:p>
+                  </a:txBody>
+                  <a:tcPr marL="6600" marR="6600" marT="6600" marB="0" anchor="b"/>
+                </a:tc>
+                <a:tc>
+                  <a:txBody>
+                    <a:bodyPr/>
+                    <a:lstStyle/>
+                    <a:p>
+                      <a:pPr algn="l" fontAlgn="b"/>
+                      <a:r>
+                        <a:rPr lang="en-GB" sz="1000" u="none" strike="noStrike">
+                          <a:effectLst/>
+                        </a:rPr>
+                        <a:t>Y</a:t>
+                      </a:r>
+                      <a:endParaRPr lang="en-GB" sz="1000" b="0" i="0" u="none" strike="noStrike">
+                        <a:solidFill>
+                          <a:srgbClr val="000000"/>
+                        </a:solidFill>
+                        <a:effectLst/>
+                        <a:latin typeface="Arial" panose="020B0604020202020204" pitchFamily="34" charset="0"/>
+                      </a:endParaRPr>
+                    </a:p>
+                  </a:txBody>
+                  <a:tcPr marL="6600" marR="6600" marT="6600" marB="0" anchor="b"/>
+                </a:tc>
+              </a:tr>
+              <a:tr h="349655">
+                <a:tc>
+                  <a:txBody>
+                    <a:bodyPr/>
+                    <a:lstStyle/>
+                    <a:p>
+                      <a:pPr algn="r" fontAlgn="b"/>
+                      <a:r>
+                        <a:rPr lang="en-GB" sz="1000" u="none" strike="noStrike">
+                          <a:effectLst/>
+                        </a:rPr>
+                        <a:t>19</a:t>
+                      </a:r>
+                      <a:endParaRPr lang="en-GB" sz="1000" b="0" i="0" u="none" strike="noStrike">
+                        <a:solidFill>
+                          <a:srgbClr val="000000"/>
+                        </a:solidFill>
+                        <a:effectLst/>
+                        <a:latin typeface="Arial" panose="020B0604020202020204" pitchFamily="34" charset="0"/>
+                      </a:endParaRPr>
+                    </a:p>
+                  </a:txBody>
+                  <a:tcPr marL="6600" marR="6600" marT="6600" marB="0" anchor="b"/>
+                </a:tc>
+                <a:tc>
+                  <a:txBody>
+                    <a:bodyPr/>
+                    <a:lstStyle/>
+                    <a:p>
+                      <a:pPr algn="l" fontAlgn="b"/>
+                      <a:r>
+                        <a:rPr lang="en-GB" sz="1000" u="none" strike="noStrike">
+                          <a:effectLst/>
+                        </a:rPr>
+                        <a:t>Login - Values</a:t>
+                      </a:r>
+                      <a:endParaRPr lang="en-GB" sz="1000" b="0" i="0" u="none" strike="noStrike">
+                        <a:solidFill>
+                          <a:srgbClr val="000000"/>
+                        </a:solidFill>
+                        <a:effectLst/>
+                        <a:latin typeface="Arial" panose="020B0604020202020204" pitchFamily="34" charset="0"/>
+                      </a:endParaRPr>
+                    </a:p>
+                  </a:txBody>
+                  <a:tcPr marL="6600" marR="6600" marT="6600" marB="0" anchor="b"/>
+                </a:tc>
+                <a:tc>
+                  <a:txBody>
+                    <a:bodyPr/>
+                    <a:lstStyle/>
+                    <a:p>
+                      <a:pPr algn="l" fontAlgn="b"/>
+                      <a:r>
+                        <a:rPr lang="en-GB" sz="1000" u="none" strike="noStrike">
+                          <a:effectLst/>
+                        </a:rPr>
+                        <a:t>C</a:t>
+                      </a:r>
+                      <a:endParaRPr lang="en-GB" sz="1000" b="0" i="0" u="none" strike="noStrike">
+                        <a:solidFill>
+                          <a:srgbClr val="000000"/>
+                        </a:solidFill>
+                        <a:effectLst/>
+                        <a:latin typeface="Arial" panose="020B0604020202020204" pitchFamily="34" charset="0"/>
+                      </a:endParaRPr>
+                    </a:p>
+                  </a:txBody>
+                  <a:tcPr marL="6600" marR="6600" marT="6600" marB="0" anchor="b"/>
+                </a:tc>
+                <a:tc>
+                  <a:txBody>
+                    <a:bodyPr/>
+                    <a:lstStyle/>
+                    <a:p>
+                      <a:pPr algn="l" fontAlgn="b"/>
+                      <a:r>
+                        <a:rPr lang="en-GB" sz="1000" u="none" strike="noStrike">
+                          <a:effectLst/>
+                        </a:rPr>
+                        <a:t>10</a:t>
+                      </a:r>
+                      <a:endParaRPr lang="en-GB" sz="1000" b="0" i="0" u="none" strike="noStrike">
+                        <a:solidFill>
+                          <a:srgbClr val="000000"/>
+                        </a:solidFill>
+                        <a:effectLst/>
+                        <a:latin typeface="Arial" panose="020B0604020202020204" pitchFamily="34" charset="0"/>
+                      </a:endParaRPr>
+                    </a:p>
+                  </a:txBody>
+                  <a:tcPr marL="6600" marR="6600" marT="6600" marB="0" anchor="b"/>
+                </a:tc>
+                <a:tc>
+                  <a:txBody>
+                    <a:bodyPr/>
+                    <a:lstStyle/>
+                    <a:p>
+                      <a:pPr algn="r" fontAlgn="b"/>
+                      <a:r>
+                        <a:rPr lang="en-GB" sz="1000" u="none" strike="noStrike">
+                          <a:effectLst/>
+                        </a:rPr>
+                        <a:t>0</a:t>
+                      </a:r>
+                      <a:endParaRPr lang="en-GB" sz="1000" b="0" i="0" u="none" strike="noStrike">
+                        <a:solidFill>
+                          <a:srgbClr val="000000"/>
+                        </a:solidFill>
+                        <a:effectLst/>
+                        <a:latin typeface="Arial" panose="020B0604020202020204" pitchFamily="34" charset="0"/>
+                      </a:endParaRPr>
+                    </a:p>
+                  </a:txBody>
+                  <a:tcPr marL="6600" marR="6600" marT="6600" marB="0" anchor="b"/>
+                </a:tc>
+                <a:tc>
+                  <a:txBody>
+                    <a:bodyPr/>
+                    <a:lstStyle/>
+                    <a:p>
+                      <a:pPr algn="l" fontAlgn="b"/>
+                      <a:r>
+                        <a:rPr lang="en-GB" sz="1000" u="none" strike="noStrike">
+                          <a:effectLst/>
+                        </a:rPr>
+                        <a:t>After start-up, the program does not allow entry because values not in database</a:t>
+                      </a:r>
+                      <a:endParaRPr lang="en-GB" sz="1000" b="0" i="0" u="none" strike="noStrike">
+                        <a:solidFill>
+                          <a:srgbClr val="000000"/>
+                        </a:solidFill>
+                        <a:effectLst/>
+                        <a:latin typeface="Arial" panose="020B0604020202020204" pitchFamily="34" charset="0"/>
+                      </a:endParaRPr>
+                    </a:p>
+                  </a:txBody>
+                  <a:tcPr marL="6600" marR="6600" marT="6600" marB="0" anchor="b"/>
+                </a:tc>
+                <a:tc>
+                  <a:txBody>
+                    <a:bodyPr/>
+                    <a:lstStyle/>
+                    <a:p>
+                      <a:pPr algn="l" fontAlgn="b"/>
+                      <a:r>
+                        <a:rPr lang="en-GB" sz="1000" u="none" strike="noStrike">
+                          <a:effectLst/>
+                        </a:rPr>
+                        <a:t>Y</a:t>
+                      </a:r>
+                      <a:endParaRPr lang="en-GB" sz="1000" b="0" i="0" u="none" strike="noStrike">
+                        <a:solidFill>
+                          <a:srgbClr val="000000"/>
+                        </a:solidFill>
+                        <a:effectLst/>
+                        <a:latin typeface="Arial" panose="020B0604020202020204" pitchFamily="34" charset="0"/>
+                      </a:endParaRPr>
+                    </a:p>
+                  </a:txBody>
+                  <a:tcPr marL="6600" marR="6600" marT="6600" marB="0" anchor="b"/>
+                </a:tc>
+              </a:tr>
+              <a:tr h="428328">
+                <a:tc>
+                  <a:txBody>
+                    <a:bodyPr/>
+                    <a:lstStyle/>
+                    <a:p>
+                      <a:pPr algn="r" fontAlgn="b"/>
+                      <a:r>
+                        <a:rPr lang="en-GB" sz="1000" u="none" strike="noStrike">
+                          <a:effectLst/>
+                        </a:rPr>
+                        <a:t>20</a:t>
+                      </a:r>
+                      <a:endParaRPr lang="en-GB" sz="1000" b="0" i="0" u="none" strike="noStrike">
+                        <a:solidFill>
+                          <a:srgbClr val="000000"/>
+                        </a:solidFill>
+                        <a:effectLst/>
+                        <a:latin typeface="Arial" panose="020B0604020202020204" pitchFamily="34" charset="0"/>
+                      </a:endParaRPr>
+                    </a:p>
+                  </a:txBody>
+                  <a:tcPr marL="6600" marR="6600" marT="6600" marB="0" anchor="b"/>
+                </a:tc>
+                <a:tc>
+                  <a:txBody>
+                    <a:bodyPr/>
+                    <a:lstStyle/>
+                    <a:p>
+                      <a:pPr algn="l" fontAlgn="b"/>
+                      <a:r>
+                        <a:rPr lang="en-GB" sz="1000" u="none" strike="noStrike">
+                          <a:effectLst/>
+                        </a:rPr>
+                        <a:t>JSONs</a:t>
+                      </a:r>
+                      <a:endParaRPr lang="en-GB" sz="1000" b="0" i="0" u="none" strike="noStrike">
+                        <a:solidFill>
+                          <a:srgbClr val="000000"/>
+                        </a:solidFill>
+                        <a:effectLst/>
+                        <a:latin typeface="Arial" panose="020B0604020202020204" pitchFamily="34" charset="0"/>
+                      </a:endParaRPr>
+                    </a:p>
+                  </a:txBody>
+                  <a:tcPr marL="6600" marR="6600" marT="6600" marB="0" anchor="b"/>
+                </a:tc>
+                <a:tc>
+                  <a:txBody>
+                    <a:bodyPr/>
+                    <a:lstStyle/>
+                    <a:p>
+                      <a:pPr algn="l" fontAlgn="b"/>
+                      <a:r>
+                        <a:rPr lang="en-GB" sz="1000" u="none" strike="noStrike">
+                          <a:effectLst/>
+                        </a:rPr>
+                        <a:t>L</a:t>
+                      </a:r>
+                      <a:endParaRPr lang="en-GB" sz="1000" b="0" i="0" u="none" strike="noStrike">
+                        <a:solidFill>
+                          <a:srgbClr val="000000"/>
+                        </a:solidFill>
+                        <a:effectLst/>
+                        <a:latin typeface="Arial" panose="020B0604020202020204" pitchFamily="34" charset="0"/>
+                      </a:endParaRPr>
+                    </a:p>
+                  </a:txBody>
+                  <a:tcPr marL="6600" marR="6600" marT="6600" marB="0" anchor="b"/>
+                </a:tc>
+                <a:tc>
+                  <a:txBody>
+                    <a:bodyPr/>
+                    <a:lstStyle/>
+                    <a:p>
+                      <a:pPr algn="l" fontAlgn="b"/>
+                      <a:r>
+                        <a:rPr lang="en-GB" sz="1000" u="none" strike="noStrike">
+                          <a:effectLst/>
+                        </a:rPr>
+                        <a:t>1</a:t>
+                      </a:r>
+                      <a:endParaRPr lang="en-GB" sz="1000" b="0" i="0" u="none" strike="noStrike">
+                        <a:solidFill>
+                          <a:srgbClr val="000000"/>
+                        </a:solidFill>
+                        <a:effectLst/>
+                        <a:latin typeface="Arial" panose="020B0604020202020204" pitchFamily="34" charset="0"/>
+                      </a:endParaRPr>
+                    </a:p>
+                  </a:txBody>
+                  <a:tcPr marL="6600" marR="6600" marT="6600" marB="0" anchor="b"/>
+                </a:tc>
+                <a:tc>
+                  <a:txBody>
+                    <a:bodyPr/>
+                    <a:lstStyle/>
+                    <a:p>
+                      <a:pPr algn="r" fontAlgn="b"/>
+                      <a:r>
+                        <a:rPr lang="en-GB" sz="1000" u="none" strike="noStrike">
+                          <a:effectLst/>
+                        </a:rPr>
+                        <a:t>0</a:t>
+                      </a:r>
+                      <a:endParaRPr lang="en-GB" sz="1000" b="0" i="0" u="none" strike="noStrike">
+                        <a:solidFill>
+                          <a:srgbClr val="000000"/>
+                        </a:solidFill>
+                        <a:effectLst/>
+                        <a:latin typeface="Arial" panose="020B0604020202020204" pitchFamily="34" charset="0"/>
+                      </a:endParaRPr>
+                    </a:p>
+                  </a:txBody>
+                  <a:tcPr marL="6600" marR="6600" marT="6600" marB="0" anchor="b"/>
+                </a:tc>
+                <a:tc>
+                  <a:txBody>
+                    <a:bodyPr/>
+                    <a:lstStyle/>
+                    <a:p>
+                      <a:pPr algn="l" fontAlgn="b"/>
+                      <a:r>
+                        <a:rPr lang="en-GB" sz="1000" u="none" strike="noStrike">
+                          <a:effectLst/>
+                        </a:rPr>
+                        <a:t>Error Messages passing to the UI cannot be resused for the JSON. Therefore, the controller is not that helpful</a:t>
+                      </a:r>
+                      <a:endParaRPr lang="en-GB" sz="1000" b="0" i="0" u="none" strike="noStrike">
+                        <a:solidFill>
+                          <a:srgbClr val="000000"/>
+                        </a:solidFill>
+                        <a:effectLst/>
+                        <a:latin typeface="Arial" panose="020B0604020202020204" pitchFamily="34" charset="0"/>
+                      </a:endParaRPr>
+                    </a:p>
+                  </a:txBody>
+                  <a:tcPr marL="6600" marR="6600" marT="6600" marB="0" anchor="b"/>
+                </a:tc>
+                <a:tc>
+                  <a:txBody>
+                    <a:bodyPr/>
+                    <a:lstStyle/>
+                    <a:p>
+                      <a:pPr algn="l" fontAlgn="b"/>
+                      <a:r>
+                        <a:rPr lang="en-GB" sz="1000" u="none" strike="noStrike" dirty="0">
+                          <a:effectLst/>
+                        </a:rPr>
+                        <a:t>Y</a:t>
+                      </a:r>
+                      <a:endParaRPr lang="en-GB" sz="1000" b="0" i="0" u="none" strike="noStrike" dirty="0">
+                        <a:solidFill>
+                          <a:srgbClr val="000000"/>
+                        </a:solidFill>
+                        <a:effectLst/>
+                        <a:latin typeface="Arial" panose="020B0604020202020204" pitchFamily="34" charset="0"/>
+                      </a:endParaRPr>
+                    </a:p>
+                  </a:txBody>
+                  <a:tcPr marL="6600" marR="6600" marT="6600" marB="0" anchor="b"/>
+                </a:tc>
+              </a:tr>
+            </a:tbl>
+          </a:graphicData>
+        </a:graphic>
+      </p:graphicFrame>
     </p:spTree>
     <p:extLst>
       <p:ext uri="{BB962C8B-B14F-4D97-AF65-F5344CB8AC3E}">
-        <p14:creationId xmlns:p14="http://schemas.microsoft.com/office/powerpoint/2010/main" val="2665723508"/>
+        <p14:creationId xmlns:p14="http://schemas.microsoft.com/office/powerpoint/2010/main" val="3011936059"/>
       </p:ext>
     </p:extLst>
   </p:cSld>
@@ -26899,59 +28626,1528 @@
           <a:lstStyle/>
           <a:p>
             <a:r>
-              <a:rPr lang="en-GB" dirty="0" smtClean="0"/>
-              <a:t>Sample Images of what we’ve done</a:t>
+              <a:rPr lang="en-US" dirty="0" smtClean="0"/>
+              <a:t>Bug Metrics</a:t>
             </a:r>
             <a:endParaRPr lang="en-GB" dirty="0"/>
           </a:p>
         </p:txBody>
       </p:sp>
-      <p:pic>
-        <p:nvPicPr>
-          <p:cNvPr id="3" name="Picture 2"/>
-          <p:cNvPicPr>
-            <a:picLocks noChangeAspect="1"/>
-          </p:cNvPicPr>
-          <p:nvPr/>
-        </p:nvPicPr>
-        <p:blipFill rotWithShape="1">
-          <a:blip r:embed="rId2">
-            <a:extLst>
-              <a:ext uri="{28A0092B-C50C-407E-A947-70E740481C1C}">
-                <a14:useLocalDpi xmlns:a14="http://schemas.microsoft.com/office/drawing/2010/main" val="0"/>
-              </a:ext>
-            </a:extLst>
-          </a:blip>
-          <a:srcRect t="5596" b="8238"/>
-          <a:stretch/>
-        </p:blipFill>
-        <p:spPr>
-          <a:xfrm>
-            <a:off x="0" y="1886465"/>
-            <a:ext cx="9144000" cy="4431958"/>
-          </a:xfrm>
-          <a:prstGeom prst="rect">
-            <a:avLst/>
-          </a:prstGeom>
-        </p:spPr>
-      </p:pic>
+      <p:graphicFrame>
+        <p:nvGraphicFramePr>
+          <p:cNvPr id="4" name="Content Placeholder 3"/>
+          <p:cNvGraphicFramePr>
+            <a:graphicFrameLocks noGrp="1"/>
+          </p:cNvGraphicFramePr>
+          <p:nvPr>
+            <p:ph idx="1"/>
+            <p:extLst>
+              <p:ext uri="{D42A27DB-BD31-4B8C-83A1-F6EECF244321}">
+                <p14:modId xmlns:p14="http://schemas.microsoft.com/office/powerpoint/2010/main" val="581793621"/>
+              </p:ext>
+            </p:extLst>
+          </p:nvPr>
+        </p:nvGraphicFramePr>
+        <p:xfrm>
+          <a:off x="584886" y="2331308"/>
+          <a:ext cx="8031893" cy="3264420"/>
+        </p:xfrm>
+        <a:graphic>
+          <a:graphicData uri="http://schemas.openxmlformats.org/drawingml/2006/table">
+            <a:tbl>
+              <a:tblPr>
+                <a:tableStyleId>{5C22544A-7EE6-4342-B048-85BDC9FD1C3A}</a:tableStyleId>
+              </a:tblPr>
+              <a:tblGrid>
+                <a:gridCol w="895050"/>
+                <a:gridCol w="895050"/>
+                <a:gridCol w="659510"/>
+                <a:gridCol w="895050"/>
+                <a:gridCol w="895050"/>
+                <a:gridCol w="2897133"/>
+                <a:gridCol w="895050"/>
+              </a:tblGrid>
+              <a:tr h="464777">
+                <a:tc>
+                  <a:txBody>
+                    <a:bodyPr/>
+                    <a:lstStyle/>
+                    <a:p>
+                      <a:pPr algn="r" fontAlgn="b"/>
+                      <a:r>
+                        <a:rPr lang="en-GB" sz="900" u="none" strike="noStrike">
+                          <a:effectLst/>
+                        </a:rPr>
+                        <a:t>21</a:t>
+                      </a:r>
+                      <a:endParaRPr lang="en-GB" sz="900" b="0" i="0" u="none" strike="noStrike">
+                        <a:solidFill>
+                          <a:srgbClr val="000000"/>
+                        </a:solidFill>
+                        <a:effectLst/>
+                        <a:latin typeface="Arial" panose="020B0604020202020204" pitchFamily="34" charset="0"/>
+                      </a:endParaRPr>
+                    </a:p>
+                  </a:txBody>
+                  <a:tcPr marL="8547" marR="8547" marT="8547" marB="0" anchor="b"/>
+                </a:tc>
+                <a:tc>
+                  <a:txBody>
+                    <a:bodyPr/>
+                    <a:lstStyle/>
+                    <a:p>
+                      <a:pPr algn="l" fontAlgn="b"/>
+                      <a:r>
+                        <a:rPr lang="en-GB" sz="900" u="none" strike="noStrike">
+                          <a:effectLst/>
+                        </a:rPr>
+                        <a:t>Delete Location - UI</a:t>
+                      </a:r>
+                      <a:endParaRPr lang="en-GB" sz="900" b="0" i="0" u="none" strike="noStrike">
+                        <a:solidFill>
+                          <a:srgbClr val="000000"/>
+                        </a:solidFill>
+                        <a:effectLst/>
+                        <a:latin typeface="Arial" panose="020B0604020202020204" pitchFamily="34" charset="0"/>
+                      </a:endParaRPr>
+                    </a:p>
+                  </a:txBody>
+                  <a:tcPr marL="8547" marR="8547" marT="8547" marB="0" anchor="b"/>
+                </a:tc>
+                <a:tc>
+                  <a:txBody>
+                    <a:bodyPr/>
+                    <a:lstStyle/>
+                    <a:p>
+                      <a:pPr algn="l" fontAlgn="b"/>
+                      <a:r>
+                        <a:rPr lang="en-GB" sz="900" u="none" strike="noStrike">
+                          <a:effectLst/>
+                        </a:rPr>
+                        <a:t>L</a:t>
+                      </a:r>
+                      <a:endParaRPr lang="en-GB" sz="900" b="0" i="0" u="none" strike="noStrike">
+                        <a:solidFill>
+                          <a:srgbClr val="000000"/>
+                        </a:solidFill>
+                        <a:effectLst/>
+                        <a:latin typeface="Arial" panose="020B0604020202020204" pitchFamily="34" charset="0"/>
+                      </a:endParaRPr>
+                    </a:p>
+                  </a:txBody>
+                  <a:tcPr marL="8547" marR="8547" marT="8547" marB="0" anchor="b"/>
+                </a:tc>
+                <a:tc>
+                  <a:txBody>
+                    <a:bodyPr/>
+                    <a:lstStyle/>
+                    <a:p>
+                      <a:pPr algn="l" fontAlgn="b"/>
+                      <a:r>
+                        <a:rPr lang="en-GB" sz="900" u="none" strike="noStrike">
+                          <a:effectLst/>
+                        </a:rPr>
+                        <a:t>1</a:t>
+                      </a:r>
+                      <a:endParaRPr lang="en-GB" sz="900" b="0" i="0" u="none" strike="noStrike">
+                        <a:solidFill>
+                          <a:srgbClr val="000000"/>
+                        </a:solidFill>
+                        <a:effectLst/>
+                        <a:latin typeface="Arial" panose="020B0604020202020204" pitchFamily="34" charset="0"/>
+                      </a:endParaRPr>
+                    </a:p>
+                  </a:txBody>
+                  <a:tcPr marL="8547" marR="8547" marT="8547" marB="0" anchor="b"/>
+                </a:tc>
+                <a:tc>
+                  <a:txBody>
+                    <a:bodyPr/>
+                    <a:lstStyle/>
+                    <a:p>
+                      <a:pPr algn="r" fontAlgn="b"/>
+                      <a:r>
+                        <a:rPr lang="en-GB" sz="900" u="none" strike="noStrike">
+                          <a:effectLst/>
+                        </a:rPr>
+                        <a:t>0</a:t>
+                      </a:r>
+                      <a:endParaRPr lang="en-GB" sz="900" b="0" i="0" u="none" strike="noStrike">
+                        <a:solidFill>
+                          <a:srgbClr val="000000"/>
+                        </a:solidFill>
+                        <a:effectLst/>
+                        <a:latin typeface="Arial" panose="020B0604020202020204" pitchFamily="34" charset="0"/>
+                      </a:endParaRPr>
+                    </a:p>
+                  </a:txBody>
+                  <a:tcPr marL="8547" marR="8547" marT="8547" marB="0" anchor="b"/>
+                </a:tc>
+                <a:tc>
+                  <a:txBody>
+                    <a:bodyPr/>
+                    <a:lstStyle/>
+                    <a:p>
+                      <a:pPr algn="l" fontAlgn="b"/>
+                      <a:r>
+                        <a:rPr lang="en-GB" sz="900" u="none" strike="noStrike">
+                          <a:effectLst/>
+                        </a:rPr>
+                        <a:t>Delete Location UI not displaying properly</a:t>
+                      </a:r>
+                      <a:endParaRPr lang="en-GB" sz="900" b="0" i="0" u="none" strike="noStrike">
+                        <a:solidFill>
+                          <a:srgbClr val="000000"/>
+                        </a:solidFill>
+                        <a:effectLst/>
+                        <a:latin typeface="Arial" panose="020B0604020202020204" pitchFamily="34" charset="0"/>
+                      </a:endParaRPr>
+                    </a:p>
+                  </a:txBody>
+                  <a:tcPr marL="8547" marR="8547" marT="8547" marB="0" anchor="b"/>
+                </a:tc>
+                <a:tc>
+                  <a:txBody>
+                    <a:bodyPr/>
+                    <a:lstStyle/>
+                    <a:p>
+                      <a:pPr algn="l" fontAlgn="b"/>
+                      <a:r>
+                        <a:rPr lang="en-GB" sz="900" u="none" strike="noStrike">
+                          <a:effectLst/>
+                        </a:rPr>
+                        <a:t>Y</a:t>
+                      </a:r>
+                      <a:endParaRPr lang="en-GB" sz="900" b="0" i="0" u="none" strike="noStrike">
+                        <a:solidFill>
+                          <a:srgbClr val="000000"/>
+                        </a:solidFill>
+                        <a:effectLst/>
+                        <a:latin typeface="Arial" panose="020B0604020202020204" pitchFamily="34" charset="0"/>
+                      </a:endParaRPr>
+                    </a:p>
+                  </a:txBody>
+                  <a:tcPr marL="8547" marR="8547" marT="8547" marB="0" anchor="b"/>
+                </a:tc>
+              </a:tr>
+              <a:tr h="211484">
+                <a:tc>
+                  <a:txBody>
+                    <a:bodyPr/>
+                    <a:lstStyle/>
+                    <a:p>
+                      <a:pPr algn="r" fontAlgn="b"/>
+                      <a:r>
+                        <a:rPr lang="en-GB" sz="900" u="none" strike="noStrike">
+                          <a:effectLst/>
+                        </a:rPr>
+                        <a:t>22</a:t>
+                      </a:r>
+                      <a:endParaRPr lang="en-GB" sz="900" b="0" i="0" u="none" strike="noStrike">
+                        <a:solidFill>
+                          <a:srgbClr val="000000"/>
+                        </a:solidFill>
+                        <a:effectLst/>
+                        <a:latin typeface="Arial" panose="020B0604020202020204" pitchFamily="34" charset="0"/>
+                      </a:endParaRPr>
+                    </a:p>
+                  </a:txBody>
+                  <a:tcPr marL="8547" marR="8547" marT="8547" marB="0" anchor="b"/>
+                </a:tc>
+                <a:tc>
+                  <a:txBody>
+                    <a:bodyPr/>
+                    <a:lstStyle/>
+                    <a:p>
+                      <a:pPr algn="l" fontAlgn="b"/>
+                      <a:r>
+                        <a:rPr lang="en-GB" sz="900" u="none" strike="noStrike">
+                          <a:effectLst/>
+                        </a:rPr>
+                        <a:t>Delete Location</a:t>
+                      </a:r>
+                      <a:endParaRPr lang="en-GB" sz="900" b="0" i="0" u="none" strike="noStrike">
+                        <a:solidFill>
+                          <a:srgbClr val="000000"/>
+                        </a:solidFill>
+                        <a:effectLst/>
+                        <a:latin typeface="Arial" panose="020B0604020202020204" pitchFamily="34" charset="0"/>
+                      </a:endParaRPr>
+                    </a:p>
+                  </a:txBody>
+                  <a:tcPr marL="8547" marR="8547" marT="8547" marB="0" anchor="b"/>
+                </a:tc>
+                <a:tc>
+                  <a:txBody>
+                    <a:bodyPr/>
+                    <a:lstStyle/>
+                    <a:p>
+                      <a:pPr algn="l" fontAlgn="b"/>
+                      <a:r>
+                        <a:rPr lang="en-GB" sz="900" u="none" strike="noStrike">
+                          <a:effectLst/>
+                        </a:rPr>
+                        <a:t>L</a:t>
+                      </a:r>
+                      <a:endParaRPr lang="en-GB" sz="900" b="0" i="0" u="none" strike="noStrike">
+                        <a:solidFill>
+                          <a:srgbClr val="000000"/>
+                        </a:solidFill>
+                        <a:effectLst/>
+                        <a:latin typeface="Arial" panose="020B0604020202020204" pitchFamily="34" charset="0"/>
+                      </a:endParaRPr>
+                    </a:p>
+                  </a:txBody>
+                  <a:tcPr marL="8547" marR="8547" marT="8547" marB="0" anchor="b"/>
+                </a:tc>
+                <a:tc>
+                  <a:txBody>
+                    <a:bodyPr/>
+                    <a:lstStyle/>
+                    <a:p>
+                      <a:pPr algn="l" fontAlgn="b"/>
+                      <a:r>
+                        <a:rPr lang="en-GB" sz="900" u="none" strike="noStrike">
+                          <a:effectLst/>
+                        </a:rPr>
+                        <a:t>1</a:t>
+                      </a:r>
+                      <a:endParaRPr lang="en-GB" sz="900" b="0" i="0" u="none" strike="noStrike">
+                        <a:solidFill>
+                          <a:srgbClr val="000000"/>
+                        </a:solidFill>
+                        <a:effectLst/>
+                        <a:latin typeface="Arial" panose="020B0604020202020204" pitchFamily="34" charset="0"/>
+                      </a:endParaRPr>
+                    </a:p>
+                  </a:txBody>
+                  <a:tcPr marL="8547" marR="8547" marT="8547" marB="0" anchor="b"/>
+                </a:tc>
+                <a:tc>
+                  <a:txBody>
+                    <a:bodyPr/>
+                    <a:lstStyle/>
+                    <a:p>
+                      <a:pPr algn="r" fontAlgn="b"/>
+                      <a:r>
+                        <a:rPr lang="en-GB" sz="900" u="none" strike="noStrike">
+                          <a:effectLst/>
+                        </a:rPr>
+                        <a:t>1</a:t>
+                      </a:r>
+                      <a:endParaRPr lang="en-GB" sz="900" b="0" i="0" u="none" strike="noStrike">
+                        <a:solidFill>
+                          <a:srgbClr val="000000"/>
+                        </a:solidFill>
+                        <a:effectLst/>
+                        <a:latin typeface="Arial" panose="020B0604020202020204" pitchFamily="34" charset="0"/>
+                      </a:endParaRPr>
+                    </a:p>
+                  </a:txBody>
+                  <a:tcPr marL="8547" marR="8547" marT="8547" marB="0" anchor="b"/>
+                </a:tc>
+                <a:tc>
+                  <a:txBody>
+                    <a:bodyPr/>
+                    <a:lstStyle/>
+                    <a:p>
+                      <a:pPr algn="l" fontAlgn="b"/>
+                      <a:r>
+                        <a:rPr lang="en-GB" sz="900" u="none" strike="noStrike">
+                          <a:effectLst/>
+                        </a:rPr>
+                        <a:t>Delete Location Test</a:t>
+                      </a:r>
+                      <a:endParaRPr lang="en-GB" sz="900" b="0" i="0" u="none" strike="noStrike">
+                        <a:solidFill>
+                          <a:srgbClr val="000000"/>
+                        </a:solidFill>
+                        <a:effectLst/>
+                        <a:latin typeface="Arial" panose="020B0604020202020204" pitchFamily="34" charset="0"/>
+                      </a:endParaRPr>
+                    </a:p>
+                  </a:txBody>
+                  <a:tcPr marL="8547" marR="8547" marT="8547" marB="0" anchor="b"/>
+                </a:tc>
+                <a:tc>
+                  <a:txBody>
+                    <a:bodyPr/>
+                    <a:lstStyle/>
+                    <a:p>
+                      <a:pPr algn="l" fontAlgn="b"/>
+                      <a:r>
+                        <a:rPr lang="en-GB" sz="900" u="none" strike="noStrike">
+                          <a:effectLst/>
+                        </a:rPr>
+                        <a:t>N</a:t>
+                      </a:r>
+                      <a:endParaRPr lang="en-GB" sz="900" b="0" i="0" u="none" strike="noStrike">
+                        <a:solidFill>
+                          <a:srgbClr val="000000"/>
+                        </a:solidFill>
+                        <a:effectLst/>
+                        <a:latin typeface="Arial" panose="020B0604020202020204" pitchFamily="34" charset="0"/>
+                      </a:endParaRPr>
+                    </a:p>
+                  </a:txBody>
+                  <a:tcPr marL="8547" marR="8547" marT="8547" marB="0" anchor="b"/>
+                </a:tc>
+              </a:tr>
+              <a:tr h="433039">
+                <a:tc>
+                  <a:txBody>
+                    <a:bodyPr/>
+                    <a:lstStyle/>
+                    <a:p>
+                      <a:pPr algn="r" fontAlgn="b"/>
+                      <a:r>
+                        <a:rPr lang="en-GB" sz="900" u="none" strike="noStrike">
+                          <a:effectLst/>
+                        </a:rPr>
+                        <a:t>23</a:t>
+                      </a:r>
+                      <a:endParaRPr lang="en-GB" sz="900" b="0" i="0" u="none" strike="noStrike">
+                        <a:solidFill>
+                          <a:srgbClr val="000000"/>
+                        </a:solidFill>
+                        <a:effectLst/>
+                        <a:latin typeface="Arial" panose="020B0604020202020204" pitchFamily="34" charset="0"/>
+                      </a:endParaRPr>
+                    </a:p>
+                  </a:txBody>
+                  <a:tcPr marL="8547" marR="8547" marT="8547" marB="0" anchor="b"/>
+                </a:tc>
+                <a:tc>
+                  <a:txBody>
+                    <a:bodyPr/>
+                    <a:lstStyle/>
+                    <a:p>
+                      <a:pPr algn="l" fontAlgn="b"/>
+                      <a:r>
+                        <a:rPr lang="en-GB" sz="900" u="none" strike="noStrike">
+                          <a:effectLst/>
+                        </a:rPr>
+                        <a:t>Delete Location - Logic</a:t>
+                      </a:r>
+                      <a:endParaRPr lang="en-GB" sz="900" b="0" i="0" u="none" strike="noStrike">
+                        <a:solidFill>
+                          <a:srgbClr val="000000"/>
+                        </a:solidFill>
+                        <a:effectLst/>
+                        <a:latin typeface="Arial" panose="020B0604020202020204" pitchFamily="34" charset="0"/>
+                      </a:endParaRPr>
+                    </a:p>
+                  </a:txBody>
+                  <a:tcPr marL="8547" marR="8547" marT="8547" marB="0" anchor="b"/>
+                </a:tc>
+                <a:tc>
+                  <a:txBody>
+                    <a:bodyPr/>
+                    <a:lstStyle/>
+                    <a:p>
+                      <a:pPr algn="l" fontAlgn="b"/>
+                      <a:r>
+                        <a:rPr lang="en-GB" sz="900" u="none" strike="noStrike">
+                          <a:effectLst/>
+                        </a:rPr>
+                        <a:t>H</a:t>
+                      </a:r>
+                      <a:endParaRPr lang="en-GB" sz="900" b="0" i="0" u="none" strike="noStrike">
+                        <a:solidFill>
+                          <a:srgbClr val="000000"/>
+                        </a:solidFill>
+                        <a:effectLst/>
+                        <a:latin typeface="Arial" panose="020B0604020202020204" pitchFamily="34" charset="0"/>
+                      </a:endParaRPr>
+                    </a:p>
+                  </a:txBody>
+                  <a:tcPr marL="8547" marR="8547" marT="8547" marB="0" anchor="b"/>
+                </a:tc>
+                <a:tc>
+                  <a:txBody>
+                    <a:bodyPr/>
+                    <a:lstStyle/>
+                    <a:p>
+                      <a:pPr algn="l" fontAlgn="b"/>
+                      <a:r>
+                        <a:rPr lang="en-GB" sz="900" u="none" strike="noStrike">
+                          <a:effectLst/>
+                        </a:rPr>
+                        <a:t>5</a:t>
+                      </a:r>
+                      <a:endParaRPr lang="en-GB" sz="900" b="0" i="0" u="none" strike="noStrike">
+                        <a:solidFill>
+                          <a:srgbClr val="000000"/>
+                        </a:solidFill>
+                        <a:effectLst/>
+                        <a:latin typeface="Arial" panose="020B0604020202020204" pitchFamily="34" charset="0"/>
+                      </a:endParaRPr>
+                    </a:p>
+                  </a:txBody>
+                  <a:tcPr marL="8547" marR="8547" marT="8547" marB="0" anchor="b"/>
+                </a:tc>
+                <a:tc>
+                  <a:txBody>
+                    <a:bodyPr/>
+                    <a:lstStyle/>
+                    <a:p>
+                      <a:pPr algn="r" fontAlgn="b"/>
+                      <a:r>
+                        <a:rPr lang="en-GB" sz="900" u="none" strike="noStrike">
+                          <a:effectLst/>
+                        </a:rPr>
+                        <a:t>0</a:t>
+                      </a:r>
+                      <a:endParaRPr lang="en-GB" sz="900" b="0" i="0" u="none" strike="noStrike">
+                        <a:solidFill>
+                          <a:srgbClr val="000000"/>
+                        </a:solidFill>
+                        <a:effectLst/>
+                        <a:latin typeface="Arial" panose="020B0604020202020204" pitchFamily="34" charset="0"/>
+                      </a:endParaRPr>
+                    </a:p>
+                  </a:txBody>
+                  <a:tcPr marL="8547" marR="8547" marT="8547" marB="0" anchor="b"/>
+                </a:tc>
+                <a:tc>
+                  <a:txBody>
+                    <a:bodyPr/>
+                    <a:lstStyle/>
+                    <a:p>
+                      <a:pPr algn="l" fontAlgn="b"/>
+                      <a:r>
+                        <a:rPr lang="en-GB" sz="900" u="none" strike="noStrike">
+                          <a:effectLst/>
+                        </a:rPr>
+                        <a:t>Delete Location (Choosing Options) don't delete the right choices</a:t>
+                      </a:r>
+                      <a:endParaRPr lang="en-GB" sz="900" b="0" i="0" u="none" strike="noStrike">
+                        <a:solidFill>
+                          <a:srgbClr val="000000"/>
+                        </a:solidFill>
+                        <a:effectLst/>
+                        <a:latin typeface="Arial" panose="020B0604020202020204" pitchFamily="34" charset="0"/>
+                      </a:endParaRPr>
+                    </a:p>
+                  </a:txBody>
+                  <a:tcPr marL="8547" marR="8547" marT="8547" marB="0" anchor="b"/>
+                </a:tc>
+                <a:tc>
+                  <a:txBody>
+                    <a:bodyPr/>
+                    <a:lstStyle/>
+                    <a:p>
+                      <a:pPr algn="l" fontAlgn="b"/>
+                      <a:r>
+                        <a:rPr lang="en-GB" sz="900" u="none" strike="noStrike">
+                          <a:effectLst/>
+                        </a:rPr>
+                        <a:t>Y</a:t>
+                      </a:r>
+                      <a:endParaRPr lang="en-GB" sz="900" b="0" i="0" u="none" strike="noStrike">
+                        <a:solidFill>
+                          <a:srgbClr val="000000"/>
+                        </a:solidFill>
+                        <a:effectLst/>
+                        <a:latin typeface="Arial" panose="020B0604020202020204" pitchFamily="34" charset="0"/>
+                      </a:endParaRPr>
+                    </a:p>
+                  </a:txBody>
+                  <a:tcPr marL="8547" marR="8547" marT="8547" marB="0" anchor="b"/>
+                </a:tc>
+              </a:tr>
+              <a:tr h="211484">
+                <a:tc>
+                  <a:txBody>
+                    <a:bodyPr/>
+                    <a:lstStyle/>
+                    <a:p>
+                      <a:pPr algn="r" fontAlgn="b"/>
+                      <a:r>
+                        <a:rPr lang="en-GB" sz="900" u="none" strike="noStrike">
+                          <a:effectLst/>
+                        </a:rPr>
+                        <a:t>24</a:t>
+                      </a:r>
+                      <a:endParaRPr lang="en-GB" sz="900" b="0" i="0" u="none" strike="noStrike">
+                        <a:solidFill>
+                          <a:srgbClr val="000000"/>
+                        </a:solidFill>
+                        <a:effectLst/>
+                        <a:latin typeface="Arial" panose="020B0604020202020204" pitchFamily="34" charset="0"/>
+                      </a:endParaRPr>
+                    </a:p>
+                  </a:txBody>
+                  <a:tcPr marL="8547" marR="8547" marT="8547" marB="0" anchor="b"/>
+                </a:tc>
+                <a:tc>
+                  <a:txBody>
+                    <a:bodyPr/>
+                    <a:lstStyle/>
+                    <a:p>
+                      <a:pPr algn="l" fontAlgn="b"/>
+                      <a:r>
+                        <a:rPr lang="en-GB" sz="900" u="none" strike="noStrike">
+                          <a:effectLst/>
+                        </a:rPr>
+                        <a:t>Bootstrap </a:t>
+                      </a:r>
+                      <a:endParaRPr lang="en-GB" sz="900" b="0" i="0" u="none" strike="noStrike">
+                        <a:solidFill>
+                          <a:srgbClr val="000000"/>
+                        </a:solidFill>
+                        <a:effectLst/>
+                        <a:latin typeface="Arial" panose="020B0604020202020204" pitchFamily="34" charset="0"/>
+                      </a:endParaRPr>
+                    </a:p>
+                  </a:txBody>
+                  <a:tcPr marL="8547" marR="8547" marT="8547" marB="0" anchor="b"/>
+                </a:tc>
+                <a:tc>
+                  <a:txBody>
+                    <a:bodyPr/>
+                    <a:lstStyle/>
+                    <a:p>
+                      <a:pPr algn="l" fontAlgn="b"/>
+                      <a:r>
+                        <a:rPr lang="en-GB" sz="900" u="none" strike="noStrike">
+                          <a:effectLst/>
+                        </a:rPr>
+                        <a:t>H</a:t>
+                      </a:r>
+                      <a:endParaRPr lang="en-GB" sz="900" b="0" i="0" u="none" strike="noStrike">
+                        <a:solidFill>
+                          <a:srgbClr val="000000"/>
+                        </a:solidFill>
+                        <a:effectLst/>
+                        <a:latin typeface="Arial" panose="020B0604020202020204" pitchFamily="34" charset="0"/>
+                      </a:endParaRPr>
+                    </a:p>
+                  </a:txBody>
+                  <a:tcPr marL="8547" marR="8547" marT="8547" marB="0" anchor="b"/>
+                </a:tc>
+                <a:tc>
+                  <a:txBody>
+                    <a:bodyPr/>
+                    <a:lstStyle/>
+                    <a:p>
+                      <a:pPr algn="l" fontAlgn="b"/>
+                      <a:r>
+                        <a:rPr lang="en-GB" sz="900" u="none" strike="noStrike">
+                          <a:effectLst/>
+                        </a:rPr>
+                        <a:t>5</a:t>
+                      </a:r>
+                      <a:endParaRPr lang="en-GB" sz="900" b="0" i="0" u="none" strike="noStrike">
+                        <a:solidFill>
+                          <a:srgbClr val="000000"/>
+                        </a:solidFill>
+                        <a:effectLst/>
+                        <a:latin typeface="Arial" panose="020B0604020202020204" pitchFamily="34" charset="0"/>
+                      </a:endParaRPr>
+                    </a:p>
+                  </a:txBody>
+                  <a:tcPr marL="8547" marR="8547" marT="8547" marB="0" anchor="b"/>
+                </a:tc>
+                <a:tc>
+                  <a:txBody>
+                    <a:bodyPr/>
+                    <a:lstStyle/>
+                    <a:p>
+                      <a:pPr algn="r" fontAlgn="b"/>
+                      <a:r>
+                        <a:rPr lang="en-GB" sz="900" u="none" strike="noStrike">
+                          <a:effectLst/>
+                        </a:rPr>
+                        <a:t>0</a:t>
+                      </a:r>
+                      <a:endParaRPr lang="en-GB" sz="900" b="0" i="0" u="none" strike="noStrike">
+                        <a:solidFill>
+                          <a:srgbClr val="000000"/>
+                        </a:solidFill>
+                        <a:effectLst/>
+                        <a:latin typeface="Arial" panose="020B0604020202020204" pitchFamily="34" charset="0"/>
+                      </a:endParaRPr>
+                    </a:p>
+                  </a:txBody>
+                  <a:tcPr marL="8547" marR="8547" marT="8547" marB="0" anchor="b"/>
+                </a:tc>
+                <a:tc>
+                  <a:txBody>
+                    <a:bodyPr/>
+                    <a:lstStyle/>
+                    <a:p>
+                      <a:pPr algn="l" fontAlgn="b"/>
+                      <a:r>
+                        <a:rPr lang="en-GB" sz="900" u="none" strike="noStrike">
+                          <a:effectLst/>
+                        </a:rPr>
+                        <a:t>Does not consider test case of no file uploaded</a:t>
+                      </a:r>
+                      <a:endParaRPr lang="en-GB" sz="900" b="0" i="0" u="none" strike="noStrike">
+                        <a:solidFill>
+                          <a:srgbClr val="000000"/>
+                        </a:solidFill>
+                        <a:effectLst/>
+                        <a:latin typeface="Arial" panose="020B0604020202020204" pitchFamily="34" charset="0"/>
+                      </a:endParaRPr>
+                    </a:p>
+                  </a:txBody>
+                  <a:tcPr marL="8547" marR="8547" marT="8547" marB="0" anchor="b"/>
+                </a:tc>
+                <a:tc>
+                  <a:txBody>
+                    <a:bodyPr/>
+                    <a:lstStyle/>
+                    <a:p>
+                      <a:pPr algn="l" fontAlgn="b"/>
+                      <a:r>
+                        <a:rPr lang="en-GB" sz="900" u="none" strike="noStrike">
+                          <a:effectLst/>
+                        </a:rPr>
+                        <a:t>Y</a:t>
+                      </a:r>
+                      <a:endParaRPr lang="en-GB" sz="900" b="0" i="0" u="none" strike="noStrike">
+                        <a:solidFill>
+                          <a:srgbClr val="000000"/>
+                        </a:solidFill>
+                        <a:effectLst/>
+                        <a:latin typeface="Arial" panose="020B0604020202020204" pitchFamily="34" charset="0"/>
+                      </a:endParaRPr>
+                    </a:p>
+                  </a:txBody>
+                  <a:tcPr marL="8547" marR="8547" marT="8547" marB="0" anchor="b"/>
+                </a:tc>
+              </a:tr>
+              <a:tr h="412897">
+                <a:tc>
+                  <a:txBody>
+                    <a:bodyPr/>
+                    <a:lstStyle/>
+                    <a:p>
+                      <a:pPr algn="r" fontAlgn="b"/>
+                      <a:r>
+                        <a:rPr lang="en-GB" sz="900" u="none" strike="noStrike">
+                          <a:effectLst/>
+                        </a:rPr>
+                        <a:t>25</a:t>
+                      </a:r>
+                      <a:endParaRPr lang="en-GB" sz="900" b="0" i="0" u="none" strike="noStrike">
+                        <a:solidFill>
+                          <a:srgbClr val="000000"/>
+                        </a:solidFill>
+                        <a:effectLst/>
+                        <a:latin typeface="Arial" panose="020B0604020202020204" pitchFamily="34" charset="0"/>
+                      </a:endParaRPr>
+                    </a:p>
+                  </a:txBody>
+                  <a:tcPr marL="8547" marR="8547" marT="8547" marB="0" anchor="b"/>
+                </a:tc>
+                <a:tc>
+                  <a:txBody>
+                    <a:bodyPr/>
+                    <a:lstStyle/>
+                    <a:p>
+                      <a:pPr algn="l" fontAlgn="b"/>
+                      <a:r>
+                        <a:rPr lang="en-GB" sz="900" u="none" strike="noStrike">
+                          <a:effectLst/>
+                        </a:rPr>
+                        <a:t>Delete Location - Values</a:t>
+                      </a:r>
+                      <a:endParaRPr lang="en-GB" sz="900" b="0" i="0" u="none" strike="noStrike">
+                        <a:solidFill>
+                          <a:srgbClr val="000000"/>
+                        </a:solidFill>
+                        <a:effectLst/>
+                        <a:latin typeface="Arial" panose="020B0604020202020204" pitchFamily="34" charset="0"/>
+                      </a:endParaRPr>
+                    </a:p>
+                  </a:txBody>
+                  <a:tcPr marL="8547" marR="8547" marT="8547" marB="0" anchor="b"/>
+                </a:tc>
+                <a:tc>
+                  <a:txBody>
+                    <a:bodyPr/>
+                    <a:lstStyle/>
+                    <a:p>
+                      <a:pPr algn="l" fontAlgn="b"/>
+                      <a:r>
+                        <a:rPr lang="en-GB" sz="900" u="none" strike="noStrike">
+                          <a:effectLst/>
+                        </a:rPr>
+                        <a:t>H</a:t>
+                      </a:r>
+                      <a:endParaRPr lang="en-GB" sz="900" b="0" i="0" u="none" strike="noStrike">
+                        <a:solidFill>
+                          <a:srgbClr val="000000"/>
+                        </a:solidFill>
+                        <a:effectLst/>
+                        <a:latin typeface="Arial" panose="020B0604020202020204" pitchFamily="34" charset="0"/>
+                      </a:endParaRPr>
+                    </a:p>
+                  </a:txBody>
+                  <a:tcPr marL="8547" marR="8547" marT="8547" marB="0" anchor="b"/>
+                </a:tc>
+                <a:tc>
+                  <a:txBody>
+                    <a:bodyPr/>
+                    <a:lstStyle/>
+                    <a:p>
+                      <a:pPr algn="l" fontAlgn="b"/>
+                      <a:r>
+                        <a:rPr lang="en-GB" sz="900" u="none" strike="noStrike">
+                          <a:effectLst/>
+                        </a:rPr>
+                        <a:t>5</a:t>
+                      </a:r>
+                      <a:endParaRPr lang="en-GB" sz="900" b="0" i="0" u="none" strike="noStrike">
+                        <a:solidFill>
+                          <a:srgbClr val="000000"/>
+                        </a:solidFill>
+                        <a:effectLst/>
+                        <a:latin typeface="Arial" panose="020B0604020202020204" pitchFamily="34" charset="0"/>
+                      </a:endParaRPr>
+                    </a:p>
+                  </a:txBody>
+                  <a:tcPr marL="8547" marR="8547" marT="8547" marB="0" anchor="b"/>
+                </a:tc>
+                <a:tc>
+                  <a:txBody>
+                    <a:bodyPr/>
+                    <a:lstStyle/>
+                    <a:p>
+                      <a:pPr algn="r" fontAlgn="b"/>
+                      <a:r>
+                        <a:rPr lang="en-GB" sz="900" u="none" strike="noStrike">
+                          <a:effectLst/>
+                        </a:rPr>
+                        <a:t>0</a:t>
+                      </a:r>
+                      <a:endParaRPr lang="en-GB" sz="900" b="0" i="0" u="none" strike="noStrike">
+                        <a:solidFill>
+                          <a:srgbClr val="000000"/>
+                        </a:solidFill>
+                        <a:effectLst/>
+                        <a:latin typeface="Arial" panose="020B0604020202020204" pitchFamily="34" charset="0"/>
+                      </a:endParaRPr>
+                    </a:p>
+                  </a:txBody>
+                  <a:tcPr marL="8547" marR="8547" marT="8547" marB="0" anchor="b"/>
+                </a:tc>
+                <a:tc>
+                  <a:txBody>
+                    <a:bodyPr/>
+                    <a:lstStyle/>
+                    <a:p>
+                      <a:pPr algn="l" fontAlgn="b"/>
+                      <a:r>
+                        <a:rPr lang="en-GB" sz="900" u="none" strike="noStrike">
+                          <a:effectLst/>
+                        </a:rPr>
+                        <a:t>Delete Location does not consider taking no values</a:t>
+                      </a:r>
+                      <a:endParaRPr lang="en-GB" sz="900" b="0" i="0" u="none" strike="noStrike">
+                        <a:solidFill>
+                          <a:srgbClr val="000000"/>
+                        </a:solidFill>
+                        <a:effectLst/>
+                        <a:latin typeface="Arial" panose="020B0604020202020204" pitchFamily="34" charset="0"/>
+                      </a:endParaRPr>
+                    </a:p>
+                  </a:txBody>
+                  <a:tcPr marL="8547" marR="8547" marT="8547" marB="0" anchor="b"/>
+                </a:tc>
+                <a:tc>
+                  <a:txBody>
+                    <a:bodyPr/>
+                    <a:lstStyle/>
+                    <a:p>
+                      <a:pPr algn="l" fontAlgn="b"/>
+                      <a:r>
+                        <a:rPr lang="en-GB" sz="900" u="none" strike="noStrike">
+                          <a:effectLst/>
+                        </a:rPr>
+                        <a:t>Y</a:t>
+                      </a:r>
+                      <a:endParaRPr lang="en-GB" sz="900" b="0" i="0" u="none" strike="noStrike">
+                        <a:solidFill>
+                          <a:srgbClr val="000000"/>
+                        </a:solidFill>
+                        <a:effectLst/>
+                        <a:latin typeface="Arial" panose="020B0604020202020204" pitchFamily="34" charset="0"/>
+                      </a:endParaRPr>
+                    </a:p>
+                  </a:txBody>
+                  <a:tcPr marL="8547" marR="8547" marT="8547" marB="0" anchor="b"/>
+                </a:tc>
+              </a:tr>
+              <a:tr h="211484">
+                <a:tc>
+                  <a:txBody>
+                    <a:bodyPr/>
+                    <a:lstStyle/>
+                    <a:p>
+                      <a:pPr algn="r" fontAlgn="b"/>
+                      <a:r>
+                        <a:rPr lang="en-GB" sz="900" u="none" strike="noStrike">
+                          <a:effectLst/>
+                        </a:rPr>
+                        <a:t>26</a:t>
+                      </a:r>
+                      <a:endParaRPr lang="en-GB" sz="900" b="0" i="0" u="none" strike="noStrike">
+                        <a:solidFill>
+                          <a:srgbClr val="000000"/>
+                        </a:solidFill>
+                        <a:effectLst/>
+                        <a:latin typeface="Arial" panose="020B0604020202020204" pitchFamily="34" charset="0"/>
+                      </a:endParaRPr>
+                    </a:p>
+                  </a:txBody>
+                  <a:tcPr marL="8547" marR="8547" marT="8547" marB="0" anchor="b"/>
+                </a:tc>
+                <a:tc>
+                  <a:txBody>
+                    <a:bodyPr/>
+                    <a:lstStyle/>
+                    <a:p>
+                      <a:pPr algn="l" fontAlgn="b"/>
+                      <a:r>
+                        <a:rPr lang="en-GB" sz="900" u="none" strike="noStrike">
+                          <a:effectLst/>
+                        </a:rPr>
+                        <a:t>Add Batch</a:t>
+                      </a:r>
+                      <a:endParaRPr lang="en-GB" sz="900" b="0" i="0" u="none" strike="noStrike">
+                        <a:solidFill>
+                          <a:srgbClr val="000000"/>
+                        </a:solidFill>
+                        <a:effectLst/>
+                        <a:latin typeface="Arial" panose="020B0604020202020204" pitchFamily="34" charset="0"/>
+                      </a:endParaRPr>
+                    </a:p>
+                  </a:txBody>
+                  <a:tcPr marL="8547" marR="8547" marT="8547" marB="0" anchor="b"/>
+                </a:tc>
+                <a:tc>
+                  <a:txBody>
+                    <a:bodyPr/>
+                    <a:lstStyle/>
+                    <a:p>
+                      <a:pPr algn="l" fontAlgn="b"/>
+                      <a:r>
+                        <a:rPr lang="en-GB" sz="900" u="none" strike="noStrike">
+                          <a:effectLst/>
+                        </a:rPr>
+                        <a:t>H</a:t>
+                      </a:r>
+                      <a:endParaRPr lang="en-GB" sz="900" b="0" i="0" u="none" strike="noStrike">
+                        <a:solidFill>
+                          <a:srgbClr val="000000"/>
+                        </a:solidFill>
+                        <a:effectLst/>
+                        <a:latin typeface="Arial" panose="020B0604020202020204" pitchFamily="34" charset="0"/>
+                      </a:endParaRPr>
+                    </a:p>
+                  </a:txBody>
+                  <a:tcPr marL="8547" marR="8547" marT="8547" marB="0" anchor="b"/>
+                </a:tc>
+                <a:tc>
+                  <a:txBody>
+                    <a:bodyPr/>
+                    <a:lstStyle/>
+                    <a:p>
+                      <a:pPr algn="l" fontAlgn="b"/>
+                      <a:r>
+                        <a:rPr lang="en-GB" sz="900" u="none" strike="noStrike">
+                          <a:effectLst/>
+                        </a:rPr>
+                        <a:t>5</a:t>
+                      </a:r>
+                      <a:endParaRPr lang="en-GB" sz="900" b="0" i="0" u="none" strike="noStrike">
+                        <a:solidFill>
+                          <a:srgbClr val="000000"/>
+                        </a:solidFill>
+                        <a:effectLst/>
+                        <a:latin typeface="Arial" panose="020B0604020202020204" pitchFamily="34" charset="0"/>
+                      </a:endParaRPr>
+                    </a:p>
+                  </a:txBody>
+                  <a:tcPr marL="8547" marR="8547" marT="8547" marB="0" anchor="b"/>
+                </a:tc>
+                <a:tc>
+                  <a:txBody>
+                    <a:bodyPr/>
+                    <a:lstStyle/>
+                    <a:p>
+                      <a:pPr algn="r" fontAlgn="b"/>
+                      <a:r>
+                        <a:rPr lang="en-GB" sz="900" u="none" strike="noStrike">
+                          <a:effectLst/>
+                        </a:rPr>
+                        <a:t>0</a:t>
+                      </a:r>
+                      <a:endParaRPr lang="en-GB" sz="900" b="0" i="0" u="none" strike="noStrike">
+                        <a:solidFill>
+                          <a:srgbClr val="000000"/>
+                        </a:solidFill>
+                        <a:effectLst/>
+                        <a:latin typeface="Arial" panose="020B0604020202020204" pitchFamily="34" charset="0"/>
+                      </a:endParaRPr>
+                    </a:p>
+                  </a:txBody>
+                  <a:tcPr marL="8547" marR="8547" marT="8547" marB="0" anchor="b"/>
+                </a:tc>
+                <a:tc>
+                  <a:txBody>
+                    <a:bodyPr/>
+                    <a:lstStyle/>
+                    <a:p>
+                      <a:pPr algn="l" fontAlgn="b"/>
+                      <a:r>
+                        <a:rPr lang="en-GB" sz="900" u="none" strike="noStrike">
+                          <a:effectLst/>
+                        </a:rPr>
+                        <a:t>Cannot read any number of files</a:t>
+                      </a:r>
+                      <a:endParaRPr lang="en-GB" sz="900" b="0" i="0" u="none" strike="noStrike">
+                        <a:solidFill>
+                          <a:srgbClr val="000000"/>
+                        </a:solidFill>
+                        <a:effectLst/>
+                        <a:latin typeface="Arial" panose="020B0604020202020204" pitchFamily="34" charset="0"/>
+                      </a:endParaRPr>
+                    </a:p>
+                  </a:txBody>
+                  <a:tcPr marL="8547" marR="8547" marT="8547" marB="0" anchor="b"/>
+                </a:tc>
+                <a:tc>
+                  <a:txBody>
+                    <a:bodyPr/>
+                    <a:lstStyle/>
+                    <a:p>
+                      <a:pPr algn="l" fontAlgn="b"/>
+                      <a:r>
+                        <a:rPr lang="en-GB" sz="900" u="none" strike="noStrike">
+                          <a:effectLst/>
+                        </a:rPr>
+                        <a:t>Y</a:t>
+                      </a:r>
+                      <a:endParaRPr lang="en-GB" sz="900" b="0" i="0" u="none" strike="noStrike">
+                        <a:solidFill>
+                          <a:srgbClr val="000000"/>
+                        </a:solidFill>
+                        <a:effectLst/>
+                        <a:latin typeface="Arial" panose="020B0604020202020204" pitchFamily="34" charset="0"/>
+                      </a:endParaRPr>
+                    </a:p>
+                  </a:txBody>
+                  <a:tcPr marL="8547" marR="8547" marT="8547" marB="0" anchor="b"/>
+                </a:tc>
+              </a:tr>
+              <a:tr h="211484">
+                <a:tc>
+                  <a:txBody>
+                    <a:bodyPr/>
+                    <a:lstStyle/>
+                    <a:p>
+                      <a:pPr algn="r" fontAlgn="b"/>
+                      <a:r>
+                        <a:rPr lang="en-GB" sz="900" u="none" strike="noStrike">
+                          <a:effectLst/>
+                        </a:rPr>
+                        <a:t>27</a:t>
+                      </a:r>
+                      <a:endParaRPr lang="en-GB" sz="900" b="0" i="0" u="none" strike="noStrike">
+                        <a:solidFill>
+                          <a:srgbClr val="000000"/>
+                        </a:solidFill>
+                        <a:effectLst/>
+                        <a:latin typeface="Arial" panose="020B0604020202020204" pitchFamily="34" charset="0"/>
+                      </a:endParaRPr>
+                    </a:p>
+                  </a:txBody>
+                  <a:tcPr marL="8547" marR="8547" marT="8547" marB="0" anchor="b"/>
+                </a:tc>
+                <a:tc>
+                  <a:txBody>
+                    <a:bodyPr/>
+                    <a:lstStyle/>
+                    <a:p>
+                      <a:pPr algn="l" fontAlgn="b"/>
+                      <a:r>
+                        <a:rPr lang="en-GB" sz="900" u="none" strike="noStrike">
+                          <a:effectLst/>
+                        </a:rPr>
+                        <a:t>Bootstrap</a:t>
+                      </a:r>
+                      <a:endParaRPr lang="en-GB" sz="900" b="0" i="0" u="none" strike="noStrike">
+                        <a:solidFill>
+                          <a:srgbClr val="000000"/>
+                        </a:solidFill>
+                        <a:effectLst/>
+                        <a:latin typeface="Arial" panose="020B0604020202020204" pitchFamily="34" charset="0"/>
+                      </a:endParaRPr>
+                    </a:p>
+                  </a:txBody>
+                  <a:tcPr marL="8547" marR="8547" marT="8547" marB="0" anchor="b"/>
+                </a:tc>
+                <a:tc>
+                  <a:txBody>
+                    <a:bodyPr/>
+                    <a:lstStyle/>
+                    <a:p>
+                      <a:pPr algn="l" fontAlgn="b"/>
+                      <a:r>
+                        <a:rPr lang="en-GB" sz="900" u="none" strike="noStrike">
+                          <a:effectLst/>
+                        </a:rPr>
+                        <a:t>C</a:t>
+                      </a:r>
+                      <a:endParaRPr lang="en-GB" sz="900" b="0" i="0" u="none" strike="noStrike">
+                        <a:solidFill>
+                          <a:srgbClr val="000000"/>
+                        </a:solidFill>
+                        <a:effectLst/>
+                        <a:latin typeface="Arial" panose="020B0604020202020204" pitchFamily="34" charset="0"/>
+                      </a:endParaRPr>
+                    </a:p>
+                  </a:txBody>
+                  <a:tcPr marL="8547" marR="8547" marT="8547" marB="0" anchor="b"/>
+                </a:tc>
+                <a:tc>
+                  <a:txBody>
+                    <a:bodyPr/>
+                    <a:lstStyle/>
+                    <a:p>
+                      <a:pPr algn="l" fontAlgn="b"/>
+                      <a:r>
+                        <a:rPr lang="en-GB" sz="900" u="none" strike="noStrike">
+                          <a:effectLst/>
+                        </a:rPr>
+                        <a:t>10</a:t>
+                      </a:r>
+                      <a:endParaRPr lang="en-GB" sz="900" b="0" i="0" u="none" strike="noStrike">
+                        <a:solidFill>
+                          <a:srgbClr val="000000"/>
+                        </a:solidFill>
+                        <a:effectLst/>
+                        <a:latin typeface="Arial" panose="020B0604020202020204" pitchFamily="34" charset="0"/>
+                      </a:endParaRPr>
+                    </a:p>
+                  </a:txBody>
+                  <a:tcPr marL="8547" marR="8547" marT="8547" marB="0" anchor="b"/>
+                </a:tc>
+                <a:tc>
+                  <a:txBody>
+                    <a:bodyPr/>
+                    <a:lstStyle/>
+                    <a:p>
+                      <a:pPr algn="r" fontAlgn="b"/>
+                      <a:r>
+                        <a:rPr lang="en-GB" sz="900" u="none" strike="noStrike">
+                          <a:effectLst/>
+                        </a:rPr>
+                        <a:t>0</a:t>
+                      </a:r>
+                      <a:endParaRPr lang="en-GB" sz="900" b="0" i="0" u="none" strike="noStrike">
+                        <a:solidFill>
+                          <a:srgbClr val="000000"/>
+                        </a:solidFill>
+                        <a:effectLst/>
+                        <a:latin typeface="Arial" panose="020B0604020202020204" pitchFamily="34" charset="0"/>
+                      </a:endParaRPr>
+                    </a:p>
+                  </a:txBody>
+                  <a:tcPr marL="8547" marR="8547" marT="8547" marB="0" anchor="b"/>
+                </a:tc>
+                <a:tc>
+                  <a:txBody>
+                    <a:bodyPr/>
+                    <a:lstStyle/>
+                    <a:p>
+                      <a:pPr algn="l" fontAlgn="b"/>
+                      <a:r>
+                        <a:rPr lang="en-GB" sz="900" u="none" strike="noStrike">
+                          <a:effectLst/>
+                        </a:rPr>
+                        <a:t>Fails Test case for App.csv</a:t>
+                      </a:r>
+                      <a:endParaRPr lang="en-GB" sz="900" b="0" i="0" u="none" strike="noStrike">
+                        <a:solidFill>
+                          <a:srgbClr val="000000"/>
+                        </a:solidFill>
+                        <a:effectLst/>
+                        <a:latin typeface="Arial" panose="020B0604020202020204" pitchFamily="34" charset="0"/>
+                      </a:endParaRPr>
+                    </a:p>
+                  </a:txBody>
+                  <a:tcPr marL="8547" marR="8547" marT="8547" marB="0" anchor="b"/>
+                </a:tc>
+                <a:tc>
+                  <a:txBody>
+                    <a:bodyPr/>
+                    <a:lstStyle/>
+                    <a:p>
+                      <a:pPr algn="l" fontAlgn="b"/>
+                      <a:r>
+                        <a:rPr lang="en-GB" sz="900" u="none" strike="noStrike">
+                          <a:effectLst/>
+                        </a:rPr>
+                        <a:t>Y</a:t>
+                      </a:r>
+                      <a:endParaRPr lang="en-GB" sz="900" b="0" i="0" u="none" strike="noStrike">
+                        <a:solidFill>
+                          <a:srgbClr val="000000"/>
+                        </a:solidFill>
+                        <a:effectLst/>
+                        <a:latin typeface="Arial" panose="020B0604020202020204" pitchFamily="34" charset="0"/>
+                      </a:endParaRPr>
+                    </a:p>
+                  </a:txBody>
+                  <a:tcPr marL="8547" marR="8547" marT="8547" marB="0" anchor="b"/>
+                </a:tc>
+              </a:tr>
+              <a:tr h="624380">
+                <a:tc>
+                  <a:txBody>
+                    <a:bodyPr/>
+                    <a:lstStyle/>
+                    <a:p>
+                      <a:pPr algn="r" fontAlgn="b"/>
+                      <a:r>
+                        <a:rPr lang="en-GB" sz="900" u="none" strike="noStrike">
+                          <a:effectLst/>
+                        </a:rPr>
+                        <a:t>28</a:t>
+                      </a:r>
+                      <a:endParaRPr lang="en-GB" sz="900" b="0" i="0" u="none" strike="noStrike">
+                        <a:solidFill>
+                          <a:srgbClr val="000000"/>
+                        </a:solidFill>
+                        <a:effectLst/>
+                        <a:latin typeface="Arial" panose="020B0604020202020204" pitchFamily="34" charset="0"/>
+                      </a:endParaRPr>
+                    </a:p>
+                  </a:txBody>
+                  <a:tcPr marL="8547" marR="8547" marT="8547" marB="0" anchor="b"/>
+                </a:tc>
+                <a:tc>
+                  <a:txBody>
+                    <a:bodyPr/>
+                    <a:lstStyle/>
+                    <a:p>
+                      <a:pPr algn="l" fontAlgn="b"/>
+                      <a:r>
+                        <a:rPr lang="en-GB" sz="900" u="none" strike="noStrike">
+                          <a:effectLst/>
+                        </a:rPr>
+                        <a:t>Bootstrap</a:t>
+                      </a:r>
+                      <a:endParaRPr lang="en-GB" sz="900" b="0" i="0" u="none" strike="noStrike">
+                        <a:solidFill>
+                          <a:srgbClr val="000000"/>
+                        </a:solidFill>
+                        <a:effectLst/>
+                        <a:latin typeface="Arial" panose="020B0604020202020204" pitchFamily="34" charset="0"/>
+                      </a:endParaRPr>
+                    </a:p>
+                  </a:txBody>
+                  <a:tcPr marL="8547" marR="8547" marT="8547" marB="0" anchor="b"/>
+                </a:tc>
+                <a:tc>
+                  <a:txBody>
+                    <a:bodyPr/>
+                    <a:lstStyle/>
+                    <a:p>
+                      <a:pPr algn="l" fontAlgn="b"/>
+                      <a:r>
+                        <a:rPr lang="en-GB" sz="900" u="none" strike="noStrike">
+                          <a:effectLst/>
+                        </a:rPr>
+                        <a:t>C</a:t>
+                      </a:r>
+                      <a:endParaRPr lang="en-GB" sz="900" b="0" i="0" u="none" strike="noStrike">
+                        <a:solidFill>
+                          <a:srgbClr val="000000"/>
+                        </a:solidFill>
+                        <a:effectLst/>
+                        <a:latin typeface="Arial" panose="020B0604020202020204" pitchFamily="34" charset="0"/>
+                      </a:endParaRPr>
+                    </a:p>
+                  </a:txBody>
+                  <a:tcPr marL="8547" marR="8547" marT="8547" marB="0" anchor="b"/>
+                </a:tc>
+                <a:tc>
+                  <a:txBody>
+                    <a:bodyPr/>
+                    <a:lstStyle/>
+                    <a:p>
+                      <a:pPr algn="l" fontAlgn="b"/>
+                      <a:r>
+                        <a:rPr lang="en-GB" sz="900" u="none" strike="noStrike">
+                          <a:effectLst/>
+                        </a:rPr>
+                        <a:t>10</a:t>
+                      </a:r>
+                      <a:endParaRPr lang="en-GB" sz="900" b="0" i="0" u="none" strike="noStrike">
+                        <a:solidFill>
+                          <a:srgbClr val="000000"/>
+                        </a:solidFill>
+                        <a:effectLst/>
+                        <a:latin typeface="Arial" panose="020B0604020202020204" pitchFamily="34" charset="0"/>
+                      </a:endParaRPr>
+                    </a:p>
+                  </a:txBody>
+                  <a:tcPr marL="8547" marR="8547" marT="8547" marB="0" anchor="b"/>
+                </a:tc>
+                <a:tc>
+                  <a:txBody>
+                    <a:bodyPr/>
+                    <a:lstStyle/>
+                    <a:p>
+                      <a:pPr algn="r" fontAlgn="b"/>
+                      <a:r>
+                        <a:rPr lang="en-GB" sz="900" u="none" strike="noStrike">
+                          <a:effectLst/>
+                        </a:rPr>
+                        <a:t>0</a:t>
+                      </a:r>
+                      <a:endParaRPr lang="en-GB" sz="900" b="0" i="0" u="none" strike="noStrike">
+                        <a:solidFill>
+                          <a:srgbClr val="000000"/>
+                        </a:solidFill>
+                        <a:effectLst/>
+                        <a:latin typeface="Arial" panose="020B0604020202020204" pitchFamily="34" charset="0"/>
+                      </a:endParaRPr>
+                    </a:p>
+                  </a:txBody>
+                  <a:tcPr marL="8547" marR="8547" marT="8547" marB="0" anchor="b"/>
+                </a:tc>
+                <a:tc>
+                  <a:txBody>
+                    <a:bodyPr/>
+                    <a:lstStyle/>
+                    <a:p>
+                      <a:pPr algn="l" fontAlgn="b"/>
+                      <a:r>
+                        <a:rPr lang="en-GB" sz="900" u="none" strike="noStrike">
+                          <a:effectLst/>
+                        </a:rPr>
+                        <a:t>Checking of date allows dates that have an inverted date format eg. DD/MM/YYYY instead of YYYY/MM/DD</a:t>
+                      </a:r>
+                      <a:endParaRPr lang="en-GB" sz="900" b="0" i="0" u="none" strike="noStrike">
+                        <a:solidFill>
+                          <a:srgbClr val="000000"/>
+                        </a:solidFill>
+                        <a:effectLst/>
+                        <a:latin typeface="Arial" panose="020B0604020202020204" pitchFamily="34" charset="0"/>
+                      </a:endParaRPr>
+                    </a:p>
+                  </a:txBody>
+                  <a:tcPr marL="8547" marR="8547" marT="8547" marB="0" anchor="b"/>
+                </a:tc>
+                <a:tc>
+                  <a:txBody>
+                    <a:bodyPr/>
+                    <a:lstStyle/>
+                    <a:p>
+                      <a:pPr algn="l" fontAlgn="b"/>
+                      <a:r>
+                        <a:rPr lang="en-GB" sz="900" u="none" strike="noStrike">
+                          <a:effectLst/>
+                        </a:rPr>
+                        <a:t>Y</a:t>
+                      </a:r>
+                      <a:endParaRPr lang="en-GB" sz="900" b="0" i="0" u="none" strike="noStrike">
+                        <a:solidFill>
+                          <a:srgbClr val="000000"/>
+                        </a:solidFill>
+                        <a:effectLst/>
+                        <a:latin typeface="Arial" panose="020B0604020202020204" pitchFamily="34" charset="0"/>
+                      </a:endParaRPr>
+                    </a:p>
+                  </a:txBody>
+                  <a:tcPr marL="8547" marR="8547" marT="8547" marB="0" anchor="b"/>
+                </a:tc>
+              </a:tr>
+              <a:tr h="483391">
+                <a:tc>
+                  <a:txBody>
+                    <a:bodyPr/>
+                    <a:lstStyle/>
+                    <a:p>
+                      <a:pPr algn="r" fontAlgn="b"/>
+                      <a:r>
+                        <a:rPr lang="en-GB" sz="900" u="none" strike="noStrike">
+                          <a:effectLst/>
+                        </a:rPr>
+                        <a:t>29</a:t>
+                      </a:r>
+                      <a:endParaRPr lang="en-GB" sz="900" b="0" i="0" u="none" strike="noStrike">
+                        <a:solidFill>
+                          <a:srgbClr val="000000"/>
+                        </a:solidFill>
+                        <a:effectLst/>
+                        <a:latin typeface="Arial" panose="020B0604020202020204" pitchFamily="34" charset="0"/>
+                      </a:endParaRPr>
+                    </a:p>
+                  </a:txBody>
+                  <a:tcPr marL="8547" marR="8547" marT="8547" marB="0" anchor="b"/>
+                </a:tc>
+                <a:tc>
+                  <a:txBody>
+                    <a:bodyPr/>
+                    <a:lstStyle/>
+                    <a:p>
+                      <a:pPr algn="l" fontAlgn="b"/>
+                      <a:r>
+                        <a:rPr lang="en-GB" sz="900" u="none" strike="noStrike">
+                          <a:effectLst/>
+                        </a:rPr>
+                        <a:t>Bootstrap</a:t>
+                      </a:r>
+                      <a:endParaRPr lang="en-GB" sz="900" b="0" i="0" u="none" strike="noStrike">
+                        <a:solidFill>
+                          <a:srgbClr val="000000"/>
+                        </a:solidFill>
+                        <a:effectLst/>
+                        <a:latin typeface="Arial" panose="020B0604020202020204" pitchFamily="34" charset="0"/>
+                      </a:endParaRPr>
+                    </a:p>
+                  </a:txBody>
+                  <a:tcPr marL="8547" marR="8547" marT="8547" marB="0" anchor="b"/>
+                </a:tc>
+                <a:tc>
+                  <a:txBody>
+                    <a:bodyPr/>
+                    <a:lstStyle/>
+                    <a:p>
+                      <a:pPr algn="l" fontAlgn="b"/>
+                      <a:r>
+                        <a:rPr lang="en-GB" sz="900" u="none" strike="noStrike">
+                          <a:effectLst/>
+                        </a:rPr>
+                        <a:t>C</a:t>
+                      </a:r>
+                      <a:endParaRPr lang="en-GB" sz="900" b="0" i="0" u="none" strike="noStrike">
+                        <a:solidFill>
+                          <a:srgbClr val="000000"/>
+                        </a:solidFill>
+                        <a:effectLst/>
+                        <a:latin typeface="Arial" panose="020B0604020202020204" pitchFamily="34" charset="0"/>
+                      </a:endParaRPr>
+                    </a:p>
+                  </a:txBody>
+                  <a:tcPr marL="8547" marR="8547" marT="8547" marB="0" anchor="b"/>
+                </a:tc>
+                <a:tc>
+                  <a:txBody>
+                    <a:bodyPr/>
+                    <a:lstStyle/>
+                    <a:p>
+                      <a:pPr algn="l" fontAlgn="b"/>
+                      <a:r>
+                        <a:rPr lang="en-GB" sz="900" u="none" strike="noStrike">
+                          <a:effectLst/>
+                        </a:rPr>
+                        <a:t>10</a:t>
+                      </a:r>
+                      <a:endParaRPr lang="en-GB" sz="900" b="0" i="0" u="none" strike="noStrike">
+                        <a:solidFill>
+                          <a:srgbClr val="000000"/>
+                        </a:solidFill>
+                        <a:effectLst/>
+                        <a:latin typeface="Arial" panose="020B0604020202020204" pitchFamily="34" charset="0"/>
+                      </a:endParaRPr>
+                    </a:p>
+                  </a:txBody>
+                  <a:tcPr marL="8547" marR="8547" marT="8547" marB="0" anchor="b"/>
+                </a:tc>
+                <a:tc>
+                  <a:txBody>
+                    <a:bodyPr/>
+                    <a:lstStyle/>
+                    <a:p>
+                      <a:pPr algn="r" fontAlgn="b"/>
+                      <a:r>
+                        <a:rPr lang="en-GB" sz="900" u="none" strike="noStrike">
+                          <a:effectLst/>
+                        </a:rPr>
+                        <a:t>0</a:t>
+                      </a:r>
+                      <a:endParaRPr lang="en-GB" sz="900" b="0" i="0" u="none" strike="noStrike">
+                        <a:solidFill>
+                          <a:srgbClr val="000000"/>
+                        </a:solidFill>
+                        <a:effectLst/>
+                        <a:latin typeface="Arial" panose="020B0604020202020204" pitchFamily="34" charset="0"/>
+                      </a:endParaRPr>
+                    </a:p>
+                  </a:txBody>
+                  <a:tcPr marL="8547" marR="8547" marT="8547" marB="0" anchor="b"/>
+                </a:tc>
+                <a:tc>
+                  <a:txBody>
+                    <a:bodyPr/>
+                    <a:lstStyle/>
+                    <a:p>
+                      <a:pPr algn="l" fontAlgn="b"/>
+                      <a:r>
+                        <a:rPr lang="en-GB" sz="900" u="none" strike="noStrike">
+                          <a:effectLst/>
+                        </a:rPr>
+                        <a:t>Categories are loaded in DAOs. Need to keep instantiating DAOs in reports.</a:t>
+                      </a:r>
+                      <a:endParaRPr lang="en-GB" sz="900" b="0" i="0" u="none" strike="noStrike">
+                        <a:solidFill>
+                          <a:srgbClr val="000000"/>
+                        </a:solidFill>
+                        <a:effectLst/>
+                        <a:latin typeface="Arial" panose="020B0604020202020204" pitchFamily="34" charset="0"/>
+                      </a:endParaRPr>
+                    </a:p>
+                  </a:txBody>
+                  <a:tcPr marL="8547" marR="8547" marT="8547" marB="0" anchor="b"/>
+                </a:tc>
+                <a:tc>
+                  <a:txBody>
+                    <a:bodyPr/>
+                    <a:lstStyle/>
+                    <a:p>
+                      <a:pPr algn="l" fontAlgn="b"/>
+                      <a:r>
+                        <a:rPr lang="en-GB" sz="900" u="none" strike="noStrike" dirty="0">
+                          <a:effectLst/>
+                        </a:rPr>
+                        <a:t>Y</a:t>
+                      </a:r>
+                      <a:endParaRPr lang="en-GB" sz="900" b="0" i="0" u="none" strike="noStrike" dirty="0">
+                        <a:solidFill>
+                          <a:srgbClr val="000000"/>
+                        </a:solidFill>
+                        <a:effectLst/>
+                        <a:latin typeface="Arial" panose="020B0604020202020204" pitchFamily="34" charset="0"/>
+                      </a:endParaRPr>
+                    </a:p>
+                  </a:txBody>
+                  <a:tcPr marL="8547" marR="8547" marT="8547" marB="0" anchor="b"/>
+                </a:tc>
+              </a:tr>
+            </a:tbl>
+          </a:graphicData>
+        </a:graphic>
+      </p:graphicFrame>
     </p:spTree>
     <p:extLst>
       <p:ext uri="{BB962C8B-B14F-4D97-AF65-F5344CB8AC3E}">
-        <p14:creationId xmlns:p14="http://schemas.microsoft.com/office/powerpoint/2010/main" val="842089962"/>
+        <p14:creationId xmlns:p14="http://schemas.microsoft.com/office/powerpoint/2010/main" val="2856766510"/>
       </p:ext>
     </p:extLst>
   </p:cSld>
   <p:clrMapOvr>
     <a:masterClrMapping/>
   </p:clrMapOvr>
-  <p:timing>
-    <p:tnLst>
-      <p:par>
-        <p:cTn id="1" dur="indefinite" restart="never" nodeType="tmRoot"/>
-      </p:par>
-    </p:tnLst>
-  </p:timing>
 </p:sld>
 </file>
 
@@ -26991,13 +30187,16 @@
               <a:rPr lang="en-GB" dirty="0" smtClean="0"/>
               <a:t>Sample Images of what we’ve done</a:t>
             </a:r>
+            <a:br>
+              <a:rPr lang="en-GB" dirty="0" smtClean="0"/>
+            </a:br>
             <a:endParaRPr lang="en-GB" dirty="0"/>
           </a:p>
         </p:txBody>
       </p:sp>
       <p:pic>
         <p:nvPicPr>
-          <p:cNvPr id="4" name="Picture 3"/>
+          <p:cNvPr id="6" name="Picture 5"/>
           <p:cNvPicPr>
             <a:picLocks noChangeAspect="1"/>
           </p:cNvPicPr>
@@ -27011,23 +30210,52 @@
               </a:ext>
             </a:extLst>
           </a:blip>
-          <a:srcRect t="5597" b="9199"/>
+          <a:srcRect l="20901" t="2393" r="22973" b="7598"/>
           <a:stretch/>
         </p:blipFill>
         <p:spPr>
           <a:xfrm>
-            <a:off x="0" y="1894703"/>
-            <a:ext cx="9144000" cy="4382529"/>
+            <a:off x="457200" y="1764785"/>
+            <a:ext cx="5132173" cy="4629666"/>
           </a:xfrm>
           <a:prstGeom prst="rect">
             <a:avLst/>
           </a:prstGeom>
         </p:spPr>
       </p:pic>
+      <p:sp>
+        <p:nvSpPr>
+          <p:cNvPr id="7" name="TextBox 6"/>
+          <p:cNvSpPr txBox="1"/>
+          <p:nvPr/>
+        </p:nvSpPr>
+        <p:spPr>
+          <a:xfrm>
+            <a:off x="6021860" y="6071286"/>
+            <a:ext cx="3534032" cy="646331"/>
+          </a:xfrm>
+          <a:prstGeom prst="rect">
+            <a:avLst/>
+          </a:prstGeom>
+          <a:noFill/>
+        </p:spPr>
+        <p:txBody>
+          <a:bodyPr wrap="square" rtlCol="0">
+            <a:spAutoFit/>
+          </a:bodyPr>
+          <a:lstStyle/>
+          <a:p>
+            <a:r>
+              <a:rPr lang="en-GB" dirty="0"/>
+              <a:t>*Note: Just some idea of the execution</a:t>
+            </a:r>
+          </a:p>
+        </p:txBody>
+      </p:sp>
     </p:spTree>
     <p:extLst>
       <p:ext uri="{BB962C8B-B14F-4D97-AF65-F5344CB8AC3E}">
-        <p14:creationId xmlns:p14="http://schemas.microsoft.com/office/powerpoint/2010/main" val="2702491931"/>
+        <p14:creationId xmlns:p14="http://schemas.microsoft.com/office/powerpoint/2010/main" val="2665723508"/>
       </p:ext>
     </p:extLst>
   </p:cSld>
@@ -27209,11 +30437,7 @@
             <a:pPr algn="ctr"/>
             <a:r>
               <a:rPr lang="en-SG" sz="6000" dirty="0" smtClean="0"/>
-              <a:t>No </a:t>
-            </a:r>
-            <a:r>
-              <a:rPr lang="en-SG" sz="6000" dirty="0" smtClean="0"/>
-              <a:t>Add/ Drop</a:t>
+              <a:t>No Add/ Drop</a:t>
             </a:r>
             <a:endParaRPr lang="en-SG" sz="6000" dirty="0"/>
           </a:p>
@@ -27344,86 +30568,45 @@
           <a:p>
             <a:r>
               <a:rPr lang="en-GB" dirty="0" smtClean="0"/>
-              <a:t>Ideas we have utilized – Login/logout</a:t>
+              <a:t>Sample Images of what we’ve done</a:t>
             </a:r>
             <a:endParaRPr lang="en-GB" dirty="0"/>
           </a:p>
         </p:txBody>
       </p:sp>
-      <p:sp>
-        <p:nvSpPr>
-          <p:cNvPr id="3" name="Content Placeholder 2"/>
-          <p:cNvSpPr>
-            <a:spLocks noGrp="1"/>
-          </p:cNvSpPr>
-          <p:nvPr>
-            <p:ph idx="1"/>
-          </p:nvPr>
-        </p:nvSpPr>
-        <p:spPr/>
-        <p:txBody>
-          <a:bodyPr/>
-          <a:lstStyle/>
-          <a:p>
-            <a:r>
-              <a:rPr lang="en-GB" dirty="0" err="1" smtClean="0"/>
-              <a:t>Response.sendRedirect</a:t>
-            </a:r>
-            <a:r>
-              <a:rPr lang="en-GB" dirty="0" smtClean="0"/>
-              <a:t> to Protect Pages</a:t>
-            </a:r>
-          </a:p>
-          <a:p>
-            <a:r>
-              <a:rPr lang="en-GB" dirty="0" smtClean="0"/>
-              <a:t>Session variable to log individuals</a:t>
-            </a:r>
-          </a:p>
-          <a:p>
-            <a:r>
-              <a:rPr lang="en-GB" dirty="0" smtClean="0"/>
-              <a:t>Separate Entities for Admin/Student</a:t>
-            </a:r>
-          </a:p>
-          <a:p>
-            <a:r>
-              <a:rPr lang="en-GB" dirty="0" smtClean="0"/>
-              <a:t>Separate pages for Admin/Student (Different Functions)</a:t>
-            </a:r>
-          </a:p>
-          <a:p>
-            <a:r>
-              <a:rPr lang="en-GB" dirty="0" smtClean="0"/>
-              <a:t>Logout: </a:t>
-            </a:r>
-            <a:r>
-              <a:rPr lang="en-GB" dirty="0" err="1" smtClean="0"/>
-              <a:t>Sendredirect</a:t>
-            </a:r>
-            <a:r>
-              <a:rPr lang="en-GB" dirty="0" smtClean="0"/>
-              <a:t> + </a:t>
-            </a:r>
-            <a:r>
-              <a:rPr lang="en-GB" dirty="0" err="1" smtClean="0"/>
-              <a:t>removeAttribute</a:t>
-            </a:r>
-            <a:endParaRPr lang="en-GB" dirty="0" smtClean="0"/>
-          </a:p>
-          <a:p>
-            <a:r>
-              <a:rPr lang="en-GB" dirty="0" smtClean="0"/>
-              <a:t>Form Action: Type = Password</a:t>
-            </a:r>
-            <a:endParaRPr lang="en-GB" dirty="0"/>
-          </a:p>
-        </p:txBody>
-      </p:sp>
+      <p:pic>
+        <p:nvPicPr>
+          <p:cNvPr id="3" name="Picture 2"/>
+          <p:cNvPicPr>
+            <a:picLocks noChangeAspect="1"/>
+          </p:cNvPicPr>
+          <p:nvPr/>
+        </p:nvPicPr>
+        <p:blipFill rotWithShape="1">
+          <a:blip r:embed="rId2">
+            <a:extLst>
+              <a:ext uri="{28A0092B-C50C-407E-A947-70E740481C1C}">
+                <a14:useLocalDpi xmlns:a14="http://schemas.microsoft.com/office/drawing/2010/main" val="0"/>
+              </a:ext>
+            </a:extLst>
+          </a:blip>
+          <a:srcRect t="5596" b="8238"/>
+          <a:stretch/>
+        </p:blipFill>
+        <p:spPr>
+          <a:xfrm>
+            <a:off x="0" y="1886465"/>
+            <a:ext cx="9144000" cy="4431958"/>
+          </a:xfrm>
+          <a:prstGeom prst="rect">
+            <a:avLst/>
+          </a:prstGeom>
+        </p:spPr>
+      </p:pic>
     </p:spTree>
     <p:extLst>
       <p:ext uri="{BB962C8B-B14F-4D97-AF65-F5344CB8AC3E}">
-        <p14:creationId xmlns:p14="http://schemas.microsoft.com/office/powerpoint/2010/main" val="337034859"/>
+        <p14:creationId xmlns:p14="http://schemas.microsoft.com/office/powerpoint/2010/main" val="842089962"/>
       </p:ext>
     </p:extLst>
   </p:cSld>
@@ -27467,170 +30650,52 @@
             <p:ph type="title"/>
           </p:nvPr>
         </p:nvSpPr>
+        <p:spPr/>
+        <p:txBody>
+          <a:bodyPr/>
+          <a:lstStyle/>
+          <a:p>
+            <a:r>
+              <a:rPr lang="en-GB" dirty="0" smtClean="0"/>
+              <a:t>Sample Images of what we’ve done</a:t>
+            </a:r>
+            <a:endParaRPr lang="en-GB" dirty="0"/>
+          </a:p>
+        </p:txBody>
+      </p:sp>
+      <p:pic>
+        <p:nvPicPr>
+          <p:cNvPr id="4" name="Picture 3"/>
+          <p:cNvPicPr>
+            <a:picLocks noChangeAspect="1"/>
+          </p:cNvPicPr>
+          <p:nvPr/>
+        </p:nvPicPr>
+        <p:blipFill rotWithShape="1">
+          <a:blip r:embed="rId2">
+            <a:extLst>
+              <a:ext uri="{28A0092B-C50C-407E-A947-70E740481C1C}">
+                <a14:useLocalDpi xmlns:a14="http://schemas.microsoft.com/office/drawing/2010/main" val="0"/>
+              </a:ext>
+            </a:extLst>
+          </a:blip>
+          <a:srcRect t="5597" b="9199"/>
+          <a:stretch/>
+        </p:blipFill>
         <p:spPr>
           <a:xfrm>
-            <a:off x="457200" y="191301"/>
-            <a:ext cx="7772400" cy="1456267"/>
-          </a:xfrm>
-        </p:spPr>
-        <p:txBody>
-          <a:bodyPr/>
-          <a:lstStyle/>
-          <a:p>
-            <a:r>
-              <a:rPr lang="en-GB" dirty="0" smtClean="0"/>
-              <a:t>Ideas we have utilized – Bootstrap</a:t>
-            </a:r>
-            <a:endParaRPr lang="en-GB" dirty="0"/>
-          </a:p>
-        </p:txBody>
-      </p:sp>
-      <p:sp>
-        <p:nvSpPr>
-          <p:cNvPr id="3" name="Content Placeholder 2"/>
-          <p:cNvSpPr>
-            <a:spLocks noGrp="1"/>
-          </p:cNvSpPr>
-          <p:nvPr>
-            <p:ph idx="1"/>
-          </p:nvPr>
-        </p:nvSpPr>
-        <p:spPr>
-          <a:xfrm>
-            <a:off x="457200" y="1153297"/>
-            <a:ext cx="7772400" cy="5535827"/>
-          </a:xfrm>
-        </p:spPr>
-        <p:txBody>
-          <a:bodyPr>
-            <a:normAutofit/>
-          </a:bodyPr>
-          <a:lstStyle/>
-          <a:p>
-            <a:r>
-              <a:rPr lang="en-GB" dirty="0" err="1" smtClean="0"/>
-              <a:t>TreeMap</a:t>
-            </a:r>
-            <a:r>
-              <a:rPr lang="en-GB" dirty="0" smtClean="0"/>
-              <a:t>:</a:t>
-            </a:r>
-            <a:endParaRPr lang="en-GB" dirty="0"/>
-          </a:p>
-          <a:p>
-            <a:pPr lvl="1"/>
-            <a:r>
-              <a:rPr lang="en-GB" dirty="0"/>
-              <a:t>Unique keys for duplicates and passing variables</a:t>
-            </a:r>
-          </a:p>
-          <a:p>
-            <a:pPr lvl="1"/>
-            <a:r>
-              <a:rPr lang="en-GB" dirty="0"/>
-              <a:t>Ties with JSON printing</a:t>
-            </a:r>
-          </a:p>
-          <a:p>
-            <a:pPr lvl="1"/>
-            <a:r>
-              <a:rPr lang="en-GB" dirty="0"/>
-              <a:t>Easier to retrieve from Home page</a:t>
-            </a:r>
-          </a:p>
-          <a:p>
-            <a:r>
-              <a:rPr lang="en-GB" dirty="0" smtClean="0"/>
-              <a:t>Queries</a:t>
-            </a:r>
-          </a:p>
-          <a:p>
-            <a:pPr lvl="1"/>
-            <a:r>
-              <a:rPr lang="en-GB" dirty="0" smtClean="0"/>
-              <a:t>Checking with database for legit primary keys (</a:t>
-            </a:r>
-            <a:r>
-              <a:rPr lang="en-GB" dirty="0" err="1" smtClean="0"/>
-              <a:t>appid</a:t>
-            </a:r>
-            <a:r>
-              <a:rPr lang="en-GB" dirty="0" smtClean="0"/>
-              <a:t>, </a:t>
-            </a:r>
-            <a:r>
-              <a:rPr lang="en-GB" dirty="0" err="1" smtClean="0"/>
-              <a:t>macadd</a:t>
-            </a:r>
-            <a:r>
-              <a:rPr lang="en-GB" dirty="0" smtClean="0"/>
-              <a:t>, </a:t>
-            </a:r>
-            <a:r>
-              <a:rPr lang="en-GB" dirty="0" err="1" smtClean="0"/>
-              <a:t>locationid</a:t>
-            </a:r>
-            <a:r>
-              <a:rPr lang="en-GB" dirty="0" smtClean="0"/>
-              <a:t>)</a:t>
-            </a:r>
-            <a:endParaRPr lang="en-GB" dirty="0"/>
-          </a:p>
-          <a:p>
-            <a:pPr lvl="1"/>
-            <a:r>
-              <a:rPr lang="en-GB" dirty="0" smtClean="0"/>
-              <a:t>On Duplicate Update</a:t>
-            </a:r>
-          </a:p>
-          <a:p>
-            <a:pPr lvl="1"/>
-            <a:r>
-              <a:rPr lang="en-GB" dirty="0" smtClean="0"/>
-              <a:t>STR_TO_DATE</a:t>
-            </a:r>
-          </a:p>
-          <a:p>
-            <a:pPr lvl="1"/>
-            <a:r>
-              <a:rPr lang="en-GB" dirty="0" err="1" smtClean="0"/>
-              <a:t>Addbatch</a:t>
-            </a:r>
-            <a:r>
-              <a:rPr lang="en-GB" dirty="0" smtClean="0"/>
-              <a:t>, </a:t>
-            </a:r>
-            <a:r>
-              <a:rPr lang="en-GB" dirty="0" err="1" smtClean="0"/>
-              <a:t>Executebatch</a:t>
-            </a:r>
-            <a:r>
-              <a:rPr lang="en-GB" dirty="0" smtClean="0"/>
-              <a:t>, </a:t>
-            </a:r>
-            <a:r>
-              <a:rPr lang="en-GB" dirty="0" err="1" smtClean="0"/>
-              <a:t>Executequery</a:t>
-            </a:r>
-            <a:r>
-              <a:rPr lang="en-GB" dirty="0" smtClean="0"/>
-              <a:t> (</a:t>
-            </a:r>
-            <a:r>
-              <a:rPr lang="en-GB" dirty="0" err="1" smtClean="0"/>
-              <a:t>int</a:t>
-            </a:r>
-            <a:r>
-              <a:rPr lang="en-GB" dirty="0" smtClean="0"/>
-              <a:t>[] return)</a:t>
-            </a:r>
-          </a:p>
-        </p:txBody>
-      </p:sp>
+            <a:off x="0" y="1894703"/>
+            <a:ext cx="9144000" cy="4382529"/>
+          </a:xfrm>
+          <a:prstGeom prst="rect">
+            <a:avLst/>
+          </a:prstGeom>
+        </p:spPr>
+      </p:pic>
     </p:spTree>
     <p:extLst>
       <p:ext uri="{BB962C8B-B14F-4D97-AF65-F5344CB8AC3E}">
-        <p14:creationId xmlns:p14="http://schemas.microsoft.com/office/powerpoint/2010/main" val="1369710364"/>
+        <p14:creationId xmlns:p14="http://schemas.microsoft.com/office/powerpoint/2010/main" val="2702491931"/>
       </p:ext>
     </p:extLst>
   </p:cSld>
@@ -27674,19 +30739,14 @@
             <p:ph type="title"/>
           </p:nvPr>
         </p:nvSpPr>
-        <p:spPr>
-          <a:xfrm>
-            <a:off x="457200" y="191301"/>
-            <a:ext cx="7772400" cy="1456267"/>
-          </a:xfrm>
-        </p:spPr>
+        <p:spPr/>
         <p:txBody>
           <a:bodyPr/>
           <a:lstStyle/>
           <a:p>
             <a:r>
               <a:rPr lang="en-GB" dirty="0" smtClean="0"/>
-              <a:t>Ideas we have utilized – Bootstrap</a:t>
+              <a:t>Ideas we have utilized – Login/logout</a:t>
             </a:r>
             <a:endParaRPr lang="en-GB" dirty="0"/>
           </a:p>
@@ -27702,119 +30762,70 @@
             <p:ph idx="1"/>
           </p:nvPr>
         </p:nvSpPr>
-        <p:spPr>
-          <a:xfrm>
-            <a:off x="457200" y="1153297"/>
-            <a:ext cx="7772400" cy="5535827"/>
-          </a:xfrm>
-        </p:spPr>
-        <p:txBody>
-          <a:bodyPr>
-            <a:normAutofit/>
-          </a:bodyPr>
+        <p:spPr/>
+        <p:txBody>
+          <a:bodyPr/>
           <a:lstStyle/>
           <a:p>
             <a:r>
-              <a:rPr lang="en-GB" sz="2400" dirty="0"/>
-              <a:t>Zip File</a:t>
-            </a:r>
-          </a:p>
-          <a:p>
-            <a:pPr lvl="1"/>
-            <a:r>
-              <a:rPr lang="en-GB" sz="2400" dirty="0" err="1"/>
-              <a:t>ZipInputStream</a:t>
-            </a:r>
-            <a:r>
-              <a:rPr lang="en-GB" sz="2400" dirty="0"/>
-              <a:t>, Part, </a:t>
-            </a:r>
-            <a:r>
-              <a:rPr lang="en-GB" sz="2400" dirty="0" err="1"/>
-              <a:t>ZipEntry</a:t>
-            </a:r>
-            <a:r>
-              <a:rPr lang="en-GB" sz="2400" dirty="0"/>
-              <a:t>, one-by-one retrieval.</a:t>
-            </a:r>
-          </a:p>
-          <a:p>
-            <a:pPr lvl="1"/>
-            <a:r>
-              <a:rPr lang="en-GB" sz="2400" dirty="0"/>
-              <a:t>Ensures file input (UI side)</a:t>
-            </a:r>
-          </a:p>
-          <a:p>
-            <a:r>
-              <a:rPr lang="en-GB" sz="2400" dirty="0"/>
-              <a:t>Servlet vs JSP </a:t>
-            </a:r>
-          </a:p>
-          <a:p>
-            <a:pPr lvl="1"/>
-            <a:r>
-              <a:rPr lang="en-GB" sz="2400" dirty="0"/>
-              <a:t>Higher level implementation of return variables (1 Passing system)</a:t>
-            </a:r>
-          </a:p>
-          <a:p>
-            <a:pPr lvl="1"/>
-            <a:r>
-              <a:rPr lang="en-GB" sz="2400" dirty="0" err="1" smtClean="0"/>
-              <a:t>DoPost</a:t>
-            </a:r>
-            <a:r>
-              <a:rPr lang="en-GB" sz="2400" dirty="0"/>
-              <a:t> </a:t>
-            </a:r>
-            <a:r>
-              <a:rPr lang="en-GB" sz="2400" dirty="0" smtClean="0"/>
-              <a:t>and </a:t>
-            </a:r>
-            <a:r>
-              <a:rPr lang="en-GB" sz="2400" dirty="0" err="1" smtClean="0"/>
-              <a:t>DoGet</a:t>
-            </a:r>
-            <a:r>
-              <a:rPr lang="en-GB" sz="2400" dirty="0" smtClean="0"/>
-              <a:t> (Difference)</a:t>
-            </a:r>
-            <a:endParaRPr lang="en-GB" sz="2400" dirty="0"/>
-          </a:p>
-          <a:p>
-            <a:r>
-              <a:rPr lang="en-GB" sz="2400" dirty="0" smtClean="0"/>
-              <a:t>Controllers </a:t>
-            </a:r>
-            <a:r>
-              <a:rPr lang="en-GB" sz="2400" dirty="0"/>
-              <a:t>(between JSON and Bootstrap UI</a:t>
-            </a:r>
-            <a:r>
-              <a:rPr lang="en-GB" sz="2400" dirty="0" smtClean="0"/>
-              <a:t>)</a:t>
-            </a:r>
-          </a:p>
-          <a:p>
-            <a:r>
-              <a:rPr lang="en-GB" sz="2400" dirty="0" smtClean="0"/>
-              <a:t>Duplicate Checking at DAO level</a:t>
-            </a:r>
-          </a:p>
-          <a:p>
-            <a:r>
-              <a:rPr lang="en-GB" sz="2400" dirty="0" smtClean="0"/>
-              <a:t>Loading through DAOs</a:t>
-            </a:r>
-            <a:endParaRPr lang="en-GB" sz="2400" dirty="0"/>
+              <a:rPr lang="en-GB" dirty="0" err="1" smtClean="0"/>
+              <a:t>Response.sendRedirect</a:t>
+            </a:r>
+            <a:r>
+              <a:rPr lang="en-GB" dirty="0" smtClean="0"/>
+              <a:t> to Protect Pages</a:t>
+            </a:r>
+          </a:p>
+          <a:p>
+            <a:r>
+              <a:rPr lang="en-GB" dirty="0" smtClean="0"/>
+              <a:t>Session variable to log individuals</a:t>
+            </a:r>
+          </a:p>
+          <a:p>
+            <a:r>
+              <a:rPr lang="en-GB" dirty="0" smtClean="0"/>
+              <a:t>Separate Entities for Admin/Student</a:t>
+            </a:r>
+          </a:p>
+          <a:p>
+            <a:r>
+              <a:rPr lang="en-GB" dirty="0" smtClean="0"/>
+              <a:t>Separate pages for Admin/Student (Different Functions)</a:t>
+            </a:r>
+          </a:p>
+          <a:p>
+            <a:r>
+              <a:rPr lang="en-GB" dirty="0" smtClean="0"/>
+              <a:t>Logout: </a:t>
+            </a:r>
+            <a:r>
+              <a:rPr lang="en-GB" dirty="0" err="1" smtClean="0"/>
+              <a:t>Sendredirect</a:t>
+            </a:r>
+            <a:r>
+              <a:rPr lang="en-GB" dirty="0" smtClean="0"/>
+              <a:t> + </a:t>
+            </a:r>
+            <a:r>
+              <a:rPr lang="en-GB" dirty="0" err="1" smtClean="0"/>
+              <a:t>removeAttribute</a:t>
+            </a:r>
+            <a:endParaRPr lang="en-GB" dirty="0" smtClean="0"/>
+          </a:p>
+          <a:p>
+            <a:r>
+              <a:rPr lang="en-GB" dirty="0" smtClean="0"/>
+              <a:t>Form Action: Type = Password</a:t>
+            </a:r>
+            <a:endParaRPr lang="en-GB" dirty="0"/>
           </a:p>
         </p:txBody>
       </p:sp>
     </p:spTree>
     <p:extLst>
       <p:ext uri="{BB962C8B-B14F-4D97-AF65-F5344CB8AC3E}">
-        <p14:creationId xmlns:p14="http://schemas.microsoft.com/office/powerpoint/2010/main" val="1689747165"/>
+        <p14:creationId xmlns:p14="http://schemas.microsoft.com/office/powerpoint/2010/main" val="337034859"/>
       </p:ext>
     </p:extLst>
   </p:cSld>
@@ -27870,7 +30881,7 @@
           <a:p>
             <a:r>
               <a:rPr lang="en-GB" dirty="0" smtClean="0"/>
-              <a:t>Ideas we have utilized – Bootstrap (UI)</a:t>
+              <a:t>Ideas we have utilized – Bootstrap</a:t>
             </a:r>
             <a:endParaRPr lang="en-GB" dirty="0"/>
           </a:p>
@@ -27888,8 +30899,8 @@
         </p:nvSpPr>
         <p:spPr>
           <a:xfrm>
-            <a:off x="457200" y="1647568"/>
-            <a:ext cx="7772400" cy="5041556"/>
+            <a:off x="457200" y="1153297"/>
+            <a:ext cx="7772400" cy="5535827"/>
           </a:xfrm>
         </p:spPr>
         <p:txBody>
@@ -27899,36 +30910,121 @@
           <a:lstStyle/>
           <a:p>
             <a:r>
-              <a:rPr lang="en-GB" sz="2400" dirty="0" smtClean="0"/>
-              <a:t>Form Action Type = File (To take in file inputs)</a:t>
-            </a:r>
-          </a:p>
-          <a:p>
-            <a:r>
-              <a:rPr lang="en-GB" sz="2400" dirty="0" smtClean="0"/>
-              <a:t>Checks for </a:t>
-            </a:r>
-            <a:r>
-              <a:rPr lang="en-GB" sz="2400" dirty="0" err="1" smtClean="0"/>
+              <a:rPr lang="en-GB" dirty="0" err="1" smtClean="0"/>
               <a:t>TreeMap</a:t>
             </a:r>
             <a:r>
-              <a:rPr lang="en-GB" sz="2400" dirty="0" smtClean="0"/>
-              <a:t>. If null, don’t print anything except nothing passed.</a:t>
-            </a:r>
-          </a:p>
-          <a:p>
-            <a:r>
-              <a:rPr lang="en-GB" sz="2400" dirty="0" smtClean="0"/>
-              <a:t>Printing from </a:t>
-            </a:r>
-            <a:r>
-              <a:rPr lang="en-GB" sz="2400" dirty="0" err="1" smtClean="0"/>
-              <a:t>TreeMap</a:t>
-            </a:r>
-            <a:r>
-              <a:rPr lang="en-GB" sz="2400" dirty="0" smtClean="0"/>
-              <a:t> (if present) and sorting by rows</a:t>
+              <a:rPr lang="en-GB" dirty="0" smtClean="0"/>
+              <a:t>:</a:t>
+            </a:r>
+            <a:endParaRPr lang="en-GB" dirty="0"/>
+          </a:p>
+          <a:p>
+            <a:pPr lvl="1"/>
+            <a:r>
+              <a:rPr lang="en-GB" dirty="0"/>
+              <a:t>Unique keys for duplicates and passing variables</a:t>
+            </a:r>
+          </a:p>
+          <a:p>
+            <a:pPr lvl="1"/>
+            <a:r>
+              <a:rPr lang="en-GB" dirty="0"/>
+              <a:t>Ties with JSON printing</a:t>
+            </a:r>
+          </a:p>
+          <a:p>
+            <a:pPr lvl="1"/>
+            <a:r>
+              <a:rPr lang="en-GB" dirty="0"/>
+              <a:t>Easier to retrieve from Home page</a:t>
+            </a:r>
+          </a:p>
+          <a:p>
+            <a:r>
+              <a:rPr lang="en-GB" dirty="0" smtClean="0"/>
+              <a:t>Queries</a:t>
+            </a:r>
+          </a:p>
+          <a:p>
+            <a:pPr lvl="1"/>
+            <a:r>
+              <a:rPr lang="en-GB" dirty="0" smtClean="0"/>
+              <a:t>Checking with database for legit primary keys (</a:t>
+            </a:r>
+            <a:r>
+              <a:rPr lang="en-GB" dirty="0" err="1" smtClean="0"/>
+              <a:t>appid</a:t>
+            </a:r>
+            <a:r>
+              <a:rPr lang="en-GB" dirty="0" smtClean="0"/>
+              <a:t>, </a:t>
+            </a:r>
+            <a:r>
+              <a:rPr lang="en-GB" dirty="0" err="1" smtClean="0"/>
+              <a:t>macadd</a:t>
+            </a:r>
+            <a:r>
+              <a:rPr lang="en-GB" dirty="0" smtClean="0"/>
+              <a:t>, </a:t>
+            </a:r>
+            <a:r>
+              <a:rPr lang="en-GB" dirty="0" err="1" smtClean="0"/>
+              <a:t>locationid</a:t>
+            </a:r>
+            <a:r>
+              <a:rPr lang="en-GB" dirty="0" smtClean="0"/>
+              <a:t>)</a:t>
+            </a:r>
+            <a:endParaRPr lang="en-GB" dirty="0"/>
+          </a:p>
+          <a:p>
+            <a:pPr lvl="1"/>
+            <a:r>
+              <a:rPr lang="en-GB" dirty="0" smtClean="0"/>
+              <a:t>On Duplicate Update</a:t>
+            </a:r>
+          </a:p>
+          <a:p>
+            <a:pPr lvl="1"/>
+            <a:r>
+              <a:rPr lang="en-GB" dirty="0" smtClean="0"/>
+              <a:t>STR_TO_DATE</a:t>
+            </a:r>
+          </a:p>
+          <a:p>
+            <a:pPr lvl="1"/>
+            <a:r>
+              <a:rPr lang="en-GB" dirty="0" err="1" smtClean="0"/>
+              <a:t>Addbatch</a:t>
+            </a:r>
+            <a:r>
+              <a:rPr lang="en-GB" dirty="0" smtClean="0"/>
+              <a:t>, </a:t>
+            </a:r>
+            <a:r>
+              <a:rPr lang="en-GB" dirty="0" err="1" smtClean="0"/>
+              <a:t>Executebatch</a:t>
+            </a:r>
+            <a:r>
+              <a:rPr lang="en-GB" dirty="0" smtClean="0"/>
+              <a:t>, </a:t>
+            </a:r>
+            <a:r>
+              <a:rPr lang="en-GB" dirty="0" err="1" smtClean="0"/>
+              <a:t>Executequery</a:t>
+            </a:r>
+            <a:r>
+              <a:rPr lang="en-GB" dirty="0" smtClean="0"/>
+              <a:t> (</a:t>
+            </a:r>
+            <a:r>
+              <a:rPr lang="en-GB" dirty="0" err="1" smtClean="0"/>
+              <a:t>int</a:t>
+            </a:r>
+            <a:r>
+              <a:rPr lang="en-GB" dirty="0" smtClean="0"/>
+              <a:t>[] return)</a:t>
             </a:r>
           </a:p>
         </p:txBody>
@@ -27936,7 +31032,7 @@
     </p:spTree>
     <p:extLst>
       <p:ext uri="{BB962C8B-B14F-4D97-AF65-F5344CB8AC3E}">
-        <p14:creationId xmlns:p14="http://schemas.microsoft.com/office/powerpoint/2010/main" val="1678919031"/>
+        <p14:creationId xmlns:p14="http://schemas.microsoft.com/office/powerpoint/2010/main" val="1369710364"/>
       </p:ext>
     </p:extLst>
   </p:cSld>
@@ -27980,18 +31076,19 @@
             <p:ph type="title"/>
           </p:nvPr>
         </p:nvSpPr>
-        <p:spPr/>
+        <p:spPr>
+          <a:xfrm>
+            <a:off x="457200" y="191301"/>
+            <a:ext cx="7772400" cy="1456267"/>
+          </a:xfrm>
+        </p:spPr>
         <p:txBody>
           <a:bodyPr/>
           <a:lstStyle/>
           <a:p>
             <a:r>
-              <a:rPr lang="en-GB" dirty="0"/>
-              <a:t>Ideas we have utilized – </a:t>
-            </a:r>
-            <a:r>
               <a:rPr lang="en-GB" dirty="0" smtClean="0"/>
-              <a:t>Delete location</a:t>
+              <a:t>Ideas we have utilized – Bootstrap</a:t>
             </a:r>
             <a:endParaRPr lang="en-GB" dirty="0"/>
           </a:p>
@@ -28007,7 +31104,12 @@
             <p:ph idx="1"/>
           </p:nvPr>
         </p:nvSpPr>
-        <p:spPr/>
+        <p:spPr>
+          <a:xfrm>
+            <a:off x="457200" y="1153297"/>
+            <a:ext cx="7772400" cy="5535827"/>
+          </a:xfrm>
+        </p:spPr>
         <p:txBody>
           <a:bodyPr>
             <a:normAutofit/>
@@ -28015,18 +31117,81 @@
           <a:lstStyle/>
           <a:p>
             <a:r>
+              <a:rPr lang="en-GB" sz="2400" dirty="0"/>
+              <a:t>Zip File</a:t>
+            </a:r>
+          </a:p>
+          <a:p>
+            <a:pPr lvl="1"/>
+            <a:r>
+              <a:rPr lang="en-GB" sz="2400" dirty="0" err="1"/>
+              <a:t>ZipInputStream</a:t>
+            </a:r>
+            <a:r>
+              <a:rPr lang="en-GB" sz="2400" dirty="0"/>
+              <a:t>, Part, </a:t>
+            </a:r>
+            <a:r>
+              <a:rPr lang="en-GB" sz="2400" dirty="0" err="1"/>
+              <a:t>ZipEntry</a:t>
+            </a:r>
+            <a:r>
+              <a:rPr lang="en-GB" sz="2400" dirty="0"/>
+              <a:t>, one-by-one retrieval.</a:t>
+            </a:r>
+          </a:p>
+          <a:p>
+            <a:pPr lvl="1"/>
+            <a:r>
+              <a:rPr lang="en-GB" sz="2400" dirty="0"/>
+              <a:t>Ensures file input (UI side)</a:t>
+            </a:r>
+          </a:p>
+          <a:p>
+            <a:r>
+              <a:rPr lang="en-GB" sz="2400" dirty="0"/>
+              <a:t>Servlet vs JSP </a:t>
+            </a:r>
+          </a:p>
+          <a:p>
+            <a:pPr lvl="1"/>
+            <a:r>
+              <a:rPr lang="en-GB" sz="2400" dirty="0"/>
+              <a:t>Higher level implementation of return variables (1 Passing system)</a:t>
+            </a:r>
+          </a:p>
+          <a:p>
+            <a:pPr lvl="1"/>
+            <a:r>
+              <a:rPr lang="en-GB" sz="2400" dirty="0" err="1" smtClean="0"/>
+              <a:t>DoPost</a:t>
+            </a:r>
+            <a:r>
+              <a:rPr lang="en-GB" sz="2400" dirty="0"/>
+              <a:t> </a:t>
+            </a:r>
+            <a:r>
               <a:rPr lang="en-GB" sz="2400" dirty="0" smtClean="0"/>
-              <a:t>Add on to Bootstrap</a:t>
-            </a:r>
-          </a:p>
-          <a:p>
+              <a:t>and </a:t>
+            </a:r>
+            <a:r>
+              <a:rPr lang="en-GB" sz="2400" dirty="0" err="1" smtClean="0"/>
+              <a:t>DoGet</a:t>
+            </a:r>
             <a:r>
               <a:rPr lang="en-GB" sz="2400" dirty="0" smtClean="0"/>
-              <a:t>For variables, follow Bootstrap, however, take in 3 variables (</a:t>
-            </a:r>
-            <a:r>
-              <a:rPr lang="en-GB" sz="2400" dirty="0" err="1" smtClean="0"/>
-              <a:t>request.setAttributes</a:t>
+              <a:t> (Difference)</a:t>
+            </a:r>
+            <a:endParaRPr lang="en-GB" sz="2400" dirty="0"/>
+          </a:p>
+          <a:p>
+            <a:r>
+              <a:rPr lang="en-GB" sz="2400" dirty="0" smtClean="0"/>
+              <a:t>Controllers </a:t>
+            </a:r>
+            <a:r>
+              <a:rPr lang="en-GB" sz="2400" dirty="0"/>
+              <a:t>(between JSON and Bootstrap UI</a:t>
             </a:r>
             <a:r>
               <a:rPr lang="en-GB" sz="2400" dirty="0" smtClean="0"/>
@@ -28036,7 +31201,13 @@
           <a:p>
             <a:r>
               <a:rPr lang="en-GB" sz="2400" dirty="0" smtClean="0"/>
-              <a:t>Only returns if invalid variables OR success and rows deleted</a:t>
+              <a:t>Duplicate Checking at DAO level</a:t>
+            </a:r>
+          </a:p>
+          <a:p>
+            <a:r>
+              <a:rPr lang="en-GB" sz="2400" dirty="0" smtClean="0"/>
+              <a:t>Loading through DAOs</a:t>
             </a:r>
             <a:endParaRPr lang="en-GB" sz="2400" dirty="0"/>
           </a:p>
@@ -28045,7 +31216,7 @@
     </p:spTree>
     <p:extLst>
       <p:ext uri="{BB962C8B-B14F-4D97-AF65-F5344CB8AC3E}">
-        <p14:creationId xmlns:p14="http://schemas.microsoft.com/office/powerpoint/2010/main" val="2752580483"/>
+        <p14:creationId xmlns:p14="http://schemas.microsoft.com/office/powerpoint/2010/main" val="1689747165"/>
       </p:ext>
     </p:extLst>
   </p:cSld>
@@ -28089,22 +31260,19 @@
             <p:ph type="title"/>
           </p:nvPr>
         </p:nvSpPr>
-        <p:spPr/>
+        <p:spPr>
+          <a:xfrm>
+            <a:off x="457200" y="191301"/>
+            <a:ext cx="7772400" cy="1456267"/>
+          </a:xfrm>
+        </p:spPr>
         <p:txBody>
           <a:bodyPr/>
           <a:lstStyle/>
           <a:p>
             <a:r>
-              <a:rPr lang="en-GB" dirty="0"/>
-              <a:t>Ideas we have utilized – </a:t>
-            </a:r>
-            <a:r>
               <a:rPr lang="en-GB" dirty="0" smtClean="0"/>
-              <a:t>Usage </a:t>
-            </a:r>
-            <a:r>
-              <a:rPr lang="en-GB" dirty="0" err="1" smtClean="0"/>
-              <a:t>Heatmap</a:t>
+              <a:t>Ideas we have utilized – Bootstrap (UI)</a:t>
             </a:r>
             <a:endParaRPr lang="en-GB" dirty="0"/>
           </a:p>
@@ -28120,71 +31288,57 @@
             <p:ph idx="1"/>
           </p:nvPr>
         </p:nvSpPr>
-        <p:spPr/>
-        <p:txBody>
-          <a:bodyPr/>
+        <p:spPr>
+          <a:xfrm>
+            <a:off x="457200" y="1647568"/>
+            <a:ext cx="7772400" cy="5041556"/>
+          </a:xfrm>
+        </p:spPr>
+        <p:txBody>
+          <a:bodyPr>
+            <a:normAutofit/>
+          </a:bodyPr>
           <a:lstStyle/>
           <a:p>
             <a:r>
-              <a:rPr lang="en-US" dirty="0" smtClean="0"/>
-              <a:t>Get location based on floor from </a:t>
-            </a:r>
-            <a:r>
-              <a:rPr lang="en-US" dirty="0" err="1" smtClean="0"/>
-              <a:t>locationDAO</a:t>
-            </a:r>
-            <a:endParaRPr lang="en-US" dirty="0"/>
-          </a:p>
-          <a:p>
-            <a:r>
-              <a:rPr lang="en-US" dirty="0" smtClean="0"/>
-              <a:t>Get unique users on the floor based on query by joining tables</a:t>
-            </a:r>
-          </a:p>
-          <a:p>
-            <a:r>
-              <a:rPr lang="en-US" dirty="0" smtClean="0"/>
-              <a:t>Ensures no duplicates with </a:t>
-            </a:r>
-            <a:r>
-              <a:rPr lang="en-US" dirty="0" err="1" smtClean="0"/>
-              <a:t>groupby</a:t>
-            </a:r>
-            <a:endParaRPr lang="en-US" dirty="0" smtClean="0"/>
-          </a:p>
-          <a:p>
-            <a:r>
-              <a:rPr lang="en-US" dirty="0" smtClean="0"/>
-              <a:t>Use </a:t>
-            </a:r>
-            <a:r>
-              <a:rPr lang="en-US" dirty="0" err="1" smtClean="0"/>
-              <a:t>LocationUsage</a:t>
-            </a:r>
-            <a:r>
-              <a:rPr lang="en-US" dirty="0"/>
-              <a:t> </a:t>
-            </a:r>
-            <a:r>
-              <a:rPr lang="en-US" dirty="0" smtClean="0"/>
-              <a:t>entity to log</a:t>
-            </a:r>
-          </a:p>
-          <a:p>
-            <a:r>
-              <a:rPr lang="en-US" dirty="0" smtClean="0"/>
-              <a:t>Ignores 5 minutes update</a:t>
-            </a:r>
-          </a:p>
-          <a:p>
-            <a:endParaRPr lang="en-GB" dirty="0"/>
+              <a:rPr lang="en-GB" sz="2400" dirty="0" smtClean="0"/>
+              <a:t>Form Action Type = File (To take in file inputs)</a:t>
+            </a:r>
+          </a:p>
+          <a:p>
+            <a:r>
+              <a:rPr lang="en-GB" sz="2400" dirty="0" smtClean="0"/>
+              <a:t>Checks for </a:t>
+            </a:r>
+            <a:r>
+              <a:rPr lang="en-GB" sz="2400" dirty="0" err="1" smtClean="0"/>
+              <a:t>TreeMap</a:t>
+            </a:r>
+            <a:r>
+              <a:rPr lang="en-GB" sz="2400" dirty="0" smtClean="0"/>
+              <a:t>. If null, don’t print anything except nothing passed.</a:t>
+            </a:r>
+          </a:p>
+          <a:p>
+            <a:r>
+              <a:rPr lang="en-GB" sz="2400" dirty="0" smtClean="0"/>
+              <a:t>Printing from </a:t>
+            </a:r>
+            <a:r>
+              <a:rPr lang="en-GB" sz="2400" dirty="0" err="1" smtClean="0"/>
+              <a:t>TreeMap</a:t>
+            </a:r>
+            <a:r>
+              <a:rPr lang="en-GB" sz="2400" dirty="0" smtClean="0"/>
+              <a:t> (if present) and sorting by rows</a:t>
+            </a:r>
           </a:p>
         </p:txBody>
       </p:sp>
     </p:spTree>
     <p:extLst>
       <p:ext uri="{BB962C8B-B14F-4D97-AF65-F5344CB8AC3E}">
-        <p14:creationId xmlns:p14="http://schemas.microsoft.com/office/powerpoint/2010/main" val="2918525013"/>
+        <p14:creationId xmlns:p14="http://schemas.microsoft.com/office/powerpoint/2010/main" val="1678919031"/>
       </p:ext>
     </p:extLst>
   </p:cSld>
@@ -28228,19 +31382,18 @@
             <p:ph type="title"/>
           </p:nvPr>
         </p:nvSpPr>
-        <p:spPr>
-          <a:xfrm>
-            <a:off x="457200" y="191301"/>
-            <a:ext cx="7772400" cy="1456267"/>
-          </a:xfrm>
-        </p:spPr>
+        <p:spPr/>
         <p:txBody>
           <a:bodyPr/>
           <a:lstStyle/>
           <a:p>
             <a:r>
+              <a:rPr lang="en-GB" dirty="0"/>
+              <a:t>Ideas we have utilized – </a:t>
+            </a:r>
+            <a:r>
               <a:rPr lang="en-GB" dirty="0" smtClean="0"/>
-              <a:t>Ideas we have utilized – Utility</a:t>
+              <a:t>Delete location</a:t>
             </a:r>
             <a:endParaRPr lang="en-GB" dirty="0"/>
           </a:p>
@@ -28256,108 +31409,45 @@
             <p:ph idx="1"/>
           </p:nvPr>
         </p:nvSpPr>
-        <p:spPr>
-          <a:xfrm>
-            <a:off x="457200" y="1647568"/>
-            <a:ext cx="7772400" cy="5041556"/>
-          </a:xfrm>
-        </p:spPr>
-        <p:txBody>
-          <a:bodyPr/>
+        <p:spPr/>
+        <p:txBody>
+          <a:bodyPr>
+            <a:normAutofit/>
+          </a:bodyPr>
           <a:lstStyle/>
           <a:p>
             <a:r>
-              <a:rPr lang="en-GB" dirty="0" smtClean="0"/>
-              <a:t>Main checker whether methods work</a:t>
-            </a:r>
-          </a:p>
-          <a:p>
-            <a:pPr lvl="1"/>
-            <a:r>
-              <a:rPr lang="en-GB" dirty="0" err="1" smtClean="0"/>
-              <a:t>parseString</a:t>
-            </a:r>
-            <a:r>
-              <a:rPr lang="en-GB" dirty="0" smtClean="0"/>
-              <a:t>, </a:t>
-            </a:r>
-            <a:r>
-              <a:rPr lang="en-GB" dirty="0" err="1" smtClean="0"/>
-              <a:t>parseDate</a:t>
-            </a:r>
-            <a:r>
-              <a:rPr lang="en-GB" dirty="0" smtClean="0"/>
-              <a:t>, </a:t>
-            </a:r>
-            <a:r>
-              <a:rPr lang="en-GB" dirty="0" err="1" smtClean="0"/>
-              <a:t>parseInt</a:t>
-            </a:r>
-            <a:r>
-              <a:rPr lang="en-GB" dirty="0" smtClean="0"/>
-              <a:t> (Checks for Null)</a:t>
-            </a:r>
-          </a:p>
-          <a:p>
-            <a:pPr lvl="1"/>
-            <a:r>
-              <a:rPr lang="en-GB" dirty="0" smtClean="0"/>
-              <a:t>Checkers (return Booleans)</a:t>
-            </a:r>
-          </a:p>
-          <a:p>
-            <a:pPr lvl="2"/>
-            <a:r>
-              <a:rPr lang="en-GB" dirty="0" err="1" smtClean="0"/>
-              <a:t>checkDate</a:t>
-            </a:r>
-            <a:endParaRPr lang="en-GB" dirty="0" smtClean="0"/>
-          </a:p>
-          <a:p>
-            <a:pPr lvl="2"/>
-            <a:r>
-              <a:rPr lang="en-GB" dirty="0" err="1" smtClean="0"/>
-              <a:t>checkCategory</a:t>
-            </a:r>
-            <a:r>
-              <a:rPr lang="en-GB" dirty="0" smtClean="0"/>
-              <a:t>/</a:t>
-            </a:r>
-            <a:r>
-              <a:rPr lang="en-GB" dirty="0" err="1" smtClean="0"/>
-              <a:t>checkSchool</a:t>
-            </a:r>
-            <a:endParaRPr lang="en-GB" dirty="0" smtClean="0"/>
-          </a:p>
-          <a:p>
-            <a:pPr lvl="2"/>
-            <a:r>
-              <a:rPr lang="en-GB" dirty="0" err="1" smtClean="0"/>
-              <a:t>checkEmail</a:t>
-            </a:r>
-            <a:r>
-              <a:rPr lang="en-GB" dirty="0" smtClean="0"/>
-              <a:t> (validity)</a:t>
-            </a:r>
-          </a:p>
-          <a:p>
-            <a:pPr lvl="2"/>
-            <a:r>
-              <a:rPr lang="en-GB" dirty="0" err="1" smtClean="0"/>
-              <a:t>checkPassword</a:t>
-            </a:r>
-            <a:endParaRPr lang="en-GB" dirty="0" smtClean="0"/>
-          </a:p>
-          <a:p>
-            <a:pPr lvl="1"/>
-            <a:endParaRPr lang="en-GB" dirty="0" smtClean="0"/>
+              <a:rPr lang="en-GB" sz="2400" dirty="0" smtClean="0"/>
+              <a:t>Add on to Bootstrap</a:t>
+            </a:r>
+          </a:p>
+          <a:p>
+            <a:r>
+              <a:rPr lang="en-GB" sz="2400" dirty="0" smtClean="0"/>
+              <a:t>For variables, follow Bootstrap, however, take in 3 variables (</a:t>
+            </a:r>
+            <a:r>
+              <a:rPr lang="en-GB" sz="2400" dirty="0" err="1" smtClean="0"/>
+              <a:t>request.setAttributes</a:t>
+            </a:r>
+            <a:r>
+              <a:rPr lang="en-GB" sz="2400" dirty="0" smtClean="0"/>
+              <a:t>)</a:t>
+            </a:r>
+          </a:p>
+          <a:p>
+            <a:r>
+              <a:rPr lang="en-GB" sz="2400" dirty="0" smtClean="0"/>
+              <a:t>Only returns if invalid variables OR success and rows deleted</a:t>
+            </a:r>
+            <a:endParaRPr lang="en-GB" sz="2400" dirty="0"/>
           </a:p>
         </p:txBody>
       </p:sp>
     </p:spTree>
     <p:extLst>
       <p:ext uri="{BB962C8B-B14F-4D97-AF65-F5344CB8AC3E}">
-        <p14:creationId xmlns:p14="http://schemas.microsoft.com/office/powerpoint/2010/main" val="3042117413"/>
+        <p14:creationId xmlns:p14="http://schemas.microsoft.com/office/powerpoint/2010/main" val="2752580483"/>
       </p:ext>
     </p:extLst>
   </p:cSld>
@@ -28401,19 +31491,22 @@
             <p:ph type="title"/>
           </p:nvPr>
         </p:nvSpPr>
-        <p:spPr>
-          <a:xfrm>
-            <a:off x="457200" y="247136"/>
-            <a:ext cx="7772400" cy="1456267"/>
-          </a:xfrm>
-        </p:spPr>
+        <p:spPr/>
         <p:txBody>
           <a:bodyPr/>
           <a:lstStyle/>
           <a:p>
             <a:r>
+              <a:rPr lang="en-GB" dirty="0"/>
+              <a:t>Ideas we have utilized – </a:t>
+            </a:r>
+            <a:r>
               <a:rPr lang="en-GB" dirty="0" smtClean="0"/>
-              <a:t>Libraries We have used</a:t>
+              <a:t>Usage </a:t>
+            </a:r>
+            <a:r>
+              <a:rPr lang="en-GB" dirty="0" err="1" smtClean="0"/>
+              <a:t>Heatmap</a:t>
             </a:r>
             <a:endParaRPr lang="en-GB" dirty="0"/>
           </a:p>
@@ -28429,94 +31522,71 @@
             <p:ph idx="1"/>
           </p:nvPr>
         </p:nvSpPr>
-        <p:spPr>
-          <a:xfrm>
-            <a:off x="457200" y="1903171"/>
-            <a:ext cx="7772400" cy="3649133"/>
-          </a:xfrm>
-        </p:spPr>
-        <p:txBody>
-          <a:bodyPr>
-            <a:normAutofit/>
-          </a:bodyPr>
+        <p:spPr/>
+        <p:txBody>
+          <a:bodyPr/>
           <a:lstStyle/>
           <a:p>
             <a:r>
-              <a:rPr lang="en-GB" sz="4000" dirty="0" smtClean="0"/>
-              <a:t>Bootstrap: </a:t>
-            </a:r>
-            <a:r>
-              <a:rPr lang="en-GB" sz="4000" dirty="0" err="1" smtClean="0"/>
-              <a:t>OpenCSV</a:t>
-            </a:r>
-            <a:endParaRPr lang="en-GB" sz="4000" dirty="0"/>
-          </a:p>
-          <a:p>
-            <a:endParaRPr lang="en-GB" sz="4000" dirty="0" smtClean="0"/>
-          </a:p>
-          <a:p>
-            <a:r>
-              <a:rPr lang="en-GB" sz="4000" dirty="0" smtClean="0"/>
-              <a:t>JSON: GSON</a:t>
-            </a:r>
-          </a:p>
-          <a:p>
-            <a:endParaRPr lang="en-GB" sz="4000" dirty="0" smtClean="0"/>
-          </a:p>
-          <a:p>
-            <a:r>
-              <a:rPr lang="en-GB" sz="4000" dirty="0" smtClean="0"/>
-              <a:t>UI: Bootstrap</a:t>
-            </a:r>
-            <a:endParaRPr lang="en-GB" sz="4000" dirty="0"/>
-          </a:p>
-        </p:txBody>
-      </p:sp>
-      <p:pic>
-        <p:nvPicPr>
-          <p:cNvPr id="1026" name="Picture 2" descr="https://upload.wikimedia.org/wikipedia/commons/2/2b/Melk_-_Abbey_-_Library.jpg"/>
-          <p:cNvPicPr>
-            <a:picLocks noChangeAspect="1" noChangeArrowheads="1"/>
-          </p:cNvPicPr>
-          <p:nvPr/>
-        </p:nvPicPr>
-        <p:blipFill>
-          <a:blip r:embed="rId2" cstate="print">
-            <a:extLst>
-              <a:ext uri="{28A0092B-C50C-407E-A947-70E740481C1C}">
-                <a14:useLocalDpi xmlns:a14="http://schemas.microsoft.com/office/drawing/2010/main" val="0"/>
-              </a:ext>
-            </a:extLst>
-          </a:blip>
-          <a:srcRect/>
-          <a:stretch>
-            <a:fillRect/>
-          </a:stretch>
-        </p:blipFill>
-        <p:spPr bwMode="auto">
-          <a:xfrm>
-            <a:off x="4565898" y="3347828"/>
-            <a:ext cx="4157973" cy="3118480"/>
-          </a:xfrm>
-          <a:prstGeom prst="rect">
-            <a:avLst/>
-          </a:prstGeom>
-          <a:noFill/>
-          <a:extLst>
-            <a:ext uri="{909E8E84-426E-40DD-AFC4-6F175D3DCCD1}">
-              <a14:hiddenFill xmlns:a14="http://schemas.microsoft.com/office/drawing/2010/main">
-                <a:solidFill>
-                  <a:srgbClr val="FFFFFF"/>
-                </a:solidFill>
-              </a14:hiddenFill>
-            </a:ext>
-          </a:extLst>
-        </p:spPr>
-      </p:pic>
+              <a:rPr lang="en-US" dirty="0" smtClean="0"/>
+              <a:t>Get location based on floor from </a:t>
+            </a:r>
+            <a:r>
+              <a:rPr lang="en-US" dirty="0" err="1" smtClean="0"/>
+              <a:t>locationDAO</a:t>
+            </a:r>
+            <a:endParaRPr lang="en-US" dirty="0"/>
+          </a:p>
+          <a:p>
+            <a:r>
+              <a:rPr lang="en-US" dirty="0" smtClean="0"/>
+              <a:t>Get unique users on the floor based on query by joining tables</a:t>
+            </a:r>
+          </a:p>
+          <a:p>
+            <a:r>
+              <a:rPr lang="en-US" dirty="0" smtClean="0"/>
+              <a:t>Ensures no duplicates with </a:t>
+            </a:r>
+            <a:r>
+              <a:rPr lang="en-US" dirty="0" err="1" smtClean="0"/>
+              <a:t>groupby</a:t>
+            </a:r>
+            <a:endParaRPr lang="en-US" dirty="0" smtClean="0"/>
+          </a:p>
+          <a:p>
+            <a:r>
+              <a:rPr lang="en-US" dirty="0" smtClean="0"/>
+              <a:t>Use </a:t>
+            </a:r>
+            <a:r>
+              <a:rPr lang="en-US" dirty="0" err="1" smtClean="0"/>
+              <a:t>LocationUsage</a:t>
+            </a:r>
+            <a:r>
+              <a:rPr lang="en-US" dirty="0"/>
+              <a:t> </a:t>
+            </a:r>
+            <a:r>
+              <a:rPr lang="en-US" dirty="0" smtClean="0"/>
+              <a:t>entity to log</a:t>
+            </a:r>
+          </a:p>
+          <a:p>
+            <a:r>
+              <a:rPr lang="en-US" dirty="0" smtClean="0"/>
+              <a:t>Ignores 5 minutes update</a:t>
+            </a:r>
+          </a:p>
+          <a:p>
+            <a:endParaRPr lang="en-GB" dirty="0"/>
+          </a:p>
+        </p:txBody>
+      </p:sp>
     </p:spTree>
     <p:extLst>
       <p:ext uri="{BB962C8B-B14F-4D97-AF65-F5344CB8AC3E}">
-        <p14:creationId xmlns:p14="http://schemas.microsoft.com/office/powerpoint/2010/main" val="84225789"/>
+        <p14:creationId xmlns:p14="http://schemas.microsoft.com/office/powerpoint/2010/main" val="2918525013"/>
       </p:ext>
     </p:extLst>
   </p:cSld>
@@ -28560,14 +31630,19 @@
             <p:ph type="title"/>
           </p:nvPr>
         </p:nvSpPr>
-        <p:spPr/>
+        <p:spPr>
+          <a:xfrm>
+            <a:off x="457200" y="191301"/>
+            <a:ext cx="7772400" cy="1456267"/>
+          </a:xfrm>
+        </p:spPr>
         <p:txBody>
           <a:bodyPr/>
           <a:lstStyle/>
           <a:p>
             <a:r>
               <a:rPr lang="en-GB" dirty="0" smtClean="0"/>
-              <a:t>Learning experience</a:t>
+              <a:t>Ideas we have utilized – Utility</a:t>
             </a:r>
             <a:endParaRPr lang="en-GB" dirty="0"/>
           </a:p>
@@ -28583,66 +31658,121 @@
             <p:ph idx="1"/>
           </p:nvPr>
         </p:nvSpPr>
-        <p:spPr/>
+        <p:spPr>
+          <a:xfrm>
+            <a:off x="457200" y="1647568"/>
+            <a:ext cx="7772400" cy="5041556"/>
+          </a:xfrm>
+        </p:spPr>
         <p:txBody>
           <a:bodyPr/>
           <a:lstStyle/>
           <a:p>
             <a:r>
               <a:rPr lang="en-GB" dirty="0" smtClean="0"/>
-              <a:t>Bootstrap took much longer than expected</a:t>
-            </a:r>
-          </a:p>
-          <a:p>
+              <a:t>Main checker whether methods work</a:t>
+            </a:r>
+          </a:p>
+          <a:p>
+            <a:pPr lvl="1"/>
+            <a:r>
+              <a:rPr lang="en-GB" dirty="0" err="1" smtClean="0"/>
+              <a:t>parseString</a:t>
+            </a:r>
             <a:r>
               <a:rPr lang="en-GB" dirty="0" smtClean="0"/>
-              <a:t>Usage </a:t>
+              <a:t>, </a:t>
             </a:r>
             <a:r>
               <a:rPr lang="en-GB" dirty="0" err="1" smtClean="0"/>
-              <a:t>Heatmap</a:t>
+              <a:t>parseDate</a:t>
             </a:r>
             <a:r>
               <a:rPr lang="en-GB" dirty="0" smtClean="0"/>
-              <a:t> test cases still incomplete</a:t>
-            </a:r>
-          </a:p>
-          <a:p>
+              <a:t>, </a:t>
+            </a:r>
+            <a:r>
+              <a:rPr lang="en-GB" dirty="0" err="1" smtClean="0"/>
+              <a:t>parseInt</a:t>
+            </a:r>
             <a:r>
               <a:rPr lang="en-GB" dirty="0" smtClean="0"/>
-              <a:t>Login fails two test casts</a:t>
-            </a:r>
-          </a:p>
-          <a:p>
+              <a:t> (Checks for Null)</a:t>
+            </a:r>
+          </a:p>
+          <a:p>
+            <a:pPr lvl="1"/>
             <a:r>
               <a:rPr lang="en-GB" dirty="0" smtClean="0"/>
-              <a:t>Latest not on </a:t>
-            </a:r>
+              <a:t>Checkers (return Booleans)</a:t>
+            </a:r>
+          </a:p>
+          <a:p>
+            <a:pPr lvl="2"/>
             <a:r>
               <a:rPr lang="en-GB" dirty="0" err="1" smtClean="0"/>
-              <a:t>Openshift</a:t>
+              <a:t>checkDate</a:t>
             </a:r>
             <a:endParaRPr lang="en-GB" dirty="0" smtClean="0"/>
           </a:p>
           <a:p>
+            <a:pPr lvl="2"/>
+            <a:r>
+              <a:rPr lang="en-GB" dirty="0" err="1" smtClean="0"/>
+              <a:t>checkCategory</a:t>
+            </a:r>
             <a:r>
               <a:rPr lang="en-GB" dirty="0" smtClean="0"/>
-              <a:t>Foreseeable Problems for the future</a:t>
-            </a:r>
-            <a:endParaRPr lang="en-GB" dirty="0"/>
+              <a:t>/</a:t>
+            </a:r>
+            <a:r>
+              <a:rPr lang="en-GB" dirty="0" err="1" smtClean="0"/>
+              <a:t>checkSchool</a:t>
+            </a:r>
+            <a:endParaRPr lang="en-GB" dirty="0" smtClean="0"/>
+          </a:p>
+          <a:p>
+            <a:pPr lvl="2"/>
+            <a:r>
+              <a:rPr lang="en-GB" dirty="0" err="1" smtClean="0"/>
+              <a:t>checkEmail</a:t>
+            </a:r>
+            <a:r>
+              <a:rPr lang="en-GB" dirty="0" smtClean="0"/>
+              <a:t> (validity)</a:t>
+            </a:r>
+          </a:p>
+          <a:p>
+            <a:pPr lvl="2"/>
+            <a:r>
+              <a:rPr lang="en-GB" dirty="0" err="1" smtClean="0"/>
+              <a:t>checkPassword</a:t>
+            </a:r>
+            <a:endParaRPr lang="en-GB" dirty="0" smtClean="0"/>
+          </a:p>
+          <a:p>
+            <a:pPr lvl="1"/>
+            <a:endParaRPr lang="en-GB" dirty="0" smtClean="0"/>
           </a:p>
         </p:txBody>
       </p:sp>
     </p:spTree>
     <p:extLst>
       <p:ext uri="{BB962C8B-B14F-4D97-AF65-F5344CB8AC3E}">
-        <p14:creationId xmlns:p14="http://schemas.microsoft.com/office/powerpoint/2010/main" val="1433416421"/>
+        <p14:creationId xmlns:p14="http://schemas.microsoft.com/office/powerpoint/2010/main" val="3042117413"/>
       </p:ext>
     </p:extLst>
   </p:cSld>
   <p:clrMapOvr>
     <a:masterClrMapping/>
   </p:clrMapOvr>
+  <p:timing>
+    <p:tnLst>
+      <p:par>
+        <p:cTn id="1" dur="indefinite" restart="never" nodeType="tmRoot"/>
+      </p:par>
+    </p:tnLst>
+  </p:timing>
 </p:sld>
 </file>
 
@@ -28665,739 +31795,136 @@
       </p:grpSpPr>
       <p:sp>
         <p:nvSpPr>
-          <p:cNvPr id="10" name="Rounded Rectangle 9"/>
-          <p:cNvSpPr/>
-          <p:nvPr/>
+          <p:cNvPr id="2" name="Title 1"/>
+          <p:cNvSpPr>
+            <a:spLocks noGrp="1"/>
+          </p:cNvSpPr>
+          <p:nvPr>
+            <p:ph type="title"/>
+          </p:nvPr>
         </p:nvSpPr>
         <p:spPr>
           <a:xfrm>
-            <a:off x="379521" y="2103097"/>
-            <a:ext cx="2609012" cy="918085"/>
-          </a:xfrm>
-          <a:prstGeom prst="roundRect">
-            <a:avLst/>
-          </a:prstGeom>
-          <a:solidFill>
-            <a:schemeClr val="tx1">
-              <a:lumMod val="65000"/>
-            </a:schemeClr>
-          </a:solidFill>
-        </p:spPr>
-        <p:style>
-          <a:lnRef idx="2">
-            <a:schemeClr val="accent1">
-              <a:shade val="50000"/>
-            </a:schemeClr>
-          </a:lnRef>
-          <a:fillRef idx="1">
-            <a:schemeClr val="accent1"/>
-          </a:fillRef>
-          <a:effectRef idx="0">
-            <a:schemeClr val="accent1"/>
-          </a:effectRef>
-          <a:fontRef idx="minor">
-            <a:schemeClr val="lt1"/>
-          </a:fontRef>
-        </p:style>
-        <p:txBody>
-          <a:bodyPr rtlCol="0" anchor="ctr"/>
+            <a:off x="457200" y="247136"/>
+            <a:ext cx="7772400" cy="1456267"/>
+          </a:xfrm>
+        </p:spPr>
+        <p:txBody>
+          <a:bodyPr/>
           <a:lstStyle/>
           <a:p>
-            <a:pPr algn="ctr"/>
-            <a:r>
-              <a:rPr lang="en-SG" sz="2100" b="1" dirty="0">
-                <a:solidFill>
-                  <a:sysClr val="windowText" lastClr="000000"/>
-                </a:solidFill>
-              </a:rPr>
-              <a:t>ITERATION 4</a:t>
-            </a:r>
-          </a:p>
-          <a:p>
-            <a:pPr algn="ctr">
-              <a:defRPr/>
-            </a:pPr>
-            <a:r>
-              <a:rPr lang="en-SG" sz="2100" dirty="0">
-                <a:solidFill>
-                  <a:sysClr val="windowText" lastClr="000000"/>
-                </a:solidFill>
-              </a:rPr>
-              <a:t>09/10/2015</a:t>
-            </a:r>
-          </a:p>
-          <a:p>
-            <a:pPr algn="ctr">
-              <a:defRPr/>
-            </a:pPr>
-            <a:r>
-              <a:rPr lang="en-SG" sz="2100" dirty="0">
-                <a:solidFill>
-                  <a:sysClr val="windowText" lastClr="000000"/>
-                </a:solidFill>
-              </a:rPr>
-              <a:t>23/10/2015</a:t>
-            </a:r>
-            <a:endParaRPr lang="en-SG" sz="2100" dirty="0">
-              <a:solidFill>
-                <a:sysClr val="windowText" lastClr="000000"/>
-              </a:solidFill>
-            </a:endParaRPr>
-          </a:p>
-        </p:txBody>
-      </p:sp>
-      <p:sp>
-        <p:nvSpPr>
-          <p:cNvPr id="13" name="Rounded Rectangle 12"/>
-          <p:cNvSpPr/>
-          <p:nvPr/>
+            <a:r>
+              <a:rPr lang="en-GB" dirty="0" smtClean="0"/>
+              <a:t>Libraries We have used</a:t>
+            </a:r>
+            <a:endParaRPr lang="en-GB" dirty="0"/>
+          </a:p>
+        </p:txBody>
+      </p:sp>
+      <p:sp>
+        <p:nvSpPr>
+          <p:cNvPr id="3" name="Content Placeholder 2"/>
+          <p:cNvSpPr>
+            <a:spLocks noGrp="1"/>
+          </p:cNvSpPr>
+          <p:nvPr>
+            <p:ph idx="1"/>
+          </p:nvPr>
         </p:nvSpPr>
         <p:spPr>
           <a:xfrm>
-            <a:off x="3331538" y="2119659"/>
-            <a:ext cx="2609012" cy="918085"/>
-          </a:xfrm>
-          <a:prstGeom prst="roundRect">
-            <a:avLst/>
-          </a:prstGeom>
-          <a:solidFill>
-            <a:schemeClr val="tx1">
-              <a:lumMod val="65000"/>
-            </a:schemeClr>
-          </a:solidFill>
-        </p:spPr>
-        <p:style>
-          <a:lnRef idx="2">
-            <a:schemeClr val="accent1">
-              <a:shade val="50000"/>
-            </a:schemeClr>
-          </a:lnRef>
-          <a:fillRef idx="1">
-            <a:schemeClr val="accent1"/>
-          </a:fillRef>
-          <a:effectRef idx="0">
-            <a:schemeClr val="accent1"/>
-          </a:effectRef>
-          <a:fontRef idx="minor">
-            <a:schemeClr val="lt1"/>
-          </a:fontRef>
-        </p:style>
-        <p:txBody>
-          <a:bodyPr rtlCol="0" anchor="ctr"/>
+            <a:off x="457200" y="1903171"/>
+            <a:ext cx="7772400" cy="3649133"/>
+          </a:xfrm>
+        </p:spPr>
+        <p:txBody>
+          <a:bodyPr>
+            <a:normAutofit/>
+          </a:bodyPr>
           <a:lstStyle/>
           <a:p>
-            <a:pPr algn="ctr"/>
-            <a:r>
-              <a:rPr lang="en-SG" sz="2100" b="1" dirty="0">
-                <a:solidFill>
-                  <a:sysClr val="windowText" lastClr="000000"/>
-                </a:solidFill>
-              </a:rPr>
-              <a:t>ITERATION 5</a:t>
-            </a:r>
-          </a:p>
-          <a:p>
-            <a:pPr algn="ctr">
-              <a:defRPr/>
-            </a:pPr>
-            <a:r>
-              <a:rPr lang="en-SG" sz="2100" dirty="0">
-                <a:solidFill>
-                  <a:sysClr val="windowText" lastClr="000000"/>
-                </a:solidFill>
-              </a:rPr>
-              <a:t>23/10/2015</a:t>
-            </a:r>
-          </a:p>
-          <a:p>
-            <a:pPr algn="ctr">
-              <a:defRPr/>
-            </a:pPr>
-            <a:r>
-              <a:rPr lang="en-SG" sz="2100" dirty="0">
-                <a:solidFill>
-                  <a:sysClr val="windowText" lastClr="000000"/>
-                </a:solidFill>
-              </a:rPr>
-              <a:t>05/11/2015</a:t>
-            </a:r>
-          </a:p>
-        </p:txBody>
-      </p:sp>
-      <p:sp>
-        <p:nvSpPr>
-          <p:cNvPr id="14" name="Rounded Rectangle 13"/>
-          <p:cNvSpPr/>
+            <a:r>
+              <a:rPr lang="en-GB" sz="4000" dirty="0" smtClean="0"/>
+              <a:t>Bootstrap: </a:t>
+            </a:r>
+            <a:r>
+              <a:rPr lang="en-GB" sz="4000" dirty="0" err="1" smtClean="0"/>
+              <a:t>OpenCSV</a:t>
+            </a:r>
+            <a:endParaRPr lang="en-GB" sz="4000" dirty="0"/>
+          </a:p>
+          <a:p>
+            <a:endParaRPr lang="en-GB" sz="4000" dirty="0" smtClean="0"/>
+          </a:p>
+          <a:p>
+            <a:r>
+              <a:rPr lang="en-GB" sz="4000" dirty="0" smtClean="0"/>
+              <a:t>JSON: GSON</a:t>
+            </a:r>
+          </a:p>
+          <a:p>
+            <a:endParaRPr lang="en-GB" sz="4000" dirty="0" smtClean="0"/>
+          </a:p>
+          <a:p>
+            <a:r>
+              <a:rPr lang="en-GB" sz="4000" dirty="0" smtClean="0"/>
+              <a:t>UI: Bootstrap</a:t>
+            </a:r>
+            <a:endParaRPr lang="en-GB" sz="4000" dirty="0"/>
+          </a:p>
+        </p:txBody>
+      </p:sp>
+      <p:pic>
+        <p:nvPicPr>
+          <p:cNvPr id="1026" name="Picture 2" descr="https://upload.wikimedia.org/wikipedia/commons/2/2b/Melk_-_Abbey_-_Library.jpg"/>
+          <p:cNvPicPr>
+            <a:picLocks noChangeAspect="1" noChangeArrowheads="1"/>
+          </p:cNvPicPr>
           <p:nvPr/>
-        </p:nvSpPr>
-        <p:spPr>
+        </p:nvPicPr>
+        <p:blipFill>
+          <a:blip r:embed="rId2" cstate="print">
+            <a:extLst>
+              <a:ext uri="{28A0092B-C50C-407E-A947-70E740481C1C}">
+                <a14:useLocalDpi xmlns:a14="http://schemas.microsoft.com/office/drawing/2010/main" val="0"/>
+              </a:ext>
+            </a:extLst>
+          </a:blip>
+          <a:srcRect/>
+          <a:stretch>
+            <a:fillRect/>
+          </a:stretch>
+        </p:blipFill>
+        <p:spPr bwMode="auto">
           <a:xfrm>
-            <a:off x="6287610" y="2119659"/>
-            <a:ext cx="2609012" cy="918085"/>
-          </a:xfrm>
-          <a:prstGeom prst="roundRect">
-            <a:avLst/>
-          </a:prstGeom>
-          <a:solidFill>
-            <a:schemeClr val="tx1">
-              <a:lumMod val="65000"/>
-            </a:schemeClr>
-          </a:solidFill>
-        </p:spPr>
-        <p:style>
-          <a:lnRef idx="2">
-            <a:schemeClr val="accent1">
-              <a:shade val="50000"/>
-            </a:schemeClr>
-          </a:lnRef>
-          <a:fillRef idx="1">
-            <a:schemeClr val="accent1"/>
-          </a:fillRef>
-          <a:effectRef idx="0">
-            <a:schemeClr val="accent1"/>
-          </a:effectRef>
-          <a:fontRef idx="minor">
-            <a:schemeClr val="lt1"/>
-          </a:fontRef>
-        </p:style>
-        <p:txBody>
-          <a:bodyPr rtlCol="0" anchor="ctr"/>
-          <a:lstStyle/>
-          <a:p>
-            <a:pPr algn="ctr"/>
-            <a:r>
-              <a:rPr lang="en-SG" sz="2100" b="1" dirty="0">
-                <a:solidFill>
-                  <a:sysClr val="windowText" lastClr="000000"/>
-                </a:solidFill>
-              </a:rPr>
-              <a:t>ITERATION 6</a:t>
-            </a:r>
-          </a:p>
-          <a:p>
-            <a:pPr algn="ctr"/>
-            <a:r>
-              <a:rPr lang="en-SG" sz="2100" dirty="0">
-                <a:solidFill>
-                  <a:sysClr val="windowText" lastClr="000000"/>
-                </a:solidFill>
-              </a:rPr>
-              <a:t>05/11/2015</a:t>
-            </a:r>
-          </a:p>
-          <a:p>
-            <a:pPr algn="ctr"/>
-            <a:r>
-              <a:rPr lang="en-SG" sz="2100" dirty="0">
-                <a:solidFill>
-                  <a:sysClr val="windowText" lastClr="000000"/>
-                </a:solidFill>
-              </a:rPr>
-              <a:t>End</a:t>
-            </a:r>
-          </a:p>
-        </p:txBody>
-      </p:sp>
-      <p:sp>
-        <p:nvSpPr>
-          <p:cNvPr id="15" name="Rectangle 14"/>
-          <p:cNvSpPr/>
-          <p:nvPr/>
-        </p:nvSpPr>
-        <p:spPr>
-          <a:xfrm>
-            <a:off x="379521" y="3234246"/>
-            <a:ext cx="2609012" cy="2766504"/>
+            <a:off x="4565898" y="3347828"/>
+            <a:ext cx="4157973" cy="3118480"/>
           </a:xfrm>
           <a:prstGeom prst="rect">
             <a:avLst/>
           </a:prstGeom>
-          <a:solidFill>
-            <a:schemeClr val="tx1">
-              <a:lumMod val="65000"/>
-            </a:schemeClr>
-          </a:solidFill>
-        </p:spPr>
-        <p:style>
-          <a:lnRef idx="2">
-            <a:schemeClr val="accent1">
-              <a:shade val="50000"/>
-            </a:schemeClr>
-          </a:lnRef>
-          <a:fillRef idx="1">
-            <a:schemeClr val="accent1"/>
-          </a:fillRef>
-          <a:effectRef idx="0">
-            <a:schemeClr val="accent1"/>
-          </a:effectRef>
-          <a:fontRef idx="minor">
-            <a:schemeClr val="lt1"/>
-          </a:fontRef>
-        </p:style>
-        <p:txBody>
-          <a:bodyPr rtlCol="0" anchor="t"/>
-          <a:lstStyle/>
-          <a:p>
-            <a:pPr marL="257175" indent="-257175">
-              <a:lnSpc>
-                <a:spcPct val="250000"/>
-              </a:lnSpc>
-              <a:buFont typeface="Arial" panose="020B0604020202020204" pitchFamily="34" charset="0"/>
-              <a:buChar char="•"/>
-            </a:pPr>
-            <a:r>
-              <a:rPr lang="en-SG" b="1" dirty="0" smtClean="0">
-                <a:solidFill>
-                  <a:sysClr val="windowText" lastClr="000000"/>
-                </a:solidFill>
-              </a:rPr>
-              <a:t>Basic App Report</a:t>
-            </a:r>
-          </a:p>
-          <a:p>
-            <a:pPr marL="257175" indent="-257175">
-              <a:lnSpc>
-                <a:spcPct val="250000"/>
-              </a:lnSpc>
-              <a:buFont typeface="Arial" panose="020B0604020202020204" pitchFamily="34" charset="0"/>
-              <a:buChar char="•"/>
-            </a:pPr>
-            <a:r>
-              <a:rPr lang="en-SG" b="1" dirty="0" smtClean="0">
-                <a:solidFill>
-                  <a:sysClr val="windowText" lastClr="000000"/>
-                </a:solidFill>
-              </a:rPr>
-              <a:t>Overuse </a:t>
-            </a:r>
-            <a:r>
-              <a:rPr lang="en-SG" b="1" dirty="0">
-                <a:solidFill>
-                  <a:sysClr val="windowText" lastClr="000000"/>
-                </a:solidFill>
-              </a:rPr>
-              <a:t>Report </a:t>
-            </a:r>
-          </a:p>
-          <a:p>
-            <a:pPr marL="257175" indent="-257175">
-              <a:lnSpc>
-                <a:spcPct val="250000"/>
-              </a:lnSpc>
-              <a:buFont typeface="Arial" panose="020B0604020202020204" pitchFamily="34" charset="0"/>
-              <a:buChar char="•"/>
-            </a:pPr>
-            <a:r>
-              <a:rPr lang="en-SG" b="1" dirty="0">
-                <a:solidFill>
-                  <a:sysClr val="windowText" lastClr="000000"/>
-                </a:solidFill>
-              </a:rPr>
-              <a:t>Top –K Report</a:t>
-            </a:r>
-          </a:p>
-          <a:p>
-            <a:pPr marL="257175" indent="-257175">
-              <a:lnSpc>
-                <a:spcPct val="250000"/>
-              </a:lnSpc>
-              <a:buFont typeface="Arial" panose="020B0604020202020204" pitchFamily="34" charset="0"/>
-              <a:buChar char="•"/>
-            </a:pPr>
-            <a:r>
-              <a:rPr lang="en-SG" b="1" dirty="0">
-                <a:solidFill>
-                  <a:sysClr val="windowText" lastClr="000000"/>
-                </a:solidFill>
-              </a:rPr>
-              <a:t>Social </a:t>
-            </a:r>
-            <a:r>
-              <a:rPr lang="en-SG" b="1" dirty="0">
-                <a:solidFill>
-                  <a:sysClr val="windowText" lastClr="000000"/>
-                </a:solidFill>
-              </a:rPr>
-              <a:t>Activeness</a:t>
-            </a:r>
-            <a:endParaRPr lang="en-SG" b="1" dirty="0">
-              <a:solidFill>
-                <a:sysClr val="windowText" lastClr="000000"/>
-              </a:solidFill>
-            </a:endParaRPr>
-          </a:p>
-        </p:txBody>
-      </p:sp>
-      <p:sp>
-        <p:nvSpPr>
-          <p:cNvPr id="16" name="Rectangle 15"/>
-          <p:cNvSpPr/>
-          <p:nvPr/>
-        </p:nvSpPr>
-        <p:spPr>
-          <a:xfrm>
-            <a:off x="6287609" y="3234246"/>
-            <a:ext cx="2609012" cy="2766504"/>
-          </a:xfrm>
-          <a:prstGeom prst="rect">
-            <a:avLst/>
-          </a:prstGeom>
-          <a:solidFill>
-            <a:schemeClr val="tx1">
-              <a:lumMod val="65000"/>
-            </a:schemeClr>
-          </a:solidFill>
-        </p:spPr>
-        <p:style>
-          <a:lnRef idx="2">
-            <a:schemeClr val="accent1">
-              <a:shade val="50000"/>
-            </a:schemeClr>
-          </a:lnRef>
-          <a:fillRef idx="1">
-            <a:schemeClr val="accent1"/>
-          </a:fillRef>
-          <a:effectRef idx="0">
-            <a:schemeClr val="accent1"/>
-          </a:effectRef>
-          <a:fontRef idx="minor">
-            <a:schemeClr val="lt1"/>
-          </a:fontRef>
-        </p:style>
-        <p:txBody>
-          <a:bodyPr rtlCol="0" anchor="t"/>
-          <a:lstStyle/>
-          <a:p>
-            <a:pPr marL="257175" indent="-257175">
-              <a:lnSpc>
-                <a:spcPct val="250000"/>
-              </a:lnSpc>
-              <a:buFont typeface="Arial" panose="020B0604020202020204" pitchFamily="34" charset="0"/>
-              <a:buChar char="•"/>
-            </a:pPr>
-            <a:r>
-              <a:rPr lang="en-SG" b="1" dirty="0">
-                <a:solidFill>
-                  <a:sysClr val="windowText" lastClr="000000"/>
-                </a:solidFill>
-              </a:rPr>
-              <a:t>Deploy </a:t>
-            </a:r>
-            <a:r>
-              <a:rPr lang="en-SG" b="1" dirty="0">
-                <a:solidFill>
-                  <a:sysClr val="windowText" lastClr="000000"/>
-                </a:solidFill>
-              </a:rPr>
-              <a:t>to </a:t>
-            </a:r>
-            <a:r>
-              <a:rPr lang="en-SG" b="1" dirty="0" err="1">
-                <a:solidFill>
-                  <a:sysClr val="windowText" lastClr="000000"/>
-                </a:solidFill>
-              </a:rPr>
-              <a:t>OpenShift</a:t>
-            </a:r>
-            <a:endParaRPr lang="en-SG" b="1" dirty="0">
-              <a:solidFill>
-                <a:sysClr val="windowText" lastClr="000000"/>
-              </a:solidFill>
-            </a:endParaRPr>
-          </a:p>
-          <a:p>
-            <a:pPr marL="257175" indent="-257175">
-              <a:lnSpc>
-                <a:spcPct val="250000"/>
-              </a:lnSpc>
-              <a:buFont typeface="Arial" panose="020B0604020202020204" pitchFamily="34" charset="0"/>
-              <a:buChar char="•"/>
-            </a:pPr>
-            <a:r>
-              <a:rPr lang="en-SG" b="1" dirty="0">
-                <a:solidFill>
-                  <a:sysClr val="windowText" lastClr="000000"/>
-                </a:solidFill>
-              </a:rPr>
-              <a:t>Seek </a:t>
-            </a:r>
-            <a:r>
-              <a:rPr lang="en-SG" b="1" dirty="0">
-                <a:solidFill>
-                  <a:sysClr val="windowText" lastClr="000000"/>
-                </a:solidFill>
-              </a:rPr>
-              <a:t>loopholes</a:t>
-            </a:r>
-          </a:p>
-          <a:p>
-            <a:pPr marL="257175" indent="-257175">
-              <a:lnSpc>
-                <a:spcPct val="250000"/>
-              </a:lnSpc>
-              <a:buFont typeface="Arial" panose="020B0604020202020204" pitchFamily="34" charset="0"/>
-              <a:buChar char="•"/>
-            </a:pPr>
-            <a:r>
-              <a:rPr lang="en-SG" b="1" dirty="0">
-                <a:solidFill>
-                  <a:sysClr val="windowText" lastClr="000000"/>
-                </a:solidFill>
-              </a:rPr>
-              <a:t>Final Presentation</a:t>
-            </a:r>
-          </a:p>
-          <a:p>
-            <a:pPr marL="257175" indent="-257175">
-              <a:lnSpc>
-                <a:spcPct val="250000"/>
-              </a:lnSpc>
-              <a:buFont typeface="Arial" panose="020B0604020202020204" pitchFamily="34" charset="0"/>
-              <a:buChar char="•"/>
-            </a:pPr>
-            <a:r>
-              <a:rPr lang="en-SG" b="1" dirty="0">
-                <a:solidFill>
-                  <a:sysClr val="windowText" lastClr="000000"/>
-                </a:solidFill>
-              </a:rPr>
-              <a:t>Submission</a:t>
-            </a:r>
-            <a:endParaRPr lang="en-SG" b="1" dirty="0">
-              <a:solidFill>
-                <a:sysClr val="windowText" lastClr="000000"/>
-              </a:solidFill>
-            </a:endParaRPr>
-          </a:p>
-        </p:txBody>
-      </p:sp>
-      <p:sp>
-        <p:nvSpPr>
-          <p:cNvPr id="17" name="Rectangle 16"/>
-          <p:cNvSpPr/>
-          <p:nvPr/>
-        </p:nvSpPr>
-        <p:spPr>
-          <a:xfrm>
-            <a:off x="3331537" y="3234246"/>
-            <a:ext cx="2609012" cy="2766504"/>
-          </a:xfrm>
-          <a:prstGeom prst="rect">
-            <a:avLst/>
-          </a:prstGeom>
-          <a:solidFill>
-            <a:schemeClr val="tx1">
-              <a:lumMod val="65000"/>
-            </a:schemeClr>
-          </a:solidFill>
-        </p:spPr>
-        <p:style>
-          <a:lnRef idx="2">
-            <a:schemeClr val="accent1">
-              <a:shade val="50000"/>
-            </a:schemeClr>
-          </a:lnRef>
-          <a:fillRef idx="1">
-            <a:schemeClr val="accent1"/>
-          </a:fillRef>
-          <a:effectRef idx="0">
-            <a:schemeClr val="accent1"/>
-          </a:effectRef>
-          <a:fontRef idx="minor">
-            <a:schemeClr val="lt1"/>
-          </a:fontRef>
-        </p:style>
-        <p:txBody>
-          <a:bodyPr rtlCol="0" anchor="t"/>
-          <a:lstStyle/>
-          <a:p>
-            <a:pPr marL="257175" indent="-257175">
-              <a:lnSpc>
-                <a:spcPct val="250000"/>
-              </a:lnSpc>
-              <a:buFont typeface="Arial" panose="020B0604020202020204" pitchFamily="34" charset="0"/>
-              <a:buChar char="•"/>
-            </a:pPr>
-            <a:r>
-              <a:rPr lang="en-SG" b="1" dirty="0">
-                <a:solidFill>
-                  <a:sysClr val="windowText" lastClr="000000"/>
-                </a:solidFill>
-              </a:rPr>
-              <a:t>Test new </a:t>
-            </a:r>
-            <a:r>
-              <a:rPr lang="en-SG" sz="1500" b="1" dirty="0">
-                <a:solidFill>
-                  <a:sysClr val="windowText" lastClr="000000"/>
-                </a:solidFill>
-              </a:rPr>
-              <a:t>‘Test Cases’</a:t>
-            </a:r>
-            <a:endParaRPr lang="en-SG" sz="1500" b="1" dirty="0">
-              <a:solidFill>
-                <a:sysClr val="windowText" lastClr="000000"/>
-              </a:solidFill>
-            </a:endParaRPr>
-          </a:p>
-          <a:p>
-            <a:pPr marL="257175" indent="-257175">
-              <a:lnSpc>
-                <a:spcPct val="250000"/>
-              </a:lnSpc>
-              <a:buFont typeface="Arial" panose="020B0604020202020204" pitchFamily="34" charset="0"/>
-              <a:buChar char="•"/>
-            </a:pPr>
-            <a:r>
-              <a:rPr lang="en-SG" b="1" dirty="0">
-                <a:solidFill>
-                  <a:sysClr val="windowText" lastClr="000000"/>
-                </a:solidFill>
-              </a:rPr>
-              <a:t>Buffer</a:t>
-            </a:r>
-          </a:p>
-          <a:p>
-            <a:pPr marL="257175" indent="-257175">
-              <a:lnSpc>
-                <a:spcPct val="250000"/>
-              </a:lnSpc>
-              <a:buFont typeface="Arial" panose="020B0604020202020204" pitchFamily="34" charset="0"/>
-              <a:buChar char="•"/>
-            </a:pPr>
-            <a:r>
-              <a:rPr lang="en-SG" b="1" dirty="0">
-                <a:solidFill>
-                  <a:sysClr val="windowText" lastClr="000000"/>
-                </a:solidFill>
-              </a:rPr>
-              <a:t>Debugging</a:t>
-            </a:r>
-          </a:p>
-        </p:txBody>
-      </p:sp>
-      <p:sp>
-        <p:nvSpPr>
-          <p:cNvPr id="18" name="Title 1"/>
-          <p:cNvSpPr txBox="1">
-            <a:spLocks/>
-          </p:cNvSpPr>
-          <p:nvPr/>
-        </p:nvSpPr>
-        <p:spPr>
-          <a:xfrm>
-            <a:off x="374851" y="708454"/>
-            <a:ext cx="7772400" cy="726991"/>
-          </a:xfrm>
-          <a:prstGeom prst="rect">
-            <a:avLst/>
-          </a:prstGeom>
-        </p:spPr>
-        <p:txBody>
-          <a:bodyPr/>
-          <a:lstStyle>
-            <a:lvl1pPr algn="l" defTabSz="457200" rtl="0" eaLnBrk="1" latinLnBrk="0" hangingPunct="1">
-              <a:spcBef>
-                <a:spcPct val="0"/>
-              </a:spcBef>
-              <a:buNone/>
-              <a:defRPr sz="3200" kern="1200" cap="all">
-                <a:ln w="3175" cmpd="sng">
-                  <a:noFill/>
-                </a:ln>
-                <a:solidFill>
-                  <a:schemeClr val="tx1"/>
-                </a:solidFill>
-                <a:effectLst/>
-                <a:latin typeface="+mj-lt"/>
-                <a:ea typeface="+mj-ea"/>
-                <a:cs typeface="+mj-cs"/>
-              </a:defRPr>
-            </a:lvl1pPr>
-            <a:lvl2pPr eaLnBrk="1" hangingPunct="1">
-              <a:defRPr>
-                <a:solidFill>
-                  <a:schemeClr val="tx2"/>
-                </a:solidFill>
-              </a:defRPr>
-            </a:lvl2pPr>
-            <a:lvl3pPr eaLnBrk="1" hangingPunct="1">
-              <a:defRPr>
-                <a:solidFill>
-                  <a:schemeClr val="tx2"/>
-                </a:solidFill>
-              </a:defRPr>
-            </a:lvl3pPr>
-            <a:lvl4pPr eaLnBrk="1" hangingPunct="1">
-              <a:defRPr>
-                <a:solidFill>
-                  <a:schemeClr val="tx2"/>
-                </a:solidFill>
-              </a:defRPr>
-            </a:lvl4pPr>
-            <a:lvl5pPr eaLnBrk="1" hangingPunct="1">
-              <a:defRPr>
-                <a:solidFill>
-                  <a:schemeClr val="tx2"/>
-                </a:solidFill>
-              </a:defRPr>
-            </a:lvl5pPr>
-            <a:lvl6pPr eaLnBrk="1" hangingPunct="1">
-              <a:defRPr>
-                <a:solidFill>
-                  <a:schemeClr val="tx2"/>
-                </a:solidFill>
-              </a:defRPr>
-            </a:lvl6pPr>
-            <a:lvl7pPr eaLnBrk="1" hangingPunct="1">
-              <a:defRPr>
-                <a:solidFill>
-                  <a:schemeClr val="tx2"/>
-                </a:solidFill>
-              </a:defRPr>
-            </a:lvl7pPr>
-            <a:lvl8pPr eaLnBrk="1" hangingPunct="1">
-              <a:defRPr>
-                <a:solidFill>
-                  <a:schemeClr val="tx2"/>
-                </a:solidFill>
-              </a:defRPr>
-            </a:lvl8pPr>
-            <a:lvl9pPr eaLnBrk="1" hangingPunct="1">
-              <a:defRPr>
-                <a:solidFill>
-                  <a:schemeClr val="tx2"/>
-                </a:solidFill>
-              </a:defRPr>
-            </a:lvl9pPr>
-          </a:lstStyle>
-          <a:p>
-            <a:r>
-              <a:rPr lang="en-GB" dirty="0" smtClean="0"/>
-              <a:t>Where we will go from here</a:t>
-            </a:r>
-            <a:endParaRPr lang="en-GB" dirty="0"/>
-          </a:p>
-        </p:txBody>
-      </p:sp>
+          <a:noFill/>
+          <a:extLst>
+            <a:ext uri="{909E8E84-426E-40DD-AFC4-6F175D3DCCD1}">
+              <a14:hiddenFill xmlns:a14="http://schemas.microsoft.com/office/drawing/2010/main">
+                <a:solidFill>
+                  <a:srgbClr val="FFFFFF"/>
+                </a:solidFill>
+              </a14:hiddenFill>
+            </a:ext>
+          </a:extLst>
+        </p:spPr>
+      </p:pic>
     </p:spTree>
     <p:extLst>
       <p:ext uri="{BB962C8B-B14F-4D97-AF65-F5344CB8AC3E}">
-        <p14:creationId xmlns:p14="http://schemas.microsoft.com/office/powerpoint/2010/main" val="1698242771"/>
+        <p14:creationId xmlns:p14="http://schemas.microsoft.com/office/powerpoint/2010/main" val="84225789"/>
       </p:ext>
     </p:extLst>
   </p:cSld>
   <p:clrMapOvr>
     <a:masterClrMapping/>
   </p:clrMapOvr>
-  <mc:AlternateContent xmlns:mc="http://schemas.openxmlformats.org/markup-compatibility/2006">
-    <mc:Choice xmlns:p14="http://schemas.microsoft.com/office/powerpoint/2010/main" Requires="p14">
-      <p:transition p14:dur="0"/>
-    </mc:Choice>
-    <mc:Fallback>
-      <p:transition/>
-    </mc:Fallback>
-  </mc:AlternateContent>
   <p:timing>
     <p:tnLst>
       <p:par>
@@ -30173,11 +32700,6 @@
                         </a:rPr>
                         <a:t>Social Activeness Report</a:t>
                       </a:r>
-                      <a:endParaRPr lang="en-SG" sz="2400" dirty="0" smtClean="0">
-                        <a:solidFill>
-                          <a:srgbClr val="00B050"/>
-                        </a:solidFill>
-                      </a:endParaRPr>
                     </a:p>
                   </a:txBody>
                   <a:tcPr>
@@ -30234,6 +32756,837 @@
 </file>
 
 <file path=ppt/slides/slide40.xml><?xml version="1.0" encoding="utf-8"?>
+<p:sld xmlns:a="http://schemas.openxmlformats.org/drawingml/2006/main" xmlns:r="http://schemas.openxmlformats.org/officeDocument/2006/relationships" xmlns:p="http://schemas.openxmlformats.org/presentationml/2006/main">
+  <p:cSld>
+    <p:spTree>
+      <p:nvGrpSpPr>
+        <p:cNvPr id="1" name=""/>
+        <p:cNvGrpSpPr/>
+        <p:nvPr/>
+      </p:nvGrpSpPr>
+      <p:grpSpPr>
+        <a:xfrm>
+          <a:off x="0" y="0"/>
+          <a:ext cx="0" cy="0"/>
+          <a:chOff x="0" y="0"/>
+          <a:chExt cx="0" cy="0"/>
+        </a:xfrm>
+      </p:grpSpPr>
+      <p:sp>
+        <p:nvSpPr>
+          <p:cNvPr id="2" name="Title 1"/>
+          <p:cNvSpPr>
+            <a:spLocks noGrp="1"/>
+          </p:cNvSpPr>
+          <p:nvPr>
+            <p:ph type="title"/>
+          </p:nvPr>
+        </p:nvSpPr>
+        <p:spPr/>
+        <p:txBody>
+          <a:bodyPr/>
+          <a:lstStyle/>
+          <a:p>
+            <a:r>
+              <a:rPr lang="en-GB" dirty="0" smtClean="0"/>
+              <a:t>Learning experience</a:t>
+            </a:r>
+            <a:endParaRPr lang="en-GB" dirty="0"/>
+          </a:p>
+        </p:txBody>
+      </p:sp>
+      <p:sp>
+        <p:nvSpPr>
+          <p:cNvPr id="3" name="Content Placeholder 2"/>
+          <p:cNvSpPr>
+            <a:spLocks noGrp="1"/>
+          </p:cNvSpPr>
+          <p:nvPr>
+            <p:ph idx="1"/>
+          </p:nvPr>
+        </p:nvSpPr>
+        <p:spPr/>
+        <p:txBody>
+          <a:bodyPr/>
+          <a:lstStyle/>
+          <a:p>
+            <a:r>
+              <a:rPr lang="en-GB" dirty="0" smtClean="0"/>
+              <a:t>Bootstrap took much longer than expected</a:t>
+            </a:r>
+          </a:p>
+          <a:p>
+            <a:r>
+              <a:rPr lang="en-GB" dirty="0" smtClean="0"/>
+              <a:t>Usage </a:t>
+            </a:r>
+            <a:r>
+              <a:rPr lang="en-GB" dirty="0" err="1" smtClean="0"/>
+              <a:t>Heatmap</a:t>
+            </a:r>
+            <a:r>
+              <a:rPr lang="en-GB" dirty="0" smtClean="0"/>
+              <a:t> test cases still incomplete</a:t>
+            </a:r>
+          </a:p>
+          <a:p>
+            <a:r>
+              <a:rPr lang="en-GB" dirty="0" smtClean="0"/>
+              <a:t>Login fails two test casts</a:t>
+            </a:r>
+          </a:p>
+          <a:p>
+            <a:r>
+              <a:rPr lang="en-GB" dirty="0" smtClean="0"/>
+              <a:t>Latest not on </a:t>
+            </a:r>
+            <a:r>
+              <a:rPr lang="en-GB" dirty="0" err="1" smtClean="0"/>
+              <a:t>Openshift</a:t>
+            </a:r>
+            <a:endParaRPr lang="en-GB" dirty="0" smtClean="0"/>
+          </a:p>
+          <a:p>
+            <a:r>
+              <a:rPr lang="en-GB" dirty="0" smtClean="0"/>
+              <a:t>Foreseeable Problems for the future</a:t>
+            </a:r>
+            <a:endParaRPr lang="en-GB" dirty="0"/>
+          </a:p>
+        </p:txBody>
+      </p:sp>
+    </p:spTree>
+    <p:extLst>
+      <p:ext uri="{BB962C8B-B14F-4D97-AF65-F5344CB8AC3E}">
+        <p14:creationId xmlns:p14="http://schemas.microsoft.com/office/powerpoint/2010/main" val="1433416421"/>
+      </p:ext>
+    </p:extLst>
+  </p:cSld>
+  <p:clrMapOvr>
+    <a:masterClrMapping/>
+  </p:clrMapOvr>
+</p:sld>
+</file>
+
+<file path=ppt/slides/slide41.xml><?xml version="1.0" encoding="utf-8"?>
+<p:sld xmlns:a="http://schemas.openxmlformats.org/drawingml/2006/main" xmlns:r="http://schemas.openxmlformats.org/officeDocument/2006/relationships" xmlns:p="http://schemas.openxmlformats.org/presentationml/2006/main">
+  <p:cSld>
+    <p:spTree>
+      <p:nvGrpSpPr>
+        <p:cNvPr id="1" name=""/>
+        <p:cNvGrpSpPr/>
+        <p:nvPr/>
+      </p:nvGrpSpPr>
+      <p:grpSpPr>
+        <a:xfrm>
+          <a:off x="0" y="0"/>
+          <a:ext cx="0" cy="0"/>
+          <a:chOff x="0" y="0"/>
+          <a:chExt cx="0" cy="0"/>
+        </a:xfrm>
+      </p:grpSpPr>
+      <p:sp>
+        <p:nvSpPr>
+          <p:cNvPr id="10" name="Rounded Rectangle 9"/>
+          <p:cNvSpPr/>
+          <p:nvPr/>
+        </p:nvSpPr>
+        <p:spPr>
+          <a:xfrm>
+            <a:off x="379521" y="2103097"/>
+            <a:ext cx="2609012" cy="918085"/>
+          </a:xfrm>
+          <a:prstGeom prst="roundRect">
+            <a:avLst/>
+          </a:prstGeom>
+          <a:solidFill>
+            <a:schemeClr val="tx1">
+              <a:lumMod val="65000"/>
+            </a:schemeClr>
+          </a:solidFill>
+        </p:spPr>
+        <p:style>
+          <a:lnRef idx="2">
+            <a:schemeClr val="accent1">
+              <a:shade val="50000"/>
+            </a:schemeClr>
+          </a:lnRef>
+          <a:fillRef idx="1">
+            <a:schemeClr val="accent1"/>
+          </a:fillRef>
+          <a:effectRef idx="0">
+            <a:schemeClr val="accent1"/>
+          </a:effectRef>
+          <a:fontRef idx="minor">
+            <a:schemeClr val="lt1"/>
+          </a:fontRef>
+        </p:style>
+        <p:txBody>
+          <a:bodyPr rtlCol="0" anchor="ctr"/>
+          <a:lstStyle/>
+          <a:p>
+            <a:pPr algn="ctr"/>
+            <a:r>
+              <a:rPr lang="en-SG" sz="2100" b="1" dirty="0">
+                <a:solidFill>
+                  <a:sysClr val="windowText" lastClr="000000"/>
+                </a:solidFill>
+              </a:rPr>
+              <a:t>ITERATION 4</a:t>
+            </a:r>
+          </a:p>
+          <a:p>
+            <a:pPr algn="ctr">
+              <a:defRPr/>
+            </a:pPr>
+            <a:r>
+              <a:rPr lang="en-SG" sz="2100" dirty="0">
+                <a:solidFill>
+                  <a:sysClr val="windowText" lastClr="000000"/>
+                </a:solidFill>
+              </a:rPr>
+              <a:t>09/10/2015</a:t>
+            </a:r>
+          </a:p>
+          <a:p>
+            <a:pPr algn="ctr">
+              <a:defRPr/>
+            </a:pPr>
+            <a:r>
+              <a:rPr lang="en-SG" sz="2100" dirty="0">
+                <a:solidFill>
+                  <a:sysClr val="windowText" lastClr="000000"/>
+                </a:solidFill>
+              </a:rPr>
+              <a:t>23/10/2015</a:t>
+            </a:r>
+          </a:p>
+        </p:txBody>
+      </p:sp>
+      <p:sp>
+        <p:nvSpPr>
+          <p:cNvPr id="13" name="Rounded Rectangle 12"/>
+          <p:cNvSpPr/>
+          <p:nvPr/>
+        </p:nvSpPr>
+        <p:spPr>
+          <a:xfrm>
+            <a:off x="3331538" y="2119659"/>
+            <a:ext cx="2609012" cy="918085"/>
+          </a:xfrm>
+          <a:prstGeom prst="roundRect">
+            <a:avLst/>
+          </a:prstGeom>
+          <a:solidFill>
+            <a:schemeClr val="tx1">
+              <a:lumMod val="65000"/>
+            </a:schemeClr>
+          </a:solidFill>
+        </p:spPr>
+        <p:style>
+          <a:lnRef idx="2">
+            <a:schemeClr val="accent1">
+              <a:shade val="50000"/>
+            </a:schemeClr>
+          </a:lnRef>
+          <a:fillRef idx="1">
+            <a:schemeClr val="accent1"/>
+          </a:fillRef>
+          <a:effectRef idx="0">
+            <a:schemeClr val="accent1"/>
+          </a:effectRef>
+          <a:fontRef idx="minor">
+            <a:schemeClr val="lt1"/>
+          </a:fontRef>
+        </p:style>
+        <p:txBody>
+          <a:bodyPr rtlCol="0" anchor="ctr"/>
+          <a:lstStyle/>
+          <a:p>
+            <a:pPr algn="ctr"/>
+            <a:r>
+              <a:rPr lang="en-SG" sz="2100" b="1" dirty="0">
+                <a:solidFill>
+                  <a:sysClr val="windowText" lastClr="000000"/>
+                </a:solidFill>
+              </a:rPr>
+              <a:t>ITERATION 5</a:t>
+            </a:r>
+          </a:p>
+          <a:p>
+            <a:pPr algn="ctr">
+              <a:defRPr/>
+            </a:pPr>
+            <a:r>
+              <a:rPr lang="en-SG" sz="2100" dirty="0">
+                <a:solidFill>
+                  <a:sysClr val="windowText" lastClr="000000"/>
+                </a:solidFill>
+              </a:rPr>
+              <a:t>23/10/2015</a:t>
+            </a:r>
+          </a:p>
+          <a:p>
+            <a:pPr algn="ctr">
+              <a:defRPr/>
+            </a:pPr>
+            <a:r>
+              <a:rPr lang="en-SG" sz="2100" dirty="0">
+                <a:solidFill>
+                  <a:sysClr val="windowText" lastClr="000000"/>
+                </a:solidFill>
+              </a:rPr>
+              <a:t>05/11/2015</a:t>
+            </a:r>
+          </a:p>
+        </p:txBody>
+      </p:sp>
+      <p:sp>
+        <p:nvSpPr>
+          <p:cNvPr id="14" name="Rounded Rectangle 13"/>
+          <p:cNvSpPr/>
+          <p:nvPr/>
+        </p:nvSpPr>
+        <p:spPr>
+          <a:xfrm>
+            <a:off x="6287610" y="2119659"/>
+            <a:ext cx="2609012" cy="918085"/>
+          </a:xfrm>
+          <a:prstGeom prst="roundRect">
+            <a:avLst/>
+          </a:prstGeom>
+          <a:solidFill>
+            <a:schemeClr val="tx1">
+              <a:lumMod val="65000"/>
+            </a:schemeClr>
+          </a:solidFill>
+        </p:spPr>
+        <p:style>
+          <a:lnRef idx="2">
+            <a:schemeClr val="accent1">
+              <a:shade val="50000"/>
+            </a:schemeClr>
+          </a:lnRef>
+          <a:fillRef idx="1">
+            <a:schemeClr val="accent1"/>
+          </a:fillRef>
+          <a:effectRef idx="0">
+            <a:schemeClr val="accent1"/>
+          </a:effectRef>
+          <a:fontRef idx="minor">
+            <a:schemeClr val="lt1"/>
+          </a:fontRef>
+        </p:style>
+        <p:txBody>
+          <a:bodyPr rtlCol="0" anchor="ctr"/>
+          <a:lstStyle/>
+          <a:p>
+            <a:pPr algn="ctr"/>
+            <a:r>
+              <a:rPr lang="en-SG" sz="2100" b="1" dirty="0">
+                <a:solidFill>
+                  <a:sysClr val="windowText" lastClr="000000"/>
+                </a:solidFill>
+              </a:rPr>
+              <a:t>ITERATION 6</a:t>
+            </a:r>
+          </a:p>
+          <a:p>
+            <a:pPr algn="ctr"/>
+            <a:r>
+              <a:rPr lang="en-SG" sz="2100" dirty="0">
+                <a:solidFill>
+                  <a:sysClr val="windowText" lastClr="000000"/>
+                </a:solidFill>
+              </a:rPr>
+              <a:t>05/11/2015</a:t>
+            </a:r>
+          </a:p>
+          <a:p>
+            <a:pPr algn="ctr"/>
+            <a:r>
+              <a:rPr lang="en-SG" sz="2100" dirty="0">
+                <a:solidFill>
+                  <a:sysClr val="windowText" lastClr="000000"/>
+                </a:solidFill>
+              </a:rPr>
+              <a:t>End</a:t>
+            </a:r>
+          </a:p>
+        </p:txBody>
+      </p:sp>
+      <p:sp>
+        <p:nvSpPr>
+          <p:cNvPr id="15" name="Rectangle 14"/>
+          <p:cNvSpPr/>
+          <p:nvPr/>
+        </p:nvSpPr>
+        <p:spPr>
+          <a:xfrm>
+            <a:off x="379521" y="3234246"/>
+            <a:ext cx="2609012" cy="2766504"/>
+          </a:xfrm>
+          <a:prstGeom prst="rect">
+            <a:avLst/>
+          </a:prstGeom>
+          <a:solidFill>
+            <a:schemeClr val="tx1">
+              <a:lumMod val="65000"/>
+            </a:schemeClr>
+          </a:solidFill>
+        </p:spPr>
+        <p:style>
+          <a:lnRef idx="2">
+            <a:schemeClr val="accent1">
+              <a:shade val="50000"/>
+            </a:schemeClr>
+          </a:lnRef>
+          <a:fillRef idx="1">
+            <a:schemeClr val="accent1"/>
+          </a:fillRef>
+          <a:effectRef idx="0">
+            <a:schemeClr val="accent1"/>
+          </a:effectRef>
+          <a:fontRef idx="minor">
+            <a:schemeClr val="lt1"/>
+          </a:fontRef>
+        </p:style>
+        <p:txBody>
+          <a:bodyPr rtlCol="0" anchor="t"/>
+          <a:lstStyle/>
+          <a:p>
+            <a:pPr marL="257175" indent="-257175">
+              <a:lnSpc>
+                <a:spcPct val="250000"/>
+              </a:lnSpc>
+              <a:buFont typeface="Arial" panose="020B0604020202020204" pitchFamily="34" charset="0"/>
+              <a:buChar char="•"/>
+            </a:pPr>
+            <a:r>
+              <a:rPr lang="en-SG" b="1" dirty="0" smtClean="0">
+                <a:solidFill>
+                  <a:sysClr val="windowText" lastClr="000000"/>
+                </a:solidFill>
+              </a:rPr>
+              <a:t>Basic App Report</a:t>
+            </a:r>
+          </a:p>
+          <a:p>
+            <a:pPr marL="257175" indent="-257175">
+              <a:lnSpc>
+                <a:spcPct val="250000"/>
+              </a:lnSpc>
+              <a:buFont typeface="Arial" panose="020B0604020202020204" pitchFamily="34" charset="0"/>
+              <a:buChar char="•"/>
+            </a:pPr>
+            <a:r>
+              <a:rPr lang="en-SG" b="1" dirty="0" smtClean="0">
+                <a:solidFill>
+                  <a:sysClr val="windowText" lastClr="000000"/>
+                </a:solidFill>
+              </a:rPr>
+              <a:t>Overuse </a:t>
+            </a:r>
+            <a:r>
+              <a:rPr lang="en-SG" b="1" dirty="0">
+                <a:solidFill>
+                  <a:sysClr val="windowText" lastClr="000000"/>
+                </a:solidFill>
+              </a:rPr>
+              <a:t>Report </a:t>
+            </a:r>
+          </a:p>
+          <a:p>
+            <a:pPr marL="257175" indent="-257175">
+              <a:lnSpc>
+                <a:spcPct val="250000"/>
+              </a:lnSpc>
+              <a:buFont typeface="Arial" panose="020B0604020202020204" pitchFamily="34" charset="0"/>
+              <a:buChar char="•"/>
+            </a:pPr>
+            <a:r>
+              <a:rPr lang="en-SG" b="1" dirty="0">
+                <a:solidFill>
+                  <a:sysClr val="windowText" lastClr="000000"/>
+                </a:solidFill>
+              </a:rPr>
+              <a:t>Top –K Report</a:t>
+            </a:r>
+          </a:p>
+          <a:p>
+            <a:pPr marL="257175" indent="-257175">
+              <a:lnSpc>
+                <a:spcPct val="250000"/>
+              </a:lnSpc>
+              <a:buFont typeface="Arial" panose="020B0604020202020204" pitchFamily="34" charset="0"/>
+              <a:buChar char="•"/>
+            </a:pPr>
+            <a:r>
+              <a:rPr lang="en-SG" b="1" dirty="0">
+                <a:solidFill>
+                  <a:sysClr val="windowText" lastClr="000000"/>
+                </a:solidFill>
+              </a:rPr>
+              <a:t>Social Activeness</a:t>
+            </a:r>
+          </a:p>
+        </p:txBody>
+      </p:sp>
+      <p:sp>
+        <p:nvSpPr>
+          <p:cNvPr id="16" name="Rectangle 15"/>
+          <p:cNvSpPr/>
+          <p:nvPr/>
+        </p:nvSpPr>
+        <p:spPr>
+          <a:xfrm>
+            <a:off x="6287609" y="3234246"/>
+            <a:ext cx="2609012" cy="2766504"/>
+          </a:xfrm>
+          <a:prstGeom prst="rect">
+            <a:avLst/>
+          </a:prstGeom>
+          <a:solidFill>
+            <a:schemeClr val="tx1">
+              <a:lumMod val="65000"/>
+            </a:schemeClr>
+          </a:solidFill>
+        </p:spPr>
+        <p:style>
+          <a:lnRef idx="2">
+            <a:schemeClr val="accent1">
+              <a:shade val="50000"/>
+            </a:schemeClr>
+          </a:lnRef>
+          <a:fillRef idx="1">
+            <a:schemeClr val="accent1"/>
+          </a:fillRef>
+          <a:effectRef idx="0">
+            <a:schemeClr val="accent1"/>
+          </a:effectRef>
+          <a:fontRef idx="minor">
+            <a:schemeClr val="lt1"/>
+          </a:fontRef>
+        </p:style>
+        <p:txBody>
+          <a:bodyPr rtlCol="0" anchor="t"/>
+          <a:lstStyle/>
+          <a:p>
+            <a:pPr marL="257175" indent="-257175">
+              <a:lnSpc>
+                <a:spcPct val="250000"/>
+              </a:lnSpc>
+              <a:buFont typeface="Arial" panose="020B0604020202020204" pitchFamily="34" charset="0"/>
+              <a:buChar char="•"/>
+            </a:pPr>
+            <a:r>
+              <a:rPr lang="en-SG" b="1" dirty="0">
+                <a:solidFill>
+                  <a:sysClr val="windowText" lastClr="000000"/>
+                </a:solidFill>
+              </a:rPr>
+              <a:t>Deploy to </a:t>
+            </a:r>
+            <a:r>
+              <a:rPr lang="en-SG" b="1" dirty="0" err="1">
+                <a:solidFill>
+                  <a:sysClr val="windowText" lastClr="000000"/>
+                </a:solidFill>
+              </a:rPr>
+              <a:t>OpenShift</a:t>
+            </a:r>
+            <a:endParaRPr lang="en-SG" b="1" dirty="0">
+              <a:solidFill>
+                <a:sysClr val="windowText" lastClr="000000"/>
+              </a:solidFill>
+            </a:endParaRPr>
+          </a:p>
+          <a:p>
+            <a:pPr marL="257175" indent="-257175">
+              <a:lnSpc>
+                <a:spcPct val="250000"/>
+              </a:lnSpc>
+              <a:buFont typeface="Arial" panose="020B0604020202020204" pitchFamily="34" charset="0"/>
+              <a:buChar char="•"/>
+            </a:pPr>
+            <a:r>
+              <a:rPr lang="en-SG" b="1" dirty="0">
+                <a:solidFill>
+                  <a:sysClr val="windowText" lastClr="000000"/>
+                </a:solidFill>
+              </a:rPr>
+              <a:t>Seek loopholes</a:t>
+            </a:r>
+          </a:p>
+          <a:p>
+            <a:pPr marL="257175" indent="-257175">
+              <a:lnSpc>
+                <a:spcPct val="250000"/>
+              </a:lnSpc>
+              <a:buFont typeface="Arial" panose="020B0604020202020204" pitchFamily="34" charset="0"/>
+              <a:buChar char="•"/>
+            </a:pPr>
+            <a:r>
+              <a:rPr lang="en-SG" b="1" dirty="0">
+                <a:solidFill>
+                  <a:sysClr val="windowText" lastClr="000000"/>
+                </a:solidFill>
+              </a:rPr>
+              <a:t>Final Presentation</a:t>
+            </a:r>
+          </a:p>
+          <a:p>
+            <a:pPr marL="257175" indent="-257175">
+              <a:lnSpc>
+                <a:spcPct val="250000"/>
+              </a:lnSpc>
+              <a:buFont typeface="Arial" panose="020B0604020202020204" pitchFamily="34" charset="0"/>
+              <a:buChar char="•"/>
+            </a:pPr>
+            <a:r>
+              <a:rPr lang="en-SG" b="1" dirty="0">
+                <a:solidFill>
+                  <a:sysClr val="windowText" lastClr="000000"/>
+                </a:solidFill>
+              </a:rPr>
+              <a:t>Submission</a:t>
+            </a:r>
+          </a:p>
+        </p:txBody>
+      </p:sp>
+      <p:sp>
+        <p:nvSpPr>
+          <p:cNvPr id="17" name="Rectangle 16"/>
+          <p:cNvSpPr/>
+          <p:nvPr/>
+        </p:nvSpPr>
+        <p:spPr>
+          <a:xfrm>
+            <a:off x="3331537" y="3234246"/>
+            <a:ext cx="2609012" cy="2766504"/>
+          </a:xfrm>
+          <a:prstGeom prst="rect">
+            <a:avLst/>
+          </a:prstGeom>
+          <a:solidFill>
+            <a:schemeClr val="tx1">
+              <a:lumMod val="65000"/>
+            </a:schemeClr>
+          </a:solidFill>
+        </p:spPr>
+        <p:style>
+          <a:lnRef idx="2">
+            <a:schemeClr val="accent1">
+              <a:shade val="50000"/>
+            </a:schemeClr>
+          </a:lnRef>
+          <a:fillRef idx="1">
+            <a:schemeClr val="accent1"/>
+          </a:fillRef>
+          <a:effectRef idx="0">
+            <a:schemeClr val="accent1"/>
+          </a:effectRef>
+          <a:fontRef idx="minor">
+            <a:schemeClr val="lt1"/>
+          </a:fontRef>
+        </p:style>
+        <p:txBody>
+          <a:bodyPr rtlCol="0" anchor="t"/>
+          <a:lstStyle/>
+          <a:p>
+            <a:pPr marL="257175" indent="-257175">
+              <a:lnSpc>
+                <a:spcPct val="250000"/>
+              </a:lnSpc>
+              <a:buFont typeface="Arial" panose="020B0604020202020204" pitchFamily="34" charset="0"/>
+              <a:buChar char="•"/>
+            </a:pPr>
+            <a:r>
+              <a:rPr lang="en-SG" b="1" dirty="0">
+                <a:solidFill>
+                  <a:sysClr val="windowText" lastClr="000000"/>
+                </a:solidFill>
+              </a:rPr>
+              <a:t>Test new </a:t>
+            </a:r>
+            <a:r>
+              <a:rPr lang="en-SG" sz="1500" b="1" dirty="0">
+                <a:solidFill>
+                  <a:sysClr val="windowText" lastClr="000000"/>
+                </a:solidFill>
+              </a:rPr>
+              <a:t>‘Test Cases’</a:t>
+            </a:r>
+          </a:p>
+          <a:p>
+            <a:pPr marL="257175" indent="-257175">
+              <a:lnSpc>
+                <a:spcPct val="250000"/>
+              </a:lnSpc>
+              <a:buFont typeface="Arial" panose="020B0604020202020204" pitchFamily="34" charset="0"/>
+              <a:buChar char="•"/>
+            </a:pPr>
+            <a:r>
+              <a:rPr lang="en-SG" b="1" dirty="0">
+                <a:solidFill>
+                  <a:sysClr val="windowText" lastClr="000000"/>
+                </a:solidFill>
+              </a:rPr>
+              <a:t>Buffer</a:t>
+            </a:r>
+          </a:p>
+          <a:p>
+            <a:pPr marL="257175" indent="-257175">
+              <a:lnSpc>
+                <a:spcPct val="250000"/>
+              </a:lnSpc>
+              <a:buFont typeface="Arial" panose="020B0604020202020204" pitchFamily="34" charset="0"/>
+              <a:buChar char="•"/>
+            </a:pPr>
+            <a:r>
+              <a:rPr lang="en-SG" b="1" dirty="0">
+                <a:solidFill>
+                  <a:sysClr val="windowText" lastClr="000000"/>
+                </a:solidFill>
+              </a:rPr>
+              <a:t>Debugging</a:t>
+            </a:r>
+          </a:p>
+        </p:txBody>
+      </p:sp>
+      <p:sp>
+        <p:nvSpPr>
+          <p:cNvPr id="18" name="Title 1"/>
+          <p:cNvSpPr txBox="1">
+            <a:spLocks/>
+          </p:cNvSpPr>
+          <p:nvPr/>
+        </p:nvSpPr>
+        <p:spPr>
+          <a:xfrm>
+            <a:off x="374851" y="708454"/>
+            <a:ext cx="7772400" cy="726991"/>
+          </a:xfrm>
+          <a:prstGeom prst="rect">
+            <a:avLst/>
+          </a:prstGeom>
+        </p:spPr>
+        <p:txBody>
+          <a:bodyPr/>
+          <a:lstStyle>
+            <a:lvl1pPr algn="l" defTabSz="457200" rtl="0" eaLnBrk="1" latinLnBrk="0" hangingPunct="1">
+              <a:spcBef>
+                <a:spcPct val="0"/>
+              </a:spcBef>
+              <a:buNone/>
+              <a:defRPr sz="3200" kern="1200" cap="all">
+                <a:ln w="3175" cmpd="sng">
+                  <a:noFill/>
+                </a:ln>
+                <a:solidFill>
+                  <a:schemeClr val="tx1"/>
+                </a:solidFill>
+                <a:effectLst/>
+                <a:latin typeface="+mj-lt"/>
+                <a:ea typeface="+mj-ea"/>
+                <a:cs typeface="+mj-cs"/>
+              </a:defRPr>
+            </a:lvl1pPr>
+            <a:lvl2pPr eaLnBrk="1" hangingPunct="1">
+              <a:defRPr>
+                <a:solidFill>
+                  <a:schemeClr val="tx2"/>
+                </a:solidFill>
+              </a:defRPr>
+            </a:lvl2pPr>
+            <a:lvl3pPr eaLnBrk="1" hangingPunct="1">
+              <a:defRPr>
+                <a:solidFill>
+                  <a:schemeClr val="tx2"/>
+                </a:solidFill>
+              </a:defRPr>
+            </a:lvl3pPr>
+            <a:lvl4pPr eaLnBrk="1" hangingPunct="1">
+              <a:defRPr>
+                <a:solidFill>
+                  <a:schemeClr val="tx2"/>
+                </a:solidFill>
+              </a:defRPr>
+            </a:lvl4pPr>
+            <a:lvl5pPr eaLnBrk="1" hangingPunct="1">
+              <a:defRPr>
+                <a:solidFill>
+                  <a:schemeClr val="tx2"/>
+                </a:solidFill>
+              </a:defRPr>
+            </a:lvl5pPr>
+            <a:lvl6pPr eaLnBrk="1" hangingPunct="1">
+              <a:defRPr>
+                <a:solidFill>
+                  <a:schemeClr val="tx2"/>
+                </a:solidFill>
+              </a:defRPr>
+            </a:lvl6pPr>
+            <a:lvl7pPr eaLnBrk="1" hangingPunct="1">
+              <a:defRPr>
+                <a:solidFill>
+                  <a:schemeClr val="tx2"/>
+                </a:solidFill>
+              </a:defRPr>
+            </a:lvl7pPr>
+            <a:lvl8pPr eaLnBrk="1" hangingPunct="1">
+              <a:defRPr>
+                <a:solidFill>
+                  <a:schemeClr val="tx2"/>
+                </a:solidFill>
+              </a:defRPr>
+            </a:lvl8pPr>
+            <a:lvl9pPr eaLnBrk="1" hangingPunct="1">
+              <a:defRPr>
+                <a:solidFill>
+                  <a:schemeClr val="tx2"/>
+                </a:solidFill>
+              </a:defRPr>
+            </a:lvl9pPr>
+          </a:lstStyle>
+          <a:p>
+            <a:r>
+              <a:rPr lang="en-GB" dirty="0" smtClean="0"/>
+              <a:t>Where we will go from here</a:t>
+            </a:r>
+            <a:endParaRPr lang="en-GB" dirty="0"/>
+          </a:p>
+        </p:txBody>
+      </p:sp>
+    </p:spTree>
+    <p:extLst>
+      <p:ext uri="{BB962C8B-B14F-4D97-AF65-F5344CB8AC3E}">
+        <p14:creationId xmlns:p14="http://schemas.microsoft.com/office/powerpoint/2010/main" val="1698242771"/>
+      </p:ext>
+    </p:extLst>
+  </p:cSld>
+  <p:clrMapOvr>
+    <a:masterClrMapping/>
+  </p:clrMapOvr>
+  <mc:AlternateContent xmlns:mc="http://schemas.openxmlformats.org/markup-compatibility/2006" xmlns:p14="http://schemas.microsoft.com/office/powerpoint/2010/main">
+    <mc:Choice Requires="p14">
+      <p:transition p14:dur="0"/>
+    </mc:Choice>
+    <mc:Fallback xmlns="">
+      <p:transition/>
+    </mc:Fallback>
+  </mc:AlternateContent>
+  <p:timing>
+    <p:tnLst>
+      <p:par>
+        <p:cTn id="1" dur="indefinite" restart="never" nodeType="tmRoot"/>
+      </p:par>
+    </p:tnLst>
+  </p:timing>
+</p:sld>
+</file>
+
+<file path=ppt/slides/slide42.xml><?xml version="1.0" encoding="utf-8"?>
 <p:sld xmlns:a="http://schemas.openxmlformats.org/drawingml/2006/main" xmlns:r="http://schemas.openxmlformats.org/officeDocument/2006/relationships" xmlns:p="http://schemas.openxmlformats.org/presentationml/2006/main">
   <p:cSld>
     <p:spTree>
@@ -30622,25 +33975,8 @@
             </a:pPr>
             <a:r>
               <a:rPr lang="en-SG" dirty="0"/>
-              <a:t>Week </a:t>
-            </a:r>
-            <a:r>
-              <a:rPr lang="en-SG" dirty="0"/>
-              <a:t>11[Iteration 5] : </a:t>
-            </a:r>
-            <a:r>
-              <a:rPr lang="en-SG" dirty="0"/>
-              <a:t>Application </a:t>
-            </a:r>
-            <a:r>
-              <a:rPr lang="en-SG" dirty="0"/>
-              <a:t>ready for  </a:t>
-            </a:r>
-            <a:r>
-              <a:rPr lang="en-SG" dirty="0"/>
-              <a:t>UAT</a:t>
-            </a:r>
-            <a:endParaRPr lang="en-SG" dirty="0"/>
+              <a:t>Week 11[Iteration 5] : Application ready for  UAT</a:t>
+            </a:r>
           </a:p>
         </p:txBody>
       </p:sp>
@@ -31089,11 +34425,11 @@
   <p:clrMapOvr>
     <a:masterClrMapping/>
   </p:clrMapOvr>
-  <mc:AlternateContent xmlns:mc="http://schemas.openxmlformats.org/markup-compatibility/2006">
-    <mc:Choice xmlns:p14="http://schemas.microsoft.com/office/powerpoint/2010/main" Requires="p14">
+  <mc:AlternateContent xmlns:mc="http://schemas.openxmlformats.org/markup-compatibility/2006" xmlns:p14="http://schemas.microsoft.com/office/powerpoint/2010/main">
+    <mc:Choice Requires="p14">
       <p:transition p14:dur="0"/>
     </mc:Choice>
-    <mc:Fallback>
+    <mc:Fallback xmlns="">
       <p:transition/>
     </mc:Fallback>
   </mc:AlternateContent>
@@ -31445,23 +34781,7 @@
                   <a:sysClr val="windowText" lastClr="000000"/>
                 </a:solidFill>
               </a:rPr>
-              <a:t>28/8/2015 </a:t>
-            </a:r>
-            <a:r>
-              <a:rPr lang="en-SG" sz="2100" dirty="0">
-                <a:solidFill>
-                  <a:sysClr val="windowText" lastClr="000000"/>
-                </a:solidFill>
-              </a:rPr>
-              <a:t> </a:t>
-            </a:r>
-            <a:r>
-              <a:rPr lang="en-SG" sz="2100" dirty="0">
-                <a:solidFill>
-                  <a:sysClr val="windowText" lastClr="000000"/>
-                </a:solidFill>
-              </a:rPr>
-              <a:t>12/9/2015 </a:t>
+              <a:t>28/8/2015  12/9/2015 </a:t>
             </a:r>
           </a:p>
         </p:txBody>
@@ -31549,11 +34869,6 @@
               </a:rPr>
               <a:t>25/09/2015</a:t>
             </a:r>
-            <a:endParaRPr lang="en-SG" sz="2100" dirty="0">
-              <a:solidFill>
-                <a:sysClr val="windowText" lastClr="000000"/>
-              </a:solidFill>
-            </a:endParaRPr>
           </a:p>
           <a:p>
             <a:pPr algn="ctr">
@@ -31646,11 +34961,6 @@
               </a:rPr>
               <a:t>09/10/2015</a:t>
             </a:r>
-            <a:endParaRPr lang="en-SG" sz="2100" dirty="0">
-              <a:solidFill>
-                <a:sysClr val="windowText" lastClr="000000"/>
-              </a:solidFill>
-            </a:endParaRPr>
           </a:p>
         </p:txBody>
       </p:sp>
@@ -31709,11 +35019,6 @@
               </a:rPr>
               <a:t>Project Planning</a:t>
             </a:r>
-            <a:endParaRPr lang="en-SG" b="1" dirty="0">
-              <a:solidFill>
-                <a:sysClr val="windowText" lastClr="000000"/>
-              </a:solidFill>
-            </a:endParaRPr>
           </a:p>
           <a:p>
             <a:pPr marL="257175" indent="-257175">
@@ -31746,21 +35051,8 @@
                   <a:sysClr val="windowText" lastClr="000000"/>
                 </a:solidFill>
               </a:rPr>
-              <a:t>Use </a:t>
-            </a:r>
-            <a:r>
-              <a:rPr lang="en-SG" b="1" dirty="0">
-                <a:solidFill>
-                  <a:sysClr val="windowText" lastClr="000000"/>
-                </a:solidFill>
-              </a:rPr>
-              <a:t>Case Diagram</a:t>
-            </a:r>
-            <a:endParaRPr lang="en-SG" b="1" dirty="0">
-              <a:solidFill>
-                <a:sysClr val="windowText" lastClr="000000"/>
-              </a:solidFill>
-            </a:endParaRPr>
+              <a:t>Use Case Diagram</a:t>
+            </a:r>
           </a:p>
           <a:p>
             <a:pPr marL="257175" indent="-257175">
@@ -31836,11 +35128,6 @@
               </a:rPr>
               <a:t>Delete Location</a:t>
             </a:r>
-            <a:endParaRPr lang="en-SG" sz="1500" b="1" dirty="0">
-              <a:solidFill>
-                <a:sysClr val="windowText" lastClr="000000"/>
-              </a:solidFill>
-            </a:endParaRPr>
           </a:p>
           <a:p>
             <a:pPr marL="257175" indent="-257175">
@@ -31909,11 +35196,6 @@
               </a:rPr>
               <a:t>Sequence Diagram</a:t>
             </a:r>
-            <a:endParaRPr lang="en-SG" sz="1500" b="1" dirty="0">
-              <a:solidFill>
-                <a:sysClr val="windowText" lastClr="000000"/>
-              </a:solidFill>
-            </a:endParaRPr>
           </a:p>
         </p:txBody>
       </p:sp>
@@ -31989,11 +35271,6 @@
               </a:rPr>
               <a:t>Class Diagram</a:t>
             </a:r>
-            <a:endParaRPr lang="en-SG" b="1" dirty="0">
-              <a:solidFill>
-                <a:sysClr val="windowText" lastClr="000000"/>
-              </a:solidFill>
-            </a:endParaRPr>
           </a:p>
           <a:p>
             <a:pPr marL="257175" indent="-257175">
@@ -32128,11 +35405,11 @@
   <p:clrMapOvr>
     <a:masterClrMapping/>
   </p:clrMapOvr>
-  <mc:AlternateContent xmlns:mc="http://schemas.openxmlformats.org/markup-compatibility/2006">
-    <mc:Choice xmlns:p14="http://schemas.microsoft.com/office/powerpoint/2010/main" Requires="p14">
+  <mc:AlternateContent xmlns:mc="http://schemas.openxmlformats.org/markup-compatibility/2006" xmlns:p14="http://schemas.microsoft.com/office/powerpoint/2010/main">
+    <mc:Choice Requires="p14">
       <p:transition p14:dur="0"/>
     </mc:Choice>
-    <mc:Fallback>
+    <mc:Fallback xmlns="">
       <p:transition/>
     </mc:Fallback>
   </mc:AlternateContent>
@@ -32238,11 +35515,6 @@
               </a:rPr>
               <a:t>23/10/2015</a:t>
             </a:r>
-            <a:endParaRPr lang="en-SG" sz="2100" dirty="0">
-              <a:solidFill>
-                <a:sysClr val="windowText" lastClr="000000"/>
-              </a:solidFill>
-            </a:endParaRPr>
           </a:p>
         </p:txBody>
       </p:sp>
@@ -32510,21 +35782,8 @@
                   <a:sysClr val="windowText" lastClr="000000"/>
                 </a:solidFill>
               </a:rPr>
-              <a:t>Social </a:t>
-            </a:r>
-            <a:r>
-              <a:rPr lang="en-SG" b="1" dirty="0">
-                <a:solidFill>
-                  <a:sysClr val="windowText" lastClr="000000"/>
-                </a:solidFill>
-              </a:rPr>
-              <a:t>Activeness</a:t>
-            </a:r>
-            <a:endParaRPr lang="en-SG" b="1" dirty="0">
-              <a:solidFill>
-                <a:sysClr val="windowText" lastClr="000000"/>
-              </a:solidFill>
-            </a:endParaRPr>
+              <a:t>Social Activeness</a:t>
+            </a:r>
           </a:p>
         </p:txBody>
       </p:sp>
@@ -32581,15 +35840,7 @@
                   <a:sysClr val="windowText" lastClr="000000"/>
                 </a:solidFill>
               </a:rPr>
-              <a:t>Deploy </a:t>
-            </a:r>
-            <a:r>
-              <a:rPr lang="en-SG" b="1" dirty="0">
-                <a:solidFill>
-                  <a:sysClr val="windowText" lastClr="000000"/>
-                </a:solidFill>
-              </a:rPr>
-              <a:t>to </a:t>
+              <a:t>Deploy to </a:t>
             </a:r>
             <a:r>
               <a:rPr lang="en-SG" b="1" dirty="0" err="1">
@@ -32619,15 +35870,7 @@
                   <a:sysClr val="windowText" lastClr="000000"/>
                 </a:solidFill>
               </a:rPr>
-              <a:t>Seek </a:t>
-            </a:r>
-            <a:r>
-              <a:rPr lang="en-SG" b="1" dirty="0">
-                <a:solidFill>
-                  <a:sysClr val="windowText" lastClr="000000"/>
-                </a:solidFill>
-              </a:rPr>
-              <a:t>loopholes</a:t>
+              <a:t>Seek loopholes</a:t>
             </a:r>
           </a:p>
           <a:p>
@@ -32663,11 +35906,6 @@
               </a:rPr>
               <a:t>Submission</a:t>
             </a:r>
-            <a:endParaRPr lang="en-SG" b="1" dirty="0">
-              <a:solidFill>
-                <a:sysClr val="windowText" lastClr="000000"/>
-              </a:solidFill>
-            </a:endParaRPr>
           </a:p>
         </p:txBody>
       </p:sp>
@@ -32734,11 +35972,6 @@
               </a:rPr>
               <a:t>‘Test Cases’</a:t>
             </a:r>
-            <a:endParaRPr lang="en-SG" sz="1500" b="1" dirty="0">
-              <a:solidFill>
-                <a:sysClr val="windowText" lastClr="000000"/>
-              </a:solidFill>
-            </a:endParaRPr>
           </a:p>
           <a:p>
             <a:pPr marL="257175" indent="-257175">
@@ -32890,11 +36123,11 @@
   <p:clrMapOvr>
     <a:masterClrMapping/>
   </p:clrMapOvr>
-  <mc:AlternateContent xmlns:mc="http://schemas.openxmlformats.org/markup-compatibility/2006">
-    <mc:Choice xmlns:p14="http://schemas.microsoft.com/office/powerpoint/2010/main" Requires="p14">
+  <mc:AlternateContent xmlns:mc="http://schemas.openxmlformats.org/markup-compatibility/2006" xmlns:p14="http://schemas.microsoft.com/office/powerpoint/2010/main">
+    <mc:Choice Requires="p14">
       <p:transition p14:dur="0"/>
     </mc:Choice>
-    <mc:Fallback>
+    <mc:Fallback xmlns="">
       <p:transition/>
     </mc:Fallback>
   </mc:AlternateContent>
@@ -33320,11 +36553,7 @@
           <a:p>
             <a:r>
               <a:rPr lang="en-GB" dirty="0" smtClean="0"/>
-              <a:t>Iteration schedule (</a:t>
-            </a:r>
-            <a:r>
-              <a:rPr lang="en-GB" dirty="0" smtClean="0"/>
-              <a:t>Current Part 1)</a:t>
+              <a:t>Iteration schedule (Current Part 1)</a:t>
             </a:r>
             <a:endParaRPr lang="en-GB" dirty="0"/>
           </a:p>

--- a/presentations/Supervisor Review (week 9).pptx
+++ b/presentations/Supervisor Review (week 9).pptx
@@ -1339,458 +1339,6 @@
       <dsp:cNvGrpSpPr/>
     </dsp:nvGrpSpPr>
     <dsp:grpSpPr/>
-    <dsp:sp modelId="{46493B48-584D-4D4C-AEED-5D2CAE766105}">
-      <dsp:nvSpPr>
-        <dsp:cNvPr id="0" name=""/>
-        <dsp:cNvSpPr/>
-      </dsp:nvSpPr>
-      <dsp:spPr>
-        <a:xfrm>
-          <a:off x="3108960" y="0"/>
-          <a:ext cx="4663440" cy="1737509"/>
-        </a:xfrm>
-        <a:prstGeom prst="rightArrow">
-          <a:avLst>
-            <a:gd name="adj1" fmla="val 75000"/>
-            <a:gd name="adj2" fmla="val 50000"/>
-          </a:avLst>
-        </a:prstGeom>
-        <a:solidFill>
-          <a:schemeClr val="accent1">
-            <a:alpha val="90000"/>
-            <a:tint val="40000"/>
-            <a:hueOff val="0"/>
-            <a:satOff val="0"/>
-            <a:lumOff val="0"/>
-            <a:alphaOff val="0"/>
-          </a:schemeClr>
-        </a:solidFill>
-        <a:ln w="19050" cap="rnd" cmpd="sng" algn="ctr">
-          <a:solidFill>
-            <a:schemeClr val="accent1">
-              <a:alpha val="90000"/>
-              <a:tint val="40000"/>
-              <a:hueOff val="0"/>
-              <a:satOff val="0"/>
-              <a:lumOff val="0"/>
-              <a:alphaOff val="0"/>
-            </a:schemeClr>
-          </a:solidFill>
-          <a:prstDash val="solid"/>
-        </a:ln>
-        <a:effectLst/>
-      </dsp:spPr>
-      <dsp:style>
-        <a:lnRef idx="2">
-          <a:scrgbClr r="0" g="0" b="0"/>
-        </a:lnRef>
-        <a:fillRef idx="1">
-          <a:scrgbClr r="0" g="0" b="0"/>
-        </a:fillRef>
-        <a:effectRef idx="0">
-          <a:scrgbClr r="0" g="0" b="0"/>
-        </a:effectRef>
-        <a:fontRef idx="minor"/>
-      </dsp:style>
-      <dsp:txBody>
-        <a:bodyPr spcFirstLastPara="0" vert="horz" wrap="square" lIns="12700" tIns="12700" rIns="12700" bIns="12700" numCol="1" spcCol="1270" anchor="t" anchorCtr="0">
-          <a:noAutofit/>
-        </a:bodyPr>
-        <a:lstStyle/>
-        <a:p>
-          <a:pPr marL="228600" lvl="1" indent="-228600" algn="l" defTabSz="889000">
-            <a:lnSpc>
-              <a:spcPct val="90000"/>
-            </a:lnSpc>
-            <a:spcBef>
-              <a:spcPct val="0"/>
-            </a:spcBef>
-            <a:spcAft>
-              <a:spcPct val="15000"/>
-            </a:spcAft>
-            <a:buChar char="••"/>
-          </a:pPr>
-          <a:r>
-            <a:rPr lang="en-GB" sz="2000" kern="1200" dirty="0" smtClean="0"/>
-            <a:t>Basic App Report</a:t>
-          </a:r>
-          <a:br>
-            <a:rPr lang="en-GB" sz="2000" kern="1200" dirty="0" smtClean="0"/>
-          </a:br>
-          <a:r>
-            <a:rPr lang="en-GB" sz="2000" kern="1200" dirty="0" smtClean="0"/>
-            <a:t>(Week 1 of Iteration, 15/10 – 17/10)</a:t>
-          </a:r>
-          <a:endParaRPr lang="en-GB" sz="2000" kern="1200" dirty="0"/>
-        </a:p>
-        <a:p>
-          <a:pPr marL="228600" lvl="1" indent="-228600" algn="l" defTabSz="889000">
-            <a:lnSpc>
-              <a:spcPct val="90000"/>
-            </a:lnSpc>
-            <a:spcBef>
-              <a:spcPct val="0"/>
-            </a:spcBef>
-            <a:spcAft>
-              <a:spcPct val="15000"/>
-            </a:spcAft>
-            <a:buChar char="••"/>
-          </a:pPr>
-          <a:r>
-            <a:rPr lang="en-GB" sz="2000" kern="1200" dirty="0" smtClean="0"/>
-            <a:t>Social Activeness</a:t>
-          </a:r>
-          <a:br>
-            <a:rPr lang="en-GB" sz="2000" kern="1200" dirty="0" smtClean="0"/>
-          </a:br>
-          <a:r>
-            <a:rPr lang="en-GB" sz="2000" kern="1200" dirty="0" smtClean="0"/>
-            <a:t>(Week 2 of Iteration, 22/10 – 23/10)</a:t>
-          </a:r>
-          <a:endParaRPr lang="en-GB" sz="2000" kern="1200" dirty="0"/>
-        </a:p>
-      </dsp:txBody>
-      <dsp:txXfrm>
-        <a:off x="3108960" y="217189"/>
-        <a:ext cx="4011874" cy="1303131"/>
-      </dsp:txXfrm>
-    </dsp:sp>
-    <dsp:sp modelId="{6D57C231-7D24-419B-AD0F-88A0034271E6}">
-      <dsp:nvSpPr>
-        <dsp:cNvPr id="0" name=""/>
-        <dsp:cNvSpPr/>
-      </dsp:nvSpPr>
-      <dsp:spPr>
-        <a:xfrm>
-          <a:off x="0" y="445"/>
-          <a:ext cx="3108960" cy="1737509"/>
-        </a:xfrm>
-        <a:prstGeom prst="roundRect">
-          <a:avLst/>
-        </a:prstGeom>
-        <a:solidFill>
-          <a:srgbClr val="FF0000"/>
-        </a:solidFill>
-        <a:ln w="19050" cap="rnd" cmpd="sng" algn="ctr">
-          <a:solidFill>
-            <a:schemeClr val="lt1">
-              <a:hueOff val="0"/>
-              <a:satOff val="0"/>
-              <a:lumOff val="0"/>
-              <a:alphaOff val="0"/>
-            </a:schemeClr>
-          </a:solidFill>
-          <a:prstDash val="solid"/>
-        </a:ln>
-        <a:effectLst/>
-      </dsp:spPr>
-      <dsp:style>
-        <a:lnRef idx="2">
-          <a:scrgbClr r="0" g="0" b="0"/>
-        </a:lnRef>
-        <a:fillRef idx="1">
-          <a:scrgbClr r="0" g="0" b="0"/>
-        </a:fillRef>
-        <a:effectRef idx="0">
-          <a:scrgbClr r="0" g="0" b="0"/>
-        </a:effectRef>
-        <a:fontRef idx="minor">
-          <a:schemeClr val="lt1"/>
-        </a:fontRef>
-      </dsp:style>
-      <dsp:txBody>
-        <a:bodyPr spcFirstLastPara="0" vert="horz" wrap="square" lIns="102870" tIns="51435" rIns="102870" bIns="51435" numCol="1" spcCol="1270" anchor="ctr" anchorCtr="0">
-          <a:noAutofit/>
-        </a:bodyPr>
-        <a:lstStyle/>
-        <a:p>
-          <a:pPr lvl="0" algn="ctr" defTabSz="1200150">
-            <a:lnSpc>
-              <a:spcPct val="90000"/>
-            </a:lnSpc>
-            <a:spcBef>
-              <a:spcPct val="0"/>
-            </a:spcBef>
-            <a:spcAft>
-              <a:spcPct val="35000"/>
-            </a:spcAft>
-          </a:pPr>
-          <a:r>
-            <a:rPr lang="en-GB" sz="2700" kern="1200" dirty="0" smtClean="0"/>
-            <a:t>Pair 1:</a:t>
-          </a:r>
-        </a:p>
-        <a:p>
-          <a:pPr lvl="0" algn="ctr" defTabSz="1200150">
-            <a:lnSpc>
-              <a:spcPct val="90000"/>
-            </a:lnSpc>
-            <a:spcBef>
-              <a:spcPct val="0"/>
-            </a:spcBef>
-            <a:spcAft>
-              <a:spcPct val="35000"/>
-            </a:spcAft>
-          </a:pPr>
-          <a:r>
-            <a:rPr lang="en-GB" sz="2700" kern="1200" dirty="0" smtClean="0"/>
-            <a:t>Jeremy Ong</a:t>
-          </a:r>
-        </a:p>
-        <a:p>
-          <a:pPr lvl="0" algn="ctr" defTabSz="1200150">
-            <a:lnSpc>
-              <a:spcPct val="90000"/>
-            </a:lnSpc>
-            <a:spcBef>
-              <a:spcPct val="0"/>
-            </a:spcBef>
-            <a:spcAft>
-              <a:spcPct val="35000"/>
-            </a:spcAft>
-          </a:pPr>
-          <a:r>
-            <a:rPr lang="en-GB" sz="2700" kern="1200" dirty="0" smtClean="0"/>
-            <a:t>Tan </a:t>
-          </a:r>
-          <a:r>
-            <a:rPr lang="en-GB" sz="2700" kern="1200" dirty="0" err="1" smtClean="0"/>
-            <a:t>Zhi</a:t>
-          </a:r>
-          <a:r>
-            <a:rPr lang="en-GB" sz="2700" kern="1200" dirty="0" smtClean="0"/>
-            <a:t> Hui</a:t>
-          </a:r>
-          <a:endParaRPr lang="en-GB" sz="2700" kern="1200" dirty="0"/>
-        </a:p>
-      </dsp:txBody>
-      <dsp:txXfrm>
-        <a:off x="84818" y="85263"/>
-        <a:ext cx="2939324" cy="1567873"/>
-      </dsp:txXfrm>
-    </dsp:sp>
-    <dsp:sp modelId="{71323EE6-2ECB-4D46-AC56-3788E530B02E}">
-      <dsp:nvSpPr>
-        <dsp:cNvPr id="0" name=""/>
-        <dsp:cNvSpPr/>
-      </dsp:nvSpPr>
-      <dsp:spPr>
-        <a:xfrm>
-          <a:off x="3108960" y="1911706"/>
-          <a:ext cx="4663440" cy="1737509"/>
-        </a:xfrm>
-        <a:prstGeom prst="rightArrow">
-          <a:avLst>
-            <a:gd name="adj1" fmla="val 75000"/>
-            <a:gd name="adj2" fmla="val 50000"/>
-          </a:avLst>
-        </a:prstGeom>
-        <a:solidFill>
-          <a:schemeClr val="accent1">
-            <a:alpha val="90000"/>
-            <a:tint val="40000"/>
-            <a:hueOff val="0"/>
-            <a:satOff val="0"/>
-            <a:lumOff val="0"/>
-            <a:alphaOff val="0"/>
-          </a:schemeClr>
-        </a:solidFill>
-        <a:ln w="19050" cap="rnd" cmpd="sng" algn="ctr">
-          <a:solidFill>
-            <a:schemeClr val="accent1">
-              <a:alpha val="90000"/>
-              <a:tint val="40000"/>
-              <a:hueOff val="0"/>
-              <a:satOff val="0"/>
-              <a:lumOff val="0"/>
-              <a:alphaOff val="0"/>
-            </a:schemeClr>
-          </a:solidFill>
-          <a:prstDash val="solid"/>
-        </a:ln>
-        <a:effectLst/>
-      </dsp:spPr>
-      <dsp:style>
-        <a:lnRef idx="2">
-          <a:scrgbClr r="0" g="0" b="0"/>
-        </a:lnRef>
-        <a:fillRef idx="1">
-          <a:scrgbClr r="0" g="0" b="0"/>
-        </a:fillRef>
-        <a:effectRef idx="0">
-          <a:scrgbClr r="0" g="0" b="0"/>
-        </a:effectRef>
-        <a:fontRef idx="minor"/>
-      </dsp:style>
-      <dsp:txBody>
-        <a:bodyPr spcFirstLastPara="0" vert="horz" wrap="square" lIns="12700" tIns="12700" rIns="12700" bIns="12700" numCol="1" spcCol="1270" anchor="t" anchorCtr="0">
-          <a:noAutofit/>
-        </a:bodyPr>
-        <a:lstStyle/>
-        <a:p>
-          <a:pPr marL="228600" lvl="1" indent="-228600" algn="l" defTabSz="889000">
-            <a:lnSpc>
-              <a:spcPct val="90000"/>
-            </a:lnSpc>
-            <a:spcBef>
-              <a:spcPct val="0"/>
-            </a:spcBef>
-            <a:spcAft>
-              <a:spcPct val="15000"/>
-            </a:spcAft>
-            <a:buChar char="••"/>
-          </a:pPr>
-          <a:r>
-            <a:rPr lang="en-GB" sz="2000" kern="1200" dirty="0" smtClean="0"/>
-            <a:t>Smartphone overuse</a:t>
-          </a:r>
-          <a:br>
-            <a:rPr lang="en-GB" sz="2000" kern="1200" dirty="0" smtClean="0"/>
-          </a:br>
-          <a:r>
-            <a:rPr lang="en-GB" sz="2000" kern="1200" dirty="0" smtClean="0"/>
-            <a:t>(Week 1 of Iteration, 12/10 – 13/10)</a:t>
-          </a:r>
-          <a:endParaRPr lang="en-GB" sz="2000" kern="1200" dirty="0"/>
-        </a:p>
-        <a:p>
-          <a:pPr marL="228600" lvl="1" indent="-228600" algn="l" defTabSz="889000">
-            <a:lnSpc>
-              <a:spcPct val="90000"/>
-            </a:lnSpc>
-            <a:spcBef>
-              <a:spcPct val="0"/>
-            </a:spcBef>
-            <a:spcAft>
-              <a:spcPct val="15000"/>
-            </a:spcAft>
-            <a:buChar char="••"/>
-          </a:pPr>
-          <a:r>
-            <a:rPr lang="en-GB" sz="2000" kern="1200" dirty="0" smtClean="0"/>
-            <a:t>Top-K Report</a:t>
-          </a:r>
-          <a:br>
-            <a:rPr lang="en-GB" sz="2000" kern="1200" dirty="0" smtClean="0"/>
-          </a:br>
-          <a:r>
-            <a:rPr lang="en-GB" sz="2000" kern="1200" dirty="0" smtClean="0"/>
-            <a:t>(Week 2 of Iteration, 17/10 – 23/10)</a:t>
-          </a:r>
-          <a:endParaRPr lang="en-GB" sz="2000" kern="1200" dirty="0"/>
-        </a:p>
-      </dsp:txBody>
-      <dsp:txXfrm>
-        <a:off x="3108960" y="2128895"/>
-        <a:ext cx="4011874" cy="1303131"/>
-      </dsp:txXfrm>
-    </dsp:sp>
-    <dsp:sp modelId="{BD3E2191-A1A4-42B3-B582-4EB16DE935F1}">
-      <dsp:nvSpPr>
-        <dsp:cNvPr id="0" name=""/>
-        <dsp:cNvSpPr/>
-      </dsp:nvSpPr>
-      <dsp:spPr>
-        <a:xfrm>
-          <a:off x="0" y="1911706"/>
-          <a:ext cx="3108960" cy="1737509"/>
-        </a:xfrm>
-        <a:prstGeom prst="roundRect">
-          <a:avLst/>
-        </a:prstGeom>
-        <a:solidFill>
-          <a:srgbClr val="FF0000"/>
-        </a:solidFill>
-        <a:ln w="19050" cap="rnd" cmpd="sng" algn="ctr">
-          <a:solidFill>
-            <a:schemeClr val="lt1">
-              <a:hueOff val="0"/>
-              <a:satOff val="0"/>
-              <a:lumOff val="0"/>
-              <a:alphaOff val="0"/>
-            </a:schemeClr>
-          </a:solidFill>
-          <a:prstDash val="solid"/>
-        </a:ln>
-        <a:effectLst/>
-      </dsp:spPr>
-      <dsp:style>
-        <a:lnRef idx="2">
-          <a:scrgbClr r="0" g="0" b="0"/>
-        </a:lnRef>
-        <a:fillRef idx="1">
-          <a:scrgbClr r="0" g="0" b="0"/>
-        </a:fillRef>
-        <a:effectRef idx="0">
-          <a:scrgbClr r="0" g="0" b="0"/>
-        </a:effectRef>
-        <a:fontRef idx="minor">
-          <a:schemeClr val="lt1"/>
-        </a:fontRef>
-      </dsp:style>
-      <dsp:txBody>
-        <a:bodyPr spcFirstLastPara="0" vert="horz" wrap="square" lIns="102870" tIns="51435" rIns="102870" bIns="51435" numCol="1" spcCol="1270" anchor="ctr" anchorCtr="0">
-          <a:noAutofit/>
-        </a:bodyPr>
-        <a:lstStyle/>
-        <a:p>
-          <a:pPr lvl="0" algn="ctr" defTabSz="1200150">
-            <a:lnSpc>
-              <a:spcPct val="90000"/>
-            </a:lnSpc>
-            <a:spcBef>
-              <a:spcPct val="0"/>
-            </a:spcBef>
-            <a:spcAft>
-              <a:spcPct val="35000"/>
-            </a:spcAft>
-          </a:pPr>
-          <a:r>
-            <a:rPr lang="en-GB" sz="2700" kern="1200" dirty="0" smtClean="0"/>
-            <a:t>Pair 2:</a:t>
-          </a:r>
-        </a:p>
-        <a:p>
-          <a:pPr lvl="0" algn="ctr" defTabSz="1200150">
-            <a:lnSpc>
-              <a:spcPct val="90000"/>
-            </a:lnSpc>
-            <a:spcBef>
-              <a:spcPct val="0"/>
-            </a:spcBef>
-            <a:spcAft>
-              <a:spcPct val="35000"/>
-            </a:spcAft>
-          </a:pPr>
-          <a:r>
-            <a:rPr lang="en-GB" sz="2700" kern="1200" dirty="0" smtClean="0"/>
-            <a:t>Yee Shu Wen</a:t>
-          </a:r>
-        </a:p>
-        <a:p>
-          <a:pPr lvl="0" algn="ctr" defTabSz="1200150">
-            <a:lnSpc>
-              <a:spcPct val="90000"/>
-            </a:lnSpc>
-            <a:spcBef>
-              <a:spcPct val="0"/>
-            </a:spcBef>
-            <a:spcAft>
-              <a:spcPct val="35000"/>
-            </a:spcAft>
-          </a:pPr>
-          <a:r>
-            <a:rPr lang="en-GB" sz="2700" kern="1200" dirty="0" err="1" smtClean="0"/>
-            <a:t>Nabilah</a:t>
-          </a:r>
-          <a:endParaRPr lang="en-GB" sz="2700" kern="1200" dirty="0"/>
-        </a:p>
-      </dsp:txBody>
-      <dsp:txXfrm>
-        <a:off x="84818" y="1996524"/>
-        <a:ext cx="2939324" cy="1567873"/>
-      </dsp:txXfrm>
-    </dsp:sp>
   </dsp:spTree>
 </dsp:drawing>
 </file>
@@ -24274,8 +23822,8 @@
         </p:nvSpPr>
         <p:spPr>
           <a:xfrm>
-            <a:off x="1385766" y="2662782"/>
-            <a:ext cx="1678665" cy="1862048"/>
+            <a:off x="1759266" y="2662782"/>
+            <a:ext cx="931665" cy="1862048"/>
           </a:xfrm>
           <a:prstGeom prst="rect">
             <a:avLst/>
@@ -24298,7 +23846,7 @@
                   <a:srgbClr val="FF0000"/>
                 </a:solidFill>
               </a:rPr>
-              <a:t>11</a:t>
+              <a:t>5</a:t>
             </a:r>
             <a:endParaRPr lang="en-US" sz="2000" b="0" cap="none" spc="0" dirty="0">
               <a:ln w="76200">
@@ -24320,8 +23868,8 @@
         </p:nvSpPr>
         <p:spPr>
           <a:xfrm>
-            <a:off x="514348" y="4409528"/>
-            <a:ext cx="3254977" cy="1200329"/>
+            <a:off x="181977" y="4401291"/>
+            <a:ext cx="3943377" cy="1200329"/>
           </a:xfrm>
           <a:prstGeom prst="rect">
             <a:avLst/>
@@ -24351,7 +23899,7 @@
                   </a:innerShdw>
                 </a:effectLst>
               </a:rPr>
-              <a:t>CRITICAL. Stop and Review.</a:t>
+              <a:t>Fix during planned debugging</a:t>
             </a:r>
             <a:endParaRPr lang="en-US" sz="3600" b="1" u="sng" spc="50" dirty="0">
               <a:ln w="0"/>
@@ -24817,12 +24365,12 @@
                     <a:p>
                       <a:pPr algn="l" fontAlgn="b"/>
                       <a:r>
-                        <a:rPr lang="en-GB" sz="1200" u="none" strike="noStrike">
+                        <a:rPr lang="en-GB" sz="1200" u="none" strike="noStrike" dirty="0">
                           <a:effectLst/>
                         </a:rPr>
                         <a:t>Issue</a:t>
                       </a:r>
-                      <a:endParaRPr lang="en-GB" sz="1200" b="1" i="0" u="none" strike="noStrike">
+                      <a:endParaRPr lang="en-GB" sz="1200" b="1" i="0" u="none" strike="noStrike" dirty="0">
                         <a:solidFill>
                           <a:srgbClr val="000000"/>
                         </a:solidFill>
@@ -26444,12 +25992,12 @@
                     <a:p>
                       <a:pPr algn="l" fontAlgn="b"/>
                       <a:r>
-                        <a:rPr lang="en-GB" sz="1200" u="none" strike="noStrike">
+                        <a:rPr lang="en-GB" sz="1200" u="none" strike="noStrike" dirty="0">
                           <a:effectLst/>
                         </a:rPr>
                         <a:t>N</a:t>
                       </a:r>
-                      <a:endParaRPr lang="en-GB" sz="1200" b="0" i="0" u="none" strike="noStrike">
+                      <a:endParaRPr lang="en-GB" sz="1200" b="0" i="0" u="none" strike="noStrike" dirty="0">
                         <a:solidFill>
                           <a:srgbClr val="000000"/>
                         </a:solidFill>
@@ -26915,7 +26463,7 @@
             <p:ph idx="1"/>
             <p:extLst>
               <p:ext uri="{D42A27DB-BD31-4B8C-83A1-F6EECF244321}">
-                <p14:modId xmlns:p14="http://schemas.microsoft.com/office/powerpoint/2010/main" val="917184298"/>
+                <p14:modId xmlns:p14="http://schemas.microsoft.com/office/powerpoint/2010/main" val="3689795598"/>
               </p:ext>
             </p:extLst>
           </p:nvPr>
@@ -26947,12 +26495,12 @@
                     <a:p>
                       <a:pPr algn="r" fontAlgn="b"/>
                       <a:r>
-                        <a:rPr lang="en-GB" sz="1000" u="none" strike="noStrike">
+                        <a:rPr lang="en-GB" sz="1000" u="none" strike="noStrike" dirty="0">
                           <a:effectLst/>
                         </a:rPr>
                         <a:t>11</a:t>
                       </a:r>
-                      <a:endParaRPr lang="en-GB" sz="1000" b="0" i="0" u="none" strike="noStrike">
+                      <a:endParaRPr lang="en-GB" sz="1000" b="0" i="0" u="none" strike="noStrike" dirty="0">
                         <a:solidFill>
                           <a:srgbClr val="000000"/>
                         </a:solidFill>
@@ -27900,12 +27448,16 @@
                     <a:p>
                       <a:pPr algn="l" fontAlgn="b"/>
                       <a:r>
-                        <a:rPr lang="en-GB" sz="1000" u="none" strike="noStrike">
+                        <a:rPr lang="en-US" sz="1000" b="0" i="0" u="none" strike="noStrike" dirty="0" smtClean="0">
+                          <a:solidFill>
+                            <a:schemeClr val="dk1"/>
+                          </a:solidFill>
                           <a:effectLst/>
+                          <a:latin typeface="+mn-lt"/>
                         </a:rPr>
-                        <a:t>N</a:t>
+                        <a:t>Y</a:t>
                       </a:r>
-                      <a:endParaRPr lang="en-GB" sz="1000" b="0" i="0" u="none" strike="noStrike">
+                      <a:endParaRPr lang="en-GB" sz="1000" b="0" i="0" u="none" strike="noStrike" dirty="0">
                         <a:solidFill>
                           <a:srgbClr val="000000"/>
                         </a:solidFill>
@@ -28643,7 +28195,7 @@
             <p:ph idx="1"/>
             <p:extLst>
               <p:ext uri="{D42A27DB-BD31-4B8C-83A1-F6EECF244321}">
-                <p14:modId xmlns:p14="http://schemas.microsoft.com/office/powerpoint/2010/main" val="581793621"/>
+                <p14:modId xmlns:p14="http://schemas.microsoft.com/office/powerpoint/2010/main" val="495960707"/>
               </p:ext>
             </p:extLst>
           </p:nvPr>
@@ -28675,12 +28227,12 @@
                     <a:p>
                       <a:pPr algn="r" fontAlgn="b"/>
                       <a:r>
-                        <a:rPr lang="en-GB" sz="900" u="none" strike="noStrike">
+                        <a:rPr lang="en-GB" sz="900" u="none" strike="noStrike" dirty="0">
                           <a:effectLst/>
                         </a:rPr>
                         <a:t>21</a:t>
                       </a:r>
-                      <a:endParaRPr lang="en-GB" sz="900" b="0" i="0" u="none" strike="noStrike">
+                      <a:endParaRPr lang="en-GB" sz="900" b="0" i="0" u="none" strike="noStrike" dirty="0">
                         <a:solidFill>
                           <a:srgbClr val="000000"/>
                         </a:solidFill>
@@ -28976,10 +28528,14 @@
                     <a:p>
                       <a:pPr algn="l" fontAlgn="b"/>
                       <a:r>
-                        <a:rPr lang="en-GB" sz="900" u="none" strike="noStrike">
+                        <a:rPr lang="en-US" sz="900" b="0" i="0" u="none" strike="noStrike" smtClean="0">
+                          <a:solidFill>
+                            <a:schemeClr val="dk1"/>
+                          </a:solidFill>
                           <a:effectLst/>
+                          <a:latin typeface="+mn-lt"/>
                         </a:rPr>
-                        <a:t>N</a:t>
+                        <a:t>Y</a:t>
                       </a:r>
                       <a:endParaRPr lang="en-GB" sz="900" b="0" i="0" u="none" strike="noStrike">
                         <a:solidFill>

--- a/presentations/Supervisor Review (week 9).pptx
+++ b/presentations/Supervisor Review (week 9).pptx
@@ -8862,8 +8862,12 @@
           <a:lstStyle/>
           <a:p>
             <a:r>
-              <a:rPr lang="en-GB" dirty="0" smtClean="0"/>
-              <a:t>Supervisor Review (week 9)</a:t>
+              <a:rPr lang="en-GB" smtClean="0"/>
+              <a:t>Supervisor </a:t>
+            </a:r>
+            <a:r>
+              <a:rPr lang="en-GB" smtClean="0"/>
+              <a:t>Meeting</a:t>
             </a:r>
             <a:endParaRPr lang="en-GB" dirty="0"/>
           </a:p>
